--- a/images/theory_analysis/MySQL_Replication_Cluster/MySQL_Replication.pptx
+++ b/images/theory_analysis/MySQL_Replication_Cluster/MySQL_Replication.pptx
@@ -5,12 +5,13 @@
     <p:sldMasterId id="2147483648" r:id="rId1"/>
   </p:sldMasterIdLst>
   <p:notesMasterIdLst>
-    <p:notesMasterId r:id="rId5"/>
+    <p:notesMasterId r:id="rId6"/>
   </p:notesMasterIdLst>
   <p:sldIdLst>
-    <p:sldId id="359" r:id="rId2"/>
-    <p:sldId id="357" r:id="rId3"/>
-    <p:sldId id="358" r:id="rId4"/>
+    <p:sldId id="360" r:id="rId2"/>
+    <p:sldId id="359" r:id="rId3"/>
+    <p:sldId id="357" r:id="rId4"/>
+    <p:sldId id="358" r:id="rId5"/>
   </p:sldIdLst>
   <p:sldSz cx="9144000" cy="5143500" type="screen16x9"/>
   <p:notesSz cx="6858000" cy="9144000"/>
@@ -215,7 +216,7 @@
           <a:p>
             <a:fld id="{6CD5550B-26C4-49A9-A5BA-636EF7BE6CE9}" type="datetimeFigureOut">
               <a:rPr lang="ko-KR" altLang="en-US" smtClean="0"/>
-              <a:t>2018-12-14</a:t>
+              <a:t>2018-12-16</a:t>
             </a:fld>
             <a:endParaRPr lang="ko-KR" altLang="en-US"/>
           </a:p>
@@ -556,7 +557,7 @@
     </p:spTree>
     <p:extLst>
       <p:ext uri="{BB962C8B-B14F-4D97-AF65-F5344CB8AC3E}">
-        <p14:creationId xmlns:p14="http://schemas.microsoft.com/office/powerpoint/2010/main" val="44329558"/>
+        <p14:creationId xmlns:p14="http://schemas.microsoft.com/office/powerpoint/2010/main" val="1210414981"/>
       </p:ext>
     </p:extLst>
   </p:cSld>
@@ -640,7 +641,7 @@
     </p:spTree>
     <p:extLst>
       <p:ext uri="{BB962C8B-B14F-4D97-AF65-F5344CB8AC3E}">
-        <p14:creationId xmlns:p14="http://schemas.microsoft.com/office/powerpoint/2010/main" val="1694540052"/>
+        <p14:creationId xmlns:p14="http://schemas.microsoft.com/office/powerpoint/2010/main" val="44329558"/>
       </p:ext>
     </p:extLst>
   </p:cSld>
@@ -716,6 +717,90 @@
             <a:fld id="{BA5DFA43-8D57-47FB-BC46-057616015C3B}" type="slidenum">
               <a:rPr lang="ko-KR" altLang="en-US" smtClean="0"/>
               <a:t>3</a:t>
+            </a:fld>
+            <a:endParaRPr lang="ko-KR" altLang="en-US"/>
+          </a:p>
+        </p:txBody>
+      </p:sp>
+    </p:spTree>
+    <p:extLst>
+      <p:ext uri="{BB962C8B-B14F-4D97-AF65-F5344CB8AC3E}">
+        <p14:creationId xmlns:p14="http://schemas.microsoft.com/office/powerpoint/2010/main" val="1694540052"/>
+      </p:ext>
+    </p:extLst>
+  </p:cSld>
+  <p:clrMapOvr>
+    <a:masterClrMapping/>
+  </p:clrMapOvr>
+</p:notes>
+</file>
+
+<file path=ppt/notesSlides/notesSlide4.xml><?xml version="1.0" encoding="utf-8"?>
+<p:notes xmlns:a="http://schemas.openxmlformats.org/drawingml/2006/main" xmlns:r="http://schemas.openxmlformats.org/officeDocument/2006/relationships" xmlns:p="http://schemas.openxmlformats.org/presentationml/2006/main">
+  <p:cSld>
+    <p:spTree>
+      <p:nvGrpSpPr>
+        <p:cNvPr id="1" name=""/>
+        <p:cNvGrpSpPr/>
+        <p:nvPr/>
+      </p:nvGrpSpPr>
+      <p:grpSpPr>
+        <a:xfrm>
+          <a:off x="0" y="0"/>
+          <a:ext cx="0" cy="0"/>
+          <a:chOff x="0" y="0"/>
+          <a:chExt cx="0" cy="0"/>
+        </a:xfrm>
+      </p:grpSpPr>
+      <p:sp>
+        <p:nvSpPr>
+          <p:cNvPr id="2" name="슬라이드 이미지 개체 틀 1"/>
+          <p:cNvSpPr>
+            <a:spLocks noGrp="1" noRot="1" noChangeAspect="1"/>
+          </p:cNvSpPr>
+          <p:nvPr>
+            <p:ph type="sldImg"/>
+          </p:nvPr>
+        </p:nvSpPr>
+        <p:spPr/>
+      </p:sp>
+      <p:sp>
+        <p:nvSpPr>
+          <p:cNvPr id="3" name="슬라이드 노트 개체 틀 2"/>
+          <p:cNvSpPr>
+            <a:spLocks noGrp="1"/>
+          </p:cNvSpPr>
+          <p:nvPr>
+            <p:ph type="body" idx="1"/>
+          </p:nvPr>
+        </p:nvSpPr>
+        <p:spPr/>
+        <p:txBody>
+          <a:bodyPr/>
+          <a:lstStyle/>
+          <a:p>
+            <a:endParaRPr lang="ko-KR" altLang="en-US"/>
+          </a:p>
+        </p:txBody>
+      </p:sp>
+      <p:sp>
+        <p:nvSpPr>
+          <p:cNvPr id="4" name="슬라이드 번호 개체 틀 3"/>
+          <p:cNvSpPr>
+            <a:spLocks noGrp="1"/>
+          </p:cNvSpPr>
+          <p:nvPr>
+            <p:ph type="sldNum" sz="quarter" idx="10"/>
+          </p:nvPr>
+        </p:nvSpPr>
+        <p:spPr/>
+        <p:txBody>
+          <a:bodyPr/>
+          <a:lstStyle/>
+          <a:p>
+            <a:fld id="{BA5DFA43-8D57-47FB-BC46-057616015C3B}" type="slidenum">
+              <a:rPr lang="ko-KR" altLang="en-US" smtClean="0"/>
+              <a:t>4</a:t>
             </a:fld>
             <a:endParaRPr lang="ko-KR" altLang="en-US"/>
           </a:p>
@@ -913,7 +998,7 @@
           <a:p>
             <a:fld id="{FB30EDBD-1C2D-4C1E-B459-B60219FAB484}" type="datetimeFigureOut">
               <a:rPr lang="ko-KR" altLang="en-US" smtClean="0"/>
-              <a:t>2018-12-14</a:t>
+              <a:t>2018-12-16</a:t>
             </a:fld>
             <a:endParaRPr lang="ko-KR" altLang="en-US"/>
           </a:p>
@@ -1076,7 +1161,7 @@
           <a:p>
             <a:fld id="{FB30EDBD-1C2D-4C1E-B459-B60219FAB484}" type="datetimeFigureOut">
               <a:rPr lang="ko-KR" altLang="en-US" smtClean="0"/>
-              <a:t>2018-12-14</a:t>
+              <a:t>2018-12-16</a:t>
             </a:fld>
             <a:endParaRPr lang="ko-KR" altLang="en-US"/>
           </a:p>
@@ -1249,7 +1334,7 @@
           <a:p>
             <a:fld id="{FB30EDBD-1C2D-4C1E-B459-B60219FAB484}" type="datetimeFigureOut">
               <a:rPr lang="ko-KR" altLang="en-US" smtClean="0"/>
-              <a:t>2018-12-14</a:t>
+              <a:t>2018-12-16</a:t>
             </a:fld>
             <a:endParaRPr lang="ko-KR" altLang="en-US"/>
           </a:p>
@@ -1412,7 +1497,7 @@
           <a:p>
             <a:fld id="{FB30EDBD-1C2D-4C1E-B459-B60219FAB484}" type="datetimeFigureOut">
               <a:rPr lang="ko-KR" altLang="en-US" smtClean="0"/>
-              <a:t>2018-12-14</a:t>
+              <a:t>2018-12-16</a:t>
             </a:fld>
             <a:endParaRPr lang="ko-KR" altLang="en-US"/>
           </a:p>
@@ -1652,7 +1737,7 @@
           <a:p>
             <a:fld id="{FB30EDBD-1C2D-4C1E-B459-B60219FAB484}" type="datetimeFigureOut">
               <a:rPr lang="ko-KR" altLang="en-US" smtClean="0"/>
-              <a:t>2018-12-14</a:t>
+              <a:t>2018-12-16</a:t>
             </a:fld>
             <a:endParaRPr lang="ko-KR" altLang="en-US"/>
           </a:p>
@@ -1932,7 +2017,7 @@
           <a:p>
             <a:fld id="{FB30EDBD-1C2D-4C1E-B459-B60219FAB484}" type="datetimeFigureOut">
               <a:rPr lang="ko-KR" altLang="en-US" smtClean="0"/>
-              <a:t>2018-12-14</a:t>
+              <a:t>2018-12-16</a:t>
             </a:fld>
             <a:endParaRPr lang="ko-KR" altLang="en-US"/>
           </a:p>
@@ -2346,7 +2431,7 @@
           <a:p>
             <a:fld id="{FB30EDBD-1C2D-4C1E-B459-B60219FAB484}" type="datetimeFigureOut">
               <a:rPr lang="ko-KR" altLang="en-US" smtClean="0"/>
-              <a:t>2018-12-14</a:t>
+              <a:t>2018-12-16</a:t>
             </a:fld>
             <a:endParaRPr lang="ko-KR" altLang="en-US"/>
           </a:p>
@@ -2458,7 +2543,7 @@
           <a:p>
             <a:fld id="{FB30EDBD-1C2D-4C1E-B459-B60219FAB484}" type="datetimeFigureOut">
               <a:rPr lang="ko-KR" altLang="en-US" smtClean="0"/>
-              <a:t>2018-12-14</a:t>
+              <a:t>2018-12-16</a:t>
             </a:fld>
             <a:endParaRPr lang="ko-KR" altLang="en-US"/>
           </a:p>
@@ -2548,7 +2633,7 @@
           <a:p>
             <a:fld id="{FB30EDBD-1C2D-4C1E-B459-B60219FAB484}" type="datetimeFigureOut">
               <a:rPr lang="ko-KR" altLang="en-US" smtClean="0"/>
-              <a:t>2018-12-14</a:t>
+              <a:t>2018-12-16</a:t>
             </a:fld>
             <a:endParaRPr lang="ko-KR" altLang="en-US"/>
           </a:p>
@@ -2818,7 +2903,7 @@
           <a:p>
             <a:fld id="{FB30EDBD-1C2D-4C1E-B459-B60219FAB484}" type="datetimeFigureOut">
               <a:rPr lang="ko-KR" altLang="en-US" smtClean="0"/>
-              <a:t>2018-12-14</a:t>
+              <a:t>2018-12-16</a:t>
             </a:fld>
             <a:endParaRPr lang="ko-KR" altLang="en-US"/>
           </a:p>
@@ -3065,7 +3150,7 @@
           <a:p>
             <a:fld id="{FB30EDBD-1C2D-4C1E-B459-B60219FAB484}" type="datetimeFigureOut">
               <a:rPr lang="ko-KR" altLang="en-US" smtClean="0"/>
-              <a:t>2018-12-14</a:t>
+              <a:t>2018-12-16</a:t>
             </a:fld>
             <a:endParaRPr lang="ko-KR" altLang="en-US"/>
           </a:p>
@@ -3271,7 +3356,7 @@
           <a:p>
             <a:fld id="{FB30EDBD-1C2D-4C1E-B459-B60219FAB484}" type="datetimeFigureOut">
               <a:rPr lang="ko-KR" altLang="en-US" smtClean="0"/>
-              <a:t>2018-12-14</a:t>
+              <a:t>2018-12-16</a:t>
             </a:fld>
             <a:endParaRPr lang="ko-KR" altLang="en-US"/>
           </a:p>
@@ -3663,6 +3748,64 @@
           <a:p>
             <a:r>
               <a:rPr lang="en-US" altLang="ko-KR"/>
+              <a:t>Master-Slave</a:t>
+            </a:r>
+            <a:endParaRPr lang="ko-KR" altLang="en-US"/>
+          </a:p>
+        </p:txBody>
+      </p:sp>
+    </p:spTree>
+    <p:extLst>
+      <p:ext uri="{BB962C8B-B14F-4D97-AF65-F5344CB8AC3E}">
+        <p14:creationId xmlns:p14="http://schemas.microsoft.com/office/powerpoint/2010/main" val="669904610"/>
+      </p:ext>
+    </p:extLst>
+  </p:cSld>
+  <p:clrMapOvr>
+    <a:masterClrMapping/>
+  </p:clrMapOvr>
+</p:sld>
+</file>
+
+<file path=ppt/slides/slide2.xml><?xml version="1.0" encoding="utf-8"?>
+<p:sld xmlns:a="http://schemas.openxmlformats.org/drawingml/2006/main" xmlns:r="http://schemas.openxmlformats.org/officeDocument/2006/relationships" xmlns:p="http://schemas.openxmlformats.org/presentationml/2006/main">
+  <p:cSld>
+    <p:spTree>
+      <p:nvGrpSpPr>
+        <p:cNvPr id="1" name=""/>
+        <p:cNvGrpSpPr/>
+        <p:nvPr/>
+      </p:nvGrpSpPr>
+      <p:grpSpPr>
+        <a:xfrm>
+          <a:off x="0" y="0"/>
+          <a:ext cx="0" cy="0"/>
+          <a:chOff x="0" y="0"/>
+          <a:chExt cx="0" cy="0"/>
+        </a:xfrm>
+      </p:grpSpPr>
+      <p:sp>
+        <p:nvSpPr>
+          <p:cNvPr id="2" name="제목 1"/>
+          <p:cNvSpPr>
+            <a:spLocks noGrp="1"/>
+          </p:cNvSpPr>
+          <p:nvPr>
+            <p:ph type="title"/>
+          </p:nvPr>
+        </p:nvSpPr>
+        <p:spPr>
+          <a:xfrm>
+            <a:off x="565354" y="24473"/>
+            <a:ext cx="8229600" cy="857250"/>
+          </a:xfrm>
+        </p:spPr>
+        <p:txBody>
+          <a:bodyPr/>
+          <a:lstStyle/>
+          <a:p>
+            <a:r>
+              <a:rPr lang="en-US" altLang="ko-KR"/>
               <a:t>Async</a:t>
             </a:r>
             <a:endParaRPr lang="ko-KR" altLang="en-US"/>
@@ -3884,8 +4027,8 @@
         </p:nvCxnSpPr>
         <p:spPr>
           <a:xfrm>
-            <a:off x="3072931" y="1753547"/>
-            <a:ext cx="1549131" cy="0"/>
+            <a:off x="3058065" y="1753547"/>
+            <a:ext cx="1563997" cy="0"/>
           </a:xfrm>
           <a:prstGeom prst="line">
             <a:avLst/>
@@ -4060,8 +4203,8 @@
         </p:nvSpPr>
         <p:spPr>
           <a:xfrm>
-            <a:off x="4895057" y="1885632"/>
-            <a:ext cx="1046864" cy="352979"/>
+            <a:off x="4895057" y="1858220"/>
+            <a:ext cx="1046864" cy="407804"/>
           </a:xfrm>
           <a:prstGeom prst="rect">
             <a:avLst/>
@@ -4084,7 +4227,7 @@
             <a:pPr algn="ctr"/>
             <a:r>
               <a:rPr lang="en-US" altLang="ko-KR" sz="1100"/>
-              <a:t>&amp; Binlog </a:t>
+              <a:t>&amp; Bin log </a:t>
             </a:r>
             <a:endParaRPr lang="ko-KR" altLang="en-US" sz="1100" dirty="0"/>
           </a:p>
@@ -4150,8 +4293,8 @@
         </p:nvCxnSpPr>
         <p:spPr>
           <a:xfrm>
-            <a:off x="4607045" y="2487013"/>
-            <a:ext cx="1572981" cy="0"/>
+            <a:off x="4624388" y="2487013"/>
+            <a:ext cx="1555638" cy="0"/>
           </a:xfrm>
           <a:prstGeom prst="line">
             <a:avLst/>
@@ -4526,7 +4669,7 @@
 </p:sld>
 </file>
 
-<file path=ppt/slides/slide2.xml><?xml version="1.0" encoding="utf-8"?>
+<file path=ppt/slides/slide3.xml><?xml version="1.0" encoding="utf-8"?>
 <p:sld xmlns:a="http://schemas.openxmlformats.org/drawingml/2006/main" xmlns:r="http://schemas.openxmlformats.org/officeDocument/2006/relationships" xmlns:p="http://schemas.openxmlformats.org/presentationml/2006/main">
   <p:cSld>
     <p:spTree>
@@ -4962,8 +5105,8 @@
         </p:nvSpPr>
         <p:spPr>
           <a:xfrm>
-            <a:off x="4895057" y="2173664"/>
-            <a:ext cx="1046864" cy="352979"/>
+            <a:off x="4895057" y="2146252"/>
+            <a:ext cx="1046864" cy="407804"/>
           </a:xfrm>
           <a:prstGeom prst="rect">
             <a:avLst/>
@@ -4986,7 +5129,7 @@
             <a:pPr algn="ctr"/>
             <a:r>
               <a:rPr lang="en-US" altLang="ko-KR" sz="1100"/>
-              <a:t>&amp; Binlog </a:t>
+              <a:t>&amp; Bin log </a:t>
             </a:r>
             <a:endParaRPr lang="ko-KR" altLang="en-US" sz="1100" dirty="0"/>
           </a:p>
@@ -5052,8 +5195,8 @@
         </p:nvCxnSpPr>
         <p:spPr>
           <a:xfrm>
-            <a:off x="4607045" y="2775045"/>
-            <a:ext cx="1572981" cy="0"/>
+            <a:off x="4629150" y="2775045"/>
+            <a:ext cx="1550876" cy="0"/>
           </a:xfrm>
           <a:prstGeom prst="line">
             <a:avLst/>
@@ -5568,7 +5711,7 @@
 </p:sld>
 </file>
 
-<file path=ppt/slides/slide3.xml><?xml version="1.0" encoding="utf-8"?>
+<file path=ppt/slides/slide4.xml><?xml version="1.0" encoding="utf-8"?>
 <p:sld xmlns:a="http://schemas.openxmlformats.org/drawingml/2006/main" xmlns:r="http://schemas.openxmlformats.org/officeDocument/2006/relationships" xmlns:p="http://schemas.openxmlformats.org/presentationml/2006/main">
   <p:cSld>
     <p:spTree>
@@ -6004,8 +6147,8 @@
         </p:nvSpPr>
         <p:spPr>
           <a:xfrm>
-            <a:off x="4895057" y="3182433"/>
-            <a:ext cx="1046864" cy="352979"/>
+            <a:off x="4895057" y="3155021"/>
+            <a:ext cx="1046864" cy="407804"/>
           </a:xfrm>
           <a:prstGeom prst="rect">
             <a:avLst/>
@@ -6028,7 +6171,7 @@
             <a:pPr algn="ctr"/>
             <a:r>
               <a:rPr lang="en-US" altLang="ko-KR" sz="1100"/>
-              <a:t>&amp; Binlog </a:t>
+              <a:t>&amp; Bin log </a:t>
             </a:r>
             <a:endParaRPr lang="ko-KR" altLang="en-US" sz="1100" dirty="0"/>
           </a:p>
@@ -6094,8 +6237,8 @@
         </p:nvCxnSpPr>
         <p:spPr>
           <a:xfrm>
-            <a:off x="4607045" y="2272593"/>
-            <a:ext cx="1572981" cy="0"/>
+            <a:off x="4619625" y="2272593"/>
+            <a:ext cx="1560401" cy="0"/>
           </a:xfrm>
           <a:prstGeom prst="line">
             <a:avLst/>

--- a/images/theory_analysis/MySQL_Replication_Cluster/MySQL_Replication.pptx
+++ b/images/theory_analysis/MySQL_Replication_Cluster/MySQL_Replication.pptx
@@ -9,9 +9,9 @@
   </p:notesMasterIdLst>
   <p:sldIdLst>
     <p:sldId id="360" r:id="rId2"/>
-    <p:sldId id="359" r:id="rId3"/>
-    <p:sldId id="357" r:id="rId4"/>
-    <p:sldId id="358" r:id="rId5"/>
+    <p:sldId id="361" r:id="rId3"/>
+    <p:sldId id="359" r:id="rId4"/>
+    <p:sldId id="357" r:id="rId5"/>
   </p:sldIdLst>
   <p:sldSz cx="9144000" cy="5143500" type="screen16x9"/>
   <p:notesSz cx="6858000" cy="9144000"/>
@@ -641,7 +641,7 @@
     </p:spTree>
     <p:extLst>
       <p:ext uri="{BB962C8B-B14F-4D97-AF65-F5344CB8AC3E}">
-        <p14:creationId xmlns:p14="http://schemas.microsoft.com/office/powerpoint/2010/main" val="44329558"/>
+        <p14:creationId xmlns:p14="http://schemas.microsoft.com/office/powerpoint/2010/main" val="4195755357"/>
       </p:ext>
     </p:extLst>
   </p:cSld>
@@ -725,7 +725,7 @@
     </p:spTree>
     <p:extLst>
       <p:ext uri="{BB962C8B-B14F-4D97-AF65-F5344CB8AC3E}">
-        <p14:creationId xmlns:p14="http://schemas.microsoft.com/office/powerpoint/2010/main" val="1694540052"/>
+        <p14:creationId xmlns:p14="http://schemas.microsoft.com/office/powerpoint/2010/main" val="44329558"/>
       </p:ext>
     </p:extLst>
   </p:cSld>
@@ -809,7 +809,7 @@
     </p:spTree>
     <p:extLst>
       <p:ext uri="{BB962C8B-B14F-4D97-AF65-F5344CB8AC3E}">
-        <p14:creationId xmlns:p14="http://schemas.microsoft.com/office/powerpoint/2010/main" val="63414875"/>
+        <p14:creationId xmlns:p14="http://schemas.microsoft.com/office/powerpoint/2010/main" val="1694540052"/>
       </p:ext>
     </p:extLst>
   </p:cSld>
@@ -3754,6 +3754,847 @@
           </a:p>
         </p:txBody>
       </p:sp>
+      <p:sp>
+        <p:nvSpPr>
+          <p:cNvPr id="4" name="사각형: 둥근 모서리 3">
+            <a:extLst>
+              <a:ext uri="{FF2B5EF4-FFF2-40B4-BE49-F238E27FC236}">
+                <a16:creationId xmlns:a16="http://schemas.microsoft.com/office/drawing/2014/main" id="{8890BB04-0EC3-4677-B15B-A2E9EE30680B}"/>
+              </a:ext>
+            </a:extLst>
+          </p:cNvPr>
+          <p:cNvSpPr/>
+          <p:nvPr/>
+        </p:nvSpPr>
+        <p:spPr>
+          <a:xfrm>
+            <a:off x="3779912" y="2787774"/>
+            <a:ext cx="1512168" cy="1512168"/>
+          </a:xfrm>
+          <a:prstGeom prst="roundRect">
+            <a:avLst>
+              <a:gd name="adj" fmla="val 5886"/>
+            </a:avLst>
+          </a:prstGeom>
+        </p:spPr>
+        <p:style>
+          <a:lnRef idx="2">
+            <a:schemeClr val="dk1"/>
+          </a:lnRef>
+          <a:fillRef idx="1">
+            <a:schemeClr val="lt1"/>
+          </a:fillRef>
+          <a:effectRef idx="0">
+            <a:schemeClr val="dk1"/>
+          </a:effectRef>
+          <a:fontRef idx="minor">
+            <a:schemeClr val="dk1"/>
+          </a:fontRef>
+        </p:style>
+        <p:txBody>
+          <a:bodyPr rtlCol="0" anchor="b"/>
+          <a:lstStyle/>
+          <a:p>
+            <a:pPr algn="ctr"/>
+            <a:r>
+              <a:rPr lang="en-US" altLang="ko-KR" sz="1600"/>
+              <a:t>Slave DB A</a:t>
+            </a:r>
+            <a:endParaRPr lang="ko-KR" altLang="en-US" sz="1600"/>
+          </a:p>
+        </p:txBody>
+      </p:sp>
+      <p:sp>
+        <p:nvSpPr>
+          <p:cNvPr id="3" name="사각형: 둥근 모서리 2">
+            <a:extLst>
+              <a:ext uri="{FF2B5EF4-FFF2-40B4-BE49-F238E27FC236}">
+                <a16:creationId xmlns:a16="http://schemas.microsoft.com/office/drawing/2014/main" id="{8A1616A6-1400-47E3-B96B-3825AAA58B85}"/>
+              </a:ext>
+            </a:extLst>
+          </p:cNvPr>
+          <p:cNvSpPr/>
+          <p:nvPr/>
+        </p:nvSpPr>
+        <p:spPr>
+          <a:xfrm>
+            <a:off x="3779912" y="1995686"/>
+            <a:ext cx="1512168" cy="360040"/>
+          </a:xfrm>
+          <a:prstGeom prst="roundRect">
+            <a:avLst/>
+          </a:prstGeom>
+        </p:spPr>
+        <p:style>
+          <a:lnRef idx="2">
+            <a:schemeClr val="dk1"/>
+          </a:lnRef>
+          <a:fillRef idx="1">
+            <a:schemeClr val="lt1"/>
+          </a:fillRef>
+          <a:effectRef idx="0">
+            <a:schemeClr val="dk1"/>
+          </a:effectRef>
+          <a:fontRef idx="minor">
+            <a:schemeClr val="dk1"/>
+          </a:fontRef>
+        </p:style>
+        <p:txBody>
+          <a:bodyPr rtlCol="0" anchor="ctr"/>
+          <a:lstStyle/>
+          <a:p>
+            <a:pPr algn="ctr"/>
+            <a:r>
+              <a:rPr lang="en-US" altLang="ko-KR" sz="1600"/>
+              <a:t>LB (VIP)</a:t>
+            </a:r>
+            <a:endParaRPr lang="ko-KR" altLang="en-US" sz="1600"/>
+          </a:p>
+        </p:txBody>
+      </p:sp>
+      <p:sp>
+        <p:nvSpPr>
+          <p:cNvPr id="8" name="사각형: 둥근 모서리 7">
+            <a:extLst>
+              <a:ext uri="{FF2B5EF4-FFF2-40B4-BE49-F238E27FC236}">
+                <a16:creationId xmlns:a16="http://schemas.microsoft.com/office/drawing/2014/main" id="{583C970C-86D1-45C6-9400-70A040488B56}"/>
+              </a:ext>
+            </a:extLst>
+          </p:cNvPr>
+          <p:cNvSpPr/>
+          <p:nvPr/>
+        </p:nvSpPr>
+        <p:spPr>
+          <a:xfrm>
+            <a:off x="1763688" y="2787774"/>
+            <a:ext cx="1512168" cy="1512168"/>
+          </a:xfrm>
+          <a:prstGeom prst="roundRect">
+            <a:avLst>
+              <a:gd name="adj" fmla="val 5886"/>
+            </a:avLst>
+          </a:prstGeom>
+        </p:spPr>
+        <p:style>
+          <a:lnRef idx="2">
+            <a:schemeClr val="dk1"/>
+          </a:lnRef>
+          <a:fillRef idx="1">
+            <a:schemeClr val="lt1"/>
+          </a:fillRef>
+          <a:effectRef idx="0">
+            <a:schemeClr val="dk1"/>
+          </a:effectRef>
+          <a:fontRef idx="minor">
+            <a:schemeClr val="dk1"/>
+          </a:fontRef>
+        </p:style>
+        <p:txBody>
+          <a:bodyPr rtlCol="0" anchor="b"/>
+          <a:lstStyle/>
+          <a:p>
+            <a:pPr algn="ctr"/>
+            <a:r>
+              <a:rPr lang="en-US" altLang="ko-KR" sz="1600"/>
+              <a:t>Master DB</a:t>
+            </a:r>
+            <a:endParaRPr lang="ko-KR" altLang="en-US" sz="1600"/>
+          </a:p>
+        </p:txBody>
+      </p:sp>
+      <p:sp>
+        <p:nvSpPr>
+          <p:cNvPr id="9" name="사각형: 둥근 모서리 8">
+            <a:extLst>
+              <a:ext uri="{FF2B5EF4-FFF2-40B4-BE49-F238E27FC236}">
+                <a16:creationId xmlns:a16="http://schemas.microsoft.com/office/drawing/2014/main" id="{B5242D48-4E1F-41E6-A8B8-1EA5997B1334}"/>
+              </a:ext>
+            </a:extLst>
+          </p:cNvPr>
+          <p:cNvSpPr/>
+          <p:nvPr/>
+        </p:nvSpPr>
+        <p:spPr>
+          <a:xfrm>
+            <a:off x="5792257" y="2787774"/>
+            <a:ext cx="1512168" cy="1512168"/>
+          </a:xfrm>
+          <a:prstGeom prst="roundRect">
+            <a:avLst>
+              <a:gd name="adj" fmla="val 5886"/>
+            </a:avLst>
+          </a:prstGeom>
+        </p:spPr>
+        <p:style>
+          <a:lnRef idx="2">
+            <a:schemeClr val="dk1"/>
+          </a:lnRef>
+          <a:fillRef idx="1">
+            <a:schemeClr val="lt1"/>
+          </a:fillRef>
+          <a:effectRef idx="0">
+            <a:schemeClr val="dk1"/>
+          </a:effectRef>
+          <a:fontRef idx="minor">
+            <a:schemeClr val="dk1"/>
+          </a:fontRef>
+        </p:style>
+        <p:txBody>
+          <a:bodyPr rtlCol="0" anchor="b"/>
+          <a:lstStyle/>
+          <a:p>
+            <a:pPr algn="ctr"/>
+            <a:r>
+              <a:rPr lang="en-US" altLang="ko-KR" sz="1600"/>
+              <a:t>Slave DB B</a:t>
+            </a:r>
+            <a:endParaRPr lang="ko-KR" altLang="en-US" sz="1600"/>
+          </a:p>
+        </p:txBody>
+      </p:sp>
+      <p:sp>
+        <p:nvSpPr>
+          <p:cNvPr id="10" name="사각형: 둥근 모서리 9">
+            <a:extLst>
+              <a:ext uri="{FF2B5EF4-FFF2-40B4-BE49-F238E27FC236}">
+                <a16:creationId xmlns:a16="http://schemas.microsoft.com/office/drawing/2014/main" id="{866B3922-D196-4CE1-97DA-94D70579E5FE}"/>
+              </a:ext>
+            </a:extLst>
+          </p:cNvPr>
+          <p:cNvSpPr/>
+          <p:nvPr/>
+        </p:nvSpPr>
+        <p:spPr>
+          <a:xfrm>
+            <a:off x="3779912" y="1203598"/>
+            <a:ext cx="1512168" cy="360040"/>
+          </a:xfrm>
+          <a:prstGeom prst="roundRect">
+            <a:avLst/>
+          </a:prstGeom>
+        </p:spPr>
+        <p:style>
+          <a:lnRef idx="2">
+            <a:schemeClr val="dk1"/>
+          </a:lnRef>
+          <a:fillRef idx="1">
+            <a:schemeClr val="lt1"/>
+          </a:fillRef>
+          <a:effectRef idx="0">
+            <a:schemeClr val="dk1"/>
+          </a:effectRef>
+          <a:fontRef idx="minor">
+            <a:schemeClr val="dk1"/>
+          </a:fontRef>
+        </p:style>
+        <p:txBody>
+          <a:bodyPr rtlCol="0" anchor="ctr"/>
+          <a:lstStyle/>
+          <a:p>
+            <a:pPr algn="ctr"/>
+            <a:r>
+              <a:rPr lang="en-US" altLang="ko-KR" sz="1600"/>
+              <a:t>App</a:t>
+            </a:r>
+            <a:endParaRPr lang="ko-KR" altLang="en-US" sz="1600"/>
+          </a:p>
+        </p:txBody>
+      </p:sp>
+      <p:sp>
+        <p:nvSpPr>
+          <p:cNvPr id="11" name="순서도: 자기 디스크 10">
+            <a:extLst>
+              <a:ext uri="{FF2B5EF4-FFF2-40B4-BE49-F238E27FC236}">
+                <a16:creationId xmlns:a16="http://schemas.microsoft.com/office/drawing/2014/main" id="{0197D105-FED6-424D-9645-F3D5083B16F8}"/>
+              </a:ext>
+            </a:extLst>
+          </p:cNvPr>
+          <p:cNvSpPr/>
+          <p:nvPr/>
+        </p:nvSpPr>
+        <p:spPr>
+          <a:xfrm>
+            <a:off x="1982399" y="3147814"/>
+            <a:ext cx="1074746" cy="720080"/>
+          </a:xfrm>
+          <a:prstGeom prst="flowChartMagneticDisk">
+            <a:avLst/>
+          </a:prstGeom>
+        </p:spPr>
+        <p:style>
+          <a:lnRef idx="2">
+            <a:schemeClr val="dk1"/>
+          </a:lnRef>
+          <a:fillRef idx="1">
+            <a:schemeClr val="lt1"/>
+          </a:fillRef>
+          <a:effectRef idx="0">
+            <a:schemeClr val="dk1"/>
+          </a:effectRef>
+          <a:fontRef idx="minor">
+            <a:schemeClr val="dk1"/>
+          </a:fontRef>
+        </p:style>
+        <p:txBody>
+          <a:bodyPr rtlCol="0" anchor="ctr"/>
+          <a:lstStyle/>
+          <a:p>
+            <a:pPr algn="ctr"/>
+            <a:endParaRPr lang="ko-KR" altLang="en-US"/>
+          </a:p>
+        </p:txBody>
+      </p:sp>
+      <p:sp>
+        <p:nvSpPr>
+          <p:cNvPr id="12" name="순서도: 자기 디스크 11">
+            <a:extLst>
+              <a:ext uri="{FF2B5EF4-FFF2-40B4-BE49-F238E27FC236}">
+                <a16:creationId xmlns:a16="http://schemas.microsoft.com/office/drawing/2014/main" id="{525E0FAB-2A3E-4CE8-92A7-899F9B240C20}"/>
+              </a:ext>
+            </a:extLst>
+          </p:cNvPr>
+          <p:cNvSpPr/>
+          <p:nvPr/>
+        </p:nvSpPr>
+        <p:spPr>
+          <a:xfrm>
+            <a:off x="3998623" y="3147814"/>
+            <a:ext cx="1074746" cy="720080"/>
+          </a:xfrm>
+          <a:prstGeom prst="flowChartMagneticDisk">
+            <a:avLst/>
+          </a:prstGeom>
+        </p:spPr>
+        <p:style>
+          <a:lnRef idx="2">
+            <a:schemeClr val="dk1"/>
+          </a:lnRef>
+          <a:fillRef idx="1">
+            <a:schemeClr val="lt1"/>
+          </a:fillRef>
+          <a:effectRef idx="0">
+            <a:schemeClr val="dk1"/>
+          </a:effectRef>
+          <a:fontRef idx="minor">
+            <a:schemeClr val="dk1"/>
+          </a:fontRef>
+        </p:style>
+        <p:txBody>
+          <a:bodyPr rtlCol="0" anchor="ctr"/>
+          <a:lstStyle/>
+          <a:p>
+            <a:pPr algn="ctr"/>
+            <a:endParaRPr lang="ko-KR" altLang="en-US"/>
+          </a:p>
+        </p:txBody>
+      </p:sp>
+      <p:sp>
+        <p:nvSpPr>
+          <p:cNvPr id="13" name="순서도: 자기 디스크 12">
+            <a:extLst>
+              <a:ext uri="{FF2B5EF4-FFF2-40B4-BE49-F238E27FC236}">
+                <a16:creationId xmlns:a16="http://schemas.microsoft.com/office/drawing/2014/main" id="{C5C2DD05-769F-44B8-89AB-BC08E350366C}"/>
+              </a:ext>
+            </a:extLst>
+          </p:cNvPr>
+          <p:cNvSpPr/>
+          <p:nvPr/>
+        </p:nvSpPr>
+        <p:spPr>
+          <a:xfrm>
+            <a:off x="6010968" y="3147814"/>
+            <a:ext cx="1074746" cy="720080"/>
+          </a:xfrm>
+          <a:prstGeom prst="flowChartMagneticDisk">
+            <a:avLst/>
+          </a:prstGeom>
+        </p:spPr>
+        <p:style>
+          <a:lnRef idx="2">
+            <a:schemeClr val="dk1"/>
+          </a:lnRef>
+          <a:fillRef idx="1">
+            <a:schemeClr val="lt1"/>
+          </a:fillRef>
+          <a:effectRef idx="0">
+            <a:schemeClr val="dk1"/>
+          </a:effectRef>
+          <a:fontRef idx="minor">
+            <a:schemeClr val="dk1"/>
+          </a:fontRef>
+        </p:style>
+        <p:txBody>
+          <a:bodyPr rtlCol="0" anchor="ctr"/>
+          <a:lstStyle/>
+          <a:p>
+            <a:pPr algn="ctr"/>
+            <a:endParaRPr lang="ko-KR" altLang="en-US"/>
+          </a:p>
+        </p:txBody>
+      </p:sp>
+      <p:cxnSp>
+        <p:nvCxnSpPr>
+          <p:cNvPr id="15" name="직선 화살표 연결선 14">
+            <a:extLst>
+              <a:ext uri="{FF2B5EF4-FFF2-40B4-BE49-F238E27FC236}">
+                <a16:creationId xmlns:a16="http://schemas.microsoft.com/office/drawing/2014/main" id="{9E1E5D33-26D8-46EA-A627-36FCD9DA07D1}"/>
+              </a:ext>
+            </a:extLst>
+          </p:cNvPr>
+          <p:cNvCxnSpPr>
+            <a:cxnSpLocks/>
+          </p:cNvCxnSpPr>
+          <p:nvPr/>
+        </p:nvCxnSpPr>
+        <p:spPr>
+          <a:xfrm>
+            <a:off x="3057145" y="3435846"/>
+            <a:ext cx="941478" cy="0"/>
+          </a:xfrm>
+          <a:prstGeom prst="straightConnector1">
+            <a:avLst/>
+          </a:prstGeom>
+          <a:ln w="28575">
+            <a:solidFill>
+              <a:schemeClr val="tx1"/>
+            </a:solidFill>
+            <a:headEnd type="none" w="med" len="med"/>
+            <a:tailEnd type="arrow" w="med" len="med"/>
+          </a:ln>
+        </p:spPr>
+        <p:style>
+          <a:lnRef idx="1">
+            <a:schemeClr val="accent1"/>
+          </a:lnRef>
+          <a:fillRef idx="0">
+            <a:schemeClr val="accent1"/>
+          </a:fillRef>
+          <a:effectRef idx="0">
+            <a:schemeClr val="accent1"/>
+          </a:effectRef>
+          <a:fontRef idx="minor">
+            <a:schemeClr val="tx1"/>
+          </a:fontRef>
+        </p:style>
+      </p:cxnSp>
+      <p:cxnSp>
+        <p:nvCxnSpPr>
+          <p:cNvPr id="16" name="직선 화살표 연결선 15">
+            <a:extLst>
+              <a:ext uri="{FF2B5EF4-FFF2-40B4-BE49-F238E27FC236}">
+                <a16:creationId xmlns:a16="http://schemas.microsoft.com/office/drawing/2014/main" id="{16ACF36D-2E91-464F-8D4D-31C050A7E66A}"/>
+              </a:ext>
+            </a:extLst>
+          </p:cNvPr>
+          <p:cNvCxnSpPr>
+            <a:cxnSpLocks/>
+          </p:cNvCxnSpPr>
+          <p:nvPr/>
+        </p:nvCxnSpPr>
+        <p:spPr>
+          <a:xfrm>
+            <a:off x="3057145" y="3651870"/>
+            <a:ext cx="2953823" cy="0"/>
+          </a:xfrm>
+          <a:prstGeom prst="straightConnector1">
+            <a:avLst/>
+          </a:prstGeom>
+          <a:ln w="28575">
+            <a:solidFill>
+              <a:schemeClr val="tx1"/>
+            </a:solidFill>
+            <a:headEnd type="none" w="med" len="med"/>
+            <a:tailEnd type="arrow" w="med" len="med"/>
+          </a:ln>
+        </p:spPr>
+        <p:style>
+          <a:lnRef idx="1">
+            <a:schemeClr val="accent1"/>
+          </a:lnRef>
+          <a:fillRef idx="0">
+            <a:schemeClr val="accent1"/>
+          </a:fillRef>
+          <a:effectRef idx="0">
+            <a:schemeClr val="accent1"/>
+          </a:effectRef>
+          <a:fontRef idx="minor">
+            <a:schemeClr val="tx1"/>
+          </a:fontRef>
+        </p:style>
+      </p:cxnSp>
+      <p:cxnSp>
+        <p:nvCxnSpPr>
+          <p:cNvPr id="19" name="직선 연결선 18">
+            <a:extLst>
+              <a:ext uri="{FF2B5EF4-FFF2-40B4-BE49-F238E27FC236}">
+                <a16:creationId xmlns:a16="http://schemas.microsoft.com/office/drawing/2014/main" id="{22CBDC41-EAC0-49C3-8FAC-63013E9BAF6F}"/>
+              </a:ext>
+            </a:extLst>
+          </p:cNvPr>
+          <p:cNvCxnSpPr>
+            <a:cxnSpLocks/>
+            <a:stCxn id="10" idx="2"/>
+            <a:endCxn id="3" idx="0"/>
+          </p:cNvCxnSpPr>
+          <p:nvPr/>
+        </p:nvCxnSpPr>
+        <p:spPr>
+          <a:xfrm>
+            <a:off x="4535996" y="1563638"/>
+            <a:ext cx="0" cy="432048"/>
+          </a:xfrm>
+          <a:prstGeom prst="line">
+            <a:avLst/>
+          </a:prstGeom>
+          <a:ln w="28575">
+            <a:solidFill>
+              <a:schemeClr val="tx1"/>
+            </a:solidFill>
+            <a:headEnd type="none" w="med" len="med"/>
+            <a:tailEnd type="arrow" w="med" len="med"/>
+          </a:ln>
+        </p:spPr>
+        <p:style>
+          <a:lnRef idx="1">
+            <a:schemeClr val="accent1"/>
+          </a:lnRef>
+          <a:fillRef idx="0">
+            <a:schemeClr val="accent1"/>
+          </a:fillRef>
+          <a:effectRef idx="0">
+            <a:schemeClr val="accent1"/>
+          </a:effectRef>
+          <a:fontRef idx="minor">
+            <a:schemeClr val="tx1"/>
+          </a:fontRef>
+        </p:style>
+      </p:cxnSp>
+      <p:cxnSp>
+        <p:nvCxnSpPr>
+          <p:cNvPr id="22" name="직선 연결선 21">
+            <a:extLst>
+              <a:ext uri="{FF2B5EF4-FFF2-40B4-BE49-F238E27FC236}">
+                <a16:creationId xmlns:a16="http://schemas.microsoft.com/office/drawing/2014/main" id="{507DD919-1F8C-4EDF-A3EA-9C85EEC24FF7}"/>
+              </a:ext>
+            </a:extLst>
+          </p:cNvPr>
+          <p:cNvCxnSpPr>
+            <a:cxnSpLocks/>
+            <a:stCxn id="3" idx="2"/>
+            <a:endCxn id="8" idx="0"/>
+          </p:cNvCxnSpPr>
+          <p:nvPr/>
+        </p:nvCxnSpPr>
+        <p:spPr>
+          <a:xfrm flipH="1">
+            <a:off x="2519772" y="2355726"/>
+            <a:ext cx="2016224" cy="432048"/>
+          </a:xfrm>
+          <a:prstGeom prst="line">
+            <a:avLst/>
+          </a:prstGeom>
+          <a:ln w="28575">
+            <a:solidFill>
+              <a:schemeClr val="tx1"/>
+            </a:solidFill>
+            <a:headEnd type="none" w="med" len="med"/>
+            <a:tailEnd type="arrow" w="med" len="med"/>
+          </a:ln>
+        </p:spPr>
+        <p:style>
+          <a:lnRef idx="1">
+            <a:schemeClr val="accent1"/>
+          </a:lnRef>
+          <a:fillRef idx="0">
+            <a:schemeClr val="accent1"/>
+          </a:fillRef>
+          <a:effectRef idx="0">
+            <a:schemeClr val="accent1"/>
+          </a:effectRef>
+          <a:fontRef idx="minor">
+            <a:schemeClr val="tx1"/>
+          </a:fontRef>
+        </p:style>
+      </p:cxnSp>
+      <p:cxnSp>
+        <p:nvCxnSpPr>
+          <p:cNvPr id="25" name="직선 연결선 24">
+            <a:extLst>
+              <a:ext uri="{FF2B5EF4-FFF2-40B4-BE49-F238E27FC236}">
+                <a16:creationId xmlns:a16="http://schemas.microsoft.com/office/drawing/2014/main" id="{05E73110-B9EC-455C-96CC-025CFED44C57}"/>
+              </a:ext>
+            </a:extLst>
+          </p:cNvPr>
+          <p:cNvCxnSpPr>
+            <a:cxnSpLocks/>
+            <a:stCxn id="3" idx="2"/>
+            <a:endCxn id="4" idx="0"/>
+          </p:cNvCxnSpPr>
+          <p:nvPr/>
+        </p:nvCxnSpPr>
+        <p:spPr>
+          <a:xfrm>
+            <a:off x="4535996" y="2355726"/>
+            <a:ext cx="0" cy="432048"/>
+          </a:xfrm>
+          <a:prstGeom prst="line">
+            <a:avLst/>
+          </a:prstGeom>
+          <a:ln w="28575">
+            <a:solidFill>
+              <a:schemeClr val="tx1"/>
+            </a:solidFill>
+            <a:headEnd type="none" w="med" len="med"/>
+            <a:tailEnd type="arrow" w="med" len="med"/>
+          </a:ln>
+        </p:spPr>
+        <p:style>
+          <a:lnRef idx="1">
+            <a:schemeClr val="accent1"/>
+          </a:lnRef>
+          <a:fillRef idx="0">
+            <a:schemeClr val="accent1"/>
+          </a:fillRef>
+          <a:effectRef idx="0">
+            <a:schemeClr val="accent1"/>
+          </a:effectRef>
+          <a:fontRef idx="minor">
+            <a:schemeClr val="tx1"/>
+          </a:fontRef>
+        </p:style>
+      </p:cxnSp>
+      <p:cxnSp>
+        <p:nvCxnSpPr>
+          <p:cNvPr id="28" name="직선 연결선 27">
+            <a:extLst>
+              <a:ext uri="{FF2B5EF4-FFF2-40B4-BE49-F238E27FC236}">
+                <a16:creationId xmlns:a16="http://schemas.microsoft.com/office/drawing/2014/main" id="{557238BF-27F5-4591-9CA4-E941CF9890FF}"/>
+              </a:ext>
+            </a:extLst>
+          </p:cNvPr>
+          <p:cNvCxnSpPr>
+            <a:cxnSpLocks/>
+            <a:stCxn id="3" idx="2"/>
+            <a:endCxn id="9" idx="0"/>
+          </p:cNvCxnSpPr>
+          <p:nvPr/>
+        </p:nvCxnSpPr>
+        <p:spPr>
+          <a:xfrm>
+            <a:off x="4535996" y="2355726"/>
+            <a:ext cx="2012345" cy="432048"/>
+          </a:xfrm>
+          <a:prstGeom prst="line">
+            <a:avLst/>
+          </a:prstGeom>
+          <a:ln w="28575">
+            <a:solidFill>
+              <a:schemeClr val="tx1"/>
+            </a:solidFill>
+            <a:headEnd type="none" w="med" len="med"/>
+            <a:tailEnd type="arrow" w="med" len="med"/>
+          </a:ln>
+        </p:spPr>
+        <p:style>
+          <a:lnRef idx="1">
+            <a:schemeClr val="accent1"/>
+          </a:lnRef>
+          <a:fillRef idx="0">
+            <a:schemeClr val="accent1"/>
+          </a:fillRef>
+          <a:effectRef idx="0">
+            <a:schemeClr val="accent1"/>
+          </a:effectRef>
+          <a:fontRef idx="minor">
+            <a:schemeClr val="tx1"/>
+          </a:fontRef>
+        </p:style>
+      </p:cxnSp>
+      <p:sp>
+        <p:nvSpPr>
+          <p:cNvPr id="31" name="TextBox 30">
+            <a:extLst>
+              <a:ext uri="{FF2B5EF4-FFF2-40B4-BE49-F238E27FC236}">
+                <a16:creationId xmlns:a16="http://schemas.microsoft.com/office/drawing/2014/main" id="{93DF30E4-7765-4BD0-B7FA-1BBFE2897562}"/>
+              </a:ext>
+            </a:extLst>
+          </p:cNvPr>
+          <p:cNvSpPr txBox="1"/>
+          <p:nvPr/>
+        </p:nvSpPr>
+        <p:spPr>
+          <a:xfrm>
+            <a:off x="2915816" y="3128069"/>
+            <a:ext cx="1224135" cy="307777"/>
+          </a:xfrm>
+          <a:prstGeom prst="rect">
+            <a:avLst/>
+          </a:prstGeom>
+          <a:noFill/>
+        </p:spPr>
+        <p:txBody>
+          <a:bodyPr wrap="square" rtlCol="0" anchor="ctr">
+            <a:spAutoFit/>
+          </a:bodyPr>
+          <a:lstStyle/>
+          <a:p>
+            <a:pPr algn="ctr"/>
+            <a:r>
+              <a:rPr lang="en-US" altLang="ko-KR" sz="1400"/>
+              <a:t>Replication</a:t>
+            </a:r>
+            <a:endParaRPr lang="ko-KR" altLang="en-US" sz="1400"/>
+          </a:p>
+        </p:txBody>
+      </p:sp>
+      <p:sp>
+        <p:nvSpPr>
+          <p:cNvPr id="32" name="TextBox 31">
+            <a:extLst>
+              <a:ext uri="{FF2B5EF4-FFF2-40B4-BE49-F238E27FC236}">
+                <a16:creationId xmlns:a16="http://schemas.microsoft.com/office/drawing/2014/main" id="{D3F124DD-5F09-4246-90A2-D0665E254849}"/>
+              </a:ext>
+            </a:extLst>
+          </p:cNvPr>
+          <p:cNvSpPr txBox="1"/>
+          <p:nvPr/>
+        </p:nvSpPr>
+        <p:spPr>
+          <a:xfrm>
+            <a:off x="2411762" y="2191965"/>
+            <a:ext cx="1512166" cy="307777"/>
+          </a:xfrm>
+          <a:prstGeom prst="rect">
+            <a:avLst/>
+          </a:prstGeom>
+          <a:noFill/>
+        </p:spPr>
+        <p:txBody>
+          <a:bodyPr wrap="square" rtlCol="0" anchor="ctr">
+            <a:spAutoFit/>
+          </a:bodyPr>
+          <a:lstStyle/>
+          <a:p>
+            <a:pPr algn="ctr"/>
+            <a:r>
+              <a:rPr lang="en-US" altLang="ko-KR" sz="1400"/>
+              <a:t>R/W Request</a:t>
+            </a:r>
+            <a:endParaRPr lang="ko-KR" altLang="en-US" sz="1400"/>
+          </a:p>
+        </p:txBody>
+      </p:sp>
+      <p:sp>
+        <p:nvSpPr>
+          <p:cNvPr id="33" name="TextBox 32">
+            <a:extLst>
+              <a:ext uri="{FF2B5EF4-FFF2-40B4-BE49-F238E27FC236}">
+                <a16:creationId xmlns:a16="http://schemas.microsoft.com/office/drawing/2014/main" id="{4D0F5690-DEDA-4325-8C3B-C1E694A3E571}"/>
+              </a:ext>
+            </a:extLst>
+          </p:cNvPr>
+          <p:cNvSpPr txBox="1"/>
+          <p:nvPr/>
+        </p:nvSpPr>
+        <p:spPr>
+          <a:xfrm>
+            <a:off x="5076058" y="2201837"/>
+            <a:ext cx="1512166" cy="307777"/>
+          </a:xfrm>
+          <a:prstGeom prst="rect">
+            <a:avLst/>
+          </a:prstGeom>
+          <a:noFill/>
+        </p:spPr>
+        <p:txBody>
+          <a:bodyPr wrap="square" rtlCol="0" anchor="ctr">
+            <a:spAutoFit/>
+          </a:bodyPr>
+          <a:lstStyle/>
+          <a:p>
+            <a:pPr algn="ctr"/>
+            <a:r>
+              <a:rPr lang="en-US" altLang="ko-KR" sz="1400"/>
+              <a:t>R Request</a:t>
+            </a:r>
+            <a:endParaRPr lang="ko-KR" altLang="en-US" sz="1400"/>
+          </a:p>
+        </p:txBody>
+      </p:sp>
+      <p:sp>
+        <p:nvSpPr>
+          <p:cNvPr id="34" name="TextBox 33">
+            <a:extLst>
+              <a:ext uri="{FF2B5EF4-FFF2-40B4-BE49-F238E27FC236}">
+                <a16:creationId xmlns:a16="http://schemas.microsoft.com/office/drawing/2014/main" id="{41532103-6EDB-4FD4-A3B0-AF97E0CA34D5}"/>
+              </a:ext>
+            </a:extLst>
+          </p:cNvPr>
+          <p:cNvSpPr txBox="1"/>
+          <p:nvPr/>
+        </p:nvSpPr>
+        <p:spPr>
+          <a:xfrm>
+            <a:off x="4283970" y="2479997"/>
+            <a:ext cx="1512166" cy="307777"/>
+          </a:xfrm>
+          <a:prstGeom prst="rect">
+            <a:avLst/>
+          </a:prstGeom>
+          <a:noFill/>
+        </p:spPr>
+        <p:txBody>
+          <a:bodyPr wrap="square" rtlCol="0" anchor="ctr">
+            <a:spAutoFit/>
+          </a:bodyPr>
+          <a:lstStyle/>
+          <a:p>
+            <a:pPr algn="ctr"/>
+            <a:r>
+              <a:rPr lang="en-US" altLang="ko-KR" sz="1400"/>
+              <a:t>R Request</a:t>
+            </a:r>
+            <a:endParaRPr lang="ko-KR" altLang="en-US" sz="1400"/>
+          </a:p>
+        </p:txBody>
+      </p:sp>
+      <p:sp>
+        <p:nvSpPr>
+          <p:cNvPr id="35" name="TextBox 34">
+            <a:extLst>
+              <a:ext uri="{FF2B5EF4-FFF2-40B4-BE49-F238E27FC236}">
+                <a16:creationId xmlns:a16="http://schemas.microsoft.com/office/drawing/2014/main" id="{D7301421-1868-4F1F-9490-210E6497D2C4}"/>
+              </a:ext>
+            </a:extLst>
+          </p:cNvPr>
+          <p:cNvSpPr txBox="1"/>
+          <p:nvPr/>
+        </p:nvSpPr>
+        <p:spPr>
+          <a:xfrm>
+            <a:off x="2915816" y="3632125"/>
+            <a:ext cx="1224135" cy="307777"/>
+          </a:xfrm>
+          <a:prstGeom prst="rect">
+            <a:avLst/>
+          </a:prstGeom>
+          <a:noFill/>
+        </p:spPr>
+        <p:txBody>
+          <a:bodyPr wrap="square" rtlCol="0" anchor="ctr">
+            <a:spAutoFit/>
+          </a:bodyPr>
+          <a:lstStyle/>
+          <a:p>
+            <a:pPr algn="ctr"/>
+            <a:r>
+              <a:rPr lang="en-US" altLang="ko-KR" sz="1400"/>
+              <a:t>Replication</a:t>
+            </a:r>
+            <a:endParaRPr lang="ko-KR" altLang="en-US" sz="1400"/>
+          </a:p>
+        </p:txBody>
+      </p:sp>
     </p:spTree>
     <p:extLst>
       <p:ext uri="{BB962C8B-B14F-4D97-AF65-F5344CB8AC3E}">
@@ -3786,6 +4627,55 @@
       </p:grpSpPr>
       <p:sp>
         <p:nvSpPr>
+          <p:cNvPr id="30" name="사각형: 둥근 모서리 29">
+            <a:extLst>
+              <a:ext uri="{FF2B5EF4-FFF2-40B4-BE49-F238E27FC236}">
+                <a16:creationId xmlns:a16="http://schemas.microsoft.com/office/drawing/2014/main" id="{85112F4E-090B-47FF-B1BB-75FF3EFC489C}"/>
+              </a:ext>
+            </a:extLst>
+          </p:cNvPr>
+          <p:cNvSpPr/>
+          <p:nvPr/>
+        </p:nvSpPr>
+        <p:spPr>
+          <a:xfrm>
+            <a:off x="1617732" y="2903918"/>
+            <a:ext cx="5832648" cy="1728192"/>
+          </a:xfrm>
+          <a:prstGeom prst="roundRect">
+            <a:avLst>
+              <a:gd name="adj" fmla="val 8289"/>
+            </a:avLst>
+          </a:prstGeom>
+          <a:ln>
+            <a:prstDash val="dash"/>
+          </a:ln>
+        </p:spPr>
+        <p:style>
+          <a:lnRef idx="2">
+            <a:schemeClr val="dk1"/>
+          </a:lnRef>
+          <a:fillRef idx="1">
+            <a:schemeClr val="lt1"/>
+          </a:fillRef>
+          <a:effectRef idx="0">
+            <a:schemeClr val="dk1"/>
+          </a:effectRef>
+          <a:fontRef idx="minor">
+            <a:schemeClr val="dk1"/>
+          </a:fontRef>
+        </p:style>
+        <p:txBody>
+          <a:bodyPr rtlCol="0" anchor="ctr"/>
+          <a:lstStyle/>
+          <a:p>
+            <a:pPr algn="ctr"/>
+            <a:endParaRPr lang="ko-KR" altLang="en-US"/>
+          </a:p>
+        </p:txBody>
+      </p:sp>
+      <p:sp>
+        <p:nvSpPr>
           <p:cNvPr id="2" name="제목 1"/>
           <p:cNvSpPr>
             <a:spLocks noGrp="1"/>
@@ -3806,6 +4696,942 @@
           <a:p>
             <a:r>
               <a:rPr lang="en-US" altLang="ko-KR"/>
+              <a:t>Group</a:t>
+            </a:r>
+            <a:endParaRPr lang="ko-KR" altLang="en-US"/>
+          </a:p>
+        </p:txBody>
+      </p:sp>
+      <p:sp>
+        <p:nvSpPr>
+          <p:cNvPr id="4" name="사각형: 둥근 모서리 3">
+            <a:extLst>
+              <a:ext uri="{FF2B5EF4-FFF2-40B4-BE49-F238E27FC236}">
+                <a16:creationId xmlns:a16="http://schemas.microsoft.com/office/drawing/2014/main" id="{8890BB04-0EC3-4677-B15B-A2E9EE30680B}"/>
+              </a:ext>
+            </a:extLst>
+          </p:cNvPr>
+          <p:cNvSpPr/>
+          <p:nvPr/>
+        </p:nvSpPr>
+        <p:spPr>
+          <a:xfrm>
+            <a:off x="3779912" y="3003798"/>
+            <a:ext cx="1512168" cy="1512168"/>
+          </a:xfrm>
+          <a:prstGeom prst="roundRect">
+            <a:avLst>
+              <a:gd name="adj" fmla="val 5886"/>
+            </a:avLst>
+          </a:prstGeom>
+        </p:spPr>
+        <p:style>
+          <a:lnRef idx="2">
+            <a:schemeClr val="dk1"/>
+          </a:lnRef>
+          <a:fillRef idx="1">
+            <a:schemeClr val="lt1"/>
+          </a:fillRef>
+          <a:effectRef idx="0">
+            <a:schemeClr val="dk1"/>
+          </a:effectRef>
+          <a:fontRef idx="minor">
+            <a:schemeClr val="dk1"/>
+          </a:fontRef>
+        </p:style>
+        <p:txBody>
+          <a:bodyPr rtlCol="0" anchor="b"/>
+          <a:lstStyle/>
+          <a:p>
+            <a:pPr algn="ctr"/>
+            <a:r>
+              <a:rPr lang="en-US" altLang="ko-KR" sz="1600"/>
+              <a:t>DB</a:t>
+            </a:r>
+            <a:endParaRPr lang="ko-KR" altLang="en-US" sz="1600"/>
+          </a:p>
+        </p:txBody>
+      </p:sp>
+      <p:sp>
+        <p:nvSpPr>
+          <p:cNvPr id="3" name="사각형: 둥근 모서리 2">
+            <a:extLst>
+              <a:ext uri="{FF2B5EF4-FFF2-40B4-BE49-F238E27FC236}">
+                <a16:creationId xmlns:a16="http://schemas.microsoft.com/office/drawing/2014/main" id="{8A1616A6-1400-47E3-B96B-3825AAA58B85}"/>
+              </a:ext>
+            </a:extLst>
+          </p:cNvPr>
+          <p:cNvSpPr/>
+          <p:nvPr/>
+        </p:nvSpPr>
+        <p:spPr>
+          <a:xfrm>
+            <a:off x="3563888" y="1995686"/>
+            <a:ext cx="1944216" cy="360040"/>
+          </a:xfrm>
+          <a:prstGeom prst="roundRect">
+            <a:avLst/>
+          </a:prstGeom>
+        </p:spPr>
+        <p:style>
+          <a:lnRef idx="2">
+            <a:schemeClr val="dk1"/>
+          </a:lnRef>
+          <a:fillRef idx="1">
+            <a:schemeClr val="lt1"/>
+          </a:fillRef>
+          <a:effectRef idx="0">
+            <a:schemeClr val="dk1"/>
+          </a:effectRef>
+          <a:fontRef idx="minor">
+            <a:schemeClr val="dk1"/>
+          </a:fontRef>
+        </p:style>
+        <p:txBody>
+          <a:bodyPr rtlCol="0" anchor="ctr"/>
+          <a:lstStyle/>
+          <a:p>
+            <a:pPr algn="ctr"/>
+            <a:r>
+              <a:rPr lang="en-US" altLang="ko-KR" sz="1600"/>
+              <a:t>MySQL Router</a:t>
+            </a:r>
+            <a:endParaRPr lang="ko-KR" altLang="en-US" sz="1600"/>
+          </a:p>
+        </p:txBody>
+      </p:sp>
+      <p:sp>
+        <p:nvSpPr>
+          <p:cNvPr id="8" name="사각형: 둥근 모서리 7">
+            <a:extLst>
+              <a:ext uri="{FF2B5EF4-FFF2-40B4-BE49-F238E27FC236}">
+                <a16:creationId xmlns:a16="http://schemas.microsoft.com/office/drawing/2014/main" id="{583C970C-86D1-45C6-9400-70A040488B56}"/>
+              </a:ext>
+            </a:extLst>
+          </p:cNvPr>
+          <p:cNvSpPr/>
+          <p:nvPr/>
+        </p:nvSpPr>
+        <p:spPr>
+          <a:xfrm>
+            <a:off x="1763688" y="3003798"/>
+            <a:ext cx="1512168" cy="1512168"/>
+          </a:xfrm>
+          <a:prstGeom prst="roundRect">
+            <a:avLst>
+              <a:gd name="adj" fmla="val 5886"/>
+            </a:avLst>
+          </a:prstGeom>
+        </p:spPr>
+        <p:style>
+          <a:lnRef idx="2">
+            <a:schemeClr val="dk1"/>
+          </a:lnRef>
+          <a:fillRef idx="1">
+            <a:schemeClr val="lt1"/>
+          </a:fillRef>
+          <a:effectRef idx="0">
+            <a:schemeClr val="dk1"/>
+          </a:effectRef>
+          <a:fontRef idx="minor">
+            <a:schemeClr val="dk1"/>
+          </a:fontRef>
+        </p:style>
+        <p:txBody>
+          <a:bodyPr rtlCol="0" anchor="b"/>
+          <a:lstStyle/>
+          <a:p>
+            <a:pPr algn="ctr"/>
+            <a:r>
+              <a:rPr lang="en-US" altLang="ko-KR" sz="1600"/>
+              <a:t>DB</a:t>
+            </a:r>
+            <a:endParaRPr lang="ko-KR" altLang="en-US" sz="1600"/>
+          </a:p>
+        </p:txBody>
+      </p:sp>
+      <p:sp>
+        <p:nvSpPr>
+          <p:cNvPr id="9" name="사각형: 둥근 모서리 8">
+            <a:extLst>
+              <a:ext uri="{FF2B5EF4-FFF2-40B4-BE49-F238E27FC236}">
+                <a16:creationId xmlns:a16="http://schemas.microsoft.com/office/drawing/2014/main" id="{B5242D48-4E1F-41E6-A8B8-1EA5997B1334}"/>
+              </a:ext>
+            </a:extLst>
+          </p:cNvPr>
+          <p:cNvSpPr/>
+          <p:nvPr/>
+        </p:nvSpPr>
+        <p:spPr>
+          <a:xfrm>
+            <a:off x="5792257" y="3003798"/>
+            <a:ext cx="1512168" cy="1512168"/>
+          </a:xfrm>
+          <a:prstGeom prst="roundRect">
+            <a:avLst>
+              <a:gd name="adj" fmla="val 5886"/>
+            </a:avLst>
+          </a:prstGeom>
+        </p:spPr>
+        <p:style>
+          <a:lnRef idx="2">
+            <a:schemeClr val="dk1"/>
+          </a:lnRef>
+          <a:fillRef idx="1">
+            <a:schemeClr val="lt1"/>
+          </a:fillRef>
+          <a:effectRef idx="0">
+            <a:schemeClr val="dk1"/>
+          </a:effectRef>
+          <a:fontRef idx="minor">
+            <a:schemeClr val="dk1"/>
+          </a:fontRef>
+        </p:style>
+        <p:txBody>
+          <a:bodyPr rtlCol="0" anchor="b"/>
+          <a:lstStyle/>
+          <a:p>
+            <a:pPr algn="ctr"/>
+            <a:r>
+              <a:rPr lang="en-US" altLang="ko-KR" sz="1600"/>
+              <a:t>DB</a:t>
+            </a:r>
+            <a:endParaRPr lang="ko-KR" altLang="en-US" sz="1600"/>
+          </a:p>
+        </p:txBody>
+      </p:sp>
+      <p:sp>
+        <p:nvSpPr>
+          <p:cNvPr id="10" name="사각형: 둥근 모서리 9">
+            <a:extLst>
+              <a:ext uri="{FF2B5EF4-FFF2-40B4-BE49-F238E27FC236}">
+                <a16:creationId xmlns:a16="http://schemas.microsoft.com/office/drawing/2014/main" id="{866B3922-D196-4CE1-97DA-94D70579E5FE}"/>
+              </a:ext>
+            </a:extLst>
+          </p:cNvPr>
+          <p:cNvSpPr/>
+          <p:nvPr/>
+        </p:nvSpPr>
+        <p:spPr>
+          <a:xfrm>
+            <a:off x="3563888" y="1203598"/>
+            <a:ext cx="1944216" cy="360040"/>
+          </a:xfrm>
+          <a:prstGeom prst="roundRect">
+            <a:avLst/>
+          </a:prstGeom>
+        </p:spPr>
+        <p:style>
+          <a:lnRef idx="2">
+            <a:schemeClr val="dk1"/>
+          </a:lnRef>
+          <a:fillRef idx="1">
+            <a:schemeClr val="lt1"/>
+          </a:fillRef>
+          <a:effectRef idx="0">
+            <a:schemeClr val="dk1"/>
+          </a:effectRef>
+          <a:fontRef idx="minor">
+            <a:schemeClr val="dk1"/>
+          </a:fontRef>
+        </p:style>
+        <p:txBody>
+          <a:bodyPr rtlCol="0" anchor="ctr"/>
+          <a:lstStyle/>
+          <a:p>
+            <a:pPr algn="ctr"/>
+            <a:r>
+              <a:rPr lang="en-US" altLang="ko-KR" sz="1600"/>
+              <a:t>App</a:t>
+            </a:r>
+            <a:endParaRPr lang="ko-KR" altLang="en-US" sz="1600"/>
+          </a:p>
+        </p:txBody>
+      </p:sp>
+      <p:sp>
+        <p:nvSpPr>
+          <p:cNvPr id="11" name="순서도: 자기 디스크 10">
+            <a:extLst>
+              <a:ext uri="{FF2B5EF4-FFF2-40B4-BE49-F238E27FC236}">
+                <a16:creationId xmlns:a16="http://schemas.microsoft.com/office/drawing/2014/main" id="{0197D105-FED6-424D-9645-F3D5083B16F8}"/>
+              </a:ext>
+            </a:extLst>
+          </p:cNvPr>
+          <p:cNvSpPr/>
+          <p:nvPr/>
+        </p:nvSpPr>
+        <p:spPr>
+          <a:xfrm>
+            <a:off x="1982399" y="3363838"/>
+            <a:ext cx="1074746" cy="720080"/>
+          </a:xfrm>
+          <a:prstGeom prst="flowChartMagneticDisk">
+            <a:avLst/>
+          </a:prstGeom>
+        </p:spPr>
+        <p:style>
+          <a:lnRef idx="2">
+            <a:schemeClr val="dk1"/>
+          </a:lnRef>
+          <a:fillRef idx="1">
+            <a:schemeClr val="lt1"/>
+          </a:fillRef>
+          <a:effectRef idx="0">
+            <a:schemeClr val="dk1"/>
+          </a:effectRef>
+          <a:fontRef idx="minor">
+            <a:schemeClr val="dk1"/>
+          </a:fontRef>
+        </p:style>
+        <p:txBody>
+          <a:bodyPr rtlCol="0" anchor="ctr"/>
+          <a:lstStyle/>
+          <a:p>
+            <a:pPr algn="ctr"/>
+            <a:endParaRPr lang="ko-KR" altLang="en-US"/>
+          </a:p>
+        </p:txBody>
+      </p:sp>
+      <p:sp>
+        <p:nvSpPr>
+          <p:cNvPr id="12" name="순서도: 자기 디스크 11">
+            <a:extLst>
+              <a:ext uri="{FF2B5EF4-FFF2-40B4-BE49-F238E27FC236}">
+                <a16:creationId xmlns:a16="http://schemas.microsoft.com/office/drawing/2014/main" id="{525E0FAB-2A3E-4CE8-92A7-899F9B240C20}"/>
+              </a:ext>
+            </a:extLst>
+          </p:cNvPr>
+          <p:cNvSpPr/>
+          <p:nvPr/>
+        </p:nvSpPr>
+        <p:spPr>
+          <a:xfrm>
+            <a:off x="3998623" y="3363838"/>
+            <a:ext cx="1074746" cy="720080"/>
+          </a:xfrm>
+          <a:prstGeom prst="flowChartMagneticDisk">
+            <a:avLst/>
+          </a:prstGeom>
+        </p:spPr>
+        <p:style>
+          <a:lnRef idx="2">
+            <a:schemeClr val="dk1"/>
+          </a:lnRef>
+          <a:fillRef idx="1">
+            <a:schemeClr val="lt1"/>
+          </a:fillRef>
+          <a:effectRef idx="0">
+            <a:schemeClr val="dk1"/>
+          </a:effectRef>
+          <a:fontRef idx="minor">
+            <a:schemeClr val="dk1"/>
+          </a:fontRef>
+        </p:style>
+        <p:txBody>
+          <a:bodyPr rtlCol="0" anchor="ctr"/>
+          <a:lstStyle/>
+          <a:p>
+            <a:pPr algn="ctr"/>
+            <a:endParaRPr lang="ko-KR" altLang="en-US"/>
+          </a:p>
+        </p:txBody>
+      </p:sp>
+      <p:sp>
+        <p:nvSpPr>
+          <p:cNvPr id="13" name="순서도: 자기 디스크 12">
+            <a:extLst>
+              <a:ext uri="{FF2B5EF4-FFF2-40B4-BE49-F238E27FC236}">
+                <a16:creationId xmlns:a16="http://schemas.microsoft.com/office/drawing/2014/main" id="{C5C2DD05-769F-44B8-89AB-BC08E350366C}"/>
+              </a:ext>
+            </a:extLst>
+          </p:cNvPr>
+          <p:cNvSpPr/>
+          <p:nvPr/>
+        </p:nvSpPr>
+        <p:spPr>
+          <a:xfrm>
+            <a:off x="6010968" y="3363838"/>
+            <a:ext cx="1074746" cy="720080"/>
+          </a:xfrm>
+          <a:prstGeom prst="flowChartMagneticDisk">
+            <a:avLst/>
+          </a:prstGeom>
+        </p:spPr>
+        <p:style>
+          <a:lnRef idx="2">
+            <a:schemeClr val="dk1"/>
+          </a:lnRef>
+          <a:fillRef idx="1">
+            <a:schemeClr val="lt1"/>
+          </a:fillRef>
+          <a:effectRef idx="0">
+            <a:schemeClr val="dk1"/>
+          </a:effectRef>
+          <a:fontRef idx="minor">
+            <a:schemeClr val="dk1"/>
+          </a:fontRef>
+        </p:style>
+        <p:txBody>
+          <a:bodyPr rtlCol="0" anchor="ctr"/>
+          <a:lstStyle/>
+          <a:p>
+            <a:pPr algn="ctr"/>
+            <a:endParaRPr lang="ko-KR" altLang="en-US"/>
+          </a:p>
+        </p:txBody>
+      </p:sp>
+      <p:cxnSp>
+        <p:nvCxnSpPr>
+          <p:cNvPr id="15" name="직선 화살표 연결선 14">
+            <a:extLst>
+              <a:ext uri="{FF2B5EF4-FFF2-40B4-BE49-F238E27FC236}">
+                <a16:creationId xmlns:a16="http://schemas.microsoft.com/office/drawing/2014/main" id="{9E1E5D33-26D8-46EA-A627-36FCD9DA07D1}"/>
+              </a:ext>
+            </a:extLst>
+          </p:cNvPr>
+          <p:cNvCxnSpPr>
+            <a:cxnSpLocks/>
+          </p:cNvCxnSpPr>
+          <p:nvPr/>
+        </p:nvCxnSpPr>
+        <p:spPr>
+          <a:xfrm>
+            <a:off x="3057145" y="3867894"/>
+            <a:ext cx="941478" cy="0"/>
+          </a:xfrm>
+          <a:prstGeom prst="straightConnector1">
+            <a:avLst/>
+          </a:prstGeom>
+          <a:ln w="28575">
+            <a:solidFill>
+              <a:schemeClr val="tx1"/>
+            </a:solidFill>
+            <a:headEnd type="arrow" w="med" len="med"/>
+            <a:tailEnd type="arrow" w="med" len="med"/>
+          </a:ln>
+        </p:spPr>
+        <p:style>
+          <a:lnRef idx="1">
+            <a:schemeClr val="accent1"/>
+          </a:lnRef>
+          <a:fillRef idx="0">
+            <a:schemeClr val="accent1"/>
+          </a:fillRef>
+          <a:effectRef idx="0">
+            <a:schemeClr val="accent1"/>
+          </a:effectRef>
+          <a:fontRef idx="minor">
+            <a:schemeClr val="tx1"/>
+          </a:fontRef>
+        </p:style>
+      </p:cxnSp>
+      <p:cxnSp>
+        <p:nvCxnSpPr>
+          <p:cNvPr id="19" name="직선 연결선 18">
+            <a:extLst>
+              <a:ext uri="{FF2B5EF4-FFF2-40B4-BE49-F238E27FC236}">
+                <a16:creationId xmlns:a16="http://schemas.microsoft.com/office/drawing/2014/main" id="{22CBDC41-EAC0-49C3-8FAC-63013E9BAF6F}"/>
+              </a:ext>
+            </a:extLst>
+          </p:cNvPr>
+          <p:cNvCxnSpPr>
+            <a:cxnSpLocks/>
+            <a:stCxn id="10" idx="2"/>
+            <a:endCxn id="3" idx="0"/>
+          </p:cNvCxnSpPr>
+          <p:nvPr/>
+        </p:nvCxnSpPr>
+        <p:spPr>
+          <a:xfrm>
+            <a:off x="4535996" y="1563638"/>
+            <a:ext cx="0" cy="432048"/>
+          </a:xfrm>
+          <a:prstGeom prst="line">
+            <a:avLst/>
+          </a:prstGeom>
+          <a:ln w="28575">
+            <a:solidFill>
+              <a:schemeClr val="tx1"/>
+            </a:solidFill>
+            <a:headEnd type="none" w="med" len="med"/>
+            <a:tailEnd type="arrow" w="med" len="med"/>
+          </a:ln>
+        </p:spPr>
+        <p:style>
+          <a:lnRef idx="1">
+            <a:schemeClr val="accent1"/>
+          </a:lnRef>
+          <a:fillRef idx="0">
+            <a:schemeClr val="accent1"/>
+          </a:fillRef>
+          <a:effectRef idx="0">
+            <a:schemeClr val="accent1"/>
+          </a:effectRef>
+          <a:fontRef idx="minor">
+            <a:schemeClr val="tx1"/>
+          </a:fontRef>
+        </p:style>
+      </p:cxnSp>
+      <p:cxnSp>
+        <p:nvCxnSpPr>
+          <p:cNvPr id="22" name="직선 연결선 21">
+            <a:extLst>
+              <a:ext uri="{FF2B5EF4-FFF2-40B4-BE49-F238E27FC236}">
+                <a16:creationId xmlns:a16="http://schemas.microsoft.com/office/drawing/2014/main" id="{507DD919-1F8C-4EDF-A3EA-9C85EEC24FF7}"/>
+              </a:ext>
+            </a:extLst>
+          </p:cNvPr>
+          <p:cNvCxnSpPr>
+            <a:cxnSpLocks/>
+            <a:stCxn id="3" idx="2"/>
+            <a:endCxn id="8" idx="0"/>
+          </p:cNvCxnSpPr>
+          <p:nvPr/>
+        </p:nvCxnSpPr>
+        <p:spPr>
+          <a:xfrm flipH="1">
+            <a:off x="2519772" y="2355726"/>
+            <a:ext cx="2016224" cy="648072"/>
+          </a:xfrm>
+          <a:prstGeom prst="line">
+            <a:avLst/>
+          </a:prstGeom>
+          <a:ln w="28575">
+            <a:solidFill>
+              <a:schemeClr val="tx1"/>
+            </a:solidFill>
+            <a:headEnd type="none" w="med" len="med"/>
+            <a:tailEnd type="arrow" w="med" len="med"/>
+          </a:ln>
+        </p:spPr>
+        <p:style>
+          <a:lnRef idx="1">
+            <a:schemeClr val="accent1"/>
+          </a:lnRef>
+          <a:fillRef idx="0">
+            <a:schemeClr val="accent1"/>
+          </a:fillRef>
+          <a:effectRef idx="0">
+            <a:schemeClr val="accent1"/>
+          </a:effectRef>
+          <a:fontRef idx="minor">
+            <a:schemeClr val="tx1"/>
+          </a:fontRef>
+        </p:style>
+      </p:cxnSp>
+      <p:cxnSp>
+        <p:nvCxnSpPr>
+          <p:cNvPr id="25" name="직선 연결선 24">
+            <a:extLst>
+              <a:ext uri="{FF2B5EF4-FFF2-40B4-BE49-F238E27FC236}">
+                <a16:creationId xmlns:a16="http://schemas.microsoft.com/office/drawing/2014/main" id="{05E73110-B9EC-455C-96CC-025CFED44C57}"/>
+              </a:ext>
+            </a:extLst>
+          </p:cNvPr>
+          <p:cNvCxnSpPr>
+            <a:cxnSpLocks/>
+            <a:stCxn id="3" idx="2"/>
+            <a:endCxn id="4" idx="0"/>
+          </p:cNvCxnSpPr>
+          <p:nvPr/>
+        </p:nvCxnSpPr>
+        <p:spPr>
+          <a:xfrm>
+            <a:off x="4535996" y="2355726"/>
+            <a:ext cx="0" cy="648072"/>
+          </a:xfrm>
+          <a:prstGeom prst="line">
+            <a:avLst/>
+          </a:prstGeom>
+          <a:ln w="28575">
+            <a:solidFill>
+              <a:schemeClr val="tx1"/>
+            </a:solidFill>
+            <a:headEnd type="none" w="med" len="med"/>
+            <a:tailEnd type="arrow" w="med" len="med"/>
+          </a:ln>
+        </p:spPr>
+        <p:style>
+          <a:lnRef idx="1">
+            <a:schemeClr val="accent1"/>
+          </a:lnRef>
+          <a:fillRef idx="0">
+            <a:schemeClr val="accent1"/>
+          </a:fillRef>
+          <a:effectRef idx="0">
+            <a:schemeClr val="accent1"/>
+          </a:effectRef>
+          <a:fontRef idx="minor">
+            <a:schemeClr val="tx1"/>
+          </a:fontRef>
+        </p:style>
+      </p:cxnSp>
+      <p:cxnSp>
+        <p:nvCxnSpPr>
+          <p:cNvPr id="28" name="직선 연결선 27">
+            <a:extLst>
+              <a:ext uri="{FF2B5EF4-FFF2-40B4-BE49-F238E27FC236}">
+                <a16:creationId xmlns:a16="http://schemas.microsoft.com/office/drawing/2014/main" id="{557238BF-27F5-4591-9CA4-E941CF9890FF}"/>
+              </a:ext>
+            </a:extLst>
+          </p:cNvPr>
+          <p:cNvCxnSpPr>
+            <a:cxnSpLocks/>
+            <a:stCxn id="3" idx="2"/>
+            <a:endCxn id="9" idx="0"/>
+          </p:cNvCxnSpPr>
+          <p:nvPr/>
+        </p:nvCxnSpPr>
+        <p:spPr>
+          <a:xfrm>
+            <a:off x="4535996" y="2355726"/>
+            <a:ext cx="2012345" cy="648072"/>
+          </a:xfrm>
+          <a:prstGeom prst="line">
+            <a:avLst/>
+          </a:prstGeom>
+          <a:ln w="28575">
+            <a:solidFill>
+              <a:schemeClr val="tx1"/>
+            </a:solidFill>
+            <a:headEnd type="none" w="med" len="med"/>
+            <a:tailEnd type="arrow" w="med" len="med"/>
+          </a:ln>
+        </p:spPr>
+        <p:style>
+          <a:lnRef idx="1">
+            <a:schemeClr val="accent1"/>
+          </a:lnRef>
+          <a:fillRef idx="0">
+            <a:schemeClr val="accent1"/>
+          </a:fillRef>
+          <a:effectRef idx="0">
+            <a:schemeClr val="accent1"/>
+          </a:effectRef>
+          <a:fontRef idx="minor">
+            <a:schemeClr val="tx1"/>
+          </a:fontRef>
+        </p:style>
+      </p:cxnSp>
+      <p:sp>
+        <p:nvSpPr>
+          <p:cNvPr id="32" name="TextBox 31">
+            <a:extLst>
+              <a:ext uri="{FF2B5EF4-FFF2-40B4-BE49-F238E27FC236}">
+                <a16:creationId xmlns:a16="http://schemas.microsoft.com/office/drawing/2014/main" id="{D3F124DD-5F09-4246-90A2-D0665E254849}"/>
+              </a:ext>
+            </a:extLst>
+          </p:cNvPr>
+          <p:cNvSpPr txBox="1"/>
+          <p:nvPr/>
+        </p:nvSpPr>
+        <p:spPr>
+          <a:xfrm>
+            <a:off x="2483772" y="2324942"/>
+            <a:ext cx="1512166" cy="307777"/>
+          </a:xfrm>
+          <a:prstGeom prst="rect">
+            <a:avLst/>
+          </a:prstGeom>
+          <a:noFill/>
+        </p:spPr>
+        <p:txBody>
+          <a:bodyPr wrap="square" rtlCol="0" anchor="ctr">
+            <a:spAutoFit/>
+          </a:bodyPr>
+          <a:lstStyle/>
+          <a:p>
+            <a:pPr algn="ctr"/>
+            <a:r>
+              <a:rPr lang="en-US" altLang="ko-KR" sz="1400"/>
+              <a:t>R/W Request</a:t>
+            </a:r>
+            <a:endParaRPr lang="ko-KR" altLang="en-US" sz="1400"/>
+          </a:p>
+        </p:txBody>
+      </p:sp>
+      <p:sp>
+        <p:nvSpPr>
+          <p:cNvPr id="33" name="TextBox 32">
+            <a:extLst>
+              <a:ext uri="{FF2B5EF4-FFF2-40B4-BE49-F238E27FC236}">
+                <a16:creationId xmlns:a16="http://schemas.microsoft.com/office/drawing/2014/main" id="{4D0F5690-DEDA-4325-8C3B-C1E694A3E571}"/>
+              </a:ext>
+            </a:extLst>
+          </p:cNvPr>
+          <p:cNvSpPr txBox="1"/>
+          <p:nvPr/>
+        </p:nvSpPr>
+        <p:spPr>
+          <a:xfrm>
+            <a:off x="5076056" y="2326108"/>
+            <a:ext cx="1512166" cy="307777"/>
+          </a:xfrm>
+          <a:prstGeom prst="rect">
+            <a:avLst/>
+          </a:prstGeom>
+          <a:noFill/>
+        </p:spPr>
+        <p:txBody>
+          <a:bodyPr wrap="square" rtlCol="0" anchor="ctr">
+            <a:spAutoFit/>
+          </a:bodyPr>
+          <a:lstStyle/>
+          <a:p>
+            <a:pPr algn="ctr"/>
+            <a:r>
+              <a:rPr lang="en-US" altLang="ko-KR" sz="1400"/>
+              <a:t>R/W Request</a:t>
+            </a:r>
+            <a:endParaRPr lang="ko-KR" altLang="en-US" sz="1400"/>
+          </a:p>
+        </p:txBody>
+      </p:sp>
+      <p:sp>
+        <p:nvSpPr>
+          <p:cNvPr id="34" name="TextBox 33">
+            <a:extLst>
+              <a:ext uri="{FF2B5EF4-FFF2-40B4-BE49-F238E27FC236}">
+                <a16:creationId xmlns:a16="http://schemas.microsoft.com/office/drawing/2014/main" id="{41532103-6EDB-4FD4-A3B0-AF97E0CA34D5}"/>
+              </a:ext>
+            </a:extLst>
+          </p:cNvPr>
+          <p:cNvSpPr txBox="1"/>
+          <p:nvPr/>
+        </p:nvSpPr>
+        <p:spPr>
+          <a:xfrm>
+            <a:off x="4355978" y="2624013"/>
+            <a:ext cx="1512166" cy="307777"/>
+          </a:xfrm>
+          <a:prstGeom prst="rect">
+            <a:avLst/>
+          </a:prstGeom>
+          <a:noFill/>
+        </p:spPr>
+        <p:txBody>
+          <a:bodyPr wrap="square" rtlCol="0" anchor="ctr">
+            <a:spAutoFit/>
+          </a:bodyPr>
+          <a:lstStyle/>
+          <a:p>
+            <a:pPr algn="ctr"/>
+            <a:r>
+              <a:rPr lang="en-US" altLang="ko-KR" sz="1400"/>
+              <a:t>R/W Request</a:t>
+            </a:r>
+            <a:endParaRPr lang="ko-KR" altLang="en-US" sz="1400"/>
+          </a:p>
+        </p:txBody>
+      </p:sp>
+      <p:sp>
+        <p:nvSpPr>
+          <p:cNvPr id="36" name="TextBox 35">
+            <a:extLst>
+              <a:ext uri="{FF2B5EF4-FFF2-40B4-BE49-F238E27FC236}">
+                <a16:creationId xmlns:a16="http://schemas.microsoft.com/office/drawing/2014/main" id="{A9FB266C-A413-4E91-80A5-6ACC605A284C}"/>
+              </a:ext>
+            </a:extLst>
+          </p:cNvPr>
+          <p:cNvSpPr txBox="1"/>
+          <p:nvPr/>
+        </p:nvSpPr>
+        <p:spPr>
+          <a:xfrm>
+            <a:off x="3779914" y="4624849"/>
+            <a:ext cx="1512166" cy="338554"/>
+          </a:xfrm>
+          <a:prstGeom prst="rect">
+            <a:avLst/>
+          </a:prstGeom>
+          <a:noFill/>
+        </p:spPr>
+        <p:txBody>
+          <a:bodyPr wrap="square" rtlCol="0" anchor="ctr">
+            <a:spAutoFit/>
+          </a:bodyPr>
+          <a:lstStyle/>
+          <a:p>
+            <a:pPr algn="ctr"/>
+            <a:r>
+              <a:rPr lang="en-US" altLang="ko-KR" sz="1600"/>
+              <a:t>Cluster</a:t>
+            </a:r>
+            <a:endParaRPr lang="ko-KR" altLang="en-US" sz="1600"/>
+          </a:p>
+        </p:txBody>
+      </p:sp>
+      <p:cxnSp>
+        <p:nvCxnSpPr>
+          <p:cNvPr id="38" name="직선 화살표 연결선 37">
+            <a:extLst>
+              <a:ext uri="{FF2B5EF4-FFF2-40B4-BE49-F238E27FC236}">
+                <a16:creationId xmlns:a16="http://schemas.microsoft.com/office/drawing/2014/main" id="{7758C0C0-80FB-4E85-BFBC-0C957EED4869}"/>
+              </a:ext>
+            </a:extLst>
+          </p:cNvPr>
+          <p:cNvCxnSpPr>
+            <a:cxnSpLocks/>
+          </p:cNvCxnSpPr>
+          <p:nvPr/>
+        </p:nvCxnSpPr>
+        <p:spPr>
+          <a:xfrm>
+            <a:off x="5069490" y="3867894"/>
+            <a:ext cx="941478" cy="0"/>
+          </a:xfrm>
+          <a:prstGeom prst="straightConnector1">
+            <a:avLst/>
+          </a:prstGeom>
+          <a:ln w="28575">
+            <a:solidFill>
+              <a:schemeClr val="tx1"/>
+            </a:solidFill>
+            <a:headEnd type="arrow" w="med" len="med"/>
+            <a:tailEnd type="arrow" w="med" len="med"/>
+          </a:ln>
+        </p:spPr>
+        <p:style>
+          <a:lnRef idx="1">
+            <a:schemeClr val="accent1"/>
+          </a:lnRef>
+          <a:fillRef idx="0">
+            <a:schemeClr val="accent1"/>
+          </a:fillRef>
+          <a:effectRef idx="0">
+            <a:schemeClr val="accent1"/>
+          </a:effectRef>
+          <a:fontRef idx="minor">
+            <a:schemeClr val="tx1"/>
+          </a:fontRef>
+        </p:style>
+      </p:cxnSp>
+      <p:sp>
+        <p:nvSpPr>
+          <p:cNvPr id="39" name="TextBox 38">
+            <a:extLst>
+              <a:ext uri="{FF2B5EF4-FFF2-40B4-BE49-F238E27FC236}">
+                <a16:creationId xmlns:a16="http://schemas.microsoft.com/office/drawing/2014/main" id="{773B7E90-9D65-48C1-885C-7B3B4E49D5C5}"/>
+              </a:ext>
+            </a:extLst>
+          </p:cNvPr>
+          <p:cNvSpPr txBox="1"/>
+          <p:nvPr/>
+        </p:nvSpPr>
+        <p:spPr>
+          <a:xfrm>
+            <a:off x="2915816" y="3560117"/>
+            <a:ext cx="1224135" cy="307777"/>
+          </a:xfrm>
+          <a:prstGeom prst="rect">
+            <a:avLst/>
+          </a:prstGeom>
+          <a:noFill/>
+        </p:spPr>
+        <p:txBody>
+          <a:bodyPr wrap="square" rtlCol="0" anchor="ctr">
+            <a:spAutoFit/>
+          </a:bodyPr>
+          <a:lstStyle/>
+          <a:p>
+            <a:pPr algn="ctr"/>
+            <a:r>
+              <a:rPr lang="en-US" altLang="ko-KR" sz="1400"/>
+              <a:t>Replication</a:t>
+            </a:r>
+            <a:endParaRPr lang="ko-KR" altLang="en-US" sz="1400"/>
+          </a:p>
+        </p:txBody>
+      </p:sp>
+      <p:sp>
+        <p:nvSpPr>
+          <p:cNvPr id="42" name="TextBox 41">
+            <a:extLst>
+              <a:ext uri="{FF2B5EF4-FFF2-40B4-BE49-F238E27FC236}">
+                <a16:creationId xmlns:a16="http://schemas.microsoft.com/office/drawing/2014/main" id="{B05320F5-0C00-4D1F-B97E-F20064939009}"/>
+              </a:ext>
+            </a:extLst>
+          </p:cNvPr>
+          <p:cNvSpPr txBox="1"/>
+          <p:nvPr/>
+        </p:nvSpPr>
+        <p:spPr>
+          <a:xfrm>
+            <a:off x="4928161" y="3560117"/>
+            <a:ext cx="1224135" cy="307777"/>
+          </a:xfrm>
+          <a:prstGeom prst="rect">
+            <a:avLst/>
+          </a:prstGeom>
+          <a:noFill/>
+        </p:spPr>
+        <p:txBody>
+          <a:bodyPr wrap="square" rtlCol="0" anchor="ctr">
+            <a:spAutoFit/>
+          </a:bodyPr>
+          <a:lstStyle/>
+          <a:p>
+            <a:pPr algn="ctr"/>
+            <a:r>
+              <a:rPr lang="en-US" altLang="ko-KR" sz="1400"/>
+              <a:t>Replication</a:t>
+            </a:r>
+            <a:endParaRPr lang="ko-KR" altLang="en-US" sz="1400"/>
+          </a:p>
+        </p:txBody>
+      </p:sp>
+    </p:spTree>
+    <p:extLst>
+      <p:ext uri="{BB962C8B-B14F-4D97-AF65-F5344CB8AC3E}">
+        <p14:creationId xmlns:p14="http://schemas.microsoft.com/office/powerpoint/2010/main" val="1718549907"/>
+      </p:ext>
+    </p:extLst>
+  </p:cSld>
+  <p:clrMapOvr>
+    <a:masterClrMapping/>
+  </p:clrMapOvr>
+</p:sld>
+</file>
+
+<file path=ppt/slides/slide3.xml><?xml version="1.0" encoding="utf-8"?>
+<p:sld xmlns:a="http://schemas.openxmlformats.org/drawingml/2006/main" xmlns:r="http://schemas.openxmlformats.org/officeDocument/2006/relationships" xmlns:p="http://schemas.openxmlformats.org/presentationml/2006/main">
+  <p:cSld>
+    <p:spTree>
+      <p:nvGrpSpPr>
+        <p:cNvPr id="1" name=""/>
+        <p:cNvGrpSpPr/>
+        <p:nvPr/>
+      </p:nvGrpSpPr>
+      <p:grpSpPr>
+        <a:xfrm>
+          <a:off x="0" y="0"/>
+          <a:ext cx="0" cy="0"/>
+          <a:chOff x="0" y="0"/>
+          <a:chExt cx="0" cy="0"/>
+        </a:xfrm>
+      </p:grpSpPr>
+      <p:sp>
+        <p:nvSpPr>
+          <p:cNvPr id="2" name="제목 1"/>
+          <p:cNvSpPr>
+            <a:spLocks noGrp="1"/>
+          </p:cNvSpPr>
+          <p:nvPr>
+            <p:ph type="title"/>
+          </p:nvPr>
+        </p:nvSpPr>
+        <p:spPr>
+          <a:xfrm>
+            <a:off x="565354" y="24473"/>
+            <a:ext cx="8229600" cy="857250"/>
+          </a:xfrm>
+        </p:spPr>
+        <p:txBody>
+          <a:bodyPr/>
+          <a:lstStyle/>
+          <a:p>
+            <a:r>
+              <a:rPr lang="en-US" altLang="ko-KR"/>
               <a:t>Async</a:t>
             </a:r>
             <a:endParaRPr lang="ko-KR" altLang="en-US"/>
@@ -3826,7 +5652,7 @@
         </p:nvSpPr>
         <p:spPr>
           <a:xfrm>
-            <a:off x="4119773" y="1131590"/>
+            <a:off x="4119773" y="1491630"/>
             <a:ext cx="1004578" cy="346249"/>
           </a:xfrm>
           <a:prstGeom prst="rect">
@@ -3863,7 +5689,7 @@
         </p:nvSpPr>
         <p:spPr>
           <a:xfrm>
-            <a:off x="2555776" y="1131590"/>
+            <a:off x="2555776" y="1491630"/>
             <a:ext cx="1004578" cy="346249"/>
           </a:xfrm>
           <a:prstGeom prst="rect">
@@ -3900,7 +5726,7 @@
         </p:nvSpPr>
         <p:spPr>
           <a:xfrm>
-            <a:off x="5677737" y="1131590"/>
+            <a:off x="5677737" y="1491630"/>
             <a:ext cx="1004578" cy="346249"/>
           </a:xfrm>
           <a:prstGeom prst="rect">
@@ -3940,8 +5766,8 @@
         </p:nvCxnSpPr>
         <p:spPr>
           <a:xfrm>
-            <a:off x="4622062" y="1477839"/>
-            <a:ext cx="0" cy="1958007"/>
+            <a:off x="4622062" y="1837879"/>
+            <a:ext cx="0" cy="1741983"/>
           </a:xfrm>
           <a:prstGeom prst="line">
             <a:avLst/>
@@ -3984,8 +5810,8 @@
         </p:nvCxnSpPr>
         <p:spPr>
           <a:xfrm>
-            <a:off x="3058065" y="1477839"/>
-            <a:ext cx="0" cy="1958007"/>
+            <a:off x="3058065" y="1837879"/>
+            <a:ext cx="0" cy="1741983"/>
           </a:xfrm>
           <a:prstGeom prst="line">
             <a:avLst/>
@@ -4027,7 +5853,7 @@
         </p:nvCxnSpPr>
         <p:spPr>
           <a:xfrm>
-            <a:off x="3058065" y="1753547"/>
+            <a:off x="3058065" y="2113587"/>
             <a:ext cx="1563997" cy="0"/>
           </a:xfrm>
           <a:prstGeom prst="line">
@@ -4070,7 +5896,7 @@
         </p:nvSpPr>
         <p:spPr>
           <a:xfrm>
-            <a:off x="3484805" y="1543350"/>
+            <a:off x="3484805" y="1903390"/>
             <a:ext cx="736723" cy="206460"/>
           </a:xfrm>
           <a:prstGeom prst="rect">
@@ -4107,7 +5933,7 @@
         </p:nvSpPr>
         <p:spPr>
           <a:xfrm>
-            <a:off x="4622006" y="1931619"/>
+            <a:off x="4622006" y="2291659"/>
             <a:ext cx="273050" cy="252830"/>
           </a:xfrm>
           <a:custGeom>
@@ -4203,7 +6029,7 @@
         </p:nvSpPr>
         <p:spPr>
           <a:xfrm>
-            <a:off x="4895057" y="1858220"/>
+            <a:off x="4895057" y="2218260"/>
             <a:ext cx="1046864" cy="407804"/>
           </a:xfrm>
           <a:prstGeom prst="rect">
@@ -4250,8 +6076,8 @@
         </p:nvCxnSpPr>
         <p:spPr>
           <a:xfrm>
-            <a:off x="6180026" y="1477839"/>
-            <a:ext cx="0" cy="1958007"/>
+            <a:off x="6180026" y="1837879"/>
+            <a:ext cx="0" cy="1741983"/>
           </a:xfrm>
           <a:prstGeom prst="line">
             <a:avLst/>
@@ -4293,7 +6119,7 @@
         </p:nvCxnSpPr>
         <p:spPr>
           <a:xfrm>
-            <a:off x="4624388" y="2487013"/>
+            <a:off x="4624388" y="2847053"/>
             <a:ext cx="1555638" cy="0"/>
           </a:xfrm>
           <a:prstGeom prst="line">
@@ -4336,7 +6162,7 @@
         </p:nvSpPr>
         <p:spPr>
           <a:xfrm>
-            <a:off x="4652172" y="2282114"/>
+            <a:off x="4652172" y="2642154"/>
             <a:ext cx="1477570" cy="206460"/>
           </a:xfrm>
           <a:prstGeom prst="rect">
@@ -4373,7 +6199,7 @@
         </p:nvSpPr>
         <p:spPr>
           <a:xfrm>
-            <a:off x="6185363" y="2988926"/>
+            <a:off x="6185363" y="3145346"/>
             <a:ext cx="273050" cy="252830"/>
           </a:xfrm>
           <a:custGeom>
@@ -4469,7 +6295,7 @@
         </p:nvSpPr>
         <p:spPr>
           <a:xfrm>
-            <a:off x="6458413" y="2911439"/>
+            <a:off x="6458413" y="3067859"/>
             <a:ext cx="1004576" cy="407804"/>
           </a:xfrm>
           <a:prstGeom prst="rect">
@@ -4494,10 +6320,10 @@
       </p:sp>
       <p:cxnSp>
         <p:nvCxnSpPr>
-          <p:cNvPr id="50" name="직선 연결선 49">
-            <a:extLst>
-              <a:ext uri="{FF2B5EF4-FFF2-40B4-BE49-F238E27FC236}">
-                <a16:creationId xmlns:a16="http://schemas.microsoft.com/office/drawing/2014/main" id="{4F384E3A-170F-44B6-B04D-00BF0BCB2504}"/>
+          <p:cNvPr id="52" name="직선 연결선 51">
+            <a:extLst>
+              <a:ext uri="{FF2B5EF4-FFF2-40B4-BE49-F238E27FC236}">
+                <a16:creationId xmlns:a16="http://schemas.microsoft.com/office/drawing/2014/main" id="{4FAFF669-9A5B-4267-B22F-8CD139198CE2}"/>
               </a:ext>
             </a:extLst>
           </p:cNvPr>
@@ -4508,7 +6334,7 @@
         </p:nvCxnSpPr>
         <p:spPr>
           <a:xfrm>
-            <a:off x="4622062" y="2778209"/>
+            <a:off x="3060859" y="3138250"/>
             <a:ext cx="1549131" cy="0"/>
           </a:xfrm>
           <a:prstGeom prst="line">
@@ -4539,10 +6365,10 @@
       </p:cxnSp>
       <p:sp>
         <p:nvSpPr>
-          <p:cNvPr id="51" name="TextBox 50">
-            <a:extLst>
-              <a:ext uri="{FF2B5EF4-FFF2-40B4-BE49-F238E27FC236}">
-                <a16:creationId xmlns:a16="http://schemas.microsoft.com/office/drawing/2014/main" id="{F0FECB0D-3459-44B2-921A-9FC6B0640833}"/>
+          <p:cNvPr id="53" name="TextBox 52">
+            <a:extLst>
+              <a:ext uri="{FF2B5EF4-FFF2-40B4-BE49-F238E27FC236}">
+                <a16:creationId xmlns:a16="http://schemas.microsoft.com/office/drawing/2014/main" id="{D9E8B31D-7259-40CE-AD4F-CF1D46AC50B6}"/>
               </a:ext>
             </a:extLst>
           </p:cNvPr>
@@ -4551,89 +6377,7 @@
         </p:nvSpPr>
         <p:spPr>
           <a:xfrm>
-            <a:off x="5033936" y="2571750"/>
-            <a:ext cx="736723" cy="206460"/>
-          </a:xfrm>
-          <a:prstGeom prst="rect">
-            <a:avLst/>
-          </a:prstGeom>
-          <a:noFill/>
-        </p:spPr>
-        <p:txBody>
-          <a:bodyPr wrap="square" lIns="68580" tIns="34290" rIns="68580" bIns="34290" rtlCol="0" anchor="ctr">
-            <a:spAutoFit/>
-          </a:bodyPr>
-          <a:lstStyle/>
-          <a:p>
-            <a:pPr algn="ctr"/>
-            <a:r>
-              <a:rPr lang="en-US" altLang="ko-KR" sz="1100"/>
-              <a:t>Ack</a:t>
-            </a:r>
-            <a:endParaRPr lang="ko-KR" altLang="en-US" sz="1100" dirty="0"/>
-          </a:p>
-        </p:txBody>
-      </p:sp>
-      <p:cxnSp>
-        <p:nvCxnSpPr>
-          <p:cNvPr id="52" name="직선 연결선 51">
-            <a:extLst>
-              <a:ext uri="{FF2B5EF4-FFF2-40B4-BE49-F238E27FC236}">
-                <a16:creationId xmlns:a16="http://schemas.microsoft.com/office/drawing/2014/main" id="{4FAFF669-9A5B-4267-B22F-8CD139198CE2}"/>
-              </a:ext>
-            </a:extLst>
-          </p:cNvPr>
-          <p:cNvCxnSpPr>
-            <a:cxnSpLocks/>
-          </p:cNvCxnSpPr>
-          <p:nvPr/>
-        </p:nvCxnSpPr>
-        <p:spPr>
-          <a:xfrm>
-            <a:off x="3060859" y="2981830"/>
-            <a:ext cx="1549131" cy="0"/>
-          </a:xfrm>
-          <a:prstGeom prst="line">
-            <a:avLst/>
-          </a:prstGeom>
-          <a:ln w="28575">
-            <a:solidFill>
-              <a:schemeClr val="tx1"/>
-            </a:solidFill>
-            <a:headEnd type="arrow" w="med" len="med"/>
-            <a:tailEnd type="none" w="med" len="med"/>
-          </a:ln>
-        </p:spPr>
-        <p:style>
-          <a:lnRef idx="1">
-            <a:schemeClr val="accent1"/>
-          </a:lnRef>
-          <a:fillRef idx="0">
-            <a:schemeClr val="accent1"/>
-          </a:fillRef>
-          <a:effectRef idx="0">
-            <a:schemeClr val="accent1"/>
-          </a:effectRef>
-          <a:fontRef idx="minor">
-            <a:schemeClr val="tx1"/>
-          </a:fontRef>
-        </p:style>
-      </p:cxnSp>
-      <p:sp>
-        <p:nvSpPr>
-          <p:cNvPr id="53" name="TextBox 52">
-            <a:extLst>
-              <a:ext uri="{FF2B5EF4-FFF2-40B4-BE49-F238E27FC236}">
-                <a16:creationId xmlns:a16="http://schemas.microsoft.com/office/drawing/2014/main" id="{D9E8B31D-7259-40CE-AD4F-CF1D46AC50B6}"/>
-              </a:ext>
-            </a:extLst>
-          </p:cNvPr>
-          <p:cNvSpPr txBox="1"/>
-          <p:nvPr/>
-        </p:nvSpPr>
-        <p:spPr>
-          <a:xfrm>
-            <a:off x="3472733" y="2775370"/>
+            <a:off x="3472733" y="2931790"/>
             <a:ext cx="736723" cy="206460"/>
           </a:xfrm>
           <a:prstGeom prst="rect">
@@ -4669,7 +6413,7 @@
 </p:sld>
 </file>
 
-<file path=ppt/slides/slide3.xml><?xml version="1.0" encoding="utf-8"?>
+<file path=ppt/slides/slide4.xml><?xml version="1.0" encoding="utf-8"?>
 <p:sld xmlns:a="http://schemas.openxmlformats.org/drawingml/2006/main" xmlns:r="http://schemas.openxmlformats.org/officeDocument/2006/relationships" xmlns:p="http://schemas.openxmlformats.org/presentationml/2006/main">
   <p:cSld>
     <p:spTree>
@@ -4708,7 +6452,7 @@
           <a:p>
             <a:r>
               <a:rPr lang="en-US" altLang="ko-KR"/>
-              <a:t>Semi-sync (AFTER_COMMIT)</a:t>
+              <a:t>Semi-sync</a:t>
             </a:r>
             <a:endParaRPr lang="ko-KR" altLang="en-US"/>
           </a:p>
@@ -4728,7 +6472,7 @@
         </p:nvSpPr>
         <p:spPr>
           <a:xfrm>
-            <a:off x="4119773" y="1419622"/>
+            <a:off x="1324832" y="1347614"/>
             <a:ext cx="1004578" cy="346249"/>
           </a:xfrm>
           <a:prstGeom prst="rect">
@@ -4765,7 +6509,7 @@
         </p:nvSpPr>
         <p:spPr>
           <a:xfrm>
-            <a:off x="2555776" y="1419622"/>
+            <a:off x="-239165" y="1347614"/>
             <a:ext cx="1004578" cy="346249"/>
           </a:xfrm>
           <a:prstGeom prst="rect">
@@ -4802,7 +6546,7 @@
         </p:nvSpPr>
         <p:spPr>
           <a:xfrm>
-            <a:off x="5677737" y="1419622"/>
+            <a:off x="2882796" y="1347614"/>
             <a:ext cx="1004578" cy="346249"/>
           </a:xfrm>
           <a:prstGeom prst="rect">
@@ -4842,7 +6586,7 @@
         </p:nvCxnSpPr>
         <p:spPr>
           <a:xfrm>
-            <a:off x="4622062" y="1765871"/>
+            <a:off x="1827121" y="1693863"/>
             <a:ext cx="0" cy="2318047"/>
           </a:xfrm>
           <a:prstGeom prst="line">
@@ -4886,7 +6630,7 @@
         </p:nvCxnSpPr>
         <p:spPr>
           <a:xfrm>
-            <a:off x="3058065" y="1765871"/>
+            <a:off x="263124" y="1693863"/>
             <a:ext cx="0" cy="2318047"/>
           </a:xfrm>
           <a:prstGeom prst="line">
@@ -4929,7 +6673,7 @@
         </p:nvCxnSpPr>
         <p:spPr>
           <a:xfrm>
-            <a:off x="3072931" y="2041579"/>
+            <a:off x="277990" y="1969571"/>
             <a:ext cx="1549131" cy="0"/>
           </a:xfrm>
           <a:prstGeom prst="line">
@@ -4972,7 +6716,7 @@
         </p:nvSpPr>
         <p:spPr>
           <a:xfrm>
-            <a:off x="3484805" y="1831382"/>
+            <a:off x="689864" y="1759374"/>
             <a:ext cx="736723" cy="206460"/>
           </a:xfrm>
           <a:prstGeom prst="rect">
@@ -5009,7 +6753,7 @@
         </p:nvSpPr>
         <p:spPr>
           <a:xfrm>
-            <a:off x="4622006" y="2219651"/>
+            <a:off x="1827065" y="2147643"/>
             <a:ext cx="273050" cy="252830"/>
           </a:xfrm>
           <a:custGeom>
@@ -5105,7 +6849,7 @@
         </p:nvSpPr>
         <p:spPr>
           <a:xfrm>
-            <a:off x="4895057" y="2146252"/>
+            <a:off x="2100116" y="2074244"/>
             <a:ext cx="1046864" cy="407804"/>
           </a:xfrm>
           <a:prstGeom prst="rect">
@@ -5152,7 +6896,7 @@
         </p:nvCxnSpPr>
         <p:spPr>
           <a:xfrm>
-            <a:off x="6180026" y="1765871"/>
+            <a:off x="3385085" y="1693863"/>
             <a:ext cx="0" cy="2318047"/>
           </a:xfrm>
           <a:prstGeom prst="line">
@@ -5195,7 +6939,7 @@
         </p:nvCxnSpPr>
         <p:spPr>
           <a:xfrm>
-            <a:off x="4629150" y="2775045"/>
+            <a:off x="1834209" y="2703037"/>
             <a:ext cx="1550876" cy="0"/>
           </a:xfrm>
           <a:prstGeom prst="line">
@@ -5238,7 +6982,7 @@
         </p:nvSpPr>
         <p:spPr>
           <a:xfrm>
-            <a:off x="4652172" y="2570146"/>
+            <a:off x="1857231" y="2498138"/>
             <a:ext cx="1477570" cy="206460"/>
           </a:xfrm>
           <a:prstGeom prst="rect">
@@ -5275,7 +7019,7 @@
         </p:nvSpPr>
         <p:spPr>
           <a:xfrm>
-            <a:off x="6185363" y="3023925"/>
+            <a:off x="3390422" y="2951917"/>
             <a:ext cx="273050" cy="252830"/>
           </a:xfrm>
           <a:custGeom>
@@ -5371,7 +7115,7 @@
         </p:nvSpPr>
         <p:spPr>
           <a:xfrm>
-            <a:off x="6458414" y="2973850"/>
+            <a:off x="3663473" y="2901842"/>
             <a:ext cx="830839" cy="352979"/>
           </a:xfrm>
           <a:prstGeom prst="rect">
@@ -5417,7 +7161,7 @@
         </p:nvCxnSpPr>
         <p:spPr>
           <a:xfrm>
-            <a:off x="4622062" y="3522972"/>
+            <a:off x="1827121" y="3450964"/>
             <a:ext cx="1549131" cy="0"/>
           </a:xfrm>
           <a:prstGeom prst="line">
@@ -5460,7 +7204,7 @@
         </p:nvSpPr>
         <p:spPr>
           <a:xfrm>
-            <a:off x="5033936" y="3316513"/>
+            <a:off x="2238995" y="3244505"/>
             <a:ext cx="736723" cy="206460"/>
           </a:xfrm>
           <a:prstGeom prst="rect">
@@ -5499,7 +7243,7 @@
         </p:nvCxnSpPr>
         <p:spPr>
           <a:xfrm>
-            <a:off x="3060859" y="3726593"/>
+            <a:off x="265918" y="3654585"/>
             <a:ext cx="1549131" cy="0"/>
           </a:xfrm>
           <a:prstGeom prst="line">
@@ -5542,7 +7286,7 @@
         </p:nvSpPr>
         <p:spPr>
           <a:xfrm>
-            <a:off x="3472733" y="3520133"/>
+            <a:off x="677792" y="3448125"/>
             <a:ext cx="736723" cy="206460"/>
           </a:xfrm>
           <a:prstGeom prst="rect">
@@ -5579,7 +7323,7 @@
         </p:nvSpPr>
         <p:spPr>
           <a:xfrm>
-            <a:off x="6185363" y="3706433"/>
+            <a:off x="3390422" y="3634425"/>
             <a:ext cx="273050" cy="252830"/>
           </a:xfrm>
           <a:custGeom>
@@ -5675,7 +7419,7 @@
         </p:nvSpPr>
         <p:spPr>
           <a:xfrm>
-            <a:off x="6464094" y="3633034"/>
+            <a:off x="3669153" y="3561026"/>
             <a:ext cx="830839" cy="407804"/>
           </a:xfrm>
           <a:prstGeom prst="rect">
@@ -5698,70 +7442,12 @@
           </a:p>
         </p:txBody>
       </p:sp>
-    </p:spTree>
-    <p:extLst>
-      <p:ext uri="{BB962C8B-B14F-4D97-AF65-F5344CB8AC3E}">
-        <p14:creationId xmlns:p14="http://schemas.microsoft.com/office/powerpoint/2010/main" val="2785787533"/>
-      </p:ext>
-    </p:extLst>
-  </p:cSld>
-  <p:clrMapOvr>
-    <a:masterClrMapping/>
-  </p:clrMapOvr>
-</p:sld>
-</file>
-
-<file path=ppt/slides/slide4.xml><?xml version="1.0" encoding="utf-8"?>
-<p:sld xmlns:a="http://schemas.openxmlformats.org/drawingml/2006/main" xmlns:r="http://schemas.openxmlformats.org/officeDocument/2006/relationships" xmlns:p="http://schemas.openxmlformats.org/presentationml/2006/main">
-  <p:cSld>
-    <p:spTree>
-      <p:nvGrpSpPr>
-        <p:cNvPr id="1" name=""/>
-        <p:cNvGrpSpPr/>
-        <p:nvPr/>
-      </p:nvGrpSpPr>
-      <p:grpSpPr>
-        <a:xfrm>
-          <a:off x="0" y="0"/>
-          <a:ext cx="0" cy="0"/>
-          <a:chOff x="0" y="0"/>
-          <a:chExt cx="0" cy="0"/>
-        </a:xfrm>
-      </p:grpSpPr>
-      <p:sp>
-        <p:nvSpPr>
-          <p:cNvPr id="2" name="제목 1"/>
-          <p:cNvSpPr>
-            <a:spLocks noGrp="1"/>
-          </p:cNvSpPr>
-          <p:nvPr>
-            <p:ph type="title"/>
-          </p:nvPr>
-        </p:nvSpPr>
-        <p:spPr>
-          <a:xfrm>
-            <a:off x="565354" y="24473"/>
-            <a:ext cx="8229600" cy="857250"/>
-          </a:xfrm>
-        </p:spPr>
-        <p:txBody>
-          <a:bodyPr/>
-          <a:lstStyle/>
-          <a:p>
-            <a:r>
-              <a:rPr lang="en-US" altLang="ko-KR"/>
-              <a:t>Semi-sync (AFTER_SYNC)</a:t>
-            </a:r>
-            <a:endParaRPr lang="ko-KR" altLang="en-US"/>
-          </a:p>
-        </p:txBody>
-      </p:sp>
-      <p:sp>
-        <p:nvSpPr>
-          <p:cNvPr id="24" name="TextBox 23">
-            <a:extLst>
-              <a:ext uri="{FF2B5EF4-FFF2-40B4-BE49-F238E27FC236}">
-                <a16:creationId xmlns:a16="http://schemas.microsoft.com/office/drawing/2014/main" id="{62737E91-733D-4B59-9D32-C3F7942F4F84}"/>
+      <p:sp>
+        <p:nvSpPr>
+          <p:cNvPr id="23" name="TextBox 22">
+            <a:extLst>
+              <a:ext uri="{FF2B5EF4-FFF2-40B4-BE49-F238E27FC236}">
+                <a16:creationId xmlns:a16="http://schemas.microsoft.com/office/drawing/2014/main" id="{3CA94D8A-CD21-4014-B415-81823207B427}"/>
               </a:ext>
             </a:extLst>
           </p:cNvPr>
@@ -5770,7 +7456,7 @@
         </p:nvSpPr>
         <p:spPr>
           <a:xfrm>
-            <a:off x="4119773" y="1419622"/>
+            <a:off x="6005352" y="1419622"/>
             <a:ext cx="1004578" cy="346249"/>
           </a:xfrm>
           <a:prstGeom prst="rect">
@@ -5795,10 +7481,10 @@
       </p:sp>
       <p:sp>
         <p:nvSpPr>
-          <p:cNvPr id="37" name="TextBox 36">
-            <a:extLst>
-              <a:ext uri="{FF2B5EF4-FFF2-40B4-BE49-F238E27FC236}">
-                <a16:creationId xmlns:a16="http://schemas.microsoft.com/office/drawing/2014/main" id="{F9F66A30-A610-4D1E-82A0-96DA8D157DC3}"/>
+          <p:cNvPr id="25" name="TextBox 24">
+            <a:extLst>
+              <a:ext uri="{FF2B5EF4-FFF2-40B4-BE49-F238E27FC236}">
+                <a16:creationId xmlns:a16="http://schemas.microsoft.com/office/drawing/2014/main" id="{CF1838E2-16A0-4533-87BA-9C5394ACA366}"/>
               </a:ext>
             </a:extLst>
           </p:cNvPr>
@@ -5807,7 +7493,7 @@
         </p:nvSpPr>
         <p:spPr>
           <a:xfrm>
-            <a:off x="2555776" y="1419622"/>
+            <a:off x="4441355" y="1419622"/>
             <a:ext cx="1004578" cy="346249"/>
           </a:xfrm>
           <a:prstGeom prst="rect">
@@ -5832,10 +7518,10 @@
       </p:sp>
       <p:sp>
         <p:nvSpPr>
-          <p:cNvPr id="42" name="TextBox 41">
-            <a:extLst>
-              <a:ext uri="{FF2B5EF4-FFF2-40B4-BE49-F238E27FC236}">
-                <a16:creationId xmlns:a16="http://schemas.microsoft.com/office/drawing/2014/main" id="{021DF571-5CD3-44FE-B67A-D2FB5ACC0BAF}"/>
+          <p:cNvPr id="26" name="TextBox 25">
+            <a:extLst>
+              <a:ext uri="{FF2B5EF4-FFF2-40B4-BE49-F238E27FC236}">
+                <a16:creationId xmlns:a16="http://schemas.microsoft.com/office/drawing/2014/main" id="{8CB165A8-F403-4E75-B286-FE14E06F9007}"/>
               </a:ext>
             </a:extLst>
           </p:cNvPr>
@@ -5844,7 +7530,7 @@
         </p:nvSpPr>
         <p:spPr>
           <a:xfrm>
-            <a:off x="5677737" y="1419622"/>
+            <a:off x="7563316" y="1419622"/>
             <a:ext cx="1004578" cy="346249"/>
           </a:xfrm>
           <a:prstGeom prst="rect">
@@ -5869,22 +7555,22 @@
       </p:sp>
       <p:cxnSp>
         <p:nvCxnSpPr>
-          <p:cNvPr id="14" name="직선 연결선 13">
-            <a:extLst>
-              <a:ext uri="{FF2B5EF4-FFF2-40B4-BE49-F238E27FC236}">
-                <a16:creationId xmlns:a16="http://schemas.microsoft.com/office/drawing/2014/main" id="{E7A8CA9A-7004-4608-8A79-D412E745BD30}"/>
+          <p:cNvPr id="27" name="직선 연결선 26">
+            <a:extLst>
+              <a:ext uri="{FF2B5EF4-FFF2-40B4-BE49-F238E27FC236}">
+                <a16:creationId xmlns:a16="http://schemas.microsoft.com/office/drawing/2014/main" id="{E2B5CBE5-56FF-4AF9-9EC6-2FEC237A970D}"/>
               </a:ext>
             </a:extLst>
           </p:cNvPr>
           <p:cNvCxnSpPr>
             <a:cxnSpLocks/>
-            <a:stCxn id="24" idx="2"/>
+            <a:stCxn id="23" idx="2"/>
           </p:cNvCxnSpPr>
           <p:nvPr/>
         </p:nvCxnSpPr>
         <p:spPr>
           <a:xfrm>
-            <a:off x="4622062" y="1765871"/>
+            <a:off x="6507641" y="1765871"/>
             <a:ext cx="0" cy="2145729"/>
           </a:xfrm>
           <a:prstGeom prst="line">
@@ -5913,22 +7599,22 @@
       </p:cxnSp>
       <p:cxnSp>
         <p:nvCxnSpPr>
-          <p:cNvPr id="36" name="직선 연결선 35">
-            <a:extLst>
-              <a:ext uri="{FF2B5EF4-FFF2-40B4-BE49-F238E27FC236}">
-                <a16:creationId xmlns:a16="http://schemas.microsoft.com/office/drawing/2014/main" id="{58FCE409-4EBD-468C-AF3D-6F9032234CD2}"/>
+          <p:cNvPr id="28" name="직선 연결선 27">
+            <a:extLst>
+              <a:ext uri="{FF2B5EF4-FFF2-40B4-BE49-F238E27FC236}">
+                <a16:creationId xmlns:a16="http://schemas.microsoft.com/office/drawing/2014/main" id="{7965376D-5DDF-4F84-B7B0-FA22EB79D858}"/>
               </a:ext>
             </a:extLst>
           </p:cNvPr>
           <p:cNvCxnSpPr>
             <a:cxnSpLocks/>
-            <a:stCxn id="37" idx="2"/>
+            <a:stCxn id="25" idx="2"/>
           </p:cNvCxnSpPr>
           <p:nvPr/>
         </p:nvCxnSpPr>
         <p:spPr>
           <a:xfrm>
-            <a:off x="3058065" y="1765871"/>
+            <a:off x="4943644" y="1765871"/>
             <a:ext cx="0" cy="2174031"/>
           </a:xfrm>
           <a:prstGeom prst="line">
@@ -5957,10 +7643,10 @@
       </p:cxnSp>
       <p:cxnSp>
         <p:nvCxnSpPr>
-          <p:cNvPr id="38" name="직선 연결선 37">
-            <a:extLst>
-              <a:ext uri="{FF2B5EF4-FFF2-40B4-BE49-F238E27FC236}">
-                <a16:creationId xmlns:a16="http://schemas.microsoft.com/office/drawing/2014/main" id="{70B10F10-62D8-4007-BE61-FF9989E41363}"/>
+          <p:cNvPr id="29" name="직선 연결선 28">
+            <a:extLst>
+              <a:ext uri="{FF2B5EF4-FFF2-40B4-BE49-F238E27FC236}">
+                <a16:creationId xmlns:a16="http://schemas.microsoft.com/office/drawing/2014/main" id="{3CF85573-418F-4F82-8746-6F75ED60B2D1}"/>
               </a:ext>
             </a:extLst>
           </p:cNvPr>
@@ -5971,7 +7657,7 @@
         </p:nvCxnSpPr>
         <p:spPr>
           <a:xfrm>
-            <a:off x="3072931" y="2041579"/>
+            <a:off x="4958510" y="2041579"/>
             <a:ext cx="1549131" cy="0"/>
           </a:xfrm>
           <a:prstGeom prst="line">
@@ -6002,10 +7688,10 @@
       </p:cxnSp>
       <p:sp>
         <p:nvSpPr>
-          <p:cNvPr id="39" name="TextBox 38">
-            <a:extLst>
-              <a:ext uri="{FF2B5EF4-FFF2-40B4-BE49-F238E27FC236}">
-                <a16:creationId xmlns:a16="http://schemas.microsoft.com/office/drawing/2014/main" id="{CBE2E156-697F-4942-8139-51F54D89355D}"/>
+          <p:cNvPr id="30" name="TextBox 29">
+            <a:extLst>
+              <a:ext uri="{FF2B5EF4-FFF2-40B4-BE49-F238E27FC236}">
+                <a16:creationId xmlns:a16="http://schemas.microsoft.com/office/drawing/2014/main" id="{7953EC59-796D-46BD-AB66-52AD99265906}"/>
               </a:ext>
             </a:extLst>
           </p:cNvPr>
@@ -6014,7 +7700,7 @@
         </p:nvSpPr>
         <p:spPr>
           <a:xfrm>
-            <a:off x="3484805" y="1831382"/>
+            <a:off x="5370384" y="1831382"/>
             <a:ext cx="736723" cy="206460"/>
           </a:xfrm>
           <a:prstGeom prst="rect">
@@ -6039,10 +7725,10 @@
       </p:sp>
       <p:sp>
         <p:nvSpPr>
-          <p:cNvPr id="10" name="자유형: 도형 9">
-            <a:extLst>
-              <a:ext uri="{FF2B5EF4-FFF2-40B4-BE49-F238E27FC236}">
-                <a16:creationId xmlns:a16="http://schemas.microsoft.com/office/drawing/2014/main" id="{DE6B7842-51DA-427B-A7FE-3778D5AED3A2}"/>
+          <p:cNvPr id="31" name="자유형: 도형 30">
+            <a:extLst>
+              <a:ext uri="{FF2B5EF4-FFF2-40B4-BE49-F238E27FC236}">
+                <a16:creationId xmlns:a16="http://schemas.microsoft.com/office/drawing/2014/main" id="{A76DB200-F5F1-4114-80E1-F6C478DC6487}"/>
               </a:ext>
             </a:extLst>
           </p:cNvPr>
@@ -6051,7 +7737,7 @@
         </p:nvSpPr>
         <p:spPr>
           <a:xfrm>
-            <a:off x="4622006" y="3228420"/>
+            <a:off x="6507585" y="3228420"/>
             <a:ext cx="273050" cy="252830"/>
           </a:xfrm>
           <a:custGeom>
@@ -6135,10 +7821,10 @@
       </p:sp>
       <p:sp>
         <p:nvSpPr>
-          <p:cNvPr id="40" name="TextBox 39">
-            <a:extLst>
-              <a:ext uri="{FF2B5EF4-FFF2-40B4-BE49-F238E27FC236}">
-                <a16:creationId xmlns:a16="http://schemas.microsoft.com/office/drawing/2014/main" id="{4E386FD3-F43F-44B5-8771-25D62A7A6C71}"/>
+          <p:cNvPr id="32" name="TextBox 31">
+            <a:extLst>
+              <a:ext uri="{FF2B5EF4-FFF2-40B4-BE49-F238E27FC236}">
+                <a16:creationId xmlns:a16="http://schemas.microsoft.com/office/drawing/2014/main" id="{DD4AA227-56FF-4403-89B7-0C14C086F619}"/>
               </a:ext>
             </a:extLst>
           </p:cNvPr>
@@ -6147,7 +7833,7 @@
         </p:nvSpPr>
         <p:spPr>
           <a:xfrm>
-            <a:off x="4895057" y="3155021"/>
+            <a:off x="6780636" y="3155021"/>
             <a:ext cx="1046864" cy="407804"/>
           </a:xfrm>
           <a:prstGeom prst="rect">
@@ -6179,22 +7865,22 @@
       </p:sp>
       <p:cxnSp>
         <p:nvCxnSpPr>
-          <p:cNvPr id="41" name="직선 연결선 40">
-            <a:extLst>
-              <a:ext uri="{FF2B5EF4-FFF2-40B4-BE49-F238E27FC236}">
-                <a16:creationId xmlns:a16="http://schemas.microsoft.com/office/drawing/2014/main" id="{C1B76746-22DB-4D77-A737-C2A3EAD5E2D8}"/>
+          <p:cNvPr id="33" name="직선 연결선 32">
+            <a:extLst>
+              <a:ext uri="{FF2B5EF4-FFF2-40B4-BE49-F238E27FC236}">
+                <a16:creationId xmlns:a16="http://schemas.microsoft.com/office/drawing/2014/main" id="{3BF20572-AFDC-4E46-B00E-DFFE3BD10732}"/>
               </a:ext>
             </a:extLst>
           </p:cNvPr>
           <p:cNvCxnSpPr>
             <a:cxnSpLocks/>
-            <a:stCxn id="42" idx="2"/>
+            <a:stCxn id="26" idx="2"/>
           </p:cNvCxnSpPr>
           <p:nvPr/>
         </p:nvCxnSpPr>
         <p:spPr>
           <a:xfrm>
-            <a:off x="6180026" y="1765871"/>
+            <a:off x="8065605" y="1765871"/>
             <a:ext cx="0" cy="2177479"/>
           </a:xfrm>
           <a:prstGeom prst="line">
@@ -6223,10 +7909,10 @@
       </p:cxnSp>
       <p:cxnSp>
         <p:nvCxnSpPr>
-          <p:cNvPr id="43" name="직선 연결선 42">
-            <a:extLst>
-              <a:ext uri="{FF2B5EF4-FFF2-40B4-BE49-F238E27FC236}">
-                <a16:creationId xmlns:a16="http://schemas.microsoft.com/office/drawing/2014/main" id="{395A793D-E2A7-4BE9-8DCE-09EBF6233888}"/>
+          <p:cNvPr id="34" name="직선 연결선 33">
+            <a:extLst>
+              <a:ext uri="{FF2B5EF4-FFF2-40B4-BE49-F238E27FC236}">
+                <a16:creationId xmlns:a16="http://schemas.microsoft.com/office/drawing/2014/main" id="{CEC6CEBC-1725-46D8-AA7E-78E839975175}"/>
               </a:ext>
             </a:extLst>
           </p:cNvPr>
@@ -6237,7 +7923,7 @@
         </p:nvCxnSpPr>
         <p:spPr>
           <a:xfrm>
-            <a:off x="4619625" y="2272593"/>
+            <a:off x="6505204" y="2272593"/>
             <a:ext cx="1560401" cy="0"/>
           </a:xfrm>
           <a:prstGeom prst="line">
@@ -6268,10 +7954,10 @@
       </p:cxnSp>
       <p:sp>
         <p:nvSpPr>
-          <p:cNvPr id="45" name="TextBox 44">
-            <a:extLst>
-              <a:ext uri="{FF2B5EF4-FFF2-40B4-BE49-F238E27FC236}">
-                <a16:creationId xmlns:a16="http://schemas.microsoft.com/office/drawing/2014/main" id="{D5DAD4B8-95B0-438E-96D6-76EA1E366AB9}"/>
+          <p:cNvPr id="35" name="TextBox 34">
+            <a:extLst>
+              <a:ext uri="{FF2B5EF4-FFF2-40B4-BE49-F238E27FC236}">
+                <a16:creationId xmlns:a16="http://schemas.microsoft.com/office/drawing/2014/main" id="{EAC7D014-A77C-4E7F-B05B-B54CEE06ED3D}"/>
               </a:ext>
             </a:extLst>
           </p:cNvPr>
@@ -6280,7 +7966,7 @@
         </p:nvSpPr>
         <p:spPr>
           <a:xfrm>
-            <a:off x="4652172" y="2067694"/>
+            <a:off x="6537751" y="2067694"/>
             <a:ext cx="1477570" cy="206460"/>
           </a:xfrm>
           <a:prstGeom prst="rect">
@@ -6305,10 +7991,10 @@
       </p:sp>
       <p:sp>
         <p:nvSpPr>
-          <p:cNvPr id="46" name="자유형: 도형 45">
-            <a:extLst>
-              <a:ext uri="{FF2B5EF4-FFF2-40B4-BE49-F238E27FC236}">
-                <a16:creationId xmlns:a16="http://schemas.microsoft.com/office/drawing/2014/main" id="{83F58254-2611-44EC-81E9-15AD1385D6FD}"/>
+          <p:cNvPr id="44" name="자유형: 도형 43">
+            <a:extLst>
+              <a:ext uri="{FF2B5EF4-FFF2-40B4-BE49-F238E27FC236}">
+                <a16:creationId xmlns:a16="http://schemas.microsoft.com/office/drawing/2014/main" id="{05466FE3-4891-4A7C-B7CA-71FAFB776A78}"/>
               </a:ext>
             </a:extLst>
           </p:cNvPr>
@@ -6317,7 +8003,7 @@
         </p:nvSpPr>
         <p:spPr>
           <a:xfrm>
-            <a:off x="6185363" y="2521473"/>
+            <a:off x="8070942" y="2521473"/>
             <a:ext cx="273050" cy="252830"/>
           </a:xfrm>
           <a:custGeom>
@@ -6401,10 +8087,10 @@
       </p:sp>
       <p:sp>
         <p:nvSpPr>
-          <p:cNvPr id="47" name="TextBox 46">
-            <a:extLst>
-              <a:ext uri="{FF2B5EF4-FFF2-40B4-BE49-F238E27FC236}">
-                <a16:creationId xmlns:a16="http://schemas.microsoft.com/office/drawing/2014/main" id="{00B50F8F-894A-4B93-AEAC-185AB3DF5B47}"/>
+          <p:cNvPr id="48" name="TextBox 47">
+            <a:extLst>
+              <a:ext uri="{FF2B5EF4-FFF2-40B4-BE49-F238E27FC236}">
+                <a16:creationId xmlns:a16="http://schemas.microsoft.com/office/drawing/2014/main" id="{226AAE97-C6D8-411E-8D5A-73E86265F933}"/>
               </a:ext>
             </a:extLst>
           </p:cNvPr>
@@ -6413,7 +8099,7 @@
         </p:nvSpPr>
         <p:spPr>
           <a:xfrm>
-            <a:off x="6458414" y="2471398"/>
+            <a:off x="8343993" y="2471398"/>
             <a:ext cx="830839" cy="352979"/>
           </a:xfrm>
           <a:prstGeom prst="rect">
@@ -6445,10 +8131,10 @@
       </p:sp>
       <p:cxnSp>
         <p:nvCxnSpPr>
-          <p:cNvPr id="50" name="직선 연결선 49">
-            <a:extLst>
-              <a:ext uri="{FF2B5EF4-FFF2-40B4-BE49-F238E27FC236}">
-                <a16:creationId xmlns:a16="http://schemas.microsoft.com/office/drawing/2014/main" id="{4F384E3A-170F-44B6-B04D-00BF0BCB2504}"/>
+          <p:cNvPr id="49" name="직선 연결선 48">
+            <a:extLst>
+              <a:ext uri="{FF2B5EF4-FFF2-40B4-BE49-F238E27FC236}">
+                <a16:creationId xmlns:a16="http://schemas.microsoft.com/office/drawing/2014/main" id="{84653B4D-D4BB-415E-8BA4-4DF79D827624}"/>
               </a:ext>
             </a:extLst>
           </p:cNvPr>
@@ -6459,7 +8145,7 @@
         </p:nvCxnSpPr>
         <p:spPr>
           <a:xfrm>
-            <a:off x="4622062" y="3020520"/>
+            <a:off x="6507641" y="3020520"/>
             <a:ext cx="1549131" cy="0"/>
           </a:xfrm>
           <a:prstGeom prst="line">
@@ -6490,10 +8176,10 @@
       </p:cxnSp>
       <p:sp>
         <p:nvSpPr>
-          <p:cNvPr id="51" name="TextBox 50">
-            <a:extLst>
-              <a:ext uri="{FF2B5EF4-FFF2-40B4-BE49-F238E27FC236}">
-                <a16:creationId xmlns:a16="http://schemas.microsoft.com/office/drawing/2014/main" id="{F0FECB0D-3459-44B2-921A-9FC6B0640833}"/>
+          <p:cNvPr id="54" name="TextBox 53">
+            <a:extLst>
+              <a:ext uri="{FF2B5EF4-FFF2-40B4-BE49-F238E27FC236}">
+                <a16:creationId xmlns:a16="http://schemas.microsoft.com/office/drawing/2014/main" id="{10558C5B-A2D9-44E8-8886-0A3E3E6D297F}"/>
               </a:ext>
             </a:extLst>
           </p:cNvPr>
@@ -6502,7 +8188,7 @@
         </p:nvSpPr>
         <p:spPr>
           <a:xfrm>
-            <a:off x="5033936" y="2814061"/>
+            <a:off x="6919515" y="2814061"/>
             <a:ext cx="736723" cy="206460"/>
           </a:xfrm>
           <a:prstGeom prst="rect">
@@ -6527,10 +8213,10 @@
       </p:sp>
       <p:cxnSp>
         <p:nvCxnSpPr>
-          <p:cNvPr id="52" name="직선 연결선 51">
-            <a:extLst>
-              <a:ext uri="{FF2B5EF4-FFF2-40B4-BE49-F238E27FC236}">
-                <a16:creationId xmlns:a16="http://schemas.microsoft.com/office/drawing/2014/main" id="{4FAFF669-9A5B-4267-B22F-8CD139198CE2}"/>
+          <p:cNvPr id="55" name="직선 연결선 54">
+            <a:extLst>
+              <a:ext uri="{FF2B5EF4-FFF2-40B4-BE49-F238E27FC236}">
+                <a16:creationId xmlns:a16="http://schemas.microsoft.com/office/drawing/2014/main" id="{254B021F-82BA-45E8-8F0D-EF4FD8164DD9}"/>
               </a:ext>
             </a:extLst>
           </p:cNvPr>
@@ -6541,7 +8227,7 @@
         </p:nvCxnSpPr>
         <p:spPr>
           <a:xfrm>
-            <a:off x="3060859" y="3714314"/>
+            <a:off x="4946438" y="3714314"/>
             <a:ext cx="1549131" cy="0"/>
           </a:xfrm>
           <a:prstGeom prst="line">
@@ -6572,10 +8258,10 @@
       </p:cxnSp>
       <p:sp>
         <p:nvSpPr>
-          <p:cNvPr id="53" name="TextBox 52">
-            <a:extLst>
-              <a:ext uri="{FF2B5EF4-FFF2-40B4-BE49-F238E27FC236}">
-                <a16:creationId xmlns:a16="http://schemas.microsoft.com/office/drawing/2014/main" id="{D9E8B31D-7259-40CE-AD4F-CF1D46AC50B6}"/>
+          <p:cNvPr id="58" name="TextBox 57">
+            <a:extLst>
+              <a:ext uri="{FF2B5EF4-FFF2-40B4-BE49-F238E27FC236}">
+                <a16:creationId xmlns:a16="http://schemas.microsoft.com/office/drawing/2014/main" id="{63AFEF71-B7CA-407E-8F2E-22177F3CF33A}"/>
               </a:ext>
             </a:extLst>
           </p:cNvPr>
@@ -6584,7 +8270,7 @@
         </p:nvSpPr>
         <p:spPr>
           <a:xfrm>
-            <a:off x="3472733" y="3507854"/>
+            <a:off x="5358312" y="3507854"/>
             <a:ext cx="736723" cy="206460"/>
           </a:xfrm>
           <a:prstGeom prst="rect">
@@ -6609,10 +8295,10 @@
       </p:sp>
       <p:sp>
         <p:nvSpPr>
-          <p:cNvPr id="56" name="자유형: 도형 55">
-            <a:extLst>
-              <a:ext uri="{FF2B5EF4-FFF2-40B4-BE49-F238E27FC236}">
-                <a16:creationId xmlns:a16="http://schemas.microsoft.com/office/drawing/2014/main" id="{BD22B29A-8142-4AF8-9C68-9B56FBC0B00E}"/>
+          <p:cNvPr id="59" name="자유형: 도형 58">
+            <a:extLst>
+              <a:ext uri="{FF2B5EF4-FFF2-40B4-BE49-F238E27FC236}">
+                <a16:creationId xmlns:a16="http://schemas.microsoft.com/office/drawing/2014/main" id="{CFB2C779-8D97-450A-8446-40E580D75220}"/>
               </a:ext>
             </a:extLst>
           </p:cNvPr>
@@ -6621,7 +8307,7 @@
         </p:nvSpPr>
         <p:spPr>
           <a:xfrm>
-            <a:off x="6185363" y="3203981"/>
+            <a:off x="8070942" y="3203981"/>
             <a:ext cx="273050" cy="252830"/>
           </a:xfrm>
           <a:custGeom>
@@ -6705,10 +8391,10 @@
       </p:sp>
       <p:sp>
         <p:nvSpPr>
-          <p:cNvPr id="57" name="TextBox 56">
-            <a:extLst>
-              <a:ext uri="{FF2B5EF4-FFF2-40B4-BE49-F238E27FC236}">
-                <a16:creationId xmlns:a16="http://schemas.microsoft.com/office/drawing/2014/main" id="{280B725F-E6C1-4E8C-9F5E-A72731C4B0B0}"/>
+          <p:cNvPr id="60" name="TextBox 59">
+            <a:extLst>
+              <a:ext uri="{FF2B5EF4-FFF2-40B4-BE49-F238E27FC236}">
+                <a16:creationId xmlns:a16="http://schemas.microsoft.com/office/drawing/2014/main" id="{D0D69CB0-9843-4123-90D9-802A2CBC0289}"/>
               </a:ext>
             </a:extLst>
           </p:cNvPr>
@@ -6717,7 +8403,7 @@
         </p:nvSpPr>
         <p:spPr>
           <a:xfrm>
-            <a:off x="6464094" y="3130582"/>
+            <a:off x="8349673" y="3130582"/>
             <a:ext cx="830839" cy="407804"/>
           </a:xfrm>
           <a:prstGeom prst="rect">
@@ -6740,10 +8426,128 @@
           </a:p>
         </p:txBody>
       </p:sp>
+      <p:sp>
+        <p:nvSpPr>
+          <p:cNvPr id="61" name="TextBox 60">
+            <a:extLst>
+              <a:ext uri="{FF2B5EF4-FFF2-40B4-BE49-F238E27FC236}">
+                <a16:creationId xmlns:a16="http://schemas.microsoft.com/office/drawing/2014/main" id="{509E503F-F8CF-4DB7-9DA9-439ADF28BED6}"/>
+              </a:ext>
+            </a:extLst>
+          </p:cNvPr>
+          <p:cNvSpPr txBox="1"/>
+          <p:nvPr/>
+        </p:nvSpPr>
+        <p:spPr>
+          <a:xfrm>
+            <a:off x="1475656" y="4033396"/>
+            <a:ext cx="1745442" cy="338554"/>
+          </a:xfrm>
+          <a:prstGeom prst="rect">
+            <a:avLst/>
+          </a:prstGeom>
+          <a:noFill/>
+        </p:spPr>
+        <p:txBody>
+          <a:bodyPr wrap="square" rtlCol="0" anchor="ctr">
+            <a:spAutoFit/>
+          </a:bodyPr>
+          <a:lstStyle/>
+          <a:p>
+            <a:pPr algn="ctr"/>
+            <a:r>
+              <a:rPr lang="en-US" altLang="ko-KR" sz="1600"/>
+              <a:t>AFTER_COMMIT</a:t>
+            </a:r>
+            <a:endParaRPr lang="ko-KR" altLang="en-US" sz="1600"/>
+          </a:p>
+        </p:txBody>
+      </p:sp>
+      <p:sp>
+        <p:nvSpPr>
+          <p:cNvPr id="62" name="TextBox 61">
+            <a:extLst>
+              <a:ext uri="{FF2B5EF4-FFF2-40B4-BE49-F238E27FC236}">
+                <a16:creationId xmlns:a16="http://schemas.microsoft.com/office/drawing/2014/main" id="{B902A590-FDE1-44DF-93EE-9ED75F7C0689}"/>
+              </a:ext>
+            </a:extLst>
+          </p:cNvPr>
+          <p:cNvSpPr txBox="1"/>
+          <p:nvPr/>
+        </p:nvSpPr>
+        <p:spPr>
+          <a:xfrm>
+            <a:off x="6005352" y="4033396"/>
+            <a:ext cx="1745442" cy="338554"/>
+          </a:xfrm>
+          <a:prstGeom prst="rect">
+            <a:avLst/>
+          </a:prstGeom>
+          <a:noFill/>
+        </p:spPr>
+        <p:txBody>
+          <a:bodyPr wrap="square" rtlCol="0" anchor="ctr">
+            <a:spAutoFit/>
+          </a:bodyPr>
+          <a:lstStyle/>
+          <a:p>
+            <a:pPr algn="ctr"/>
+            <a:r>
+              <a:rPr lang="en-US" altLang="ko-KR" sz="1600"/>
+              <a:t>AFTER_SYNC</a:t>
+            </a:r>
+            <a:endParaRPr lang="ko-KR" altLang="en-US" sz="1600"/>
+          </a:p>
+        </p:txBody>
+      </p:sp>
+      <p:cxnSp>
+        <p:nvCxnSpPr>
+          <p:cNvPr id="4" name="직선 연결선 3">
+            <a:extLst>
+              <a:ext uri="{FF2B5EF4-FFF2-40B4-BE49-F238E27FC236}">
+                <a16:creationId xmlns:a16="http://schemas.microsoft.com/office/drawing/2014/main" id="{9DBDAC7C-86F6-4605-8AB4-2D8D0D2F2A75}"/>
+              </a:ext>
+            </a:extLst>
+          </p:cNvPr>
+          <p:cNvCxnSpPr>
+            <a:cxnSpLocks/>
+          </p:cNvCxnSpPr>
+          <p:nvPr/>
+        </p:nvCxnSpPr>
+        <p:spPr>
+          <a:xfrm>
+            <a:off x="4544292" y="1347614"/>
+            <a:ext cx="0" cy="3002850"/>
+          </a:xfrm>
+          <a:prstGeom prst="line">
+            <a:avLst/>
+          </a:prstGeom>
+          <a:ln w="28575">
+            <a:solidFill>
+              <a:schemeClr val="tx1"/>
+            </a:solidFill>
+            <a:prstDash val="dash"/>
+          </a:ln>
+        </p:spPr>
+        <p:style>
+          <a:lnRef idx="1">
+            <a:schemeClr val="accent1"/>
+          </a:lnRef>
+          <a:fillRef idx="0">
+            <a:schemeClr val="accent1"/>
+          </a:fillRef>
+          <a:effectRef idx="0">
+            <a:schemeClr val="accent1"/>
+          </a:effectRef>
+          <a:fontRef idx="minor">
+            <a:schemeClr val="tx1"/>
+          </a:fontRef>
+        </p:style>
+      </p:cxnSp>
     </p:spTree>
     <p:extLst>
       <p:ext uri="{BB962C8B-B14F-4D97-AF65-F5344CB8AC3E}">
-        <p14:creationId xmlns:p14="http://schemas.microsoft.com/office/powerpoint/2010/main" val="4185614939"/>
+        <p14:creationId xmlns:p14="http://schemas.microsoft.com/office/powerpoint/2010/main" val="2785787533"/>
       </p:ext>
     </p:extLst>
   </p:cSld>

--- a/images/theory_analysis/MySQL_Replication_Cluster/MySQL_Replication.pptx
+++ b/images/theory_analysis/MySQL_Replication_Cluster/MySQL_Replication.pptx
@@ -5,13 +5,14 @@
     <p:sldMasterId id="2147483648" r:id="rId1"/>
   </p:sldMasterIdLst>
   <p:notesMasterIdLst>
-    <p:notesMasterId r:id="rId6"/>
+    <p:notesMasterId r:id="rId7"/>
   </p:notesMasterIdLst>
   <p:sldIdLst>
     <p:sldId id="360" r:id="rId2"/>
-    <p:sldId id="361" r:id="rId3"/>
-    <p:sldId id="359" r:id="rId4"/>
-    <p:sldId id="357" r:id="rId5"/>
+    <p:sldId id="362" r:id="rId3"/>
+    <p:sldId id="361" r:id="rId4"/>
+    <p:sldId id="359" r:id="rId5"/>
+    <p:sldId id="357" r:id="rId6"/>
   </p:sldIdLst>
   <p:sldSz cx="9144000" cy="5143500" type="screen16x9"/>
   <p:notesSz cx="6858000" cy="9144000"/>
@@ -216,7 +217,7 @@
           <a:p>
             <a:fld id="{6CD5550B-26C4-49A9-A5BA-636EF7BE6CE9}" type="datetimeFigureOut">
               <a:rPr lang="ko-KR" altLang="en-US" smtClean="0"/>
-              <a:t>2018-12-16</a:t>
+              <a:t>2018-12-17</a:t>
             </a:fld>
             <a:endParaRPr lang="ko-KR" altLang="en-US"/>
           </a:p>
@@ -641,7 +642,7 @@
     </p:spTree>
     <p:extLst>
       <p:ext uri="{BB962C8B-B14F-4D97-AF65-F5344CB8AC3E}">
-        <p14:creationId xmlns:p14="http://schemas.microsoft.com/office/powerpoint/2010/main" val="4195755357"/>
+        <p14:creationId xmlns:p14="http://schemas.microsoft.com/office/powerpoint/2010/main" val="1387032016"/>
       </p:ext>
     </p:extLst>
   </p:cSld>
@@ -725,7 +726,7 @@
     </p:spTree>
     <p:extLst>
       <p:ext uri="{BB962C8B-B14F-4D97-AF65-F5344CB8AC3E}">
-        <p14:creationId xmlns:p14="http://schemas.microsoft.com/office/powerpoint/2010/main" val="44329558"/>
+        <p14:creationId xmlns:p14="http://schemas.microsoft.com/office/powerpoint/2010/main" val="4195755357"/>
       </p:ext>
     </p:extLst>
   </p:cSld>
@@ -801,6 +802,90 @@
             <a:fld id="{BA5DFA43-8D57-47FB-BC46-057616015C3B}" type="slidenum">
               <a:rPr lang="ko-KR" altLang="en-US" smtClean="0"/>
               <a:t>4</a:t>
+            </a:fld>
+            <a:endParaRPr lang="ko-KR" altLang="en-US"/>
+          </a:p>
+        </p:txBody>
+      </p:sp>
+    </p:spTree>
+    <p:extLst>
+      <p:ext uri="{BB962C8B-B14F-4D97-AF65-F5344CB8AC3E}">
+        <p14:creationId xmlns:p14="http://schemas.microsoft.com/office/powerpoint/2010/main" val="44329558"/>
+      </p:ext>
+    </p:extLst>
+  </p:cSld>
+  <p:clrMapOvr>
+    <a:masterClrMapping/>
+  </p:clrMapOvr>
+</p:notes>
+</file>
+
+<file path=ppt/notesSlides/notesSlide5.xml><?xml version="1.0" encoding="utf-8"?>
+<p:notes xmlns:a="http://schemas.openxmlformats.org/drawingml/2006/main" xmlns:r="http://schemas.openxmlformats.org/officeDocument/2006/relationships" xmlns:p="http://schemas.openxmlformats.org/presentationml/2006/main">
+  <p:cSld>
+    <p:spTree>
+      <p:nvGrpSpPr>
+        <p:cNvPr id="1" name=""/>
+        <p:cNvGrpSpPr/>
+        <p:nvPr/>
+      </p:nvGrpSpPr>
+      <p:grpSpPr>
+        <a:xfrm>
+          <a:off x="0" y="0"/>
+          <a:ext cx="0" cy="0"/>
+          <a:chOff x="0" y="0"/>
+          <a:chExt cx="0" cy="0"/>
+        </a:xfrm>
+      </p:grpSpPr>
+      <p:sp>
+        <p:nvSpPr>
+          <p:cNvPr id="2" name="슬라이드 이미지 개체 틀 1"/>
+          <p:cNvSpPr>
+            <a:spLocks noGrp="1" noRot="1" noChangeAspect="1"/>
+          </p:cNvSpPr>
+          <p:nvPr>
+            <p:ph type="sldImg"/>
+          </p:nvPr>
+        </p:nvSpPr>
+        <p:spPr/>
+      </p:sp>
+      <p:sp>
+        <p:nvSpPr>
+          <p:cNvPr id="3" name="슬라이드 노트 개체 틀 2"/>
+          <p:cNvSpPr>
+            <a:spLocks noGrp="1"/>
+          </p:cNvSpPr>
+          <p:nvPr>
+            <p:ph type="body" idx="1"/>
+          </p:nvPr>
+        </p:nvSpPr>
+        <p:spPr/>
+        <p:txBody>
+          <a:bodyPr/>
+          <a:lstStyle/>
+          <a:p>
+            <a:endParaRPr lang="ko-KR" altLang="en-US"/>
+          </a:p>
+        </p:txBody>
+      </p:sp>
+      <p:sp>
+        <p:nvSpPr>
+          <p:cNvPr id="4" name="슬라이드 번호 개체 틀 3"/>
+          <p:cNvSpPr>
+            <a:spLocks noGrp="1"/>
+          </p:cNvSpPr>
+          <p:nvPr>
+            <p:ph type="sldNum" sz="quarter" idx="10"/>
+          </p:nvPr>
+        </p:nvSpPr>
+        <p:spPr/>
+        <p:txBody>
+          <a:bodyPr/>
+          <a:lstStyle/>
+          <a:p>
+            <a:fld id="{BA5DFA43-8D57-47FB-BC46-057616015C3B}" type="slidenum">
+              <a:rPr lang="ko-KR" altLang="en-US" smtClean="0"/>
+              <a:t>5</a:t>
             </a:fld>
             <a:endParaRPr lang="ko-KR" altLang="en-US"/>
           </a:p>
@@ -998,7 +1083,7 @@
           <a:p>
             <a:fld id="{FB30EDBD-1C2D-4C1E-B459-B60219FAB484}" type="datetimeFigureOut">
               <a:rPr lang="ko-KR" altLang="en-US" smtClean="0"/>
-              <a:t>2018-12-16</a:t>
+              <a:t>2018-12-17</a:t>
             </a:fld>
             <a:endParaRPr lang="ko-KR" altLang="en-US"/>
           </a:p>
@@ -1161,7 +1246,7 @@
           <a:p>
             <a:fld id="{FB30EDBD-1C2D-4C1E-B459-B60219FAB484}" type="datetimeFigureOut">
               <a:rPr lang="ko-KR" altLang="en-US" smtClean="0"/>
-              <a:t>2018-12-16</a:t>
+              <a:t>2018-12-17</a:t>
             </a:fld>
             <a:endParaRPr lang="ko-KR" altLang="en-US"/>
           </a:p>
@@ -1334,7 +1419,7 @@
           <a:p>
             <a:fld id="{FB30EDBD-1C2D-4C1E-B459-B60219FAB484}" type="datetimeFigureOut">
               <a:rPr lang="ko-KR" altLang="en-US" smtClean="0"/>
-              <a:t>2018-12-16</a:t>
+              <a:t>2018-12-17</a:t>
             </a:fld>
             <a:endParaRPr lang="ko-KR" altLang="en-US"/>
           </a:p>
@@ -1497,7 +1582,7 @@
           <a:p>
             <a:fld id="{FB30EDBD-1C2D-4C1E-B459-B60219FAB484}" type="datetimeFigureOut">
               <a:rPr lang="ko-KR" altLang="en-US" smtClean="0"/>
-              <a:t>2018-12-16</a:t>
+              <a:t>2018-12-17</a:t>
             </a:fld>
             <a:endParaRPr lang="ko-KR" altLang="en-US"/>
           </a:p>
@@ -1737,7 +1822,7 @@
           <a:p>
             <a:fld id="{FB30EDBD-1C2D-4C1E-B459-B60219FAB484}" type="datetimeFigureOut">
               <a:rPr lang="ko-KR" altLang="en-US" smtClean="0"/>
-              <a:t>2018-12-16</a:t>
+              <a:t>2018-12-17</a:t>
             </a:fld>
             <a:endParaRPr lang="ko-KR" altLang="en-US"/>
           </a:p>
@@ -2017,7 +2102,7 @@
           <a:p>
             <a:fld id="{FB30EDBD-1C2D-4C1E-B459-B60219FAB484}" type="datetimeFigureOut">
               <a:rPr lang="ko-KR" altLang="en-US" smtClean="0"/>
-              <a:t>2018-12-16</a:t>
+              <a:t>2018-12-17</a:t>
             </a:fld>
             <a:endParaRPr lang="ko-KR" altLang="en-US"/>
           </a:p>
@@ -2431,7 +2516,7 @@
           <a:p>
             <a:fld id="{FB30EDBD-1C2D-4C1E-B459-B60219FAB484}" type="datetimeFigureOut">
               <a:rPr lang="ko-KR" altLang="en-US" smtClean="0"/>
-              <a:t>2018-12-16</a:t>
+              <a:t>2018-12-17</a:t>
             </a:fld>
             <a:endParaRPr lang="ko-KR" altLang="en-US"/>
           </a:p>
@@ -2543,7 +2628,7 @@
           <a:p>
             <a:fld id="{FB30EDBD-1C2D-4C1E-B459-B60219FAB484}" type="datetimeFigureOut">
               <a:rPr lang="ko-KR" altLang="en-US" smtClean="0"/>
-              <a:t>2018-12-16</a:t>
+              <a:t>2018-12-17</a:t>
             </a:fld>
             <a:endParaRPr lang="ko-KR" altLang="en-US"/>
           </a:p>
@@ -2633,7 +2718,7 @@
           <a:p>
             <a:fld id="{FB30EDBD-1C2D-4C1E-B459-B60219FAB484}" type="datetimeFigureOut">
               <a:rPr lang="ko-KR" altLang="en-US" smtClean="0"/>
-              <a:t>2018-12-16</a:t>
+              <a:t>2018-12-17</a:t>
             </a:fld>
             <a:endParaRPr lang="ko-KR" altLang="en-US"/>
           </a:p>
@@ -2903,7 +2988,7 @@
           <a:p>
             <a:fld id="{FB30EDBD-1C2D-4C1E-B459-B60219FAB484}" type="datetimeFigureOut">
               <a:rPr lang="ko-KR" altLang="en-US" smtClean="0"/>
-              <a:t>2018-12-16</a:t>
+              <a:t>2018-12-17</a:t>
             </a:fld>
             <a:endParaRPr lang="ko-KR" altLang="en-US"/>
           </a:p>
@@ -3150,7 +3235,7 @@
           <a:p>
             <a:fld id="{FB30EDBD-1C2D-4C1E-B459-B60219FAB484}" type="datetimeFigureOut">
               <a:rPr lang="ko-KR" altLang="en-US" smtClean="0"/>
-              <a:t>2018-12-16</a:t>
+              <a:t>2018-12-17</a:t>
             </a:fld>
             <a:endParaRPr lang="ko-KR" altLang="en-US"/>
           </a:p>
@@ -3356,7 +3441,7 @@
           <a:p>
             <a:fld id="{FB30EDBD-1C2D-4C1E-B459-B60219FAB484}" type="datetimeFigureOut">
               <a:rPr lang="ko-KR" altLang="en-US" smtClean="0"/>
-              <a:t>2018-12-16</a:t>
+              <a:t>2018-12-17</a:t>
             </a:fld>
             <a:endParaRPr lang="ko-KR" altLang="en-US"/>
           </a:p>
@@ -4696,6 +4781,14 @@
           <a:p>
             <a:r>
               <a:rPr lang="en-US" altLang="ko-KR"/>
+              <a:t>Single-primary</a:t>
+            </a:r>
+            <a:r>
+              <a:rPr lang="ko-KR" altLang="en-US"/>
+              <a:t> </a:t>
+            </a:r>
+            <a:r>
+              <a:rPr lang="en-US" altLang="ko-KR"/>
               <a:t>Group</a:t>
             </a:r>
             <a:endParaRPr lang="ko-KR" altLang="en-US"/>
@@ -4745,10 +4838,10 @@
           <a:p>
             <a:pPr algn="ctr"/>
             <a:r>
-              <a:rPr lang="en-US" altLang="ko-KR" sz="1600"/>
-              <a:t>DB</a:t>
-            </a:r>
-            <a:endParaRPr lang="ko-KR" altLang="en-US" sz="1600"/>
+              <a:rPr lang="en-US" altLang="ko-KR" sz="1400"/>
+              <a:t>Secondary DB</a:t>
+            </a:r>
+            <a:endParaRPr lang="ko-KR" altLang="en-US" sz="1400"/>
           </a:p>
         </p:txBody>
       </p:sp>
@@ -4843,10 +4936,10 @@
           <a:p>
             <a:pPr algn="ctr"/>
             <a:r>
-              <a:rPr lang="en-US" altLang="ko-KR" sz="1600"/>
-              <a:t>DB</a:t>
-            </a:r>
-            <a:endParaRPr lang="ko-KR" altLang="en-US" sz="1600"/>
+              <a:rPr lang="en-US" altLang="ko-KR" sz="1400"/>
+              <a:t>Primary DB</a:t>
+            </a:r>
+            <a:endParaRPr lang="ko-KR" altLang="en-US" sz="1400"/>
           </a:p>
         </p:txBody>
       </p:sp>
@@ -4893,10 +4986,10 @@
           <a:p>
             <a:pPr algn="ctr"/>
             <a:r>
-              <a:rPr lang="en-US" altLang="ko-KR" sz="1600"/>
-              <a:t>DB</a:t>
-            </a:r>
-            <a:endParaRPr lang="ko-KR" altLang="en-US" sz="1600"/>
+              <a:rPr lang="en-US" altLang="ko-KR" sz="1400"/>
+              <a:t>Secondary DB</a:t>
+            </a:r>
+            <a:endParaRPr lang="ko-KR" altLang="en-US" sz="1400"/>
           </a:p>
         </p:txBody>
       </p:sp>
@@ -5096,7 +5189,7 @@
         </p:nvCxnSpPr>
         <p:spPr>
           <a:xfrm>
-            <a:off x="3057145" y="3867894"/>
+            <a:off x="3057145" y="3651870"/>
             <a:ext cx="941478" cy="0"/>
           </a:xfrm>
           <a:prstGeom prst="straightConnector1">
@@ -5106,7 +5199,7 @@
             <a:solidFill>
               <a:schemeClr val="tx1"/>
             </a:solidFill>
-            <a:headEnd type="arrow" w="med" len="med"/>
+            <a:headEnd type="none" w="med" len="med"/>
             <a:tailEnd type="arrow" w="med" len="med"/>
           </a:ln>
         </p:spPr>
@@ -5381,7 +5474,7 @@
             <a:pPr algn="ctr"/>
             <a:r>
               <a:rPr lang="en-US" altLang="ko-KR" sz="1400"/>
-              <a:t>R/W Request</a:t>
+              <a:t>R Request</a:t>
             </a:r>
             <a:endParaRPr lang="ko-KR" altLang="en-US" sz="1400"/>
           </a:p>
@@ -5401,7 +5494,7 @@
         </p:nvSpPr>
         <p:spPr>
           <a:xfrm>
-            <a:off x="4355978" y="2624013"/>
+            <a:off x="4256262" y="2624013"/>
             <a:ext cx="1512166" cy="307777"/>
           </a:xfrm>
           <a:prstGeom prst="rect">
@@ -5418,7 +5511,7 @@
             <a:pPr algn="ctr"/>
             <a:r>
               <a:rPr lang="en-US" altLang="ko-KR" sz="1400"/>
-              <a:t>R/W Request</a:t>
+              <a:t>R Request</a:t>
             </a:r>
             <a:endParaRPr lang="ko-KR" altLang="en-US" sz="1400"/>
           </a:p>
@@ -5455,7 +5548,7 @@
             <a:pPr algn="ctr"/>
             <a:r>
               <a:rPr lang="en-US" altLang="ko-KR" sz="1600"/>
-              <a:t>Cluster</a:t>
+              <a:t>Group</a:t>
             </a:r>
             <a:endParaRPr lang="ko-KR" altLang="en-US" sz="1600"/>
           </a:p>
@@ -5477,8 +5570,8 @@
         </p:nvCxnSpPr>
         <p:spPr>
           <a:xfrm>
-            <a:off x="5069490" y="3867894"/>
-            <a:ext cx="941478" cy="0"/>
+            <a:off x="3057145" y="3867894"/>
+            <a:ext cx="2953823" cy="0"/>
           </a:xfrm>
           <a:prstGeom prst="straightConnector1">
             <a:avLst/>
@@ -5487,7 +5580,7 @@
             <a:solidFill>
               <a:schemeClr val="tx1"/>
             </a:solidFill>
-            <a:headEnd type="arrow" w="med" len="med"/>
+            <a:headEnd type="none" w="med" len="med"/>
             <a:tailEnd type="arrow" w="med" len="med"/>
           </a:ln>
         </p:spPr>
@@ -5508,10 +5601,10 @@
       </p:cxnSp>
       <p:sp>
         <p:nvSpPr>
-          <p:cNvPr id="39" name="TextBox 38">
-            <a:extLst>
-              <a:ext uri="{FF2B5EF4-FFF2-40B4-BE49-F238E27FC236}">
-                <a16:creationId xmlns:a16="http://schemas.microsoft.com/office/drawing/2014/main" id="{773B7E90-9D65-48C1-885C-7B3B4E49D5C5}"/>
+          <p:cNvPr id="26" name="TextBox 25">
+            <a:extLst>
+              <a:ext uri="{FF2B5EF4-FFF2-40B4-BE49-F238E27FC236}">
+                <a16:creationId xmlns:a16="http://schemas.microsoft.com/office/drawing/2014/main" id="{E0D720FB-A74B-4C16-93AA-D5B9A300CBBB}"/>
               </a:ext>
             </a:extLst>
           </p:cNvPr>
@@ -5520,7 +5613,7 @@
         </p:nvSpPr>
         <p:spPr>
           <a:xfrm>
-            <a:off x="2915816" y="3560117"/>
+            <a:off x="2915816" y="3344093"/>
             <a:ext cx="1224135" cy="307777"/>
           </a:xfrm>
           <a:prstGeom prst="rect">
@@ -5545,10 +5638,10 @@
       </p:sp>
       <p:sp>
         <p:nvSpPr>
-          <p:cNvPr id="42" name="TextBox 41">
-            <a:extLst>
-              <a:ext uri="{FF2B5EF4-FFF2-40B4-BE49-F238E27FC236}">
-                <a16:creationId xmlns:a16="http://schemas.microsoft.com/office/drawing/2014/main" id="{B05320F5-0C00-4D1F-B97E-F20064939009}"/>
+          <p:cNvPr id="27" name="TextBox 26">
+            <a:extLst>
+              <a:ext uri="{FF2B5EF4-FFF2-40B4-BE49-F238E27FC236}">
+                <a16:creationId xmlns:a16="http://schemas.microsoft.com/office/drawing/2014/main" id="{A5F98AA7-BCE1-42F3-B735-32AF2964DA61}"/>
               </a:ext>
             </a:extLst>
           </p:cNvPr>
@@ -5557,7 +5650,7 @@
         </p:nvSpPr>
         <p:spPr>
           <a:xfrm>
-            <a:off x="4928161" y="3560117"/>
+            <a:off x="2915816" y="3848149"/>
             <a:ext cx="1224135" cy="307777"/>
           </a:xfrm>
           <a:prstGeom prst="rect">
@@ -5583,7 +5676,7 @@
     </p:spTree>
     <p:extLst>
       <p:ext uri="{BB962C8B-B14F-4D97-AF65-F5344CB8AC3E}">
-        <p14:creationId xmlns:p14="http://schemas.microsoft.com/office/powerpoint/2010/main" val="1718549907"/>
+        <p14:creationId xmlns:p14="http://schemas.microsoft.com/office/powerpoint/2010/main" val="1028453530"/>
       </p:ext>
     </p:extLst>
   </p:cSld>
@@ -5612,6 +5705,55 @@
       </p:grpSpPr>
       <p:sp>
         <p:nvSpPr>
+          <p:cNvPr id="30" name="사각형: 둥근 모서리 29">
+            <a:extLst>
+              <a:ext uri="{FF2B5EF4-FFF2-40B4-BE49-F238E27FC236}">
+                <a16:creationId xmlns:a16="http://schemas.microsoft.com/office/drawing/2014/main" id="{85112F4E-090B-47FF-B1BB-75FF3EFC489C}"/>
+              </a:ext>
+            </a:extLst>
+          </p:cNvPr>
+          <p:cNvSpPr/>
+          <p:nvPr/>
+        </p:nvSpPr>
+        <p:spPr>
+          <a:xfrm>
+            <a:off x="1617732" y="2903918"/>
+            <a:ext cx="5832648" cy="1728192"/>
+          </a:xfrm>
+          <a:prstGeom prst="roundRect">
+            <a:avLst>
+              <a:gd name="adj" fmla="val 8289"/>
+            </a:avLst>
+          </a:prstGeom>
+          <a:ln>
+            <a:prstDash val="dash"/>
+          </a:ln>
+        </p:spPr>
+        <p:style>
+          <a:lnRef idx="2">
+            <a:schemeClr val="dk1"/>
+          </a:lnRef>
+          <a:fillRef idx="1">
+            <a:schemeClr val="lt1"/>
+          </a:fillRef>
+          <a:effectRef idx="0">
+            <a:schemeClr val="dk1"/>
+          </a:effectRef>
+          <a:fontRef idx="minor">
+            <a:schemeClr val="dk1"/>
+          </a:fontRef>
+        </p:style>
+        <p:txBody>
+          <a:bodyPr rtlCol="0" anchor="ctr"/>
+          <a:lstStyle/>
+          <a:p>
+            <a:pPr algn="ctr"/>
+            <a:endParaRPr lang="ko-KR" altLang="en-US"/>
+          </a:p>
+        </p:txBody>
+      </p:sp>
+      <p:sp>
+        <p:nvSpPr>
           <p:cNvPr id="2" name="제목 1"/>
           <p:cNvSpPr>
             <a:spLocks noGrp="1"/>
@@ -5632,6 +5774,942 @@
           <a:p>
             <a:r>
               <a:rPr lang="en-US" altLang="ko-KR"/>
+              <a:t>Multi-primary Group</a:t>
+            </a:r>
+            <a:endParaRPr lang="ko-KR" altLang="en-US"/>
+          </a:p>
+        </p:txBody>
+      </p:sp>
+      <p:sp>
+        <p:nvSpPr>
+          <p:cNvPr id="4" name="사각형: 둥근 모서리 3">
+            <a:extLst>
+              <a:ext uri="{FF2B5EF4-FFF2-40B4-BE49-F238E27FC236}">
+                <a16:creationId xmlns:a16="http://schemas.microsoft.com/office/drawing/2014/main" id="{8890BB04-0EC3-4677-B15B-A2E9EE30680B}"/>
+              </a:ext>
+            </a:extLst>
+          </p:cNvPr>
+          <p:cNvSpPr/>
+          <p:nvPr/>
+        </p:nvSpPr>
+        <p:spPr>
+          <a:xfrm>
+            <a:off x="3779912" y="3003798"/>
+            <a:ext cx="1512168" cy="1512168"/>
+          </a:xfrm>
+          <a:prstGeom prst="roundRect">
+            <a:avLst>
+              <a:gd name="adj" fmla="val 5886"/>
+            </a:avLst>
+          </a:prstGeom>
+        </p:spPr>
+        <p:style>
+          <a:lnRef idx="2">
+            <a:schemeClr val="dk1"/>
+          </a:lnRef>
+          <a:fillRef idx="1">
+            <a:schemeClr val="lt1"/>
+          </a:fillRef>
+          <a:effectRef idx="0">
+            <a:schemeClr val="dk1"/>
+          </a:effectRef>
+          <a:fontRef idx="minor">
+            <a:schemeClr val="dk1"/>
+          </a:fontRef>
+        </p:style>
+        <p:txBody>
+          <a:bodyPr rtlCol="0" anchor="b"/>
+          <a:lstStyle/>
+          <a:p>
+            <a:pPr algn="ctr"/>
+            <a:r>
+              <a:rPr lang="en-US" altLang="ko-KR" sz="1600"/>
+              <a:t>Primary DB</a:t>
+            </a:r>
+            <a:endParaRPr lang="ko-KR" altLang="en-US" sz="1600"/>
+          </a:p>
+        </p:txBody>
+      </p:sp>
+      <p:sp>
+        <p:nvSpPr>
+          <p:cNvPr id="3" name="사각형: 둥근 모서리 2">
+            <a:extLst>
+              <a:ext uri="{FF2B5EF4-FFF2-40B4-BE49-F238E27FC236}">
+                <a16:creationId xmlns:a16="http://schemas.microsoft.com/office/drawing/2014/main" id="{8A1616A6-1400-47E3-B96B-3825AAA58B85}"/>
+              </a:ext>
+            </a:extLst>
+          </p:cNvPr>
+          <p:cNvSpPr/>
+          <p:nvPr/>
+        </p:nvSpPr>
+        <p:spPr>
+          <a:xfrm>
+            <a:off x="3563888" y="1995686"/>
+            <a:ext cx="1944216" cy="360040"/>
+          </a:xfrm>
+          <a:prstGeom prst="roundRect">
+            <a:avLst/>
+          </a:prstGeom>
+        </p:spPr>
+        <p:style>
+          <a:lnRef idx="2">
+            <a:schemeClr val="dk1"/>
+          </a:lnRef>
+          <a:fillRef idx="1">
+            <a:schemeClr val="lt1"/>
+          </a:fillRef>
+          <a:effectRef idx="0">
+            <a:schemeClr val="dk1"/>
+          </a:effectRef>
+          <a:fontRef idx="minor">
+            <a:schemeClr val="dk1"/>
+          </a:fontRef>
+        </p:style>
+        <p:txBody>
+          <a:bodyPr rtlCol="0" anchor="ctr"/>
+          <a:lstStyle/>
+          <a:p>
+            <a:pPr algn="ctr"/>
+            <a:r>
+              <a:rPr lang="en-US" altLang="ko-KR" sz="1600"/>
+              <a:t>MySQL Router</a:t>
+            </a:r>
+            <a:endParaRPr lang="ko-KR" altLang="en-US" sz="1600"/>
+          </a:p>
+        </p:txBody>
+      </p:sp>
+      <p:sp>
+        <p:nvSpPr>
+          <p:cNvPr id="8" name="사각형: 둥근 모서리 7">
+            <a:extLst>
+              <a:ext uri="{FF2B5EF4-FFF2-40B4-BE49-F238E27FC236}">
+                <a16:creationId xmlns:a16="http://schemas.microsoft.com/office/drawing/2014/main" id="{583C970C-86D1-45C6-9400-70A040488B56}"/>
+              </a:ext>
+            </a:extLst>
+          </p:cNvPr>
+          <p:cNvSpPr/>
+          <p:nvPr/>
+        </p:nvSpPr>
+        <p:spPr>
+          <a:xfrm>
+            <a:off x="1763688" y="3003798"/>
+            <a:ext cx="1512168" cy="1512168"/>
+          </a:xfrm>
+          <a:prstGeom prst="roundRect">
+            <a:avLst>
+              <a:gd name="adj" fmla="val 5886"/>
+            </a:avLst>
+          </a:prstGeom>
+        </p:spPr>
+        <p:style>
+          <a:lnRef idx="2">
+            <a:schemeClr val="dk1"/>
+          </a:lnRef>
+          <a:fillRef idx="1">
+            <a:schemeClr val="lt1"/>
+          </a:fillRef>
+          <a:effectRef idx="0">
+            <a:schemeClr val="dk1"/>
+          </a:effectRef>
+          <a:fontRef idx="minor">
+            <a:schemeClr val="dk1"/>
+          </a:fontRef>
+        </p:style>
+        <p:txBody>
+          <a:bodyPr rtlCol="0" anchor="b"/>
+          <a:lstStyle/>
+          <a:p>
+            <a:pPr algn="ctr"/>
+            <a:r>
+              <a:rPr lang="en-US" altLang="ko-KR" sz="1600"/>
+              <a:t>Primary DB</a:t>
+            </a:r>
+            <a:endParaRPr lang="ko-KR" altLang="en-US" sz="1600"/>
+          </a:p>
+        </p:txBody>
+      </p:sp>
+      <p:sp>
+        <p:nvSpPr>
+          <p:cNvPr id="9" name="사각형: 둥근 모서리 8">
+            <a:extLst>
+              <a:ext uri="{FF2B5EF4-FFF2-40B4-BE49-F238E27FC236}">
+                <a16:creationId xmlns:a16="http://schemas.microsoft.com/office/drawing/2014/main" id="{B5242D48-4E1F-41E6-A8B8-1EA5997B1334}"/>
+              </a:ext>
+            </a:extLst>
+          </p:cNvPr>
+          <p:cNvSpPr/>
+          <p:nvPr/>
+        </p:nvSpPr>
+        <p:spPr>
+          <a:xfrm>
+            <a:off x="5792257" y="3003798"/>
+            <a:ext cx="1512168" cy="1512168"/>
+          </a:xfrm>
+          <a:prstGeom prst="roundRect">
+            <a:avLst>
+              <a:gd name="adj" fmla="val 5886"/>
+            </a:avLst>
+          </a:prstGeom>
+        </p:spPr>
+        <p:style>
+          <a:lnRef idx="2">
+            <a:schemeClr val="dk1"/>
+          </a:lnRef>
+          <a:fillRef idx="1">
+            <a:schemeClr val="lt1"/>
+          </a:fillRef>
+          <a:effectRef idx="0">
+            <a:schemeClr val="dk1"/>
+          </a:effectRef>
+          <a:fontRef idx="minor">
+            <a:schemeClr val="dk1"/>
+          </a:fontRef>
+        </p:style>
+        <p:txBody>
+          <a:bodyPr rtlCol="0" anchor="b"/>
+          <a:lstStyle/>
+          <a:p>
+            <a:pPr algn="ctr"/>
+            <a:r>
+              <a:rPr lang="en-US" altLang="ko-KR" sz="1600"/>
+              <a:t>Primary DB</a:t>
+            </a:r>
+            <a:endParaRPr lang="ko-KR" altLang="en-US" sz="1600"/>
+          </a:p>
+        </p:txBody>
+      </p:sp>
+      <p:sp>
+        <p:nvSpPr>
+          <p:cNvPr id="10" name="사각형: 둥근 모서리 9">
+            <a:extLst>
+              <a:ext uri="{FF2B5EF4-FFF2-40B4-BE49-F238E27FC236}">
+                <a16:creationId xmlns:a16="http://schemas.microsoft.com/office/drawing/2014/main" id="{866B3922-D196-4CE1-97DA-94D70579E5FE}"/>
+              </a:ext>
+            </a:extLst>
+          </p:cNvPr>
+          <p:cNvSpPr/>
+          <p:nvPr/>
+        </p:nvSpPr>
+        <p:spPr>
+          <a:xfrm>
+            <a:off x="3563888" y="1203598"/>
+            <a:ext cx="1944216" cy="360040"/>
+          </a:xfrm>
+          <a:prstGeom prst="roundRect">
+            <a:avLst/>
+          </a:prstGeom>
+        </p:spPr>
+        <p:style>
+          <a:lnRef idx="2">
+            <a:schemeClr val="dk1"/>
+          </a:lnRef>
+          <a:fillRef idx="1">
+            <a:schemeClr val="lt1"/>
+          </a:fillRef>
+          <a:effectRef idx="0">
+            <a:schemeClr val="dk1"/>
+          </a:effectRef>
+          <a:fontRef idx="minor">
+            <a:schemeClr val="dk1"/>
+          </a:fontRef>
+        </p:style>
+        <p:txBody>
+          <a:bodyPr rtlCol="0" anchor="ctr"/>
+          <a:lstStyle/>
+          <a:p>
+            <a:pPr algn="ctr"/>
+            <a:r>
+              <a:rPr lang="en-US" altLang="ko-KR" sz="1600"/>
+              <a:t>App</a:t>
+            </a:r>
+            <a:endParaRPr lang="ko-KR" altLang="en-US" sz="1600"/>
+          </a:p>
+        </p:txBody>
+      </p:sp>
+      <p:sp>
+        <p:nvSpPr>
+          <p:cNvPr id="11" name="순서도: 자기 디스크 10">
+            <a:extLst>
+              <a:ext uri="{FF2B5EF4-FFF2-40B4-BE49-F238E27FC236}">
+                <a16:creationId xmlns:a16="http://schemas.microsoft.com/office/drawing/2014/main" id="{0197D105-FED6-424D-9645-F3D5083B16F8}"/>
+              </a:ext>
+            </a:extLst>
+          </p:cNvPr>
+          <p:cNvSpPr/>
+          <p:nvPr/>
+        </p:nvSpPr>
+        <p:spPr>
+          <a:xfrm>
+            <a:off x="1982399" y="3363838"/>
+            <a:ext cx="1074746" cy="720080"/>
+          </a:xfrm>
+          <a:prstGeom prst="flowChartMagneticDisk">
+            <a:avLst/>
+          </a:prstGeom>
+        </p:spPr>
+        <p:style>
+          <a:lnRef idx="2">
+            <a:schemeClr val="dk1"/>
+          </a:lnRef>
+          <a:fillRef idx="1">
+            <a:schemeClr val="lt1"/>
+          </a:fillRef>
+          <a:effectRef idx="0">
+            <a:schemeClr val="dk1"/>
+          </a:effectRef>
+          <a:fontRef idx="minor">
+            <a:schemeClr val="dk1"/>
+          </a:fontRef>
+        </p:style>
+        <p:txBody>
+          <a:bodyPr rtlCol="0" anchor="ctr"/>
+          <a:lstStyle/>
+          <a:p>
+            <a:pPr algn="ctr"/>
+            <a:endParaRPr lang="ko-KR" altLang="en-US"/>
+          </a:p>
+        </p:txBody>
+      </p:sp>
+      <p:sp>
+        <p:nvSpPr>
+          <p:cNvPr id="12" name="순서도: 자기 디스크 11">
+            <a:extLst>
+              <a:ext uri="{FF2B5EF4-FFF2-40B4-BE49-F238E27FC236}">
+                <a16:creationId xmlns:a16="http://schemas.microsoft.com/office/drawing/2014/main" id="{525E0FAB-2A3E-4CE8-92A7-899F9B240C20}"/>
+              </a:ext>
+            </a:extLst>
+          </p:cNvPr>
+          <p:cNvSpPr/>
+          <p:nvPr/>
+        </p:nvSpPr>
+        <p:spPr>
+          <a:xfrm>
+            <a:off x="3998623" y="3363838"/>
+            <a:ext cx="1074746" cy="720080"/>
+          </a:xfrm>
+          <a:prstGeom prst="flowChartMagneticDisk">
+            <a:avLst/>
+          </a:prstGeom>
+        </p:spPr>
+        <p:style>
+          <a:lnRef idx="2">
+            <a:schemeClr val="dk1"/>
+          </a:lnRef>
+          <a:fillRef idx="1">
+            <a:schemeClr val="lt1"/>
+          </a:fillRef>
+          <a:effectRef idx="0">
+            <a:schemeClr val="dk1"/>
+          </a:effectRef>
+          <a:fontRef idx="minor">
+            <a:schemeClr val="dk1"/>
+          </a:fontRef>
+        </p:style>
+        <p:txBody>
+          <a:bodyPr rtlCol="0" anchor="ctr"/>
+          <a:lstStyle/>
+          <a:p>
+            <a:pPr algn="ctr"/>
+            <a:endParaRPr lang="ko-KR" altLang="en-US"/>
+          </a:p>
+        </p:txBody>
+      </p:sp>
+      <p:sp>
+        <p:nvSpPr>
+          <p:cNvPr id="13" name="순서도: 자기 디스크 12">
+            <a:extLst>
+              <a:ext uri="{FF2B5EF4-FFF2-40B4-BE49-F238E27FC236}">
+                <a16:creationId xmlns:a16="http://schemas.microsoft.com/office/drawing/2014/main" id="{C5C2DD05-769F-44B8-89AB-BC08E350366C}"/>
+              </a:ext>
+            </a:extLst>
+          </p:cNvPr>
+          <p:cNvSpPr/>
+          <p:nvPr/>
+        </p:nvSpPr>
+        <p:spPr>
+          <a:xfrm>
+            <a:off x="6010968" y="3363838"/>
+            <a:ext cx="1074746" cy="720080"/>
+          </a:xfrm>
+          <a:prstGeom prst="flowChartMagneticDisk">
+            <a:avLst/>
+          </a:prstGeom>
+        </p:spPr>
+        <p:style>
+          <a:lnRef idx="2">
+            <a:schemeClr val="dk1"/>
+          </a:lnRef>
+          <a:fillRef idx="1">
+            <a:schemeClr val="lt1"/>
+          </a:fillRef>
+          <a:effectRef idx="0">
+            <a:schemeClr val="dk1"/>
+          </a:effectRef>
+          <a:fontRef idx="minor">
+            <a:schemeClr val="dk1"/>
+          </a:fontRef>
+        </p:style>
+        <p:txBody>
+          <a:bodyPr rtlCol="0" anchor="ctr"/>
+          <a:lstStyle/>
+          <a:p>
+            <a:pPr algn="ctr"/>
+            <a:endParaRPr lang="ko-KR" altLang="en-US"/>
+          </a:p>
+        </p:txBody>
+      </p:sp>
+      <p:cxnSp>
+        <p:nvCxnSpPr>
+          <p:cNvPr id="15" name="직선 화살표 연결선 14">
+            <a:extLst>
+              <a:ext uri="{FF2B5EF4-FFF2-40B4-BE49-F238E27FC236}">
+                <a16:creationId xmlns:a16="http://schemas.microsoft.com/office/drawing/2014/main" id="{9E1E5D33-26D8-46EA-A627-36FCD9DA07D1}"/>
+              </a:ext>
+            </a:extLst>
+          </p:cNvPr>
+          <p:cNvCxnSpPr>
+            <a:cxnSpLocks/>
+          </p:cNvCxnSpPr>
+          <p:nvPr/>
+        </p:nvCxnSpPr>
+        <p:spPr>
+          <a:xfrm>
+            <a:off x="3057145" y="3867894"/>
+            <a:ext cx="941478" cy="0"/>
+          </a:xfrm>
+          <a:prstGeom prst="straightConnector1">
+            <a:avLst/>
+          </a:prstGeom>
+          <a:ln w="28575">
+            <a:solidFill>
+              <a:schemeClr val="tx1"/>
+            </a:solidFill>
+            <a:headEnd type="arrow" w="med" len="med"/>
+            <a:tailEnd type="arrow" w="med" len="med"/>
+          </a:ln>
+        </p:spPr>
+        <p:style>
+          <a:lnRef idx="1">
+            <a:schemeClr val="accent1"/>
+          </a:lnRef>
+          <a:fillRef idx="0">
+            <a:schemeClr val="accent1"/>
+          </a:fillRef>
+          <a:effectRef idx="0">
+            <a:schemeClr val="accent1"/>
+          </a:effectRef>
+          <a:fontRef idx="minor">
+            <a:schemeClr val="tx1"/>
+          </a:fontRef>
+        </p:style>
+      </p:cxnSp>
+      <p:cxnSp>
+        <p:nvCxnSpPr>
+          <p:cNvPr id="19" name="직선 연결선 18">
+            <a:extLst>
+              <a:ext uri="{FF2B5EF4-FFF2-40B4-BE49-F238E27FC236}">
+                <a16:creationId xmlns:a16="http://schemas.microsoft.com/office/drawing/2014/main" id="{22CBDC41-EAC0-49C3-8FAC-63013E9BAF6F}"/>
+              </a:ext>
+            </a:extLst>
+          </p:cNvPr>
+          <p:cNvCxnSpPr>
+            <a:cxnSpLocks/>
+            <a:stCxn id="10" idx="2"/>
+            <a:endCxn id="3" idx="0"/>
+          </p:cNvCxnSpPr>
+          <p:nvPr/>
+        </p:nvCxnSpPr>
+        <p:spPr>
+          <a:xfrm>
+            <a:off x="4535996" y="1563638"/>
+            <a:ext cx="0" cy="432048"/>
+          </a:xfrm>
+          <a:prstGeom prst="line">
+            <a:avLst/>
+          </a:prstGeom>
+          <a:ln w="28575">
+            <a:solidFill>
+              <a:schemeClr val="tx1"/>
+            </a:solidFill>
+            <a:headEnd type="none" w="med" len="med"/>
+            <a:tailEnd type="arrow" w="med" len="med"/>
+          </a:ln>
+        </p:spPr>
+        <p:style>
+          <a:lnRef idx="1">
+            <a:schemeClr val="accent1"/>
+          </a:lnRef>
+          <a:fillRef idx="0">
+            <a:schemeClr val="accent1"/>
+          </a:fillRef>
+          <a:effectRef idx="0">
+            <a:schemeClr val="accent1"/>
+          </a:effectRef>
+          <a:fontRef idx="minor">
+            <a:schemeClr val="tx1"/>
+          </a:fontRef>
+        </p:style>
+      </p:cxnSp>
+      <p:cxnSp>
+        <p:nvCxnSpPr>
+          <p:cNvPr id="22" name="직선 연결선 21">
+            <a:extLst>
+              <a:ext uri="{FF2B5EF4-FFF2-40B4-BE49-F238E27FC236}">
+                <a16:creationId xmlns:a16="http://schemas.microsoft.com/office/drawing/2014/main" id="{507DD919-1F8C-4EDF-A3EA-9C85EEC24FF7}"/>
+              </a:ext>
+            </a:extLst>
+          </p:cNvPr>
+          <p:cNvCxnSpPr>
+            <a:cxnSpLocks/>
+            <a:stCxn id="3" idx="2"/>
+            <a:endCxn id="8" idx="0"/>
+          </p:cNvCxnSpPr>
+          <p:nvPr/>
+        </p:nvCxnSpPr>
+        <p:spPr>
+          <a:xfrm flipH="1">
+            <a:off x="2519772" y="2355726"/>
+            <a:ext cx="2016224" cy="648072"/>
+          </a:xfrm>
+          <a:prstGeom prst="line">
+            <a:avLst/>
+          </a:prstGeom>
+          <a:ln w="28575">
+            <a:solidFill>
+              <a:schemeClr val="tx1"/>
+            </a:solidFill>
+            <a:headEnd type="none" w="med" len="med"/>
+            <a:tailEnd type="arrow" w="med" len="med"/>
+          </a:ln>
+        </p:spPr>
+        <p:style>
+          <a:lnRef idx="1">
+            <a:schemeClr val="accent1"/>
+          </a:lnRef>
+          <a:fillRef idx="0">
+            <a:schemeClr val="accent1"/>
+          </a:fillRef>
+          <a:effectRef idx="0">
+            <a:schemeClr val="accent1"/>
+          </a:effectRef>
+          <a:fontRef idx="minor">
+            <a:schemeClr val="tx1"/>
+          </a:fontRef>
+        </p:style>
+      </p:cxnSp>
+      <p:cxnSp>
+        <p:nvCxnSpPr>
+          <p:cNvPr id="25" name="직선 연결선 24">
+            <a:extLst>
+              <a:ext uri="{FF2B5EF4-FFF2-40B4-BE49-F238E27FC236}">
+                <a16:creationId xmlns:a16="http://schemas.microsoft.com/office/drawing/2014/main" id="{05E73110-B9EC-455C-96CC-025CFED44C57}"/>
+              </a:ext>
+            </a:extLst>
+          </p:cNvPr>
+          <p:cNvCxnSpPr>
+            <a:cxnSpLocks/>
+            <a:stCxn id="3" idx="2"/>
+            <a:endCxn id="4" idx="0"/>
+          </p:cNvCxnSpPr>
+          <p:nvPr/>
+        </p:nvCxnSpPr>
+        <p:spPr>
+          <a:xfrm>
+            <a:off x="4535996" y="2355726"/>
+            <a:ext cx="0" cy="648072"/>
+          </a:xfrm>
+          <a:prstGeom prst="line">
+            <a:avLst/>
+          </a:prstGeom>
+          <a:ln w="28575">
+            <a:solidFill>
+              <a:schemeClr val="tx1"/>
+            </a:solidFill>
+            <a:headEnd type="none" w="med" len="med"/>
+            <a:tailEnd type="arrow" w="med" len="med"/>
+          </a:ln>
+        </p:spPr>
+        <p:style>
+          <a:lnRef idx="1">
+            <a:schemeClr val="accent1"/>
+          </a:lnRef>
+          <a:fillRef idx="0">
+            <a:schemeClr val="accent1"/>
+          </a:fillRef>
+          <a:effectRef idx="0">
+            <a:schemeClr val="accent1"/>
+          </a:effectRef>
+          <a:fontRef idx="minor">
+            <a:schemeClr val="tx1"/>
+          </a:fontRef>
+        </p:style>
+      </p:cxnSp>
+      <p:cxnSp>
+        <p:nvCxnSpPr>
+          <p:cNvPr id="28" name="직선 연결선 27">
+            <a:extLst>
+              <a:ext uri="{FF2B5EF4-FFF2-40B4-BE49-F238E27FC236}">
+                <a16:creationId xmlns:a16="http://schemas.microsoft.com/office/drawing/2014/main" id="{557238BF-27F5-4591-9CA4-E941CF9890FF}"/>
+              </a:ext>
+            </a:extLst>
+          </p:cNvPr>
+          <p:cNvCxnSpPr>
+            <a:cxnSpLocks/>
+            <a:stCxn id="3" idx="2"/>
+            <a:endCxn id="9" idx="0"/>
+          </p:cNvCxnSpPr>
+          <p:nvPr/>
+        </p:nvCxnSpPr>
+        <p:spPr>
+          <a:xfrm>
+            <a:off x="4535996" y="2355726"/>
+            <a:ext cx="2012345" cy="648072"/>
+          </a:xfrm>
+          <a:prstGeom prst="line">
+            <a:avLst/>
+          </a:prstGeom>
+          <a:ln w="28575">
+            <a:solidFill>
+              <a:schemeClr val="tx1"/>
+            </a:solidFill>
+            <a:headEnd type="none" w="med" len="med"/>
+            <a:tailEnd type="arrow" w="med" len="med"/>
+          </a:ln>
+        </p:spPr>
+        <p:style>
+          <a:lnRef idx="1">
+            <a:schemeClr val="accent1"/>
+          </a:lnRef>
+          <a:fillRef idx="0">
+            <a:schemeClr val="accent1"/>
+          </a:fillRef>
+          <a:effectRef idx="0">
+            <a:schemeClr val="accent1"/>
+          </a:effectRef>
+          <a:fontRef idx="minor">
+            <a:schemeClr val="tx1"/>
+          </a:fontRef>
+        </p:style>
+      </p:cxnSp>
+      <p:sp>
+        <p:nvSpPr>
+          <p:cNvPr id="32" name="TextBox 31">
+            <a:extLst>
+              <a:ext uri="{FF2B5EF4-FFF2-40B4-BE49-F238E27FC236}">
+                <a16:creationId xmlns:a16="http://schemas.microsoft.com/office/drawing/2014/main" id="{D3F124DD-5F09-4246-90A2-D0665E254849}"/>
+              </a:ext>
+            </a:extLst>
+          </p:cNvPr>
+          <p:cNvSpPr txBox="1"/>
+          <p:nvPr/>
+        </p:nvSpPr>
+        <p:spPr>
+          <a:xfrm>
+            <a:off x="2483772" y="2324942"/>
+            <a:ext cx="1512166" cy="307777"/>
+          </a:xfrm>
+          <a:prstGeom prst="rect">
+            <a:avLst/>
+          </a:prstGeom>
+          <a:noFill/>
+        </p:spPr>
+        <p:txBody>
+          <a:bodyPr wrap="square" rtlCol="0" anchor="ctr">
+            <a:spAutoFit/>
+          </a:bodyPr>
+          <a:lstStyle/>
+          <a:p>
+            <a:pPr algn="ctr"/>
+            <a:r>
+              <a:rPr lang="en-US" altLang="ko-KR" sz="1400"/>
+              <a:t>R/W Request</a:t>
+            </a:r>
+            <a:endParaRPr lang="ko-KR" altLang="en-US" sz="1400"/>
+          </a:p>
+        </p:txBody>
+      </p:sp>
+      <p:sp>
+        <p:nvSpPr>
+          <p:cNvPr id="33" name="TextBox 32">
+            <a:extLst>
+              <a:ext uri="{FF2B5EF4-FFF2-40B4-BE49-F238E27FC236}">
+                <a16:creationId xmlns:a16="http://schemas.microsoft.com/office/drawing/2014/main" id="{4D0F5690-DEDA-4325-8C3B-C1E694A3E571}"/>
+              </a:ext>
+            </a:extLst>
+          </p:cNvPr>
+          <p:cNvSpPr txBox="1"/>
+          <p:nvPr/>
+        </p:nvSpPr>
+        <p:spPr>
+          <a:xfrm>
+            <a:off x="5076056" y="2326108"/>
+            <a:ext cx="1512166" cy="307777"/>
+          </a:xfrm>
+          <a:prstGeom prst="rect">
+            <a:avLst/>
+          </a:prstGeom>
+          <a:noFill/>
+        </p:spPr>
+        <p:txBody>
+          <a:bodyPr wrap="square" rtlCol="0" anchor="ctr">
+            <a:spAutoFit/>
+          </a:bodyPr>
+          <a:lstStyle/>
+          <a:p>
+            <a:pPr algn="ctr"/>
+            <a:r>
+              <a:rPr lang="en-US" altLang="ko-KR" sz="1400"/>
+              <a:t>R/W Request</a:t>
+            </a:r>
+            <a:endParaRPr lang="ko-KR" altLang="en-US" sz="1400"/>
+          </a:p>
+        </p:txBody>
+      </p:sp>
+      <p:sp>
+        <p:nvSpPr>
+          <p:cNvPr id="34" name="TextBox 33">
+            <a:extLst>
+              <a:ext uri="{FF2B5EF4-FFF2-40B4-BE49-F238E27FC236}">
+                <a16:creationId xmlns:a16="http://schemas.microsoft.com/office/drawing/2014/main" id="{41532103-6EDB-4FD4-A3B0-AF97E0CA34D5}"/>
+              </a:ext>
+            </a:extLst>
+          </p:cNvPr>
+          <p:cNvSpPr txBox="1"/>
+          <p:nvPr/>
+        </p:nvSpPr>
+        <p:spPr>
+          <a:xfrm>
+            <a:off x="4355978" y="2624013"/>
+            <a:ext cx="1512166" cy="307777"/>
+          </a:xfrm>
+          <a:prstGeom prst="rect">
+            <a:avLst/>
+          </a:prstGeom>
+          <a:noFill/>
+        </p:spPr>
+        <p:txBody>
+          <a:bodyPr wrap="square" rtlCol="0" anchor="ctr">
+            <a:spAutoFit/>
+          </a:bodyPr>
+          <a:lstStyle/>
+          <a:p>
+            <a:pPr algn="ctr"/>
+            <a:r>
+              <a:rPr lang="en-US" altLang="ko-KR" sz="1400"/>
+              <a:t>R/W Request</a:t>
+            </a:r>
+            <a:endParaRPr lang="ko-KR" altLang="en-US" sz="1400"/>
+          </a:p>
+        </p:txBody>
+      </p:sp>
+      <p:sp>
+        <p:nvSpPr>
+          <p:cNvPr id="36" name="TextBox 35">
+            <a:extLst>
+              <a:ext uri="{FF2B5EF4-FFF2-40B4-BE49-F238E27FC236}">
+                <a16:creationId xmlns:a16="http://schemas.microsoft.com/office/drawing/2014/main" id="{A9FB266C-A413-4E91-80A5-6ACC605A284C}"/>
+              </a:ext>
+            </a:extLst>
+          </p:cNvPr>
+          <p:cNvSpPr txBox="1"/>
+          <p:nvPr/>
+        </p:nvSpPr>
+        <p:spPr>
+          <a:xfrm>
+            <a:off x="3779914" y="4624849"/>
+            <a:ext cx="1512166" cy="338554"/>
+          </a:xfrm>
+          <a:prstGeom prst="rect">
+            <a:avLst/>
+          </a:prstGeom>
+          <a:noFill/>
+        </p:spPr>
+        <p:txBody>
+          <a:bodyPr wrap="square" rtlCol="0" anchor="ctr">
+            <a:spAutoFit/>
+          </a:bodyPr>
+          <a:lstStyle/>
+          <a:p>
+            <a:pPr algn="ctr"/>
+            <a:r>
+              <a:rPr lang="en-US" altLang="ko-KR" sz="1600"/>
+              <a:t>Group</a:t>
+            </a:r>
+            <a:endParaRPr lang="ko-KR" altLang="en-US" sz="1600"/>
+          </a:p>
+        </p:txBody>
+      </p:sp>
+      <p:cxnSp>
+        <p:nvCxnSpPr>
+          <p:cNvPr id="38" name="직선 화살표 연결선 37">
+            <a:extLst>
+              <a:ext uri="{FF2B5EF4-FFF2-40B4-BE49-F238E27FC236}">
+                <a16:creationId xmlns:a16="http://schemas.microsoft.com/office/drawing/2014/main" id="{7758C0C0-80FB-4E85-BFBC-0C957EED4869}"/>
+              </a:ext>
+            </a:extLst>
+          </p:cNvPr>
+          <p:cNvCxnSpPr>
+            <a:cxnSpLocks/>
+          </p:cNvCxnSpPr>
+          <p:nvPr/>
+        </p:nvCxnSpPr>
+        <p:spPr>
+          <a:xfrm>
+            <a:off x="5069490" y="3867894"/>
+            <a:ext cx="941478" cy="0"/>
+          </a:xfrm>
+          <a:prstGeom prst="straightConnector1">
+            <a:avLst/>
+          </a:prstGeom>
+          <a:ln w="28575">
+            <a:solidFill>
+              <a:schemeClr val="tx1"/>
+            </a:solidFill>
+            <a:headEnd type="arrow" w="med" len="med"/>
+            <a:tailEnd type="arrow" w="med" len="med"/>
+          </a:ln>
+        </p:spPr>
+        <p:style>
+          <a:lnRef idx="1">
+            <a:schemeClr val="accent1"/>
+          </a:lnRef>
+          <a:fillRef idx="0">
+            <a:schemeClr val="accent1"/>
+          </a:fillRef>
+          <a:effectRef idx="0">
+            <a:schemeClr val="accent1"/>
+          </a:effectRef>
+          <a:fontRef idx="minor">
+            <a:schemeClr val="tx1"/>
+          </a:fontRef>
+        </p:style>
+      </p:cxnSp>
+      <p:sp>
+        <p:nvSpPr>
+          <p:cNvPr id="39" name="TextBox 38">
+            <a:extLst>
+              <a:ext uri="{FF2B5EF4-FFF2-40B4-BE49-F238E27FC236}">
+                <a16:creationId xmlns:a16="http://schemas.microsoft.com/office/drawing/2014/main" id="{773B7E90-9D65-48C1-885C-7B3B4E49D5C5}"/>
+              </a:ext>
+            </a:extLst>
+          </p:cNvPr>
+          <p:cNvSpPr txBox="1"/>
+          <p:nvPr/>
+        </p:nvSpPr>
+        <p:spPr>
+          <a:xfrm>
+            <a:off x="2915816" y="3560117"/>
+            <a:ext cx="1224135" cy="307777"/>
+          </a:xfrm>
+          <a:prstGeom prst="rect">
+            <a:avLst/>
+          </a:prstGeom>
+          <a:noFill/>
+        </p:spPr>
+        <p:txBody>
+          <a:bodyPr wrap="square" rtlCol="0" anchor="ctr">
+            <a:spAutoFit/>
+          </a:bodyPr>
+          <a:lstStyle/>
+          <a:p>
+            <a:pPr algn="ctr"/>
+            <a:r>
+              <a:rPr lang="en-US" altLang="ko-KR" sz="1400"/>
+              <a:t>Replication</a:t>
+            </a:r>
+            <a:endParaRPr lang="ko-KR" altLang="en-US" sz="1400"/>
+          </a:p>
+        </p:txBody>
+      </p:sp>
+      <p:sp>
+        <p:nvSpPr>
+          <p:cNvPr id="42" name="TextBox 41">
+            <a:extLst>
+              <a:ext uri="{FF2B5EF4-FFF2-40B4-BE49-F238E27FC236}">
+                <a16:creationId xmlns:a16="http://schemas.microsoft.com/office/drawing/2014/main" id="{B05320F5-0C00-4D1F-B97E-F20064939009}"/>
+              </a:ext>
+            </a:extLst>
+          </p:cNvPr>
+          <p:cNvSpPr txBox="1"/>
+          <p:nvPr/>
+        </p:nvSpPr>
+        <p:spPr>
+          <a:xfrm>
+            <a:off x="4928161" y="3560117"/>
+            <a:ext cx="1224135" cy="307777"/>
+          </a:xfrm>
+          <a:prstGeom prst="rect">
+            <a:avLst/>
+          </a:prstGeom>
+          <a:noFill/>
+        </p:spPr>
+        <p:txBody>
+          <a:bodyPr wrap="square" rtlCol="0" anchor="ctr">
+            <a:spAutoFit/>
+          </a:bodyPr>
+          <a:lstStyle/>
+          <a:p>
+            <a:pPr algn="ctr"/>
+            <a:r>
+              <a:rPr lang="en-US" altLang="ko-KR" sz="1400"/>
+              <a:t>Replication</a:t>
+            </a:r>
+            <a:endParaRPr lang="ko-KR" altLang="en-US" sz="1400"/>
+          </a:p>
+        </p:txBody>
+      </p:sp>
+    </p:spTree>
+    <p:extLst>
+      <p:ext uri="{BB962C8B-B14F-4D97-AF65-F5344CB8AC3E}">
+        <p14:creationId xmlns:p14="http://schemas.microsoft.com/office/powerpoint/2010/main" val="1718549907"/>
+      </p:ext>
+    </p:extLst>
+  </p:cSld>
+  <p:clrMapOvr>
+    <a:masterClrMapping/>
+  </p:clrMapOvr>
+</p:sld>
+</file>
+
+<file path=ppt/slides/slide4.xml><?xml version="1.0" encoding="utf-8"?>
+<p:sld xmlns:a="http://schemas.openxmlformats.org/drawingml/2006/main" xmlns:r="http://schemas.openxmlformats.org/officeDocument/2006/relationships" xmlns:p="http://schemas.openxmlformats.org/presentationml/2006/main">
+  <p:cSld>
+    <p:spTree>
+      <p:nvGrpSpPr>
+        <p:cNvPr id="1" name=""/>
+        <p:cNvGrpSpPr/>
+        <p:nvPr/>
+      </p:nvGrpSpPr>
+      <p:grpSpPr>
+        <a:xfrm>
+          <a:off x="0" y="0"/>
+          <a:ext cx="0" cy="0"/>
+          <a:chOff x="0" y="0"/>
+          <a:chExt cx="0" cy="0"/>
+        </a:xfrm>
+      </p:grpSpPr>
+      <p:sp>
+        <p:nvSpPr>
+          <p:cNvPr id="2" name="제목 1"/>
+          <p:cNvSpPr>
+            <a:spLocks noGrp="1"/>
+          </p:cNvSpPr>
+          <p:nvPr>
+            <p:ph type="title"/>
+          </p:nvPr>
+        </p:nvSpPr>
+        <p:spPr>
+          <a:xfrm>
+            <a:off x="565354" y="24473"/>
+            <a:ext cx="8229600" cy="857250"/>
+          </a:xfrm>
+        </p:spPr>
+        <p:txBody>
+          <a:bodyPr/>
+          <a:lstStyle/>
+          <a:p>
+            <a:r>
+              <a:rPr lang="en-US" altLang="ko-KR"/>
               <a:t>Async</a:t>
             </a:r>
             <a:endParaRPr lang="ko-KR" altLang="en-US"/>
@@ -5767,7 +6845,7 @@
         <p:spPr>
           <a:xfrm>
             <a:off x="4622062" y="1837879"/>
-            <a:ext cx="0" cy="1741983"/>
+            <a:ext cx="0" cy="2174031"/>
           </a:xfrm>
           <a:prstGeom prst="line">
             <a:avLst/>
@@ -5811,7 +6889,7 @@
         <p:spPr>
           <a:xfrm>
             <a:off x="3058065" y="1837879"/>
-            <a:ext cx="0" cy="1741983"/>
+            <a:ext cx="0" cy="2123166"/>
           </a:xfrm>
           <a:prstGeom prst="line">
             <a:avLst/>
@@ -6077,7 +7155,7 @@
         <p:spPr>
           <a:xfrm>
             <a:off x="6180026" y="1837879"/>
-            <a:ext cx="0" cy="1741983"/>
+            <a:ext cx="0" cy="2174031"/>
           </a:xfrm>
           <a:prstGeom prst="line">
             <a:avLst/>
@@ -6296,7 +7374,7 @@
         <p:spPr>
           <a:xfrm>
             <a:off x="6458413" y="3067859"/>
-            <a:ext cx="1004576" cy="407804"/>
+            <a:ext cx="849890" cy="407804"/>
           </a:xfrm>
           <a:prstGeom prst="rect">
             <a:avLst/>
@@ -6312,7 +7390,14 @@
             <a:pPr algn="ctr"/>
             <a:r>
               <a:rPr lang="en-US" altLang="ko-KR" sz="1100"/>
-              <a:t>Update Table &amp; Relay Log</a:t>
+              <a:t>Update</a:t>
+            </a:r>
+          </a:p>
+          <a:p>
+            <a:pPr algn="ctr"/>
+            <a:r>
+              <a:rPr lang="en-US" altLang="ko-KR" sz="1100"/>
+              <a:t> Relay Log</a:t>
             </a:r>
             <a:endParaRPr lang="ko-KR" altLang="en-US" sz="1100" dirty="0"/>
           </a:p>
@@ -6400,351 +7485,12 @@
           </a:p>
         </p:txBody>
       </p:sp>
-    </p:spTree>
-    <p:extLst>
-      <p:ext uri="{BB962C8B-B14F-4D97-AF65-F5344CB8AC3E}">
-        <p14:creationId xmlns:p14="http://schemas.microsoft.com/office/powerpoint/2010/main" val="3117542827"/>
-      </p:ext>
-    </p:extLst>
-  </p:cSld>
-  <p:clrMapOvr>
-    <a:masterClrMapping/>
-  </p:clrMapOvr>
-</p:sld>
-</file>
-
-<file path=ppt/slides/slide4.xml><?xml version="1.0" encoding="utf-8"?>
-<p:sld xmlns:a="http://schemas.openxmlformats.org/drawingml/2006/main" xmlns:r="http://schemas.openxmlformats.org/officeDocument/2006/relationships" xmlns:p="http://schemas.openxmlformats.org/presentationml/2006/main">
-  <p:cSld>
-    <p:spTree>
-      <p:nvGrpSpPr>
-        <p:cNvPr id="1" name=""/>
-        <p:cNvGrpSpPr/>
-        <p:nvPr/>
-      </p:nvGrpSpPr>
-      <p:grpSpPr>
-        <a:xfrm>
-          <a:off x="0" y="0"/>
-          <a:ext cx="0" cy="0"/>
-          <a:chOff x="0" y="0"/>
-          <a:chExt cx="0" cy="0"/>
-        </a:xfrm>
-      </p:grpSpPr>
-      <p:sp>
-        <p:nvSpPr>
-          <p:cNvPr id="2" name="제목 1"/>
-          <p:cNvSpPr>
-            <a:spLocks noGrp="1"/>
-          </p:cNvSpPr>
-          <p:nvPr>
-            <p:ph type="title"/>
-          </p:nvPr>
-        </p:nvSpPr>
-        <p:spPr>
-          <a:xfrm>
-            <a:off x="565354" y="24473"/>
-            <a:ext cx="8229600" cy="857250"/>
-          </a:xfrm>
-        </p:spPr>
-        <p:txBody>
-          <a:bodyPr/>
-          <a:lstStyle/>
-          <a:p>
-            <a:r>
-              <a:rPr lang="en-US" altLang="ko-KR"/>
-              <a:t>Semi-sync</a:t>
-            </a:r>
-            <a:endParaRPr lang="ko-KR" altLang="en-US"/>
-          </a:p>
-        </p:txBody>
-      </p:sp>
-      <p:sp>
-        <p:nvSpPr>
-          <p:cNvPr id="24" name="TextBox 23">
-            <a:extLst>
-              <a:ext uri="{FF2B5EF4-FFF2-40B4-BE49-F238E27FC236}">
-                <a16:creationId xmlns:a16="http://schemas.microsoft.com/office/drawing/2014/main" id="{62737E91-733D-4B59-9D32-C3F7942F4F84}"/>
-              </a:ext>
-            </a:extLst>
-          </p:cNvPr>
-          <p:cNvSpPr txBox="1"/>
-          <p:nvPr/>
-        </p:nvSpPr>
-        <p:spPr>
-          <a:xfrm>
-            <a:off x="1324832" y="1347614"/>
-            <a:ext cx="1004578" cy="346249"/>
-          </a:xfrm>
-          <a:prstGeom prst="rect">
-            <a:avLst/>
-          </a:prstGeom>
-          <a:noFill/>
-        </p:spPr>
-        <p:txBody>
-          <a:bodyPr wrap="square" lIns="68580" tIns="34290" rIns="68580" bIns="34290" rtlCol="0" anchor="ctr">
-            <a:spAutoFit/>
-          </a:bodyPr>
-          <a:lstStyle/>
-          <a:p>
-            <a:pPr algn="ctr"/>
-            <a:r>
-              <a:rPr lang="en-US" altLang="ko-KR"/>
-              <a:t>Master</a:t>
-            </a:r>
-            <a:endParaRPr lang="ko-KR" altLang="en-US" dirty="0"/>
-          </a:p>
-        </p:txBody>
-      </p:sp>
-      <p:sp>
-        <p:nvSpPr>
-          <p:cNvPr id="37" name="TextBox 36">
-            <a:extLst>
-              <a:ext uri="{FF2B5EF4-FFF2-40B4-BE49-F238E27FC236}">
-                <a16:creationId xmlns:a16="http://schemas.microsoft.com/office/drawing/2014/main" id="{F9F66A30-A610-4D1E-82A0-96DA8D157DC3}"/>
-              </a:ext>
-            </a:extLst>
-          </p:cNvPr>
-          <p:cNvSpPr txBox="1"/>
-          <p:nvPr/>
-        </p:nvSpPr>
-        <p:spPr>
-          <a:xfrm>
-            <a:off x="-239165" y="1347614"/>
-            <a:ext cx="1004578" cy="346249"/>
-          </a:xfrm>
-          <a:prstGeom prst="rect">
-            <a:avLst/>
-          </a:prstGeom>
-          <a:noFill/>
-        </p:spPr>
-        <p:txBody>
-          <a:bodyPr wrap="square" lIns="68580" tIns="34290" rIns="68580" bIns="34290" rtlCol="0" anchor="ctr">
-            <a:spAutoFit/>
-          </a:bodyPr>
-          <a:lstStyle/>
-          <a:p>
-            <a:pPr algn="ctr"/>
-            <a:r>
-              <a:rPr lang="en-US" altLang="ko-KR"/>
-              <a:t>App</a:t>
-            </a:r>
-            <a:endParaRPr lang="ko-KR" altLang="en-US" dirty="0"/>
-          </a:p>
-        </p:txBody>
-      </p:sp>
-      <p:sp>
-        <p:nvSpPr>
-          <p:cNvPr id="42" name="TextBox 41">
-            <a:extLst>
-              <a:ext uri="{FF2B5EF4-FFF2-40B4-BE49-F238E27FC236}">
-                <a16:creationId xmlns:a16="http://schemas.microsoft.com/office/drawing/2014/main" id="{021DF571-5CD3-44FE-B67A-D2FB5ACC0BAF}"/>
-              </a:ext>
-            </a:extLst>
-          </p:cNvPr>
-          <p:cNvSpPr txBox="1"/>
-          <p:nvPr/>
-        </p:nvSpPr>
-        <p:spPr>
-          <a:xfrm>
-            <a:off x="2882796" y="1347614"/>
-            <a:ext cx="1004578" cy="346249"/>
-          </a:xfrm>
-          <a:prstGeom prst="rect">
-            <a:avLst/>
-          </a:prstGeom>
-          <a:noFill/>
-        </p:spPr>
-        <p:txBody>
-          <a:bodyPr wrap="square" lIns="68580" tIns="34290" rIns="68580" bIns="34290" rtlCol="0" anchor="ctr">
-            <a:spAutoFit/>
-          </a:bodyPr>
-          <a:lstStyle/>
-          <a:p>
-            <a:pPr algn="ctr"/>
-            <a:r>
-              <a:rPr lang="en-US" altLang="ko-KR"/>
-              <a:t>Slave</a:t>
-            </a:r>
-            <a:endParaRPr lang="ko-KR" altLang="en-US" dirty="0"/>
-          </a:p>
-        </p:txBody>
-      </p:sp>
-      <p:cxnSp>
-        <p:nvCxnSpPr>
-          <p:cNvPr id="14" name="직선 연결선 13">
-            <a:extLst>
-              <a:ext uri="{FF2B5EF4-FFF2-40B4-BE49-F238E27FC236}">
-                <a16:creationId xmlns:a16="http://schemas.microsoft.com/office/drawing/2014/main" id="{E7A8CA9A-7004-4608-8A79-D412E745BD30}"/>
-              </a:ext>
-            </a:extLst>
-          </p:cNvPr>
-          <p:cNvCxnSpPr>
-            <a:cxnSpLocks/>
-            <a:stCxn id="24" idx="2"/>
-          </p:cNvCxnSpPr>
-          <p:nvPr/>
-        </p:nvCxnSpPr>
-        <p:spPr>
-          <a:xfrm>
-            <a:off x="1827121" y="1693863"/>
-            <a:ext cx="0" cy="2318047"/>
-          </a:xfrm>
-          <a:prstGeom prst="line">
-            <a:avLst/>
-          </a:prstGeom>
-          <a:ln w="28575">
-            <a:solidFill>
-              <a:schemeClr val="tx1"/>
-            </a:solidFill>
-          </a:ln>
-        </p:spPr>
-        <p:style>
-          <a:lnRef idx="1">
-            <a:schemeClr val="accent1"/>
-          </a:lnRef>
-          <a:fillRef idx="0">
-            <a:schemeClr val="accent1"/>
-          </a:fillRef>
-          <a:effectRef idx="0">
-            <a:schemeClr val="accent1"/>
-          </a:effectRef>
-          <a:fontRef idx="minor">
-            <a:schemeClr val="tx1"/>
-          </a:fontRef>
-        </p:style>
-      </p:cxnSp>
-      <p:cxnSp>
-        <p:nvCxnSpPr>
-          <p:cNvPr id="36" name="직선 연결선 35">
-            <a:extLst>
-              <a:ext uri="{FF2B5EF4-FFF2-40B4-BE49-F238E27FC236}">
-                <a16:creationId xmlns:a16="http://schemas.microsoft.com/office/drawing/2014/main" id="{58FCE409-4EBD-468C-AF3D-6F9032234CD2}"/>
-              </a:ext>
-            </a:extLst>
-          </p:cNvPr>
-          <p:cNvCxnSpPr>
-            <a:cxnSpLocks/>
-            <a:stCxn id="37" idx="2"/>
-          </p:cNvCxnSpPr>
-          <p:nvPr/>
-        </p:nvCxnSpPr>
-        <p:spPr>
-          <a:xfrm>
-            <a:off x="263124" y="1693863"/>
-            <a:ext cx="0" cy="2318047"/>
-          </a:xfrm>
-          <a:prstGeom prst="line">
-            <a:avLst/>
-          </a:prstGeom>
-          <a:ln w="28575">
-            <a:solidFill>
-              <a:schemeClr val="tx1"/>
-            </a:solidFill>
-          </a:ln>
-        </p:spPr>
-        <p:style>
-          <a:lnRef idx="1">
-            <a:schemeClr val="accent1"/>
-          </a:lnRef>
-          <a:fillRef idx="0">
-            <a:schemeClr val="accent1"/>
-          </a:fillRef>
-          <a:effectRef idx="0">
-            <a:schemeClr val="accent1"/>
-          </a:effectRef>
-          <a:fontRef idx="minor">
-            <a:schemeClr val="tx1"/>
-          </a:fontRef>
-        </p:style>
-      </p:cxnSp>
-      <p:cxnSp>
-        <p:nvCxnSpPr>
-          <p:cNvPr id="38" name="직선 연결선 37">
-            <a:extLst>
-              <a:ext uri="{FF2B5EF4-FFF2-40B4-BE49-F238E27FC236}">
-                <a16:creationId xmlns:a16="http://schemas.microsoft.com/office/drawing/2014/main" id="{70B10F10-62D8-4007-BE61-FF9989E41363}"/>
-              </a:ext>
-            </a:extLst>
-          </p:cNvPr>
-          <p:cNvCxnSpPr>
-            <a:cxnSpLocks/>
-          </p:cNvCxnSpPr>
-          <p:nvPr/>
-        </p:nvCxnSpPr>
-        <p:spPr>
-          <a:xfrm>
-            <a:off x="277990" y="1969571"/>
-            <a:ext cx="1549131" cy="0"/>
-          </a:xfrm>
-          <a:prstGeom prst="line">
-            <a:avLst/>
-          </a:prstGeom>
-          <a:ln w="28575">
-            <a:solidFill>
-              <a:schemeClr val="tx1"/>
-            </a:solidFill>
-            <a:headEnd type="none" w="med" len="med"/>
-            <a:tailEnd type="arrow" w="med" len="med"/>
-          </a:ln>
-        </p:spPr>
-        <p:style>
-          <a:lnRef idx="1">
-            <a:schemeClr val="accent1"/>
-          </a:lnRef>
-          <a:fillRef idx="0">
-            <a:schemeClr val="accent1"/>
-          </a:fillRef>
-          <a:effectRef idx="0">
-            <a:schemeClr val="accent1"/>
-          </a:effectRef>
-          <a:fontRef idx="minor">
-            <a:schemeClr val="tx1"/>
-          </a:fontRef>
-        </p:style>
-      </p:cxnSp>
-      <p:sp>
-        <p:nvSpPr>
-          <p:cNvPr id="39" name="TextBox 38">
-            <a:extLst>
-              <a:ext uri="{FF2B5EF4-FFF2-40B4-BE49-F238E27FC236}">
-                <a16:creationId xmlns:a16="http://schemas.microsoft.com/office/drawing/2014/main" id="{CBE2E156-697F-4942-8139-51F54D89355D}"/>
-              </a:ext>
-            </a:extLst>
-          </p:cNvPr>
-          <p:cNvSpPr txBox="1"/>
-          <p:nvPr/>
-        </p:nvSpPr>
-        <p:spPr>
-          <a:xfrm>
-            <a:off x="689864" y="1759374"/>
-            <a:ext cx="736723" cy="206460"/>
-          </a:xfrm>
-          <a:prstGeom prst="rect">
-            <a:avLst/>
-          </a:prstGeom>
-          <a:noFill/>
-        </p:spPr>
-        <p:txBody>
-          <a:bodyPr wrap="square" lIns="68580" tIns="34290" rIns="68580" bIns="34290" rtlCol="0" anchor="ctr">
-            <a:spAutoFit/>
-          </a:bodyPr>
-          <a:lstStyle/>
-          <a:p>
-            <a:pPr algn="ctr"/>
-            <a:r>
-              <a:rPr lang="en-US" altLang="ko-KR" sz="1100"/>
-              <a:t>Commit</a:t>
-            </a:r>
-            <a:endParaRPr lang="ko-KR" altLang="en-US" sz="1100" dirty="0"/>
-          </a:p>
-        </p:txBody>
-      </p:sp>
-      <p:sp>
-        <p:nvSpPr>
-          <p:cNvPr id="10" name="자유형: 도형 9">
-            <a:extLst>
-              <a:ext uri="{FF2B5EF4-FFF2-40B4-BE49-F238E27FC236}">
-                <a16:creationId xmlns:a16="http://schemas.microsoft.com/office/drawing/2014/main" id="{DE6B7842-51DA-427B-A7FE-3778D5AED3A2}"/>
+      <p:sp>
+        <p:nvSpPr>
+          <p:cNvPr id="22" name="자유형: 도형 21">
+            <a:extLst>
+              <a:ext uri="{FF2B5EF4-FFF2-40B4-BE49-F238E27FC236}">
+                <a16:creationId xmlns:a16="http://schemas.microsoft.com/office/drawing/2014/main" id="{C36ABD66-D84E-4F8F-AAE0-E17F03B964C6}"/>
               </a:ext>
             </a:extLst>
           </p:cNvPr>
@@ -6753,7 +7499,7 @@
         </p:nvSpPr>
         <p:spPr>
           <a:xfrm>
-            <a:off x="1827065" y="2147643"/>
+            <a:off x="6185363" y="3630728"/>
             <a:ext cx="273050" cy="252830"/>
           </a:xfrm>
           <a:custGeom>
@@ -6837,10 +7583,10 @@
       </p:sp>
       <p:sp>
         <p:nvSpPr>
-          <p:cNvPr id="40" name="TextBox 39">
-            <a:extLst>
-              <a:ext uri="{FF2B5EF4-FFF2-40B4-BE49-F238E27FC236}">
-                <a16:creationId xmlns:a16="http://schemas.microsoft.com/office/drawing/2014/main" id="{4E386FD3-F43F-44B5-8771-25D62A7A6C71}"/>
+          <p:cNvPr id="23" name="TextBox 22">
+            <a:extLst>
+              <a:ext uri="{FF2B5EF4-FFF2-40B4-BE49-F238E27FC236}">
+                <a16:creationId xmlns:a16="http://schemas.microsoft.com/office/drawing/2014/main" id="{693031FF-4CCE-4028-A69F-40F1DD749E21}"/>
               </a:ext>
             </a:extLst>
           </p:cNvPr>
@@ -6849,8 +7595,8 @@
         </p:nvSpPr>
         <p:spPr>
           <a:xfrm>
-            <a:off x="2100116" y="2074244"/>
-            <a:ext cx="1046864" cy="407804"/>
+            <a:off x="6458413" y="3553241"/>
+            <a:ext cx="1004576" cy="407804"/>
           </a:xfrm>
           <a:prstGeom prst="rect">
             <a:avLst/>
@@ -6879,24 +7625,193 @@
           </a:p>
         </p:txBody>
       </p:sp>
+    </p:spTree>
+    <p:extLst>
+      <p:ext uri="{BB962C8B-B14F-4D97-AF65-F5344CB8AC3E}">
+        <p14:creationId xmlns:p14="http://schemas.microsoft.com/office/powerpoint/2010/main" val="3117542827"/>
+      </p:ext>
+    </p:extLst>
+  </p:cSld>
+  <p:clrMapOvr>
+    <a:masterClrMapping/>
+  </p:clrMapOvr>
+</p:sld>
+</file>
+
+<file path=ppt/slides/slide5.xml><?xml version="1.0" encoding="utf-8"?>
+<p:sld xmlns:a="http://schemas.openxmlformats.org/drawingml/2006/main" xmlns:r="http://schemas.openxmlformats.org/officeDocument/2006/relationships" xmlns:p="http://schemas.openxmlformats.org/presentationml/2006/main">
+  <p:cSld>
+    <p:spTree>
+      <p:nvGrpSpPr>
+        <p:cNvPr id="1" name=""/>
+        <p:cNvGrpSpPr/>
+        <p:nvPr/>
+      </p:nvGrpSpPr>
+      <p:grpSpPr>
+        <a:xfrm>
+          <a:off x="0" y="0"/>
+          <a:ext cx="0" cy="0"/>
+          <a:chOff x="0" y="0"/>
+          <a:chExt cx="0" cy="0"/>
+        </a:xfrm>
+      </p:grpSpPr>
+      <p:sp>
+        <p:nvSpPr>
+          <p:cNvPr id="2" name="제목 1"/>
+          <p:cNvSpPr>
+            <a:spLocks noGrp="1"/>
+          </p:cNvSpPr>
+          <p:nvPr>
+            <p:ph type="title"/>
+          </p:nvPr>
+        </p:nvSpPr>
+        <p:spPr>
+          <a:xfrm>
+            <a:off x="565354" y="24473"/>
+            <a:ext cx="8229600" cy="857250"/>
+          </a:xfrm>
+        </p:spPr>
+        <p:txBody>
+          <a:bodyPr/>
+          <a:lstStyle/>
+          <a:p>
+            <a:r>
+              <a:rPr lang="en-US" altLang="ko-KR"/>
+              <a:t>Semi-sync</a:t>
+            </a:r>
+            <a:endParaRPr lang="ko-KR" altLang="en-US"/>
+          </a:p>
+        </p:txBody>
+      </p:sp>
+      <p:sp>
+        <p:nvSpPr>
+          <p:cNvPr id="24" name="TextBox 23">
+            <a:extLst>
+              <a:ext uri="{FF2B5EF4-FFF2-40B4-BE49-F238E27FC236}">
+                <a16:creationId xmlns:a16="http://schemas.microsoft.com/office/drawing/2014/main" id="{62737E91-733D-4B59-9D32-C3F7942F4F84}"/>
+              </a:ext>
+            </a:extLst>
+          </p:cNvPr>
+          <p:cNvSpPr txBox="1"/>
+          <p:nvPr/>
+        </p:nvSpPr>
+        <p:spPr>
+          <a:xfrm>
+            <a:off x="1256424" y="1347614"/>
+            <a:ext cx="960639" cy="346249"/>
+          </a:xfrm>
+          <a:prstGeom prst="rect">
+            <a:avLst/>
+          </a:prstGeom>
+          <a:noFill/>
+        </p:spPr>
+        <p:txBody>
+          <a:bodyPr wrap="square" lIns="68580" tIns="34290" rIns="68580" bIns="34290" rtlCol="0" anchor="ctr">
+            <a:spAutoFit/>
+          </a:bodyPr>
+          <a:lstStyle/>
+          <a:p>
+            <a:pPr algn="ctr"/>
+            <a:r>
+              <a:rPr lang="en-US" altLang="ko-KR"/>
+              <a:t>Master</a:t>
+            </a:r>
+            <a:endParaRPr lang="ko-KR" altLang="en-US" dirty="0"/>
+          </a:p>
+        </p:txBody>
+      </p:sp>
+      <p:sp>
+        <p:nvSpPr>
+          <p:cNvPr id="37" name="TextBox 36">
+            <a:extLst>
+              <a:ext uri="{FF2B5EF4-FFF2-40B4-BE49-F238E27FC236}">
+                <a16:creationId xmlns:a16="http://schemas.microsoft.com/office/drawing/2014/main" id="{F9F66A30-A610-4D1E-82A0-96DA8D157DC3}"/>
+              </a:ext>
+            </a:extLst>
+          </p:cNvPr>
+          <p:cNvSpPr txBox="1"/>
+          <p:nvPr/>
+        </p:nvSpPr>
+        <p:spPr>
+          <a:xfrm>
+            <a:off x="-239165" y="1347614"/>
+            <a:ext cx="960639" cy="346249"/>
+          </a:xfrm>
+          <a:prstGeom prst="rect">
+            <a:avLst/>
+          </a:prstGeom>
+          <a:noFill/>
+        </p:spPr>
+        <p:txBody>
+          <a:bodyPr wrap="square" lIns="68580" tIns="34290" rIns="68580" bIns="34290" rtlCol="0" anchor="ctr">
+            <a:spAutoFit/>
+          </a:bodyPr>
+          <a:lstStyle/>
+          <a:p>
+            <a:pPr algn="ctr"/>
+            <a:r>
+              <a:rPr lang="en-US" altLang="ko-KR"/>
+              <a:t>App</a:t>
+            </a:r>
+            <a:endParaRPr lang="ko-KR" altLang="en-US" dirty="0"/>
+          </a:p>
+        </p:txBody>
+      </p:sp>
+      <p:sp>
+        <p:nvSpPr>
+          <p:cNvPr id="42" name="TextBox 41">
+            <a:extLst>
+              <a:ext uri="{FF2B5EF4-FFF2-40B4-BE49-F238E27FC236}">
+                <a16:creationId xmlns:a16="http://schemas.microsoft.com/office/drawing/2014/main" id="{021DF571-5CD3-44FE-B67A-D2FB5ACC0BAF}"/>
+              </a:ext>
+            </a:extLst>
+          </p:cNvPr>
+          <p:cNvSpPr txBox="1"/>
+          <p:nvPr/>
+        </p:nvSpPr>
+        <p:spPr>
+          <a:xfrm>
+            <a:off x="2746245" y="1347614"/>
+            <a:ext cx="960639" cy="346249"/>
+          </a:xfrm>
+          <a:prstGeom prst="rect">
+            <a:avLst/>
+          </a:prstGeom>
+          <a:noFill/>
+        </p:spPr>
+        <p:txBody>
+          <a:bodyPr wrap="square" lIns="68580" tIns="34290" rIns="68580" bIns="34290" rtlCol="0" anchor="ctr">
+            <a:spAutoFit/>
+          </a:bodyPr>
+          <a:lstStyle/>
+          <a:p>
+            <a:pPr algn="ctr"/>
+            <a:r>
+              <a:rPr lang="en-US" altLang="ko-KR"/>
+              <a:t>Slave</a:t>
+            </a:r>
+            <a:endParaRPr lang="ko-KR" altLang="en-US" dirty="0"/>
+          </a:p>
+        </p:txBody>
+      </p:sp>
       <p:cxnSp>
         <p:nvCxnSpPr>
-          <p:cNvPr id="41" name="직선 연결선 40">
-            <a:extLst>
-              <a:ext uri="{FF2B5EF4-FFF2-40B4-BE49-F238E27FC236}">
-                <a16:creationId xmlns:a16="http://schemas.microsoft.com/office/drawing/2014/main" id="{C1B76746-22DB-4D77-A737-C2A3EAD5E2D8}"/>
+          <p:cNvPr id="14" name="직선 연결선 13">
+            <a:extLst>
+              <a:ext uri="{FF2B5EF4-FFF2-40B4-BE49-F238E27FC236}">
+                <a16:creationId xmlns:a16="http://schemas.microsoft.com/office/drawing/2014/main" id="{E7A8CA9A-7004-4608-8A79-D412E745BD30}"/>
               </a:ext>
             </a:extLst>
           </p:cNvPr>
           <p:cNvCxnSpPr>
             <a:cxnSpLocks/>
-            <a:stCxn id="42" idx="2"/>
+            <a:stCxn id="24" idx="2"/>
           </p:cNvCxnSpPr>
           <p:nvPr/>
         </p:nvCxnSpPr>
         <p:spPr>
           <a:xfrm>
-            <a:off x="3385085" y="1693863"/>
+            <a:off x="1736744" y="1693863"/>
             <a:ext cx="0" cy="2318047"/>
           </a:xfrm>
           <a:prstGeom prst="line">
@@ -6925,10 +7840,54 @@
       </p:cxnSp>
       <p:cxnSp>
         <p:nvCxnSpPr>
-          <p:cNvPr id="43" name="직선 연결선 42">
-            <a:extLst>
-              <a:ext uri="{FF2B5EF4-FFF2-40B4-BE49-F238E27FC236}">
-                <a16:creationId xmlns:a16="http://schemas.microsoft.com/office/drawing/2014/main" id="{395A793D-E2A7-4BE9-8DCE-09EBF6233888}"/>
+          <p:cNvPr id="36" name="직선 연결선 35">
+            <a:extLst>
+              <a:ext uri="{FF2B5EF4-FFF2-40B4-BE49-F238E27FC236}">
+                <a16:creationId xmlns:a16="http://schemas.microsoft.com/office/drawing/2014/main" id="{58FCE409-4EBD-468C-AF3D-6F9032234CD2}"/>
+              </a:ext>
+            </a:extLst>
+          </p:cNvPr>
+          <p:cNvCxnSpPr>
+            <a:cxnSpLocks/>
+            <a:stCxn id="37" idx="2"/>
+          </p:cNvCxnSpPr>
+          <p:nvPr/>
+        </p:nvCxnSpPr>
+        <p:spPr>
+          <a:xfrm>
+            <a:off x="241154" y="1693863"/>
+            <a:ext cx="0" cy="2318047"/>
+          </a:xfrm>
+          <a:prstGeom prst="line">
+            <a:avLst/>
+          </a:prstGeom>
+          <a:ln w="28575">
+            <a:solidFill>
+              <a:schemeClr val="tx1"/>
+            </a:solidFill>
+          </a:ln>
+        </p:spPr>
+        <p:style>
+          <a:lnRef idx="1">
+            <a:schemeClr val="accent1"/>
+          </a:lnRef>
+          <a:fillRef idx="0">
+            <a:schemeClr val="accent1"/>
+          </a:fillRef>
+          <a:effectRef idx="0">
+            <a:schemeClr val="accent1"/>
+          </a:effectRef>
+          <a:fontRef idx="minor">
+            <a:schemeClr val="tx1"/>
+          </a:fontRef>
+        </p:style>
+      </p:cxnSp>
+      <p:cxnSp>
+        <p:nvCxnSpPr>
+          <p:cNvPr id="38" name="직선 연결선 37">
+            <a:extLst>
+              <a:ext uri="{FF2B5EF4-FFF2-40B4-BE49-F238E27FC236}">
+                <a16:creationId xmlns:a16="http://schemas.microsoft.com/office/drawing/2014/main" id="{70B10F10-62D8-4007-BE61-FF9989E41363}"/>
               </a:ext>
             </a:extLst>
           </p:cNvPr>
@@ -6939,8 +7898,8 @@
         </p:nvCxnSpPr>
         <p:spPr>
           <a:xfrm>
-            <a:off x="1834209" y="2703037"/>
-            <a:ext cx="1550876" cy="0"/>
+            <a:off x="255370" y="1969571"/>
+            <a:ext cx="1481374" cy="0"/>
           </a:xfrm>
           <a:prstGeom prst="line">
             <a:avLst/>
@@ -6970,10 +7929,10 @@
       </p:cxnSp>
       <p:sp>
         <p:nvSpPr>
-          <p:cNvPr id="45" name="TextBox 44">
-            <a:extLst>
-              <a:ext uri="{FF2B5EF4-FFF2-40B4-BE49-F238E27FC236}">
-                <a16:creationId xmlns:a16="http://schemas.microsoft.com/office/drawing/2014/main" id="{D5DAD4B8-95B0-438E-96D6-76EA1E366AB9}"/>
+          <p:cNvPr id="39" name="TextBox 38">
+            <a:extLst>
+              <a:ext uri="{FF2B5EF4-FFF2-40B4-BE49-F238E27FC236}">
+                <a16:creationId xmlns:a16="http://schemas.microsoft.com/office/drawing/2014/main" id="{CBE2E156-697F-4942-8139-51F54D89355D}"/>
               </a:ext>
             </a:extLst>
           </p:cNvPr>
@@ -6982,8 +7941,8 @@
         </p:nvSpPr>
         <p:spPr>
           <a:xfrm>
-            <a:off x="1857231" y="2498138"/>
-            <a:ext cx="1477570" cy="206460"/>
+            <a:off x="649229" y="1759374"/>
+            <a:ext cx="704500" cy="206460"/>
           </a:xfrm>
           <a:prstGeom prst="rect">
             <a:avLst/>
@@ -6999,7 +7958,7 @@
             <a:pPr algn="ctr"/>
             <a:r>
               <a:rPr lang="en-US" altLang="ko-KR" sz="1100"/>
-              <a:t>Send Update</a:t>
+              <a:t>Commit</a:t>
             </a:r>
             <a:endParaRPr lang="ko-KR" altLang="en-US" sz="1100" dirty="0"/>
           </a:p>
@@ -7007,10 +7966,10 @@
       </p:sp>
       <p:sp>
         <p:nvSpPr>
-          <p:cNvPr id="46" name="자유형: 도형 45">
-            <a:extLst>
-              <a:ext uri="{FF2B5EF4-FFF2-40B4-BE49-F238E27FC236}">
-                <a16:creationId xmlns:a16="http://schemas.microsoft.com/office/drawing/2014/main" id="{83F58254-2611-44EC-81E9-15AD1385D6FD}"/>
+          <p:cNvPr id="10" name="자유형: 도형 9">
+            <a:extLst>
+              <a:ext uri="{FF2B5EF4-FFF2-40B4-BE49-F238E27FC236}">
+                <a16:creationId xmlns:a16="http://schemas.microsoft.com/office/drawing/2014/main" id="{DE6B7842-51DA-427B-A7FE-3778D5AED3A2}"/>
               </a:ext>
             </a:extLst>
           </p:cNvPr>
@@ -7019,8 +7978,8 @@
         </p:nvSpPr>
         <p:spPr>
           <a:xfrm>
-            <a:off x="3390422" y="2951917"/>
-            <a:ext cx="273050" cy="252830"/>
+            <a:off x="1736690" y="2147643"/>
+            <a:ext cx="261107" cy="252830"/>
           </a:xfrm>
           <a:custGeom>
             <a:avLst/>
@@ -7103,10 +8062,10 @@
       </p:sp>
       <p:sp>
         <p:nvSpPr>
-          <p:cNvPr id="47" name="TextBox 46">
-            <a:extLst>
-              <a:ext uri="{FF2B5EF4-FFF2-40B4-BE49-F238E27FC236}">
-                <a16:creationId xmlns:a16="http://schemas.microsoft.com/office/drawing/2014/main" id="{00B50F8F-894A-4B93-AEAC-185AB3DF5B47}"/>
+          <p:cNvPr id="40" name="TextBox 39">
+            <a:extLst>
+              <a:ext uri="{FF2B5EF4-FFF2-40B4-BE49-F238E27FC236}">
+                <a16:creationId xmlns:a16="http://schemas.microsoft.com/office/drawing/2014/main" id="{4E386FD3-F43F-44B5-8771-25D62A7A6C71}"/>
               </a:ext>
             </a:extLst>
           </p:cNvPr>
@@ -7115,8 +8074,8 @@
         </p:nvSpPr>
         <p:spPr>
           <a:xfrm>
-            <a:off x="3663473" y="2901842"/>
-            <a:ext cx="830839" cy="352979"/>
+            <a:off x="1997798" y="2074244"/>
+            <a:ext cx="1001075" cy="407804"/>
           </a:xfrm>
           <a:prstGeom prst="rect">
             <a:avLst/>
@@ -7132,14 +8091,14 @@
             <a:pPr algn="ctr"/>
             <a:r>
               <a:rPr lang="en-US" altLang="ko-KR" sz="1100"/>
-              <a:t>Update </a:t>
+              <a:t>Update Table</a:t>
             </a:r>
           </a:p>
           <a:p>
             <a:pPr algn="ctr"/>
             <a:r>
               <a:rPr lang="en-US" altLang="ko-KR" sz="1100"/>
-              <a:t>Relay Log</a:t>
+              <a:t>&amp; Bin log </a:t>
             </a:r>
             <a:endParaRPr lang="ko-KR" altLang="en-US" sz="1100" dirty="0"/>
           </a:p>
@@ -7147,22 +8106,23 @@
       </p:sp>
       <p:cxnSp>
         <p:nvCxnSpPr>
-          <p:cNvPr id="50" name="직선 연결선 49">
-            <a:extLst>
-              <a:ext uri="{FF2B5EF4-FFF2-40B4-BE49-F238E27FC236}">
-                <a16:creationId xmlns:a16="http://schemas.microsoft.com/office/drawing/2014/main" id="{4F384E3A-170F-44B6-B04D-00BF0BCB2504}"/>
+          <p:cNvPr id="41" name="직선 연결선 40">
+            <a:extLst>
+              <a:ext uri="{FF2B5EF4-FFF2-40B4-BE49-F238E27FC236}">
+                <a16:creationId xmlns:a16="http://schemas.microsoft.com/office/drawing/2014/main" id="{C1B76746-22DB-4D77-A737-C2A3EAD5E2D8}"/>
               </a:ext>
             </a:extLst>
           </p:cNvPr>
           <p:cNvCxnSpPr>
             <a:cxnSpLocks/>
+            <a:stCxn id="42" idx="2"/>
           </p:cNvCxnSpPr>
           <p:nvPr/>
         </p:nvCxnSpPr>
         <p:spPr>
           <a:xfrm>
-            <a:off x="1827121" y="3450964"/>
-            <a:ext cx="1549131" cy="0"/>
+            <a:off x="3226564" y="1693863"/>
+            <a:ext cx="0" cy="2318047"/>
           </a:xfrm>
           <a:prstGeom prst="line">
             <a:avLst/>
@@ -7171,8 +8131,6 @@
             <a:solidFill>
               <a:schemeClr val="tx1"/>
             </a:solidFill>
-            <a:headEnd type="arrow" w="med" len="med"/>
-            <a:tailEnd type="none" w="med" len="med"/>
           </a:ln>
         </p:spPr>
         <p:style>
@@ -7190,49 +8148,12 @@
           </a:fontRef>
         </p:style>
       </p:cxnSp>
-      <p:sp>
-        <p:nvSpPr>
-          <p:cNvPr id="51" name="TextBox 50">
-            <a:extLst>
-              <a:ext uri="{FF2B5EF4-FFF2-40B4-BE49-F238E27FC236}">
-                <a16:creationId xmlns:a16="http://schemas.microsoft.com/office/drawing/2014/main" id="{F0FECB0D-3459-44B2-921A-9FC6B0640833}"/>
-              </a:ext>
-            </a:extLst>
-          </p:cNvPr>
-          <p:cNvSpPr txBox="1"/>
-          <p:nvPr/>
-        </p:nvSpPr>
-        <p:spPr>
-          <a:xfrm>
-            <a:off x="2238995" y="3244505"/>
-            <a:ext cx="736723" cy="206460"/>
-          </a:xfrm>
-          <a:prstGeom prst="rect">
-            <a:avLst/>
-          </a:prstGeom>
-          <a:noFill/>
-        </p:spPr>
-        <p:txBody>
-          <a:bodyPr wrap="square" lIns="68580" tIns="34290" rIns="68580" bIns="34290" rtlCol="0" anchor="ctr">
-            <a:spAutoFit/>
-          </a:bodyPr>
-          <a:lstStyle/>
-          <a:p>
-            <a:pPr algn="ctr"/>
-            <a:r>
-              <a:rPr lang="en-US" altLang="ko-KR" sz="1100"/>
-              <a:t>Ack</a:t>
-            </a:r>
-            <a:endParaRPr lang="ko-KR" altLang="en-US" sz="1100" dirty="0"/>
-          </a:p>
-        </p:txBody>
-      </p:sp>
       <p:cxnSp>
         <p:nvCxnSpPr>
-          <p:cNvPr id="52" name="직선 연결선 51">
-            <a:extLst>
-              <a:ext uri="{FF2B5EF4-FFF2-40B4-BE49-F238E27FC236}">
-                <a16:creationId xmlns:a16="http://schemas.microsoft.com/office/drawing/2014/main" id="{4FAFF669-9A5B-4267-B22F-8CD139198CE2}"/>
+          <p:cNvPr id="43" name="직선 연결선 42">
+            <a:extLst>
+              <a:ext uri="{FF2B5EF4-FFF2-40B4-BE49-F238E27FC236}">
+                <a16:creationId xmlns:a16="http://schemas.microsoft.com/office/drawing/2014/main" id="{395A793D-E2A7-4BE9-8DCE-09EBF6233888}"/>
               </a:ext>
             </a:extLst>
           </p:cNvPr>
@@ -7243,8 +8164,8 @@
         </p:nvCxnSpPr>
         <p:spPr>
           <a:xfrm>
-            <a:off x="265918" y="3654585"/>
-            <a:ext cx="1549131" cy="0"/>
+            <a:off x="1743522" y="2703037"/>
+            <a:ext cx="1483042" cy="0"/>
           </a:xfrm>
           <a:prstGeom prst="line">
             <a:avLst/>
@@ -7253,8 +8174,8 @@
             <a:solidFill>
               <a:schemeClr val="tx1"/>
             </a:solidFill>
-            <a:headEnd type="arrow" w="med" len="med"/>
-            <a:tailEnd type="none" w="med" len="med"/>
+            <a:headEnd type="none" w="med" len="med"/>
+            <a:tailEnd type="arrow" w="med" len="med"/>
           </a:ln>
         </p:spPr>
         <p:style>
@@ -7274,10 +8195,10 @@
       </p:cxnSp>
       <p:sp>
         <p:nvSpPr>
-          <p:cNvPr id="53" name="TextBox 52">
-            <a:extLst>
-              <a:ext uri="{FF2B5EF4-FFF2-40B4-BE49-F238E27FC236}">
-                <a16:creationId xmlns:a16="http://schemas.microsoft.com/office/drawing/2014/main" id="{D9E8B31D-7259-40CE-AD4F-CF1D46AC50B6}"/>
+          <p:cNvPr id="45" name="TextBox 44">
+            <a:extLst>
+              <a:ext uri="{FF2B5EF4-FFF2-40B4-BE49-F238E27FC236}">
+                <a16:creationId xmlns:a16="http://schemas.microsoft.com/office/drawing/2014/main" id="{D5DAD4B8-95B0-438E-96D6-76EA1E366AB9}"/>
               </a:ext>
             </a:extLst>
           </p:cNvPr>
@@ -7286,8 +8207,8 @@
         </p:nvSpPr>
         <p:spPr>
           <a:xfrm>
-            <a:off x="677792" y="3448125"/>
-            <a:ext cx="736723" cy="206460"/>
+            <a:off x="1765537" y="2498138"/>
+            <a:ext cx="1412943" cy="206460"/>
           </a:xfrm>
           <a:prstGeom prst="rect">
             <a:avLst/>
@@ -7303,7 +8224,7 @@
             <a:pPr algn="ctr"/>
             <a:r>
               <a:rPr lang="en-US" altLang="ko-KR" sz="1100"/>
-              <a:t>Ok</a:t>
+              <a:t>Send Update</a:t>
             </a:r>
             <a:endParaRPr lang="ko-KR" altLang="en-US" sz="1100" dirty="0"/>
           </a:p>
@@ -7311,10 +8232,10 @@
       </p:sp>
       <p:sp>
         <p:nvSpPr>
-          <p:cNvPr id="56" name="자유형: 도형 55">
-            <a:extLst>
-              <a:ext uri="{FF2B5EF4-FFF2-40B4-BE49-F238E27FC236}">
-                <a16:creationId xmlns:a16="http://schemas.microsoft.com/office/drawing/2014/main" id="{BD22B29A-8142-4AF8-9C68-9B56FBC0B00E}"/>
+          <p:cNvPr id="46" name="자유형: 도형 45">
+            <a:extLst>
+              <a:ext uri="{FF2B5EF4-FFF2-40B4-BE49-F238E27FC236}">
+                <a16:creationId xmlns:a16="http://schemas.microsoft.com/office/drawing/2014/main" id="{83F58254-2611-44EC-81E9-15AD1385D6FD}"/>
               </a:ext>
             </a:extLst>
           </p:cNvPr>
@@ -7323,8 +8244,8 @@
         </p:nvSpPr>
         <p:spPr>
           <a:xfrm>
-            <a:off x="3390422" y="3634425"/>
-            <a:ext cx="273050" cy="252830"/>
+            <a:off x="3231668" y="2951917"/>
+            <a:ext cx="261107" cy="252830"/>
           </a:xfrm>
           <a:custGeom>
             <a:avLst/>
@@ -7407,10 +8328,10 @@
       </p:sp>
       <p:sp>
         <p:nvSpPr>
-          <p:cNvPr id="57" name="TextBox 56">
-            <a:extLst>
-              <a:ext uri="{FF2B5EF4-FFF2-40B4-BE49-F238E27FC236}">
-                <a16:creationId xmlns:a16="http://schemas.microsoft.com/office/drawing/2014/main" id="{280B725F-E6C1-4E8C-9F5E-A72731C4B0B0}"/>
+          <p:cNvPr id="47" name="TextBox 46">
+            <a:extLst>
+              <a:ext uri="{FF2B5EF4-FFF2-40B4-BE49-F238E27FC236}">
+                <a16:creationId xmlns:a16="http://schemas.microsoft.com/office/drawing/2014/main" id="{00B50F8F-894A-4B93-AEAC-185AB3DF5B47}"/>
               </a:ext>
             </a:extLst>
           </p:cNvPr>
@@ -7419,8 +8340,8 @@
         </p:nvSpPr>
         <p:spPr>
           <a:xfrm>
-            <a:off x="3669153" y="3561026"/>
-            <a:ext cx="830839" cy="407804"/>
+            <a:off x="3492776" y="2901842"/>
+            <a:ext cx="794499" cy="352979"/>
           </a:xfrm>
           <a:prstGeom prst="rect">
             <a:avLst/>
@@ -7436,142 +8357,37 @@
             <a:pPr algn="ctr"/>
             <a:r>
               <a:rPr lang="en-US" altLang="ko-KR" sz="1100"/>
-              <a:t>Update Table</a:t>
+              <a:t>Update </a:t>
+            </a:r>
+          </a:p>
+          <a:p>
+            <a:pPr algn="ctr"/>
+            <a:r>
+              <a:rPr lang="en-US" altLang="ko-KR" sz="1100"/>
+              <a:t>Relay Log</a:t>
             </a:r>
             <a:endParaRPr lang="ko-KR" altLang="en-US" sz="1100" dirty="0"/>
-          </a:p>
-        </p:txBody>
-      </p:sp>
-      <p:sp>
-        <p:nvSpPr>
-          <p:cNvPr id="23" name="TextBox 22">
-            <a:extLst>
-              <a:ext uri="{FF2B5EF4-FFF2-40B4-BE49-F238E27FC236}">
-                <a16:creationId xmlns:a16="http://schemas.microsoft.com/office/drawing/2014/main" id="{3CA94D8A-CD21-4014-B415-81823207B427}"/>
-              </a:ext>
-            </a:extLst>
-          </p:cNvPr>
-          <p:cNvSpPr txBox="1"/>
-          <p:nvPr/>
-        </p:nvSpPr>
-        <p:spPr>
-          <a:xfrm>
-            <a:off x="6005352" y="1419622"/>
-            <a:ext cx="1004578" cy="346249"/>
-          </a:xfrm>
-          <a:prstGeom prst="rect">
-            <a:avLst/>
-          </a:prstGeom>
-          <a:noFill/>
-        </p:spPr>
-        <p:txBody>
-          <a:bodyPr wrap="square" lIns="68580" tIns="34290" rIns="68580" bIns="34290" rtlCol="0" anchor="ctr">
-            <a:spAutoFit/>
-          </a:bodyPr>
-          <a:lstStyle/>
-          <a:p>
-            <a:pPr algn="ctr"/>
-            <a:r>
-              <a:rPr lang="en-US" altLang="ko-KR"/>
-              <a:t>Master</a:t>
-            </a:r>
-            <a:endParaRPr lang="ko-KR" altLang="en-US" dirty="0"/>
-          </a:p>
-        </p:txBody>
-      </p:sp>
-      <p:sp>
-        <p:nvSpPr>
-          <p:cNvPr id="25" name="TextBox 24">
-            <a:extLst>
-              <a:ext uri="{FF2B5EF4-FFF2-40B4-BE49-F238E27FC236}">
-                <a16:creationId xmlns:a16="http://schemas.microsoft.com/office/drawing/2014/main" id="{CF1838E2-16A0-4533-87BA-9C5394ACA366}"/>
-              </a:ext>
-            </a:extLst>
-          </p:cNvPr>
-          <p:cNvSpPr txBox="1"/>
-          <p:nvPr/>
-        </p:nvSpPr>
-        <p:spPr>
-          <a:xfrm>
-            <a:off x="4441355" y="1419622"/>
-            <a:ext cx="1004578" cy="346249"/>
-          </a:xfrm>
-          <a:prstGeom prst="rect">
-            <a:avLst/>
-          </a:prstGeom>
-          <a:noFill/>
-        </p:spPr>
-        <p:txBody>
-          <a:bodyPr wrap="square" lIns="68580" tIns="34290" rIns="68580" bIns="34290" rtlCol="0" anchor="ctr">
-            <a:spAutoFit/>
-          </a:bodyPr>
-          <a:lstStyle/>
-          <a:p>
-            <a:pPr algn="ctr"/>
-            <a:r>
-              <a:rPr lang="en-US" altLang="ko-KR"/>
-              <a:t>App</a:t>
-            </a:r>
-            <a:endParaRPr lang="ko-KR" altLang="en-US" dirty="0"/>
-          </a:p>
-        </p:txBody>
-      </p:sp>
-      <p:sp>
-        <p:nvSpPr>
-          <p:cNvPr id="26" name="TextBox 25">
-            <a:extLst>
-              <a:ext uri="{FF2B5EF4-FFF2-40B4-BE49-F238E27FC236}">
-                <a16:creationId xmlns:a16="http://schemas.microsoft.com/office/drawing/2014/main" id="{8CB165A8-F403-4E75-B286-FE14E06F9007}"/>
-              </a:ext>
-            </a:extLst>
-          </p:cNvPr>
-          <p:cNvSpPr txBox="1"/>
-          <p:nvPr/>
-        </p:nvSpPr>
-        <p:spPr>
-          <a:xfrm>
-            <a:off x="7563316" y="1419622"/>
-            <a:ext cx="1004578" cy="346249"/>
-          </a:xfrm>
-          <a:prstGeom prst="rect">
-            <a:avLst/>
-          </a:prstGeom>
-          <a:noFill/>
-        </p:spPr>
-        <p:txBody>
-          <a:bodyPr wrap="square" lIns="68580" tIns="34290" rIns="68580" bIns="34290" rtlCol="0" anchor="ctr">
-            <a:spAutoFit/>
-          </a:bodyPr>
-          <a:lstStyle/>
-          <a:p>
-            <a:pPr algn="ctr"/>
-            <a:r>
-              <a:rPr lang="en-US" altLang="ko-KR"/>
-              <a:t>Slave</a:t>
-            </a:r>
-            <a:endParaRPr lang="ko-KR" altLang="en-US" dirty="0"/>
           </a:p>
         </p:txBody>
       </p:sp>
       <p:cxnSp>
         <p:nvCxnSpPr>
-          <p:cNvPr id="27" name="직선 연결선 26">
-            <a:extLst>
-              <a:ext uri="{FF2B5EF4-FFF2-40B4-BE49-F238E27FC236}">
-                <a16:creationId xmlns:a16="http://schemas.microsoft.com/office/drawing/2014/main" id="{E2B5CBE5-56FF-4AF9-9EC6-2FEC237A970D}"/>
+          <p:cNvPr id="50" name="직선 연결선 49">
+            <a:extLst>
+              <a:ext uri="{FF2B5EF4-FFF2-40B4-BE49-F238E27FC236}">
+                <a16:creationId xmlns:a16="http://schemas.microsoft.com/office/drawing/2014/main" id="{4F384E3A-170F-44B6-B04D-00BF0BCB2504}"/>
               </a:ext>
             </a:extLst>
           </p:cNvPr>
           <p:cNvCxnSpPr>
             <a:cxnSpLocks/>
-            <a:stCxn id="23" idx="2"/>
           </p:cNvCxnSpPr>
           <p:nvPr/>
         </p:nvCxnSpPr>
         <p:spPr>
           <a:xfrm>
-            <a:off x="6507641" y="1765871"/>
-            <a:ext cx="0" cy="2145729"/>
+            <a:off x="1736744" y="3450964"/>
+            <a:ext cx="1481374" cy="0"/>
           </a:xfrm>
           <a:prstGeom prst="line">
             <a:avLst/>
@@ -7580,6 +8396,8 @@
             <a:solidFill>
               <a:schemeClr val="tx1"/>
             </a:solidFill>
+            <a:headEnd type="arrow" w="med" len="med"/>
+            <a:tailEnd type="none" w="med" len="med"/>
           </a:ln>
         </p:spPr>
         <p:style>
@@ -7597,25 +8415,61 @@
           </a:fontRef>
         </p:style>
       </p:cxnSp>
+      <p:sp>
+        <p:nvSpPr>
+          <p:cNvPr id="51" name="TextBox 50">
+            <a:extLst>
+              <a:ext uri="{FF2B5EF4-FFF2-40B4-BE49-F238E27FC236}">
+                <a16:creationId xmlns:a16="http://schemas.microsoft.com/office/drawing/2014/main" id="{F0FECB0D-3459-44B2-921A-9FC6B0640833}"/>
+              </a:ext>
+            </a:extLst>
+          </p:cNvPr>
+          <p:cNvSpPr txBox="1"/>
+          <p:nvPr/>
+        </p:nvSpPr>
+        <p:spPr>
+          <a:xfrm>
+            <a:off x="2130603" y="3244505"/>
+            <a:ext cx="704500" cy="206460"/>
+          </a:xfrm>
+          <a:prstGeom prst="rect">
+            <a:avLst/>
+          </a:prstGeom>
+          <a:noFill/>
+        </p:spPr>
+        <p:txBody>
+          <a:bodyPr wrap="square" lIns="68580" tIns="34290" rIns="68580" bIns="34290" rtlCol="0" anchor="ctr">
+            <a:spAutoFit/>
+          </a:bodyPr>
+          <a:lstStyle/>
+          <a:p>
+            <a:pPr algn="ctr"/>
+            <a:r>
+              <a:rPr lang="en-US" altLang="ko-KR" sz="1100"/>
+              <a:t>Ack</a:t>
+            </a:r>
+            <a:endParaRPr lang="ko-KR" altLang="en-US" sz="1100" dirty="0"/>
+          </a:p>
+        </p:txBody>
+      </p:sp>
       <p:cxnSp>
         <p:nvCxnSpPr>
-          <p:cNvPr id="28" name="직선 연결선 27">
-            <a:extLst>
-              <a:ext uri="{FF2B5EF4-FFF2-40B4-BE49-F238E27FC236}">
-                <a16:creationId xmlns:a16="http://schemas.microsoft.com/office/drawing/2014/main" id="{7965376D-5DDF-4F84-B7B0-FA22EB79D858}"/>
+          <p:cNvPr id="52" name="직선 연결선 51">
+            <a:extLst>
+              <a:ext uri="{FF2B5EF4-FFF2-40B4-BE49-F238E27FC236}">
+                <a16:creationId xmlns:a16="http://schemas.microsoft.com/office/drawing/2014/main" id="{4FAFF669-9A5B-4267-B22F-8CD139198CE2}"/>
               </a:ext>
             </a:extLst>
           </p:cNvPr>
           <p:cNvCxnSpPr>
             <a:cxnSpLocks/>
-            <a:stCxn id="25" idx="2"/>
           </p:cNvCxnSpPr>
           <p:nvPr/>
         </p:nvCxnSpPr>
         <p:spPr>
           <a:xfrm>
-            <a:off x="4943644" y="1765871"/>
-            <a:ext cx="0" cy="2174031"/>
+            <a:off x="243826" y="3654585"/>
+            <a:ext cx="1481374" cy="0"/>
           </a:xfrm>
           <a:prstGeom prst="line">
             <a:avLst/>
@@ -7624,6 +8478,8 @@
             <a:solidFill>
               <a:schemeClr val="tx1"/>
             </a:solidFill>
+            <a:headEnd type="arrow" w="med" len="med"/>
+            <a:tailEnd type="none" w="med" len="med"/>
           </a:ln>
         </p:spPr>
         <p:style>
@@ -7641,57 +8497,12 @@
           </a:fontRef>
         </p:style>
       </p:cxnSp>
-      <p:cxnSp>
-        <p:nvCxnSpPr>
-          <p:cNvPr id="29" name="직선 연결선 28">
-            <a:extLst>
-              <a:ext uri="{FF2B5EF4-FFF2-40B4-BE49-F238E27FC236}">
-                <a16:creationId xmlns:a16="http://schemas.microsoft.com/office/drawing/2014/main" id="{3CF85573-418F-4F82-8746-6F75ED60B2D1}"/>
-              </a:ext>
-            </a:extLst>
-          </p:cNvPr>
-          <p:cNvCxnSpPr>
-            <a:cxnSpLocks/>
-          </p:cNvCxnSpPr>
-          <p:nvPr/>
-        </p:nvCxnSpPr>
-        <p:spPr>
-          <a:xfrm>
-            <a:off x="4958510" y="2041579"/>
-            <a:ext cx="1549131" cy="0"/>
-          </a:xfrm>
-          <a:prstGeom prst="line">
-            <a:avLst/>
-          </a:prstGeom>
-          <a:ln w="28575">
-            <a:solidFill>
-              <a:schemeClr val="tx1"/>
-            </a:solidFill>
-            <a:headEnd type="none" w="med" len="med"/>
-            <a:tailEnd type="arrow" w="med" len="med"/>
-          </a:ln>
-        </p:spPr>
-        <p:style>
-          <a:lnRef idx="1">
-            <a:schemeClr val="accent1"/>
-          </a:lnRef>
-          <a:fillRef idx="0">
-            <a:schemeClr val="accent1"/>
-          </a:fillRef>
-          <a:effectRef idx="0">
-            <a:schemeClr val="accent1"/>
-          </a:effectRef>
-          <a:fontRef idx="minor">
-            <a:schemeClr val="tx1"/>
-          </a:fontRef>
-        </p:style>
-      </p:cxnSp>
-      <p:sp>
-        <p:nvSpPr>
-          <p:cNvPr id="30" name="TextBox 29">
-            <a:extLst>
-              <a:ext uri="{FF2B5EF4-FFF2-40B4-BE49-F238E27FC236}">
-                <a16:creationId xmlns:a16="http://schemas.microsoft.com/office/drawing/2014/main" id="{7953EC59-796D-46BD-AB66-52AD99265906}"/>
+      <p:sp>
+        <p:nvSpPr>
+          <p:cNvPr id="53" name="TextBox 52">
+            <a:extLst>
+              <a:ext uri="{FF2B5EF4-FFF2-40B4-BE49-F238E27FC236}">
+                <a16:creationId xmlns:a16="http://schemas.microsoft.com/office/drawing/2014/main" id="{D9E8B31D-7259-40CE-AD4F-CF1D46AC50B6}"/>
               </a:ext>
             </a:extLst>
           </p:cNvPr>
@@ -7700,8 +8511,8 @@
         </p:nvSpPr>
         <p:spPr>
           <a:xfrm>
-            <a:off x="5370384" y="1831382"/>
-            <a:ext cx="736723" cy="206460"/>
+            <a:off x="637685" y="3448125"/>
+            <a:ext cx="704500" cy="206460"/>
           </a:xfrm>
           <a:prstGeom prst="rect">
             <a:avLst/>
@@ -7717,7 +8528,7 @@
             <a:pPr algn="ctr"/>
             <a:r>
               <a:rPr lang="en-US" altLang="ko-KR" sz="1100"/>
-              <a:t>Commit</a:t>
+              <a:t>Ok</a:t>
             </a:r>
             <a:endParaRPr lang="ko-KR" altLang="en-US" sz="1100" dirty="0"/>
           </a:p>
@@ -7725,10 +8536,10 @@
       </p:sp>
       <p:sp>
         <p:nvSpPr>
-          <p:cNvPr id="31" name="자유형: 도형 30">
-            <a:extLst>
-              <a:ext uri="{FF2B5EF4-FFF2-40B4-BE49-F238E27FC236}">
-                <a16:creationId xmlns:a16="http://schemas.microsoft.com/office/drawing/2014/main" id="{A76DB200-F5F1-4114-80E1-F6C478DC6487}"/>
+          <p:cNvPr id="56" name="자유형: 도형 55">
+            <a:extLst>
+              <a:ext uri="{FF2B5EF4-FFF2-40B4-BE49-F238E27FC236}">
+                <a16:creationId xmlns:a16="http://schemas.microsoft.com/office/drawing/2014/main" id="{BD22B29A-8142-4AF8-9C68-9B56FBC0B00E}"/>
               </a:ext>
             </a:extLst>
           </p:cNvPr>
@@ -7737,8 +8548,8 @@
         </p:nvSpPr>
         <p:spPr>
           <a:xfrm>
-            <a:off x="6507585" y="3228420"/>
-            <a:ext cx="273050" cy="252830"/>
+            <a:off x="3231668" y="3634425"/>
+            <a:ext cx="261107" cy="252830"/>
           </a:xfrm>
           <a:custGeom>
             <a:avLst/>
@@ -7821,10 +8632,10 @@
       </p:sp>
       <p:sp>
         <p:nvSpPr>
-          <p:cNvPr id="32" name="TextBox 31">
-            <a:extLst>
-              <a:ext uri="{FF2B5EF4-FFF2-40B4-BE49-F238E27FC236}">
-                <a16:creationId xmlns:a16="http://schemas.microsoft.com/office/drawing/2014/main" id="{DD4AA227-56FF-4403-89B7-0C14C086F619}"/>
+          <p:cNvPr id="57" name="TextBox 56">
+            <a:extLst>
+              <a:ext uri="{FF2B5EF4-FFF2-40B4-BE49-F238E27FC236}">
+                <a16:creationId xmlns:a16="http://schemas.microsoft.com/office/drawing/2014/main" id="{280B725F-E6C1-4E8C-9F5E-A72731C4B0B0}"/>
               </a:ext>
             </a:extLst>
           </p:cNvPr>
@@ -7833,8 +8644,8 @@
         </p:nvSpPr>
         <p:spPr>
           <a:xfrm>
-            <a:off x="6780636" y="3155021"/>
-            <a:ext cx="1046864" cy="407804"/>
+            <a:off x="3498206" y="3561026"/>
+            <a:ext cx="1073785" cy="407804"/>
           </a:xfrm>
           <a:prstGeom prst="rect">
             <a:avLst/>
@@ -7863,25 +8674,136 @@
           </a:p>
         </p:txBody>
       </p:sp>
+      <p:sp>
+        <p:nvSpPr>
+          <p:cNvPr id="23" name="TextBox 22">
+            <a:extLst>
+              <a:ext uri="{FF2B5EF4-FFF2-40B4-BE49-F238E27FC236}">
+                <a16:creationId xmlns:a16="http://schemas.microsoft.com/office/drawing/2014/main" id="{3CA94D8A-CD21-4014-B415-81823207B427}"/>
+              </a:ext>
+            </a:extLst>
+          </p:cNvPr>
+          <p:cNvSpPr txBox="1"/>
+          <p:nvPr/>
+        </p:nvSpPr>
+        <p:spPr>
+          <a:xfrm>
+            <a:off x="5948247" y="1419622"/>
+            <a:ext cx="960639" cy="346249"/>
+          </a:xfrm>
+          <a:prstGeom prst="rect">
+            <a:avLst/>
+          </a:prstGeom>
+          <a:noFill/>
+        </p:spPr>
+        <p:txBody>
+          <a:bodyPr wrap="square" lIns="68580" tIns="34290" rIns="68580" bIns="34290" rtlCol="0" anchor="ctr">
+            <a:spAutoFit/>
+          </a:bodyPr>
+          <a:lstStyle/>
+          <a:p>
+            <a:pPr algn="ctr"/>
+            <a:r>
+              <a:rPr lang="en-US" altLang="ko-KR"/>
+              <a:t>Master</a:t>
+            </a:r>
+            <a:endParaRPr lang="ko-KR" altLang="en-US" dirty="0"/>
+          </a:p>
+        </p:txBody>
+      </p:sp>
+      <p:sp>
+        <p:nvSpPr>
+          <p:cNvPr id="25" name="TextBox 24">
+            <a:extLst>
+              <a:ext uri="{FF2B5EF4-FFF2-40B4-BE49-F238E27FC236}">
+                <a16:creationId xmlns:a16="http://schemas.microsoft.com/office/drawing/2014/main" id="{CF1838E2-16A0-4533-87BA-9C5394ACA366}"/>
+              </a:ext>
+            </a:extLst>
+          </p:cNvPr>
+          <p:cNvSpPr txBox="1"/>
+          <p:nvPr/>
+        </p:nvSpPr>
+        <p:spPr>
+          <a:xfrm>
+            <a:off x="4452658" y="1419622"/>
+            <a:ext cx="960639" cy="346249"/>
+          </a:xfrm>
+          <a:prstGeom prst="rect">
+            <a:avLst/>
+          </a:prstGeom>
+          <a:noFill/>
+        </p:spPr>
+        <p:txBody>
+          <a:bodyPr wrap="square" lIns="68580" tIns="34290" rIns="68580" bIns="34290" rtlCol="0" anchor="ctr">
+            <a:spAutoFit/>
+          </a:bodyPr>
+          <a:lstStyle/>
+          <a:p>
+            <a:pPr algn="ctr"/>
+            <a:r>
+              <a:rPr lang="en-US" altLang="ko-KR"/>
+              <a:t>App</a:t>
+            </a:r>
+            <a:endParaRPr lang="ko-KR" altLang="en-US" dirty="0"/>
+          </a:p>
+        </p:txBody>
+      </p:sp>
+      <p:sp>
+        <p:nvSpPr>
+          <p:cNvPr id="26" name="TextBox 25">
+            <a:extLst>
+              <a:ext uri="{FF2B5EF4-FFF2-40B4-BE49-F238E27FC236}">
+                <a16:creationId xmlns:a16="http://schemas.microsoft.com/office/drawing/2014/main" id="{8CB165A8-F403-4E75-B286-FE14E06F9007}"/>
+              </a:ext>
+            </a:extLst>
+          </p:cNvPr>
+          <p:cNvSpPr txBox="1"/>
+          <p:nvPr/>
+        </p:nvSpPr>
+        <p:spPr>
+          <a:xfrm>
+            <a:off x="7438068" y="1419622"/>
+            <a:ext cx="960639" cy="346249"/>
+          </a:xfrm>
+          <a:prstGeom prst="rect">
+            <a:avLst/>
+          </a:prstGeom>
+          <a:noFill/>
+        </p:spPr>
+        <p:txBody>
+          <a:bodyPr wrap="square" lIns="68580" tIns="34290" rIns="68580" bIns="34290" rtlCol="0" anchor="ctr">
+            <a:spAutoFit/>
+          </a:bodyPr>
+          <a:lstStyle/>
+          <a:p>
+            <a:pPr algn="ctr"/>
+            <a:r>
+              <a:rPr lang="en-US" altLang="ko-KR"/>
+              <a:t>Slave</a:t>
+            </a:r>
+            <a:endParaRPr lang="ko-KR" altLang="en-US" dirty="0"/>
+          </a:p>
+        </p:txBody>
+      </p:sp>
       <p:cxnSp>
         <p:nvCxnSpPr>
-          <p:cNvPr id="33" name="직선 연결선 32">
-            <a:extLst>
-              <a:ext uri="{FF2B5EF4-FFF2-40B4-BE49-F238E27FC236}">
-                <a16:creationId xmlns:a16="http://schemas.microsoft.com/office/drawing/2014/main" id="{3BF20572-AFDC-4E46-B00E-DFFE3BD10732}"/>
+          <p:cNvPr id="27" name="직선 연결선 26">
+            <a:extLst>
+              <a:ext uri="{FF2B5EF4-FFF2-40B4-BE49-F238E27FC236}">
+                <a16:creationId xmlns:a16="http://schemas.microsoft.com/office/drawing/2014/main" id="{E2B5CBE5-56FF-4AF9-9EC6-2FEC237A970D}"/>
               </a:ext>
             </a:extLst>
           </p:cNvPr>
           <p:cNvCxnSpPr>
             <a:cxnSpLocks/>
-            <a:stCxn id="26" idx="2"/>
+            <a:stCxn id="23" idx="2"/>
           </p:cNvCxnSpPr>
           <p:nvPr/>
         </p:nvCxnSpPr>
         <p:spPr>
           <a:xfrm>
-            <a:off x="8065605" y="1765871"/>
-            <a:ext cx="0" cy="2177479"/>
+            <a:off x="6428567" y="1765871"/>
+            <a:ext cx="0" cy="2145729"/>
           </a:xfrm>
           <a:prstGeom prst="line">
             <a:avLst/>
@@ -7909,10 +8831,54 @@
       </p:cxnSp>
       <p:cxnSp>
         <p:nvCxnSpPr>
-          <p:cNvPr id="34" name="직선 연결선 33">
-            <a:extLst>
-              <a:ext uri="{FF2B5EF4-FFF2-40B4-BE49-F238E27FC236}">
-                <a16:creationId xmlns:a16="http://schemas.microsoft.com/office/drawing/2014/main" id="{CEC6CEBC-1725-46D8-AA7E-78E839975175}"/>
+          <p:cNvPr id="28" name="직선 연결선 27">
+            <a:extLst>
+              <a:ext uri="{FF2B5EF4-FFF2-40B4-BE49-F238E27FC236}">
+                <a16:creationId xmlns:a16="http://schemas.microsoft.com/office/drawing/2014/main" id="{7965376D-5DDF-4F84-B7B0-FA22EB79D858}"/>
+              </a:ext>
+            </a:extLst>
+          </p:cNvPr>
+          <p:cNvCxnSpPr>
+            <a:cxnSpLocks/>
+            <a:stCxn id="25" idx="2"/>
+          </p:cNvCxnSpPr>
+          <p:nvPr/>
+        </p:nvCxnSpPr>
+        <p:spPr>
+          <a:xfrm>
+            <a:off x="4932977" y="1765871"/>
+            <a:ext cx="0" cy="2174031"/>
+          </a:xfrm>
+          <a:prstGeom prst="line">
+            <a:avLst/>
+          </a:prstGeom>
+          <a:ln w="28575">
+            <a:solidFill>
+              <a:schemeClr val="tx1"/>
+            </a:solidFill>
+          </a:ln>
+        </p:spPr>
+        <p:style>
+          <a:lnRef idx="1">
+            <a:schemeClr val="accent1"/>
+          </a:lnRef>
+          <a:fillRef idx="0">
+            <a:schemeClr val="accent1"/>
+          </a:fillRef>
+          <a:effectRef idx="0">
+            <a:schemeClr val="accent1"/>
+          </a:effectRef>
+          <a:fontRef idx="minor">
+            <a:schemeClr val="tx1"/>
+          </a:fontRef>
+        </p:style>
+      </p:cxnSp>
+      <p:cxnSp>
+        <p:nvCxnSpPr>
+          <p:cNvPr id="29" name="직선 연결선 28">
+            <a:extLst>
+              <a:ext uri="{FF2B5EF4-FFF2-40B4-BE49-F238E27FC236}">
+                <a16:creationId xmlns:a16="http://schemas.microsoft.com/office/drawing/2014/main" id="{3CF85573-418F-4F82-8746-6F75ED60B2D1}"/>
               </a:ext>
             </a:extLst>
           </p:cNvPr>
@@ -7923,8 +8889,8 @@
         </p:nvCxnSpPr>
         <p:spPr>
           <a:xfrm>
-            <a:off x="6505204" y="2272593"/>
-            <a:ext cx="1560401" cy="0"/>
+            <a:off x="4947193" y="2041579"/>
+            <a:ext cx="1481374" cy="0"/>
           </a:xfrm>
           <a:prstGeom prst="line">
             <a:avLst/>
@@ -7954,10 +8920,10 @@
       </p:cxnSp>
       <p:sp>
         <p:nvSpPr>
-          <p:cNvPr id="35" name="TextBox 34">
-            <a:extLst>
-              <a:ext uri="{FF2B5EF4-FFF2-40B4-BE49-F238E27FC236}">
-                <a16:creationId xmlns:a16="http://schemas.microsoft.com/office/drawing/2014/main" id="{EAC7D014-A77C-4E7F-B05B-B54CEE06ED3D}"/>
+          <p:cNvPr id="30" name="TextBox 29">
+            <a:extLst>
+              <a:ext uri="{FF2B5EF4-FFF2-40B4-BE49-F238E27FC236}">
+                <a16:creationId xmlns:a16="http://schemas.microsoft.com/office/drawing/2014/main" id="{7953EC59-796D-46BD-AB66-52AD99265906}"/>
               </a:ext>
             </a:extLst>
           </p:cNvPr>
@@ -7966,8 +8932,8 @@
         </p:nvSpPr>
         <p:spPr>
           <a:xfrm>
-            <a:off x="6537751" y="2067694"/>
-            <a:ext cx="1477570" cy="206460"/>
+            <a:off x="5341052" y="1831382"/>
+            <a:ext cx="704500" cy="206460"/>
           </a:xfrm>
           <a:prstGeom prst="rect">
             <a:avLst/>
@@ -7983,7 +8949,7 @@
             <a:pPr algn="ctr"/>
             <a:r>
               <a:rPr lang="en-US" altLang="ko-KR" sz="1100"/>
-              <a:t>Send Update</a:t>
+              <a:t>Commit</a:t>
             </a:r>
             <a:endParaRPr lang="ko-KR" altLang="en-US" sz="1100" dirty="0"/>
           </a:p>
@@ -7991,10 +8957,10 @@
       </p:sp>
       <p:sp>
         <p:nvSpPr>
-          <p:cNvPr id="44" name="자유형: 도형 43">
-            <a:extLst>
-              <a:ext uri="{FF2B5EF4-FFF2-40B4-BE49-F238E27FC236}">
-                <a16:creationId xmlns:a16="http://schemas.microsoft.com/office/drawing/2014/main" id="{05466FE3-4891-4A7C-B7CA-71FAFB776A78}"/>
+          <p:cNvPr id="31" name="자유형: 도형 30">
+            <a:extLst>
+              <a:ext uri="{FF2B5EF4-FFF2-40B4-BE49-F238E27FC236}">
+                <a16:creationId xmlns:a16="http://schemas.microsoft.com/office/drawing/2014/main" id="{A76DB200-F5F1-4114-80E1-F6C478DC6487}"/>
               </a:ext>
             </a:extLst>
           </p:cNvPr>
@@ -8003,8 +8969,8 @@
         </p:nvSpPr>
         <p:spPr>
           <a:xfrm>
-            <a:off x="8070942" y="2521473"/>
-            <a:ext cx="273050" cy="252830"/>
+            <a:off x="6428513" y="3228420"/>
+            <a:ext cx="261107" cy="252830"/>
           </a:xfrm>
           <a:custGeom>
             <a:avLst/>
@@ -8087,10 +9053,10 @@
       </p:sp>
       <p:sp>
         <p:nvSpPr>
-          <p:cNvPr id="48" name="TextBox 47">
-            <a:extLst>
-              <a:ext uri="{FF2B5EF4-FFF2-40B4-BE49-F238E27FC236}">
-                <a16:creationId xmlns:a16="http://schemas.microsoft.com/office/drawing/2014/main" id="{226AAE97-C6D8-411E-8D5A-73E86265F933}"/>
+          <p:cNvPr id="32" name="TextBox 31">
+            <a:extLst>
+              <a:ext uri="{FF2B5EF4-FFF2-40B4-BE49-F238E27FC236}">
+                <a16:creationId xmlns:a16="http://schemas.microsoft.com/office/drawing/2014/main" id="{DD4AA227-56FF-4403-89B7-0C14C086F619}"/>
               </a:ext>
             </a:extLst>
           </p:cNvPr>
@@ -8099,8 +9065,8 @@
         </p:nvSpPr>
         <p:spPr>
           <a:xfrm>
-            <a:off x="8343993" y="2471398"/>
-            <a:ext cx="830839" cy="352979"/>
+            <a:off x="6689621" y="3155021"/>
+            <a:ext cx="1001075" cy="407804"/>
           </a:xfrm>
           <a:prstGeom prst="rect">
             <a:avLst/>
@@ -8116,14 +9082,14 @@
             <a:pPr algn="ctr"/>
             <a:r>
               <a:rPr lang="en-US" altLang="ko-KR" sz="1100"/>
-              <a:t>Update </a:t>
+              <a:t>Update Table</a:t>
             </a:r>
           </a:p>
           <a:p>
             <a:pPr algn="ctr"/>
             <a:r>
               <a:rPr lang="en-US" altLang="ko-KR" sz="1100"/>
-              <a:t>Relay Log</a:t>
+              <a:t>&amp; Bin log </a:t>
             </a:r>
             <a:endParaRPr lang="ko-KR" altLang="en-US" sz="1100" dirty="0"/>
           </a:p>
@@ -8131,22 +9097,23 @@
       </p:sp>
       <p:cxnSp>
         <p:nvCxnSpPr>
-          <p:cNvPr id="49" name="직선 연결선 48">
-            <a:extLst>
-              <a:ext uri="{FF2B5EF4-FFF2-40B4-BE49-F238E27FC236}">
-                <a16:creationId xmlns:a16="http://schemas.microsoft.com/office/drawing/2014/main" id="{84653B4D-D4BB-415E-8BA4-4DF79D827624}"/>
+          <p:cNvPr id="33" name="직선 연결선 32">
+            <a:extLst>
+              <a:ext uri="{FF2B5EF4-FFF2-40B4-BE49-F238E27FC236}">
+                <a16:creationId xmlns:a16="http://schemas.microsoft.com/office/drawing/2014/main" id="{3BF20572-AFDC-4E46-B00E-DFFE3BD10732}"/>
               </a:ext>
             </a:extLst>
           </p:cNvPr>
           <p:cNvCxnSpPr>
             <a:cxnSpLocks/>
+            <a:stCxn id="26" idx="2"/>
           </p:cNvCxnSpPr>
           <p:nvPr/>
         </p:nvCxnSpPr>
         <p:spPr>
           <a:xfrm>
-            <a:off x="6507641" y="3020520"/>
-            <a:ext cx="1549131" cy="0"/>
+            <a:off x="7918387" y="1765871"/>
+            <a:ext cx="0" cy="2177479"/>
           </a:xfrm>
           <a:prstGeom prst="line">
             <a:avLst/>
@@ -8155,8 +9122,6 @@
             <a:solidFill>
               <a:schemeClr val="tx1"/>
             </a:solidFill>
-            <a:headEnd type="arrow" w="med" len="med"/>
-            <a:tailEnd type="none" w="med" len="med"/>
           </a:ln>
         </p:spPr>
         <p:style>
@@ -8174,49 +9139,12 @@
           </a:fontRef>
         </p:style>
       </p:cxnSp>
-      <p:sp>
-        <p:nvSpPr>
-          <p:cNvPr id="54" name="TextBox 53">
-            <a:extLst>
-              <a:ext uri="{FF2B5EF4-FFF2-40B4-BE49-F238E27FC236}">
-                <a16:creationId xmlns:a16="http://schemas.microsoft.com/office/drawing/2014/main" id="{10558C5B-A2D9-44E8-8886-0A3E3E6D297F}"/>
-              </a:ext>
-            </a:extLst>
-          </p:cNvPr>
-          <p:cNvSpPr txBox="1"/>
-          <p:nvPr/>
-        </p:nvSpPr>
-        <p:spPr>
-          <a:xfrm>
-            <a:off x="6919515" y="2814061"/>
-            <a:ext cx="736723" cy="206460"/>
-          </a:xfrm>
-          <a:prstGeom prst="rect">
-            <a:avLst/>
-          </a:prstGeom>
-          <a:noFill/>
-        </p:spPr>
-        <p:txBody>
-          <a:bodyPr wrap="square" lIns="68580" tIns="34290" rIns="68580" bIns="34290" rtlCol="0" anchor="ctr">
-            <a:spAutoFit/>
-          </a:bodyPr>
-          <a:lstStyle/>
-          <a:p>
-            <a:pPr algn="ctr"/>
-            <a:r>
-              <a:rPr lang="en-US" altLang="ko-KR" sz="1100"/>
-              <a:t>Ack</a:t>
-            </a:r>
-            <a:endParaRPr lang="ko-KR" altLang="en-US" sz="1100" dirty="0"/>
-          </a:p>
-        </p:txBody>
-      </p:sp>
       <p:cxnSp>
         <p:nvCxnSpPr>
-          <p:cNvPr id="55" name="직선 연결선 54">
-            <a:extLst>
-              <a:ext uri="{FF2B5EF4-FFF2-40B4-BE49-F238E27FC236}">
-                <a16:creationId xmlns:a16="http://schemas.microsoft.com/office/drawing/2014/main" id="{254B021F-82BA-45E8-8F0D-EF4FD8164DD9}"/>
+          <p:cNvPr id="34" name="직선 연결선 33">
+            <a:extLst>
+              <a:ext uri="{FF2B5EF4-FFF2-40B4-BE49-F238E27FC236}">
+                <a16:creationId xmlns:a16="http://schemas.microsoft.com/office/drawing/2014/main" id="{CEC6CEBC-1725-46D8-AA7E-78E839975175}"/>
               </a:ext>
             </a:extLst>
           </p:cNvPr>
@@ -8227,8 +9155,8 @@
         </p:nvCxnSpPr>
         <p:spPr>
           <a:xfrm>
-            <a:off x="4946438" y="3714314"/>
-            <a:ext cx="1549131" cy="0"/>
+            <a:off x="6426236" y="2272593"/>
+            <a:ext cx="1492151" cy="0"/>
           </a:xfrm>
           <a:prstGeom prst="line">
             <a:avLst/>
@@ -8237,8 +9165,8 @@
             <a:solidFill>
               <a:schemeClr val="tx1"/>
             </a:solidFill>
-            <a:headEnd type="arrow" w="med" len="med"/>
-            <a:tailEnd type="none" w="med" len="med"/>
+            <a:headEnd type="none" w="med" len="med"/>
+            <a:tailEnd type="arrow" w="med" len="med"/>
           </a:ln>
         </p:spPr>
         <p:style>
@@ -8258,10 +9186,10 @@
       </p:cxnSp>
       <p:sp>
         <p:nvSpPr>
-          <p:cNvPr id="58" name="TextBox 57">
-            <a:extLst>
-              <a:ext uri="{FF2B5EF4-FFF2-40B4-BE49-F238E27FC236}">
-                <a16:creationId xmlns:a16="http://schemas.microsoft.com/office/drawing/2014/main" id="{63AFEF71-B7CA-407E-8F2E-22177F3CF33A}"/>
+          <p:cNvPr id="35" name="TextBox 34">
+            <a:extLst>
+              <a:ext uri="{FF2B5EF4-FFF2-40B4-BE49-F238E27FC236}">
+                <a16:creationId xmlns:a16="http://schemas.microsoft.com/office/drawing/2014/main" id="{EAC7D014-A77C-4E7F-B05B-B54CEE06ED3D}"/>
               </a:ext>
             </a:extLst>
           </p:cNvPr>
@@ -8270,8 +9198,8 @@
         </p:nvSpPr>
         <p:spPr>
           <a:xfrm>
-            <a:off x="5358312" y="3507854"/>
-            <a:ext cx="736723" cy="206460"/>
+            <a:off x="6457360" y="2067694"/>
+            <a:ext cx="1412943" cy="206460"/>
           </a:xfrm>
           <a:prstGeom prst="rect">
             <a:avLst/>
@@ -8287,7 +9215,7 @@
             <a:pPr algn="ctr"/>
             <a:r>
               <a:rPr lang="en-US" altLang="ko-KR" sz="1100"/>
-              <a:t>Ok</a:t>
+              <a:t>Send Update</a:t>
             </a:r>
             <a:endParaRPr lang="ko-KR" altLang="en-US" sz="1100" dirty="0"/>
           </a:p>
@@ -8295,10 +9223,10 @@
       </p:sp>
       <p:sp>
         <p:nvSpPr>
-          <p:cNvPr id="59" name="자유형: 도형 58">
-            <a:extLst>
-              <a:ext uri="{FF2B5EF4-FFF2-40B4-BE49-F238E27FC236}">
-                <a16:creationId xmlns:a16="http://schemas.microsoft.com/office/drawing/2014/main" id="{CFB2C779-8D97-450A-8446-40E580D75220}"/>
+          <p:cNvPr id="44" name="자유형: 도형 43">
+            <a:extLst>
+              <a:ext uri="{FF2B5EF4-FFF2-40B4-BE49-F238E27FC236}">
+                <a16:creationId xmlns:a16="http://schemas.microsoft.com/office/drawing/2014/main" id="{05466FE3-4891-4A7C-B7CA-71FAFB776A78}"/>
               </a:ext>
             </a:extLst>
           </p:cNvPr>
@@ -8307,8 +9235,8 @@
         </p:nvSpPr>
         <p:spPr>
           <a:xfrm>
-            <a:off x="8070942" y="3203981"/>
-            <a:ext cx="273050" cy="252830"/>
+            <a:off x="7923491" y="2521473"/>
+            <a:ext cx="261107" cy="252830"/>
           </a:xfrm>
           <a:custGeom>
             <a:avLst/>
@@ -8391,10 +9319,10 @@
       </p:sp>
       <p:sp>
         <p:nvSpPr>
-          <p:cNvPr id="60" name="TextBox 59">
-            <a:extLst>
-              <a:ext uri="{FF2B5EF4-FFF2-40B4-BE49-F238E27FC236}">
-                <a16:creationId xmlns:a16="http://schemas.microsoft.com/office/drawing/2014/main" id="{D0D69CB0-9843-4123-90D9-802A2CBC0289}"/>
+          <p:cNvPr id="48" name="TextBox 47">
+            <a:extLst>
+              <a:ext uri="{FF2B5EF4-FFF2-40B4-BE49-F238E27FC236}">
+                <a16:creationId xmlns:a16="http://schemas.microsoft.com/office/drawing/2014/main" id="{226AAE97-C6D8-411E-8D5A-73E86265F933}"/>
               </a:ext>
             </a:extLst>
           </p:cNvPr>
@@ -8403,8 +9331,8 @@
         </p:nvSpPr>
         <p:spPr>
           <a:xfrm>
-            <a:off x="8349673" y="3130582"/>
-            <a:ext cx="830839" cy="407804"/>
+            <a:off x="8184599" y="2471398"/>
+            <a:ext cx="794499" cy="352979"/>
           </a:xfrm>
           <a:prstGeom prst="rect">
             <a:avLst/>
@@ -8420,8 +9348,319 @@
             <a:pPr algn="ctr"/>
             <a:r>
               <a:rPr lang="en-US" altLang="ko-KR" sz="1100"/>
+              <a:t>Update </a:t>
+            </a:r>
+          </a:p>
+          <a:p>
+            <a:pPr algn="ctr"/>
+            <a:r>
+              <a:rPr lang="en-US" altLang="ko-KR" sz="1100"/>
+              <a:t>Relay Log</a:t>
+            </a:r>
+            <a:endParaRPr lang="ko-KR" altLang="en-US" sz="1100" dirty="0"/>
+          </a:p>
+        </p:txBody>
+      </p:sp>
+      <p:cxnSp>
+        <p:nvCxnSpPr>
+          <p:cNvPr id="49" name="직선 연결선 48">
+            <a:extLst>
+              <a:ext uri="{FF2B5EF4-FFF2-40B4-BE49-F238E27FC236}">
+                <a16:creationId xmlns:a16="http://schemas.microsoft.com/office/drawing/2014/main" id="{84653B4D-D4BB-415E-8BA4-4DF79D827624}"/>
+              </a:ext>
+            </a:extLst>
+          </p:cNvPr>
+          <p:cNvCxnSpPr>
+            <a:cxnSpLocks/>
+          </p:cNvCxnSpPr>
+          <p:nvPr/>
+        </p:nvCxnSpPr>
+        <p:spPr>
+          <a:xfrm>
+            <a:off x="6428567" y="3020520"/>
+            <a:ext cx="1481374" cy="0"/>
+          </a:xfrm>
+          <a:prstGeom prst="line">
+            <a:avLst/>
+          </a:prstGeom>
+          <a:ln w="28575">
+            <a:solidFill>
+              <a:schemeClr val="tx1"/>
+            </a:solidFill>
+            <a:headEnd type="arrow" w="med" len="med"/>
+            <a:tailEnd type="none" w="med" len="med"/>
+          </a:ln>
+        </p:spPr>
+        <p:style>
+          <a:lnRef idx="1">
+            <a:schemeClr val="accent1"/>
+          </a:lnRef>
+          <a:fillRef idx="0">
+            <a:schemeClr val="accent1"/>
+          </a:fillRef>
+          <a:effectRef idx="0">
+            <a:schemeClr val="accent1"/>
+          </a:effectRef>
+          <a:fontRef idx="minor">
+            <a:schemeClr val="tx1"/>
+          </a:fontRef>
+        </p:style>
+      </p:cxnSp>
+      <p:sp>
+        <p:nvSpPr>
+          <p:cNvPr id="54" name="TextBox 53">
+            <a:extLst>
+              <a:ext uri="{FF2B5EF4-FFF2-40B4-BE49-F238E27FC236}">
+                <a16:creationId xmlns:a16="http://schemas.microsoft.com/office/drawing/2014/main" id="{10558C5B-A2D9-44E8-8886-0A3E3E6D297F}"/>
+              </a:ext>
+            </a:extLst>
+          </p:cNvPr>
+          <p:cNvSpPr txBox="1"/>
+          <p:nvPr/>
+        </p:nvSpPr>
+        <p:spPr>
+          <a:xfrm>
+            <a:off x="6822426" y="2814061"/>
+            <a:ext cx="704500" cy="206460"/>
+          </a:xfrm>
+          <a:prstGeom prst="rect">
+            <a:avLst/>
+          </a:prstGeom>
+          <a:noFill/>
+        </p:spPr>
+        <p:txBody>
+          <a:bodyPr wrap="square" lIns="68580" tIns="34290" rIns="68580" bIns="34290" rtlCol="0" anchor="ctr">
+            <a:spAutoFit/>
+          </a:bodyPr>
+          <a:lstStyle/>
+          <a:p>
+            <a:pPr algn="ctr"/>
+            <a:r>
+              <a:rPr lang="en-US" altLang="ko-KR" sz="1100"/>
+              <a:t>Ack</a:t>
+            </a:r>
+            <a:endParaRPr lang="ko-KR" altLang="en-US" sz="1100" dirty="0"/>
+          </a:p>
+        </p:txBody>
+      </p:sp>
+      <p:cxnSp>
+        <p:nvCxnSpPr>
+          <p:cNvPr id="55" name="직선 연결선 54">
+            <a:extLst>
+              <a:ext uri="{FF2B5EF4-FFF2-40B4-BE49-F238E27FC236}">
+                <a16:creationId xmlns:a16="http://schemas.microsoft.com/office/drawing/2014/main" id="{254B021F-82BA-45E8-8F0D-EF4FD8164DD9}"/>
+              </a:ext>
+            </a:extLst>
+          </p:cNvPr>
+          <p:cNvCxnSpPr>
+            <a:cxnSpLocks/>
+          </p:cNvCxnSpPr>
+          <p:nvPr/>
+        </p:nvCxnSpPr>
+        <p:spPr>
+          <a:xfrm>
+            <a:off x="4935649" y="3714314"/>
+            <a:ext cx="1481374" cy="0"/>
+          </a:xfrm>
+          <a:prstGeom prst="line">
+            <a:avLst/>
+          </a:prstGeom>
+          <a:ln w="28575">
+            <a:solidFill>
+              <a:schemeClr val="tx1"/>
+            </a:solidFill>
+            <a:headEnd type="arrow" w="med" len="med"/>
+            <a:tailEnd type="none" w="med" len="med"/>
+          </a:ln>
+        </p:spPr>
+        <p:style>
+          <a:lnRef idx="1">
+            <a:schemeClr val="accent1"/>
+          </a:lnRef>
+          <a:fillRef idx="0">
+            <a:schemeClr val="accent1"/>
+          </a:fillRef>
+          <a:effectRef idx="0">
+            <a:schemeClr val="accent1"/>
+          </a:effectRef>
+          <a:fontRef idx="minor">
+            <a:schemeClr val="tx1"/>
+          </a:fontRef>
+        </p:style>
+      </p:cxnSp>
+      <p:sp>
+        <p:nvSpPr>
+          <p:cNvPr id="58" name="TextBox 57">
+            <a:extLst>
+              <a:ext uri="{FF2B5EF4-FFF2-40B4-BE49-F238E27FC236}">
+                <a16:creationId xmlns:a16="http://schemas.microsoft.com/office/drawing/2014/main" id="{63AFEF71-B7CA-407E-8F2E-22177F3CF33A}"/>
+              </a:ext>
+            </a:extLst>
+          </p:cNvPr>
+          <p:cNvSpPr txBox="1"/>
+          <p:nvPr/>
+        </p:nvSpPr>
+        <p:spPr>
+          <a:xfrm>
+            <a:off x="5329508" y="3507854"/>
+            <a:ext cx="704500" cy="206460"/>
+          </a:xfrm>
+          <a:prstGeom prst="rect">
+            <a:avLst/>
+          </a:prstGeom>
+          <a:noFill/>
+        </p:spPr>
+        <p:txBody>
+          <a:bodyPr wrap="square" lIns="68580" tIns="34290" rIns="68580" bIns="34290" rtlCol="0" anchor="ctr">
+            <a:spAutoFit/>
+          </a:bodyPr>
+          <a:lstStyle/>
+          <a:p>
+            <a:pPr algn="ctr"/>
+            <a:r>
+              <a:rPr lang="en-US" altLang="ko-KR" sz="1100"/>
+              <a:t>Ok</a:t>
+            </a:r>
+            <a:endParaRPr lang="ko-KR" altLang="en-US" sz="1100" dirty="0"/>
+          </a:p>
+        </p:txBody>
+      </p:sp>
+      <p:sp>
+        <p:nvSpPr>
+          <p:cNvPr id="59" name="자유형: 도형 58">
+            <a:extLst>
+              <a:ext uri="{FF2B5EF4-FFF2-40B4-BE49-F238E27FC236}">
+                <a16:creationId xmlns:a16="http://schemas.microsoft.com/office/drawing/2014/main" id="{CFB2C779-8D97-450A-8446-40E580D75220}"/>
+              </a:ext>
+            </a:extLst>
+          </p:cNvPr>
+          <p:cNvSpPr/>
+          <p:nvPr/>
+        </p:nvSpPr>
+        <p:spPr>
+          <a:xfrm>
+            <a:off x="7923491" y="3203981"/>
+            <a:ext cx="261107" cy="252830"/>
+          </a:xfrm>
+          <a:custGeom>
+            <a:avLst/>
+            <a:gdLst>
+              <a:gd name="connsiteX0" fmla="*/ 0 w 273050"/>
+              <a:gd name="connsiteY0" fmla="*/ 0 h 292100"/>
+              <a:gd name="connsiteX1" fmla="*/ 273050 w 273050"/>
+              <a:gd name="connsiteY1" fmla="*/ 0 h 292100"/>
+              <a:gd name="connsiteX2" fmla="*/ 273050 w 273050"/>
+              <a:gd name="connsiteY2" fmla="*/ 292100 h 292100"/>
+              <a:gd name="connsiteX3" fmla="*/ 0 w 273050"/>
+              <a:gd name="connsiteY3" fmla="*/ 292100 h 292100"/>
+            </a:gdLst>
+            <a:ahLst/>
+            <a:cxnLst>
+              <a:cxn ang="0">
+                <a:pos x="connsiteX0" y="connsiteY0"/>
+              </a:cxn>
+              <a:cxn ang="0">
+                <a:pos x="connsiteX1" y="connsiteY1"/>
+              </a:cxn>
+              <a:cxn ang="0">
+                <a:pos x="connsiteX2" y="connsiteY2"/>
+              </a:cxn>
+              <a:cxn ang="0">
+                <a:pos x="connsiteX3" y="connsiteY3"/>
+              </a:cxn>
+            </a:cxnLst>
+            <a:rect l="l" t="t" r="r" b="b"/>
+            <a:pathLst>
+              <a:path w="273050" h="292100">
+                <a:moveTo>
+                  <a:pt x="0" y="0"/>
+                </a:moveTo>
+                <a:lnTo>
+                  <a:pt x="273050" y="0"/>
+                </a:lnTo>
+                <a:lnTo>
+                  <a:pt x="273050" y="292100"/>
+                </a:lnTo>
+                <a:lnTo>
+                  <a:pt x="0" y="292100"/>
+                </a:lnTo>
+              </a:path>
+            </a:pathLst>
+          </a:custGeom>
+          <a:noFill/>
+          <a:ln w="28575">
+            <a:solidFill>
+              <a:schemeClr val="tx1"/>
+            </a:solidFill>
+            <a:headEnd type="none" w="med" len="med"/>
+            <a:tailEnd type="arrow" w="med" len="med"/>
+          </a:ln>
+        </p:spPr>
+        <p:style>
+          <a:lnRef idx="2">
+            <a:schemeClr val="accent1">
+              <a:shade val="50000"/>
+            </a:schemeClr>
+          </a:lnRef>
+          <a:fillRef idx="1">
+            <a:schemeClr val="accent1"/>
+          </a:fillRef>
+          <a:effectRef idx="0">
+            <a:schemeClr val="accent1"/>
+          </a:effectRef>
+          <a:fontRef idx="minor">
+            <a:schemeClr val="lt1"/>
+          </a:fontRef>
+        </p:style>
+        <p:txBody>
+          <a:bodyPr rtlCol="0" anchor="ctr"/>
+          <a:lstStyle/>
+          <a:p>
+            <a:pPr algn="ctr"/>
+            <a:endParaRPr lang="ko-KR" altLang="en-US"/>
+          </a:p>
+        </p:txBody>
+      </p:sp>
+      <p:sp>
+        <p:nvSpPr>
+          <p:cNvPr id="60" name="TextBox 59">
+            <a:extLst>
+              <a:ext uri="{FF2B5EF4-FFF2-40B4-BE49-F238E27FC236}">
+                <a16:creationId xmlns:a16="http://schemas.microsoft.com/office/drawing/2014/main" id="{D0D69CB0-9843-4123-90D9-802A2CBC0289}"/>
+              </a:ext>
+            </a:extLst>
+          </p:cNvPr>
+          <p:cNvSpPr txBox="1"/>
+          <p:nvPr/>
+        </p:nvSpPr>
+        <p:spPr>
+          <a:xfrm>
+            <a:off x="8190030" y="3130582"/>
+            <a:ext cx="990482" cy="407804"/>
+          </a:xfrm>
+          <a:prstGeom prst="rect">
+            <a:avLst/>
+          </a:prstGeom>
+          <a:noFill/>
+        </p:spPr>
+        <p:txBody>
+          <a:bodyPr wrap="square" lIns="68580" tIns="34290" rIns="68580" bIns="34290" rtlCol="0" anchor="ctr">
+            <a:spAutoFit/>
+          </a:bodyPr>
+          <a:lstStyle/>
+          <a:p>
+            <a:pPr algn="ctr"/>
+            <a:r>
+              <a:rPr lang="en-US" altLang="ko-KR" sz="1100"/>
               <a:t>Update Table</a:t>
             </a:r>
+          </a:p>
+          <a:p>
+            <a:pPr algn="ctr"/>
+            <a:r>
+              <a:rPr lang="en-US" altLang="ko-KR" sz="1100"/>
+              <a:t>&amp; Bin log </a:t>
+            </a:r>
             <a:endParaRPr lang="ko-KR" altLang="en-US" sz="1100" dirty="0"/>
           </a:p>
         </p:txBody>
@@ -8440,8 +9679,8 @@
         </p:nvSpPr>
         <p:spPr>
           <a:xfrm>
-            <a:off x="1475656" y="4033396"/>
-            <a:ext cx="1745442" cy="338554"/>
+            <a:off x="1400652" y="4033396"/>
+            <a:ext cx="1669098" cy="338554"/>
           </a:xfrm>
           <a:prstGeom prst="rect">
             <a:avLst/>
@@ -8477,8 +9716,8 @@
         </p:nvSpPr>
         <p:spPr>
           <a:xfrm>
-            <a:off x="6005352" y="4033396"/>
-            <a:ext cx="1745442" cy="338554"/>
+            <a:off x="5948247" y="4033396"/>
+            <a:ext cx="1669098" cy="338554"/>
           </a:xfrm>
           <a:prstGeom prst="rect">
             <a:avLst/>
@@ -8516,7 +9755,7 @@
         </p:nvCxnSpPr>
         <p:spPr>
           <a:xfrm>
-            <a:off x="4544292" y="1347614"/>
+            <a:off x="4572000" y="1347614"/>
             <a:ext cx="0" cy="3002850"/>
           </a:xfrm>
           <a:prstGeom prst="line">

--- a/images/theory_analysis/MySQL_Replication_Cluster/MySQL_Replication.pptx
+++ b/images/theory_analysis/MySQL_Replication_Cluster/MySQL_Replication.pptx
@@ -3883,7 +3883,7 @@
             <a:pPr algn="ctr"/>
             <a:r>
               <a:rPr lang="en-US" altLang="ko-KR" sz="1600"/>
-              <a:t>Slave DB A</a:t>
+              <a:t>Slave DB</a:t>
             </a:r>
             <a:endParaRPr lang="ko-KR" altLang="en-US" sz="1600"/>
           </a:p>
@@ -4031,7 +4031,7 @@
             <a:pPr algn="ctr"/>
             <a:r>
               <a:rPr lang="en-US" altLang="ko-KR" sz="1600"/>
-              <a:t>Slave DB B</a:t>
+              <a:t>Slave DB</a:t>
             </a:r>
             <a:endParaRPr lang="ko-KR" altLang="en-US" sz="1600"/>
           </a:p>

--- a/images/theory_analysis/MySQL_Replication_Cluster/MySQL_Replication.pptx
+++ b/images/theory_analysis/MySQL_Replication_Cluster/MySQL_Replication.pptx
@@ -5,14 +5,16 @@
     <p:sldMasterId id="2147483648" r:id="rId1"/>
   </p:sldMasterIdLst>
   <p:notesMasterIdLst>
-    <p:notesMasterId r:id="rId7"/>
+    <p:notesMasterId r:id="rId9"/>
   </p:notesMasterIdLst>
   <p:sldIdLst>
     <p:sldId id="360" r:id="rId2"/>
-    <p:sldId id="362" r:id="rId3"/>
-    <p:sldId id="361" r:id="rId4"/>
-    <p:sldId id="359" r:id="rId5"/>
-    <p:sldId id="357" r:id="rId6"/>
+    <p:sldId id="359" r:id="rId3"/>
+    <p:sldId id="357" r:id="rId4"/>
+    <p:sldId id="362" r:id="rId5"/>
+    <p:sldId id="361" r:id="rId6"/>
+    <p:sldId id="364" r:id="rId7"/>
+    <p:sldId id="363" r:id="rId8"/>
   </p:sldIdLst>
   <p:sldSz cx="9144000" cy="5143500" type="screen16x9"/>
   <p:notesSz cx="6858000" cy="9144000"/>
@@ -217,7 +219,7 @@
           <a:p>
             <a:fld id="{6CD5550B-26C4-49A9-A5BA-636EF7BE6CE9}" type="datetimeFigureOut">
               <a:rPr lang="ko-KR" altLang="en-US" smtClean="0"/>
-              <a:t>2018-12-17</a:t>
+              <a:t>2018-12-19</a:t>
             </a:fld>
             <a:endParaRPr lang="ko-KR" altLang="en-US"/>
           </a:p>
@@ -642,7 +644,7 @@
     </p:spTree>
     <p:extLst>
       <p:ext uri="{BB962C8B-B14F-4D97-AF65-F5344CB8AC3E}">
-        <p14:creationId xmlns:p14="http://schemas.microsoft.com/office/powerpoint/2010/main" val="1387032016"/>
+        <p14:creationId xmlns:p14="http://schemas.microsoft.com/office/powerpoint/2010/main" val="2673354595"/>
       </p:ext>
     </p:extLst>
   </p:cSld>
@@ -726,7 +728,7 @@
     </p:spTree>
     <p:extLst>
       <p:ext uri="{BB962C8B-B14F-4D97-AF65-F5344CB8AC3E}">
-        <p14:creationId xmlns:p14="http://schemas.microsoft.com/office/powerpoint/2010/main" val="4195755357"/>
+        <p14:creationId xmlns:p14="http://schemas.microsoft.com/office/powerpoint/2010/main" val="398464479"/>
       </p:ext>
     </p:extLst>
   </p:cSld>
@@ -810,7 +812,7 @@
     </p:spTree>
     <p:extLst>
       <p:ext uri="{BB962C8B-B14F-4D97-AF65-F5344CB8AC3E}">
-        <p14:creationId xmlns:p14="http://schemas.microsoft.com/office/powerpoint/2010/main" val="44329558"/>
+        <p14:creationId xmlns:p14="http://schemas.microsoft.com/office/powerpoint/2010/main" val="1387032016"/>
       </p:ext>
     </p:extLst>
   </p:cSld>
@@ -894,7 +896,175 @@
     </p:spTree>
     <p:extLst>
       <p:ext uri="{BB962C8B-B14F-4D97-AF65-F5344CB8AC3E}">
-        <p14:creationId xmlns:p14="http://schemas.microsoft.com/office/powerpoint/2010/main" val="1694540052"/>
+        <p14:creationId xmlns:p14="http://schemas.microsoft.com/office/powerpoint/2010/main" val="4195755357"/>
+      </p:ext>
+    </p:extLst>
+  </p:cSld>
+  <p:clrMapOvr>
+    <a:masterClrMapping/>
+  </p:clrMapOvr>
+</p:notes>
+</file>
+
+<file path=ppt/notesSlides/notesSlide6.xml><?xml version="1.0" encoding="utf-8"?>
+<p:notes xmlns:a="http://schemas.openxmlformats.org/drawingml/2006/main" xmlns:r="http://schemas.openxmlformats.org/officeDocument/2006/relationships" xmlns:p="http://schemas.openxmlformats.org/presentationml/2006/main">
+  <p:cSld>
+    <p:spTree>
+      <p:nvGrpSpPr>
+        <p:cNvPr id="1" name=""/>
+        <p:cNvGrpSpPr/>
+        <p:nvPr/>
+      </p:nvGrpSpPr>
+      <p:grpSpPr>
+        <a:xfrm>
+          <a:off x="0" y="0"/>
+          <a:ext cx="0" cy="0"/>
+          <a:chOff x="0" y="0"/>
+          <a:chExt cx="0" cy="0"/>
+        </a:xfrm>
+      </p:grpSpPr>
+      <p:sp>
+        <p:nvSpPr>
+          <p:cNvPr id="2" name="슬라이드 이미지 개체 틀 1"/>
+          <p:cNvSpPr>
+            <a:spLocks noGrp="1" noRot="1" noChangeAspect="1"/>
+          </p:cNvSpPr>
+          <p:nvPr>
+            <p:ph type="sldImg"/>
+          </p:nvPr>
+        </p:nvSpPr>
+        <p:spPr/>
+      </p:sp>
+      <p:sp>
+        <p:nvSpPr>
+          <p:cNvPr id="3" name="슬라이드 노트 개체 틀 2"/>
+          <p:cNvSpPr>
+            <a:spLocks noGrp="1"/>
+          </p:cNvSpPr>
+          <p:nvPr>
+            <p:ph type="body" idx="1"/>
+          </p:nvPr>
+        </p:nvSpPr>
+        <p:spPr/>
+        <p:txBody>
+          <a:bodyPr/>
+          <a:lstStyle/>
+          <a:p>
+            <a:endParaRPr lang="ko-KR" altLang="en-US"/>
+          </a:p>
+        </p:txBody>
+      </p:sp>
+      <p:sp>
+        <p:nvSpPr>
+          <p:cNvPr id="4" name="슬라이드 번호 개체 틀 3"/>
+          <p:cNvSpPr>
+            <a:spLocks noGrp="1"/>
+          </p:cNvSpPr>
+          <p:nvPr>
+            <p:ph type="sldNum" sz="quarter" idx="10"/>
+          </p:nvPr>
+        </p:nvSpPr>
+        <p:spPr/>
+        <p:txBody>
+          <a:bodyPr/>
+          <a:lstStyle/>
+          <a:p>
+            <a:fld id="{BA5DFA43-8D57-47FB-BC46-057616015C3B}" type="slidenum">
+              <a:rPr lang="ko-KR" altLang="en-US" smtClean="0"/>
+              <a:t>6</a:t>
+            </a:fld>
+            <a:endParaRPr lang="ko-KR" altLang="en-US"/>
+          </a:p>
+        </p:txBody>
+      </p:sp>
+    </p:spTree>
+    <p:extLst>
+      <p:ext uri="{BB962C8B-B14F-4D97-AF65-F5344CB8AC3E}">
+        <p14:creationId xmlns:p14="http://schemas.microsoft.com/office/powerpoint/2010/main" val="3895586035"/>
+      </p:ext>
+    </p:extLst>
+  </p:cSld>
+  <p:clrMapOvr>
+    <a:masterClrMapping/>
+  </p:clrMapOvr>
+</p:notes>
+</file>
+
+<file path=ppt/notesSlides/notesSlide7.xml><?xml version="1.0" encoding="utf-8"?>
+<p:notes xmlns:a="http://schemas.openxmlformats.org/drawingml/2006/main" xmlns:r="http://schemas.openxmlformats.org/officeDocument/2006/relationships" xmlns:p="http://schemas.openxmlformats.org/presentationml/2006/main">
+  <p:cSld>
+    <p:spTree>
+      <p:nvGrpSpPr>
+        <p:cNvPr id="1" name=""/>
+        <p:cNvGrpSpPr/>
+        <p:nvPr/>
+      </p:nvGrpSpPr>
+      <p:grpSpPr>
+        <a:xfrm>
+          <a:off x="0" y="0"/>
+          <a:ext cx="0" cy="0"/>
+          <a:chOff x="0" y="0"/>
+          <a:chExt cx="0" cy="0"/>
+        </a:xfrm>
+      </p:grpSpPr>
+      <p:sp>
+        <p:nvSpPr>
+          <p:cNvPr id="2" name="슬라이드 이미지 개체 틀 1"/>
+          <p:cNvSpPr>
+            <a:spLocks noGrp="1" noRot="1" noChangeAspect="1"/>
+          </p:cNvSpPr>
+          <p:nvPr>
+            <p:ph type="sldImg"/>
+          </p:nvPr>
+        </p:nvSpPr>
+        <p:spPr/>
+      </p:sp>
+      <p:sp>
+        <p:nvSpPr>
+          <p:cNvPr id="3" name="슬라이드 노트 개체 틀 2"/>
+          <p:cNvSpPr>
+            <a:spLocks noGrp="1"/>
+          </p:cNvSpPr>
+          <p:nvPr>
+            <p:ph type="body" idx="1"/>
+          </p:nvPr>
+        </p:nvSpPr>
+        <p:spPr/>
+        <p:txBody>
+          <a:bodyPr/>
+          <a:lstStyle/>
+          <a:p>
+            <a:endParaRPr lang="ko-KR" altLang="en-US"/>
+          </a:p>
+        </p:txBody>
+      </p:sp>
+      <p:sp>
+        <p:nvSpPr>
+          <p:cNvPr id="4" name="슬라이드 번호 개체 틀 3"/>
+          <p:cNvSpPr>
+            <a:spLocks noGrp="1"/>
+          </p:cNvSpPr>
+          <p:nvPr>
+            <p:ph type="sldNum" sz="quarter" idx="10"/>
+          </p:nvPr>
+        </p:nvSpPr>
+        <p:spPr/>
+        <p:txBody>
+          <a:bodyPr/>
+          <a:lstStyle/>
+          <a:p>
+            <a:fld id="{BA5DFA43-8D57-47FB-BC46-057616015C3B}" type="slidenum">
+              <a:rPr lang="ko-KR" altLang="en-US" smtClean="0"/>
+              <a:t>7</a:t>
+            </a:fld>
+            <a:endParaRPr lang="ko-KR" altLang="en-US"/>
+          </a:p>
+        </p:txBody>
+      </p:sp>
+    </p:spTree>
+    <p:extLst>
+      <p:ext uri="{BB962C8B-B14F-4D97-AF65-F5344CB8AC3E}">
+        <p14:creationId xmlns:p14="http://schemas.microsoft.com/office/powerpoint/2010/main" val="4270098860"/>
       </p:ext>
     </p:extLst>
   </p:cSld>
@@ -1083,7 +1253,7 @@
           <a:p>
             <a:fld id="{FB30EDBD-1C2D-4C1E-B459-B60219FAB484}" type="datetimeFigureOut">
               <a:rPr lang="ko-KR" altLang="en-US" smtClean="0"/>
-              <a:t>2018-12-17</a:t>
+              <a:t>2018-12-19</a:t>
             </a:fld>
             <a:endParaRPr lang="ko-KR" altLang="en-US"/>
           </a:p>
@@ -1246,7 +1416,7 @@
           <a:p>
             <a:fld id="{FB30EDBD-1C2D-4C1E-B459-B60219FAB484}" type="datetimeFigureOut">
               <a:rPr lang="ko-KR" altLang="en-US" smtClean="0"/>
-              <a:t>2018-12-17</a:t>
+              <a:t>2018-12-19</a:t>
             </a:fld>
             <a:endParaRPr lang="ko-KR" altLang="en-US"/>
           </a:p>
@@ -1419,7 +1589,7 @@
           <a:p>
             <a:fld id="{FB30EDBD-1C2D-4C1E-B459-B60219FAB484}" type="datetimeFigureOut">
               <a:rPr lang="ko-KR" altLang="en-US" smtClean="0"/>
-              <a:t>2018-12-17</a:t>
+              <a:t>2018-12-19</a:t>
             </a:fld>
             <a:endParaRPr lang="ko-KR" altLang="en-US"/>
           </a:p>
@@ -1582,7 +1752,7 @@
           <a:p>
             <a:fld id="{FB30EDBD-1C2D-4C1E-B459-B60219FAB484}" type="datetimeFigureOut">
               <a:rPr lang="ko-KR" altLang="en-US" smtClean="0"/>
-              <a:t>2018-12-17</a:t>
+              <a:t>2018-12-19</a:t>
             </a:fld>
             <a:endParaRPr lang="ko-KR" altLang="en-US"/>
           </a:p>
@@ -1822,7 +1992,7 @@
           <a:p>
             <a:fld id="{FB30EDBD-1C2D-4C1E-B459-B60219FAB484}" type="datetimeFigureOut">
               <a:rPr lang="ko-KR" altLang="en-US" smtClean="0"/>
-              <a:t>2018-12-17</a:t>
+              <a:t>2018-12-19</a:t>
             </a:fld>
             <a:endParaRPr lang="ko-KR" altLang="en-US"/>
           </a:p>
@@ -2102,7 +2272,7 @@
           <a:p>
             <a:fld id="{FB30EDBD-1C2D-4C1E-B459-B60219FAB484}" type="datetimeFigureOut">
               <a:rPr lang="ko-KR" altLang="en-US" smtClean="0"/>
-              <a:t>2018-12-17</a:t>
+              <a:t>2018-12-19</a:t>
             </a:fld>
             <a:endParaRPr lang="ko-KR" altLang="en-US"/>
           </a:p>
@@ -2516,7 +2686,7 @@
           <a:p>
             <a:fld id="{FB30EDBD-1C2D-4C1E-B459-B60219FAB484}" type="datetimeFigureOut">
               <a:rPr lang="ko-KR" altLang="en-US" smtClean="0"/>
-              <a:t>2018-12-17</a:t>
+              <a:t>2018-12-19</a:t>
             </a:fld>
             <a:endParaRPr lang="ko-KR" altLang="en-US"/>
           </a:p>
@@ -2628,7 +2798,7 @@
           <a:p>
             <a:fld id="{FB30EDBD-1C2D-4C1E-B459-B60219FAB484}" type="datetimeFigureOut">
               <a:rPr lang="ko-KR" altLang="en-US" smtClean="0"/>
-              <a:t>2018-12-17</a:t>
+              <a:t>2018-12-19</a:t>
             </a:fld>
             <a:endParaRPr lang="ko-KR" altLang="en-US"/>
           </a:p>
@@ -2718,7 +2888,7 @@
           <a:p>
             <a:fld id="{FB30EDBD-1C2D-4C1E-B459-B60219FAB484}" type="datetimeFigureOut">
               <a:rPr lang="ko-KR" altLang="en-US" smtClean="0"/>
-              <a:t>2018-12-17</a:t>
+              <a:t>2018-12-19</a:t>
             </a:fld>
             <a:endParaRPr lang="ko-KR" altLang="en-US"/>
           </a:p>
@@ -2988,7 +3158,7 @@
           <a:p>
             <a:fld id="{FB30EDBD-1C2D-4C1E-B459-B60219FAB484}" type="datetimeFigureOut">
               <a:rPr lang="ko-KR" altLang="en-US" smtClean="0"/>
-              <a:t>2018-12-17</a:t>
+              <a:t>2018-12-19</a:t>
             </a:fld>
             <a:endParaRPr lang="ko-KR" altLang="en-US"/>
           </a:p>
@@ -3235,7 +3405,7 @@
           <a:p>
             <a:fld id="{FB30EDBD-1C2D-4C1E-B459-B60219FAB484}" type="datetimeFigureOut">
               <a:rPr lang="ko-KR" altLang="en-US" smtClean="0"/>
-              <a:t>2018-12-17</a:t>
+              <a:t>2018-12-19</a:t>
             </a:fld>
             <a:endParaRPr lang="ko-KR" altLang="en-US"/>
           </a:p>
@@ -3441,7 +3611,7 @@
           <a:p>
             <a:fld id="{FB30EDBD-1C2D-4C1E-B459-B60219FAB484}" type="datetimeFigureOut">
               <a:rPr lang="ko-KR" altLang="en-US" smtClean="0"/>
-              <a:t>2018-12-17</a:t>
+              <a:t>2018-12-19</a:t>
             </a:fld>
             <a:endParaRPr lang="ko-KR" altLang="en-US"/>
           </a:p>
@@ -4712,1984 +4882,6 @@
       </p:grpSpPr>
       <p:sp>
         <p:nvSpPr>
-          <p:cNvPr id="30" name="사각형: 둥근 모서리 29">
-            <a:extLst>
-              <a:ext uri="{FF2B5EF4-FFF2-40B4-BE49-F238E27FC236}">
-                <a16:creationId xmlns:a16="http://schemas.microsoft.com/office/drawing/2014/main" id="{85112F4E-090B-47FF-B1BB-75FF3EFC489C}"/>
-              </a:ext>
-            </a:extLst>
-          </p:cNvPr>
-          <p:cNvSpPr/>
-          <p:nvPr/>
-        </p:nvSpPr>
-        <p:spPr>
-          <a:xfrm>
-            <a:off x="1617732" y="2903918"/>
-            <a:ext cx="5832648" cy="1728192"/>
-          </a:xfrm>
-          <a:prstGeom prst="roundRect">
-            <a:avLst>
-              <a:gd name="adj" fmla="val 8289"/>
-            </a:avLst>
-          </a:prstGeom>
-          <a:ln>
-            <a:prstDash val="dash"/>
-          </a:ln>
-        </p:spPr>
-        <p:style>
-          <a:lnRef idx="2">
-            <a:schemeClr val="dk1"/>
-          </a:lnRef>
-          <a:fillRef idx="1">
-            <a:schemeClr val="lt1"/>
-          </a:fillRef>
-          <a:effectRef idx="0">
-            <a:schemeClr val="dk1"/>
-          </a:effectRef>
-          <a:fontRef idx="minor">
-            <a:schemeClr val="dk1"/>
-          </a:fontRef>
-        </p:style>
-        <p:txBody>
-          <a:bodyPr rtlCol="0" anchor="ctr"/>
-          <a:lstStyle/>
-          <a:p>
-            <a:pPr algn="ctr"/>
-            <a:endParaRPr lang="ko-KR" altLang="en-US"/>
-          </a:p>
-        </p:txBody>
-      </p:sp>
-      <p:sp>
-        <p:nvSpPr>
-          <p:cNvPr id="2" name="제목 1"/>
-          <p:cNvSpPr>
-            <a:spLocks noGrp="1"/>
-          </p:cNvSpPr>
-          <p:nvPr>
-            <p:ph type="title"/>
-          </p:nvPr>
-        </p:nvSpPr>
-        <p:spPr>
-          <a:xfrm>
-            <a:off x="565354" y="24473"/>
-            <a:ext cx="8229600" cy="857250"/>
-          </a:xfrm>
-        </p:spPr>
-        <p:txBody>
-          <a:bodyPr/>
-          <a:lstStyle/>
-          <a:p>
-            <a:r>
-              <a:rPr lang="en-US" altLang="ko-KR"/>
-              <a:t>Single-primary</a:t>
-            </a:r>
-            <a:r>
-              <a:rPr lang="ko-KR" altLang="en-US"/>
-              <a:t> </a:t>
-            </a:r>
-            <a:r>
-              <a:rPr lang="en-US" altLang="ko-KR"/>
-              <a:t>Group</a:t>
-            </a:r>
-            <a:endParaRPr lang="ko-KR" altLang="en-US"/>
-          </a:p>
-        </p:txBody>
-      </p:sp>
-      <p:sp>
-        <p:nvSpPr>
-          <p:cNvPr id="4" name="사각형: 둥근 모서리 3">
-            <a:extLst>
-              <a:ext uri="{FF2B5EF4-FFF2-40B4-BE49-F238E27FC236}">
-                <a16:creationId xmlns:a16="http://schemas.microsoft.com/office/drawing/2014/main" id="{8890BB04-0EC3-4677-B15B-A2E9EE30680B}"/>
-              </a:ext>
-            </a:extLst>
-          </p:cNvPr>
-          <p:cNvSpPr/>
-          <p:nvPr/>
-        </p:nvSpPr>
-        <p:spPr>
-          <a:xfrm>
-            <a:off x="3779912" y="3003798"/>
-            <a:ext cx="1512168" cy="1512168"/>
-          </a:xfrm>
-          <a:prstGeom prst="roundRect">
-            <a:avLst>
-              <a:gd name="adj" fmla="val 5886"/>
-            </a:avLst>
-          </a:prstGeom>
-        </p:spPr>
-        <p:style>
-          <a:lnRef idx="2">
-            <a:schemeClr val="dk1"/>
-          </a:lnRef>
-          <a:fillRef idx="1">
-            <a:schemeClr val="lt1"/>
-          </a:fillRef>
-          <a:effectRef idx="0">
-            <a:schemeClr val="dk1"/>
-          </a:effectRef>
-          <a:fontRef idx="minor">
-            <a:schemeClr val="dk1"/>
-          </a:fontRef>
-        </p:style>
-        <p:txBody>
-          <a:bodyPr rtlCol="0" anchor="b"/>
-          <a:lstStyle/>
-          <a:p>
-            <a:pPr algn="ctr"/>
-            <a:r>
-              <a:rPr lang="en-US" altLang="ko-KR" sz="1400"/>
-              <a:t>Secondary DB</a:t>
-            </a:r>
-            <a:endParaRPr lang="ko-KR" altLang="en-US" sz="1400"/>
-          </a:p>
-        </p:txBody>
-      </p:sp>
-      <p:sp>
-        <p:nvSpPr>
-          <p:cNvPr id="3" name="사각형: 둥근 모서리 2">
-            <a:extLst>
-              <a:ext uri="{FF2B5EF4-FFF2-40B4-BE49-F238E27FC236}">
-                <a16:creationId xmlns:a16="http://schemas.microsoft.com/office/drawing/2014/main" id="{8A1616A6-1400-47E3-B96B-3825AAA58B85}"/>
-              </a:ext>
-            </a:extLst>
-          </p:cNvPr>
-          <p:cNvSpPr/>
-          <p:nvPr/>
-        </p:nvSpPr>
-        <p:spPr>
-          <a:xfrm>
-            <a:off x="3563888" y="1995686"/>
-            <a:ext cx="1944216" cy="360040"/>
-          </a:xfrm>
-          <a:prstGeom prst="roundRect">
-            <a:avLst/>
-          </a:prstGeom>
-        </p:spPr>
-        <p:style>
-          <a:lnRef idx="2">
-            <a:schemeClr val="dk1"/>
-          </a:lnRef>
-          <a:fillRef idx="1">
-            <a:schemeClr val="lt1"/>
-          </a:fillRef>
-          <a:effectRef idx="0">
-            <a:schemeClr val="dk1"/>
-          </a:effectRef>
-          <a:fontRef idx="minor">
-            <a:schemeClr val="dk1"/>
-          </a:fontRef>
-        </p:style>
-        <p:txBody>
-          <a:bodyPr rtlCol="0" anchor="ctr"/>
-          <a:lstStyle/>
-          <a:p>
-            <a:pPr algn="ctr"/>
-            <a:r>
-              <a:rPr lang="en-US" altLang="ko-KR" sz="1600"/>
-              <a:t>MySQL Router</a:t>
-            </a:r>
-            <a:endParaRPr lang="ko-KR" altLang="en-US" sz="1600"/>
-          </a:p>
-        </p:txBody>
-      </p:sp>
-      <p:sp>
-        <p:nvSpPr>
-          <p:cNvPr id="8" name="사각형: 둥근 모서리 7">
-            <a:extLst>
-              <a:ext uri="{FF2B5EF4-FFF2-40B4-BE49-F238E27FC236}">
-                <a16:creationId xmlns:a16="http://schemas.microsoft.com/office/drawing/2014/main" id="{583C970C-86D1-45C6-9400-70A040488B56}"/>
-              </a:ext>
-            </a:extLst>
-          </p:cNvPr>
-          <p:cNvSpPr/>
-          <p:nvPr/>
-        </p:nvSpPr>
-        <p:spPr>
-          <a:xfrm>
-            <a:off x="1763688" y="3003798"/>
-            <a:ext cx="1512168" cy="1512168"/>
-          </a:xfrm>
-          <a:prstGeom prst="roundRect">
-            <a:avLst>
-              <a:gd name="adj" fmla="val 5886"/>
-            </a:avLst>
-          </a:prstGeom>
-        </p:spPr>
-        <p:style>
-          <a:lnRef idx="2">
-            <a:schemeClr val="dk1"/>
-          </a:lnRef>
-          <a:fillRef idx="1">
-            <a:schemeClr val="lt1"/>
-          </a:fillRef>
-          <a:effectRef idx="0">
-            <a:schemeClr val="dk1"/>
-          </a:effectRef>
-          <a:fontRef idx="minor">
-            <a:schemeClr val="dk1"/>
-          </a:fontRef>
-        </p:style>
-        <p:txBody>
-          <a:bodyPr rtlCol="0" anchor="b"/>
-          <a:lstStyle/>
-          <a:p>
-            <a:pPr algn="ctr"/>
-            <a:r>
-              <a:rPr lang="en-US" altLang="ko-KR" sz="1400"/>
-              <a:t>Primary DB</a:t>
-            </a:r>
-            <a:endParaRPr lang="ko-KR" altLang="en-US" sz="1400"/>
-          </a:p>
-        </p:txBody>
-      </p:sp>
-      <p:sp>
-        <p:nvSpPr>
-          <p:cNvPr id="9" name="사각형: 둥근 모서리 8">
-            <a:extLst>
-              <a:ext uri="{FF2B5EF4-FFF2-40B4-BE49-F238E27FC236}">
-                <a16:creationId xmlns:a16="http://schemas.microsoft.com/office/drawing/2014/main" id="{B5242D48-4E1F-41E6-A8B8-1EA5997B1334}"/>
-              </a:ext>
-            </a:extLst>
-          </p:cNvPr>
-          <p:cNvSpPr/>
-          <p:nvPr/>
-        </p:nvSpPr>
-        <p:spPr>
-          <a:xfrm>
-            <a:off x="5792257" y="3003798"/>
-            <a:ext cx="1512168" cy="1512168"/>
-          </a:xfrm>
-          <a:prstGeom prst="roundRect">
-            <a:avLst>
-              <a:gd name="adj" fmla="val 5886"/>
-            </a:avLst>
-          </a:prstGeom>
-        </p:spPr>
-        <p:style>
-          <a:lnRef idx="2">
-            <a:schemeClr val="dk1"/>
-          </a:lnRef>
-          <a:fillRef idx="1">
-            <a:schemeClr val="lt1"/>
-          </a:fillRef>
-          <a:effectRef idx="0">
-            <a:schemeClr val="dk1"/>
-          </a:effectRef>
-          <a:fontRef idx="minor">
-            <a:schemeClr val="dk1"/>
-          </a:fontRef>
-        </p:style>
-        <p:txBody>
-          <a:bodyPr rtlCol="0" anchor="b"/>
-          <a:lstStyle/>
-          <a:p>
-            <a:pPr algn="ctr"/>
-            <a:r>
-              <a:rPr lang="en-US" altLang="ko-KR" sz="1400"/>
-              <a:t>Secondary DB</a:t>
-            </a:r>
-            <a:endParaRPr lang="ko-KR" altLang="en-US" sz="1400"/>
-          </a:p>
-        </p:txBody>
-      </p:sp>
-      <p:sp>
-        <p:nvSpPr>
-          <p:cNvPr id="10" name="사각형: 둥근 모서리 9">
-            <a:extLst>
-              <a:ext uri="{FF2B5EF4-FFF2-40B4-BE49-F238E27FC236}">
-                <a16:creationId xmlns:a16="http://schemas.microsoft.com/office/drawing/2014/main" id="{866B3922-D196-4CE1-97DA-94D70579E5FE}"/>
-              </a:ext>
-            </a:extLst>
-          </p:cNvPr>
-          <p:cNvSpPr/>
-          <p:nvPr/>
-        </p:nvSpPr>
-        <p:spPr>
-          <a:xfrm>
-            <a:off x="3563888" y="1203598"/>
-            <a:ext cx="1944216" cy="360040"/>
-          </a:xfrm>
-          <a:prstGeom prst="roundRect">
-            <a:avLst/>
-          </a:prstGeom>
-        </p:spPr>
-        <p:style>
-          <a:lnRef idx="2">
-            <a:schemeClr val="dk1"/>
-          </a:lnRef>
-          <a:fillRef idx="1">
-            <a:schemeClr val="lt1"/>
-          </a:fillRef>
-          <a:effectRef idx="0">
-            <a:schemeClr val="dk1"/>
-          </a:effectRef>
-          <a:fontRef idx="minor">
-            <a:schemeClr val="dk1"/>
-          </a:fontRef>
-        </p:style>
-        <p:txBody>
-          <a:bodyPr rtlCol="0" anchor="ctr"/>
-          <a:lstStyle/>
-          <a:p>
-            <a:pPr algn="ctr"/>
-            <a:r>
-              <a:rPr lang="en-US" altLang="ko-KR" sz="1600"/>
-              <a:t>App</a:t>
-            </a:r>
-            <a:endParaRPr lang="ko-KR" altLang="en-US" sz="1600"/>
-          </a:p>
-        </p:txBody>
-      </p:sp>
-      <p:sp>
-        <p:nvSpPr>
-          <p:cNvPr id="11" name="순서도: 자기 디스크 10">
-            <a:extLst>
-              <a:ext uri="{FF2B5EF4-FFF2-40B4-BE49-F238E27FC236}">
-                <a16:creationId xmlns:a16="http://schemas.microsoft.com/office/drawing/2014/main" id="{0197D105-FED6-424D-9645-F3D5083B16F8}"/>
-              </a:ext>
-            </a:extLst>
-          </p:cNvPr>
-          <p:cNvSpPr/>
-          <p:nvPr/>
-        </p:nvSpPr>
-        <p:spPr>
-          <a:xfrm>
-            <a:off x="1982399" y="3363838"/>
-            <a:ext cx="1074746" cy="720080"/>
-          </a:xfrm>
-          <a:prstGeom prst="flowChartMagneticDisk">
-            <a:avLst/>
-          </a:prstGeom>
-        </p:spPr>
-        <p:style>
-          <a:lnRef idx="2">
-            <a:schemeClr val="dk1"/>
-          </a:lnRef>
-          <a:fillRef idx="1">
-            <a:schemeClr val="lt1"/>
-          </a:fillRef>
-          <a:effectRef idx="0">
-            <a:schemeClr val="dk1"/>
-          </a:effectRef>
-          <a:fontRef idx="minor">
-            <a:schemeClr val="dk1"/>
-          </a:fontRef>
-        </p:style>
-        <p:txBody>
-          <a:bodyPr rtlCol="0" anchor="ctr"/>
-          <a:lstStyle/>
-          <a:p>
-            <a:pPr algn="ctr"/>
-            <a:endParaRPr lang="ko-KR" altLang="en-US"/>
-          </a:p>
-        </p:txBody>
-      </p:sp>
-      <p:sp>
-        <p:nvSpPr>
-          <p:cNvPr id="12" name="순서도: 자기 디스크 11">
-            <a:extLst>
-              <a:ext uri="{FF2B5EF4-FFF2-40B4-BE49-F238E27FC236}">
-                <a16:creationId xmlns:a16="http://schemas.microsoft.com/office/drawing/2014/main" id="{525E0FAB-2A3E-4CE8-92A7-899F9B240C20}"/>
-              </a:ext>
-            </a:extLst>
-          </p:cNvPr>
-          <p:cNvSpPr/>
-          <p:nvPr/>
-        </p:nvSpPr>
-        <p:spPr>
-          <a:xfrm>
-            <a:off x="3998623" y="3363838"/>
-            <a:ext cx="1074746" cy="720080"/>
-          </a:xfrm>
-          <a:prstGeom prst="flowChartMagneticDisk">
-            <a:avLst/>
-          </a:prstGeom>
-        </p:spPr>
-        <p:style>
-          <a:lnRef idx="2">
-            <a:schemeClr val="dk1"/>
-          </a:lnRef>
-          <a:fillRef idx="1">
-            <a:schemeClr val="lt1"/>
-          </a:fillRef>
-          <a:effectRef idx="0">
-            <a:schemeClr val="dk1"/>
-          </a:effectRef>
-          <a:fontRef idx="minor">
-            <a:schemeClr val="dk1"/>
-          </a:fontRef>
-        </p:style>
-        <p:txBody>
-          <a:bodyPr rtlCol="0" anchor="ctr"/>
-          <a:lstStyle/>
-          <a:p>
-            <a:pPr algn="ctr"/>
-            <a:endParaRPr lang="ko-KR" altLang="en-US"/>
-          </a:p>
-        </p:txBody>
-      </p:sp>
-      <p:sp>
-        <p:nvSpPr>
-          <p:cNvPr id="13" name="순서도: 자기 디스크 12">
-            <a:extLst>
-              <a:ext uri="{FF2B5EF4-FFF2-40B4-BE49-F238E27FC236}">
-                <a16:creationId xmlns:a16="http://schemas.microsoft.com/office/drawing/2014/main" id="{C5C2DD05-769F-44B8-89AB-BC08E350366C}"/>
-              </a:ext>
-            </a:extLst>
-          </p:cNvPr>
-          <p:cNvSpPr/>
-          <p:nvPr/>
-        </p:nvSpPr>
-        <p:spPr>
-          <a:xfrm>
-            <a:off x="6010968" y="3363838"/>
-            <a:ext cx="1074746" cy="720080"/>
-          </a:xfrm>
-          <a:prstGeom prst="flowChartMagneticDisk">
-            <a:avLst/>
-          </a:prstGeom>
-        </p:spPr>
-        <p:style>
-          <a:lnRef idx="2">
-            <a:schemeClr val="dk1"/>
-          </a:lnRef>
-          <a:fillRef idx="1">
-            <a:schemeClr val="lt1"/>
-          </a:fillRef>
-          <a:effectRef idx="0">
-            <a:schemeClr val="dk1"/>
-          </a:effectRef>
-          <a:fontRef idx="minor">
-            <a:schemeClr val="dk1"/>
-          </a:fontRef>
-        </p:style>
-        <p:txBody>
-          <a:bodyPr rtlCol="0" anchor="ctr"/>
-          <a:lstStyle/>
-          <a:p>
-            <a:pPr algn="ctr"/>
-            <a:endParaRPr lang="ko-KR" altLang="en-US"/>
-          </a:p>
-        </p:txBody>
-      </p:sp>
-      <p:cxnSp>
-        <p:nvCxnSpPr>
-          <p:cNvPr id="15" name="직선 화살표 연결선 14">
-            <a:extLst>
-              <a:ext uri="{FF2B5EF4-FFF2-40B4-BE49-F238E27FC236}">
-                <a16:creationId xmlns:a16="http://schemas.microsoft.com/office/drawing/2014/main" id="{9E1E5D33-26D8-46EA-A627-36FCD9DA07D1}"/>
-              </a:ext>
-            </a:extLst>
-          </p:cNvPr>
-          <p:cNvCxnSpPr>
-            <a:cxnSpLocks/>
-          </p:cNvCxnSpPr>
-          <p:nvPr/>
-        </p:nvCxnSpPr>
-        <p:spPr>
-          <a:xfrm>
-            <a:off x="3057145" y="3651870"/>
-            <a:ext cx="941478" cy="0"/>
-          </a:xfrm>
-          <a:prstGeom prst="straightConnector1">
-            <a:avLst/>
-          </a:prstGeom>
-          <a:ln w="28575">
-            <a:solidFill>
-              <a:schemeClr val="tx1"/>
-            </a:solidFill>
-            <a:headEnd type="none" w="med" len="med"/>
-            <a:tailEnd type="arrow" w="med" len="med"/>
-          </a:ln>
-        </p:spPr>
-        <p:style>
-          <a:lnRef idx="1">
-            <a:schemeClr val="accent1"/>
-          </a:lnRef>
-          <a:fillRef idx="0">
-            <a:schemeClr val="accent1"/>
-          </a:fillRef>
-          <a:effectRef idx="0">
-            <a:schemeClr val="accent1"/>
-          </a:effectRef>
-          <a:fontRef idx="minor">
-            <a:schemeClr val="tx1"/>
-          </a:fontRef>
-        </p:style>
-      </p:cxnSp>
-      <p:cxnSp>
-        <p:nvCxnSpPr>
-          <p:cNvPr id="19" name="직선 연결선 18">
-            <a:extLst>
-              <a:ext uri="{FF2B5EF4-FFF2-40B4-BE49-F238E27FC236}">
-                <a16:creationId xmlns:a16="http://schemas.microsoft.com/office/drawing/2014/main" id="{22CBDC41-EAC0-49C3-8FAC-63013E9BAF6F}"/>
-              </a:ext>
-            </a:extLst>
-          </p:cNvPr>
-          <p:cNvCxnSpPr>
-            <a:cxnSpLocks/>
-            <a:stCxn id="10" idx="2"/>
-            <a:endCxn id="3" idx="0"/>
-          </p:cNvCxnSpPr>
-          <p:nvPr/>
-        </p:nvCxnSpPr>
-        <p:spPr>
-          <a:xfrm>
-            <a:off x="4535996" y="1563638"/>
-            <a:ext cx="0" cy="432048"/>
-          </a:xfrm>
-          <a:prstGeom prst="line">
-            <a:avLst/>
-          </a:prstGeom>
-          <a:ln w="28575">
-            <a:solidFill>
-              <a:schemeClr val="tx1"/>
-            </a:solidFill>
-            <a:headEnd type="none" w="med" len="med"/>
-            <a:tailEnd type="arrow" w="med" len="med"/>
-          </a:ln>
-        </p:spPr>
-        <p:style>
-          <a:lnRef idx="1">
-            <a:schemeClr val="accent1"/>
-          </a:lnRef>
-          <a:fillRef idx="0">
-            <a:schemeClr val="accent1"/>
-          </a:fillRef>
-          <a:effectRef idx="0">
-            <a:schemeClr val="accent1"/>
-          </a:effectRef>
-          <a:fontRef idx="minor">
-            <a:schemeClr val="tx1"/>
-          </a:fontRef>
-        </p:style>
-      </p:cxnSp>
-      <p:cxnSp>
-        <p:nvCxnSpPr>
-          <p:cNvPr id="22" name="직선 연결선 21">
-            <a:extLst>
-              <a:ext uri="{FF2B5EF4-FFF2-40B4-BE49-F238E27FC236}">
-                <a16:creationId xmlns:a16="http://schemas.microsoft.com/office/drawing/2014/main" id="{507DD919-1F8C-4EDF-A3EA-9C85EEC24FF7}"/>
-              </a:ext>
-            </a:extLst>
-          </p:cNvPr>
-          <p:cNvCxnSpPr>
-            <a:cxnSpLocks/>
-            <a:stCxn id="3" idx="2"/>
-            <a:endCxn id="8" idx="0"/>
-          </p:cNvCxnSpPr>
-          <p:nvPr/>
-        </p:nvCxnSpPr>
-        <p:spPr>
-          <a:xfrm flipH="1">
-            <a:off x="2519772" y="2355726"/>
-            <a:ext cx="2016224" cy="648072"/>
-          </a:xfrm>
-          <a:prstGeom prst="line">
-            <a:avLst/>
-          </a:prstGeom>
-          <a:ln w="28575">
-            <a:solidFill>
-              <a:schemeClr val="tx1"/>
-            </a:solidFill>
-            <a:headEnd type="none" w="med" len="med"/>
-            <a:tailEnd type="arrow" w="med" len="med"/>
-          </a:ln>
-        </p:spPr>
-        <p:style>
-          <a:lnRef idx="1">
-            <a:schemeClr val="accent1"/>
-          </a:lnRef>
-          <a:fillRef idx="0">
-            <a:schemeClr val="accent1"/>
-          </a:fillRef>
-          <a:effectRef idx="0">
-            <a:schemeClr val="accent1"/>
-          </a:effectRef>
-          <a:fontRef idx="minor">
-            <a:schemeClr val="tx1"/>
-          </a:fontRef>
-        </p:style>
-      </p:cxnSp>
-      <p:cxnSp>
-        <p:nvCxnSpPr>
-          <p:cNvPr id="25" name="직선 연결선 24">
-            <a:extLst>
-              <a:ext uri="{FF2B5EF4-FFF2-40B4-BE49-F238E27FC236}">
-                <a16:creationId xmlns:a16="http://schemas.microsoft.com/office/drawing/2014/main" id="{05E73110-B9EC-455C-96CC-025CFED44C57}"/>
-              </a:ext>
-            </a:extLst>
-          </p:cNvPr>
-          <p:cNvCxnSpPr>
-            <a:cxnSpLocks/>
-            <a:stCxn id="3" idx="2"/>
-            <a:endCxn id="4" idx="0"/>
-          </p:cNvCxnSpPr>
-          <p:nvPr/>
-        </p:nvCxnSpPr>
-        <p:spPr>
-          <a:xfrm>
-            <a:off x="4535996" y="2355726"/>
-            <a:ext cx="0" cy="648072"/>
-          </a:xfrm>
-          <a:prstGeom prst="line">
-            <a:avLst/>
-          </a:prstGeom>
-          <a:ln w="28575">
-            <a:solidFill>
-              <a:schemeClr val="tx1"/>
-            </a:solidFill>
-            <a:headEnd type="none" w="med" len="med"/>
-            <a:tailEnd type="arrow" w="med" len="med"/>
-          </a:ln>
-        </p:spPr>
-        <p:style>
-          <a:lnRef idx="1">
-            <a:schemeClr val="accent1"/>
-          </a:lnRef>
-          <a:fillRef idx="0">
-            <a:schemeClr val="accent1"/>
-          </a:fillRef>
-          <a:effectRef idx="0">
-            <a:schemeClr val="accent1"/>
-          </a:effectRef>
-          <a:fontRef idx="minor">
-            <a:schemeClr val="tx1"/>
-          </a:fontRef>
-        </p:style>
-      </p:cxnSp>
-      <p:cxnSp>
-        <p:nvCxnSpPr>
-          <p:cNvPr id="28" name="직선 연결선 27">
-            <a:extLst>
-              <a:ext uri="{FF2B5EF4-FFF2-40B4-BE49-F238E27FC236}">
-                <a16:creationId xmlns:a16="http://schemas.microsoft.com/office/drawing/2014/main" id="{557238BF-27F5-4591-9CA4-E941CF9890FF}"/>
-              </a:ext>
-            </a:extLst>
-          </p:cNvPr>
-          <p:cNvCxnSpPr>
-            <a:cxnSpLocks/>
-            <a:stCxn id="3" idx="2"/>
-            <a:endCxn id="9" idx="0"/>
-          </p:cNvCxnSpPr>
-          <p:nvPr/>
-        </p:nvCxnSpPr>
-        <p:spPr>
-          <a:xfrm>
-            <a:off x="4535996" y="2355726"/>
-            <a:ext cx="2012345" cy="648072"/>
-          </a:xfrm>
-          <a:prstGeom prst="line">
-            <a:avLst/>
-          </a:prstGeom>
-          <a:ln w="28575">
-            <a:solidFill>
-              <a:schemeClr val="tx1"/>
-            </a:solidFill>
-            <a:headEnd type="none" w="med" len="med"/>
-            <a:tailEnd type="arrow" w="med" len="med"/>
-          </a:ln>
-        </p:spPr>
-        <p:style>
-          <a:lnRef idx="1">
-            <a:schemeClr val="accent1"/>
-          </a:lnRef>
-          <a:fillRef idx="0">
-            <a:schemeClr val="accent1"/>
-          </a:fillRef>
-          <a:effectRef idx="0">
-            <a:schemeClr val="accent1"/>
-          </a:effectRef>
-          <a:fontRef idx="minor">
-            <a:schemeClr val="tx1"/>
-          </a:fontRef>
-        </p:style>
-      </p:cxnSp>
-      <p:sp>
-        <p:nvSpPr>
-          <p:cNvPr id="32" name="TextBox 31">
-            <a:extLst>
-              <a:ext uri="{FF2B5EF4-FFF2-40B4-BE49-F238E27FC236}">
-                <a16:creationId xmlns:a16="http://schemas.microsoft.com/office/drawing/2014/main" id="{D3F124DD-5F09-4246-90A2-D0665E254849}"/>
-              </a:ext>
-            </a:extLst>
-          </p:cNvPr>
-          <p:cNvSpPr txBox="1"/>
-          <p:nvPr/>
-        </p:nvSpPr>
-        <p:spPr>
-          <a:xfrm>
-            <a:off x="2483772" y="2324942"/>
-            <a:ext cx="1512166" cy="307777"/>
-          </a:xfrm>
-          <a:prstGeom prst="rect">
-            <a:avLst/>
-          </a:prstGeom>
-          <a:noFill/>
-        </p:spPr>
-        <p:txBody>
-          <a:bodyPr wrap="square" rtlCol="0" anchor="ctr">
-            <a:spAutoFit/>
-          </a:bodyPr>
-          <a:lstStyle/>
-          <a:p>
-            <a:pPr algn="ctr"/>
-            <a:r>
-              <a:rPr lang="en-US" altLang="ko-KR" sz="1400"/>
-              <a:t>R/W Request</a:t>
-            </a:r>
-            <a:endParaRPr lang="ko-KR" altLang="en-US" sz="1400"/>
-          </a:p>
-        </p:txBody>
-      </p:sp>
-      <p:sp>
-        <p:nvSpPr>
-          <p:cNvPr id="33" name="TextBox 32">
-            <a:extLst>
-              <a:ext uri="{FF2B5EF4-FFF2-40B4-BE49-F238E27FC236}">
-                <a16:creationId xmlns:a16="http://schemas.microsoft.com/office/drawing/2014/main" id="{4D0F5690-DEDA-4325-8C3B-C1E694A3E571}"/>
-              </a:ext>
-            </a:extLst>
-          </p:cNvPr>
-          <p:cNvSpPr txBox="1"/>
-          <p:nvPr/>
-        </p:nvSpPr>
-        <p:spPr>
-          <a:xfrm>
-            <a:off x="5076056" y="2326108"/>
-            <a:ext cx="1512166" cy="307777"/>
-          </a:xfrm>
-          <a:prstGeom prst="rect">
-            <a:avLst/>
-          </a:prstGeom>
-          <a:noFill/>
-        </p:spPr>
-        <p:txBody>
-          <a:bodyPr wrap="square" rtlCol="0" anchor="ctr">
-            <a:spAutoFit/>
-          </a:bodyPr>
-          <a:lstStyle/>
-          <a:p>
-            <a:pPr algn="ctr"/>
-            <a:r>
-              <a:rPr lang="en-US" altLang="ko-KR" sz="1400"/>
-              <a:t>R Request</a:t>
-            </a:r>
-            <a:endParaRPr lang="ko-KR" altLang="en-US" sz="1400"/>
-          </a:p>
-        </p:txBody>
-      </p:sp>
-      <p:sp>
-        <p:nvSpPr>
-          <p:cNvPr id="34" name="TextBox 33">
-            <a:extLst>
-              <a:ext uri="{FF2B5EF4-FFF2-40B4-BE49-F238E27FC236}">
-                <a16:creationId xmlns:a16="http://schemas.microsoft.com/office/drawing/2014/main" id="{41532103-6EDB-4FD4-A3B0-AF97E0CA34D5}"/>
-              </a:ext>
-            </a:extLst>
-          </p:cNvPr>
-          <p:cNvSpPr txBox="1"/>
-          <p:nvPr/>
-        </p:nvSpPr>
-        <p:spPr>
-          <a:xfrm>
-            <a:off x="4256262" y="2624013"/>
-            <a:ext cx="1512166" cy="307777"/>
-          </a:xfrm>
-          <a:prstGeom prst="rect">
-            <a:avLst/>
-          </a:prstGeom>
-          <a:noFill/>
-        </p:spPr>
-        <p:txBody>
-          <a:bodyPr wrap="square" rtlCol="0" anchor="ctr">
-            <a:spAutoFit/>
-          </a:bodyPr>
-          <a:lstStyle/>
-          <a:p>
-            <a:pPr algn="ctr"/>
-            <a:r>
-              <a:rPr lang="en-US" altLang="ko-KR" sz="1400"/>
-              <a:t>R Request</a:t>
-            </a:r>
-            <a:endParaRPr lang="ko-KR" altLang="en-US" sz="1400"/>
-          </a:p>
-        </p:txBody>
-      </p:sp>
-      <p:sp>
-        <p:nvSpPr>
-          <p:cNvPr id="36" name="TextBox 35">
-            <a:extLst>
-              <a:ext uri="{FF2B5EF4-FFF2-40B4-BE49-F238E27FC236}">
-                <a16:creationId xmlns:a16="http://schemas.microsoft.com/office/drawing/2014/main" id="{A9FB266C-A413-4E91-80A5-6ACC605A284C}"/>
-              </a:ext>
-            </a:extLst>
-          </p:cNvPr>
-          <p:cNvSpPr txBox="1"/>
-          <p:nvPr/>
-        </p:nvSpPr>
-        <p:spPr>
-          <a:xfrm>
-            <a:off x="3779914" y="4624849"/>
-            <a:ext cx="1512166" cy="338554"/>
-          </a:xfrm>
-          <a:prstGeom prst="rect">
-            <a:avLst/>
-          </a:prstGeom>
-          <a:noFill/>
-        </p:spPr>
-        <p:txBody>
-          <a:bodyPr wrap="square" rtlCol="0" anchor="ctr">
-            <a:spAutoFit/>
-          </a:bodyPr>
-          <a:lstStyle/>
-          <a:p>
-            <a:pPr algn="ctr"/>
-            <a:r>
-              <a:rPr lang="en-US" altLang="ko-KR" sz="1600"/>
-              <a:t>Group</a:t>
-            </a:r>
-            <a:endParaRPr lang="ko-KR" altLang="en-US" sz="1600"/>
-          </a:p>
-        </p:txBody>
-      </p:sp>
-      <p:cxnSp>
-        <p:nvCxnSpPr>
-          <p:cNvPr id="38" name="직선 화살표 연결선 37">
-            <a:extLst>
-              <a:ext uri="{FF2B5EF4-FFF2-40B4-BE49-F238E27FC236}">
-                <a16:creationId xmlns:a16="http://schemas.microsoft.com/office/drawing/2014/main" id="{7758C0C0-80FB-4E85-BFBC-0C957EED4869}"/>
-              </a:ext>
-            </a:extLst>
-          </p:cNvPr>
-          <p:cNvCxnSpPr>
-            <a:cxnSpLocks/>
-          </p:cNvCxnSpPr>
-          <p:nvPr/>
-        </p:nvCxnSpPr>
-        <p:spPr>
-          <a:xfrm>
-            <a:off x="3057145" y="3867894"/>
-            <a:ext cx="2953823" cy="0"/>
-          </a:xfrm>
-          <a:prstGeom prst="straightConnector1">
-            <a:avLst/>
-          </a:prstGeom>
-          <a:ln w="28575">
-            <a:solidFill>
-              <a:schemeClr val="tx1"/>
-            </a:solidFill>
-            <a:headEnd type="none" w="med" len="med"/>
-            <a:tailEnd type="arrow" w="med" len="med"/>
-          </a:ln>
-        </p:spPr>
-        <p:style>
-          <a:lnRef idx="1">
-            <a:schemeClr val="accent1"/>
-          </a:lnRef>
-          <a:fillRef idx="0">
-            <a:schemeClr val="accent1"/>
-          </a:fillRef>
-          <a:effectRef idx="0">
-            <a:schemeClr val="accent1"/>
-          </a:effectRef>
-          <a:fontRef idx="minor">
-            <a:schemeClr val="tx1"/>
-          </a:fontRef>
-        </p:style>
-      </p:cxnSp>
-      <p:sp>
-        <p:nvSpPr>
-          <p:cNvPr id="26" name="TextBox 25">
-            <a:extLst>
-              <a:ext uri="{FF2B5EF4-FFF2-40B4-BE49-F238E27FC236}">
-                <a16:creationId xmlns:a16="http://schemas.microsoft.com/office/drawing/2014/main" id="{E0D720FB-A74B-4C16-93AA-D5B9A300CBBB}"/>
-              </a:ext>
-            </a:extLst>
-          </p:cNvPr>
-          <p:cNvSpPr txBox="1"/>
-          <p:nvPr/>
-        </p:nvSpPr>
-        <p:spPr>
-          <a:xfrm>
-            <a:off x="2915816" y="3344093"/>
-            <a:ext cx="1224135" cy="307777"/>
-          </a:xfrm>
-          <a:prstGeom prst="rect">
-            <a:avLst/>
-          </a:prstGeom>
-          <a:noFill/>
-        </p:spPr>
-        <p:txBody>
-          <a:bodyPr wrap="square" rtlCol="0" anchor="ctr">
-            <a:spAutoFit/>
-          </a:bodyPr>
-          <a:lstStyle/>
-          <a:p>
-            <a:pPr algn="ctr"/>
-            <a:r>
-              <a:rPr lang="en-US" altLang="ko-KR" sz="1400"/>
-              <a:t>Replication</a:t>
-            </a:r>
-            <a:endParaRPr lang="ko-KR" altLang="en-US" sz="1400"/>
-          </a:p>
-        </p:txBody>
-      </p:sp>
-      <p:sp>
-        <p:nvSpPr>
-          <p:cNvPr id="27" name="TextBox 26">
-            <a:extLst>
-              <a:ext uri="{FF2B5EF4-FFF2-40B4-BE49-F238E27FC236}">
-                <a16:creationId xmlns:a16="http://schemas.microsoft.com/office/drawing/2014/main" id="{A5F98AA7-BCE1-42F3-B735-32AF2964DA61}"/>
-              </a:ext>
-            </a:extLst>
-          </p:cNvPr>
-          <p:cNvSpPr txBox="1"/>
-          <p:nvPr/>
-        </p:nvSpPr>
-        <p:spPr>
-          <a:xfrm>
-            <a:off x="2915816" y="3848149"/>
-            <a:ext cx="1224135" cy="307777"/>
-          </a:xfrm>
-          <a:prstGeom prst="rect">
-            <a:avLst/>
-          </a:prstGeom>
-          <a:noFill/>
-        </p:spPr>
-        <p:txBody>
-          <a:bodyPr wrap="square" rtlCol="0" anchor="ctr">
-            <a:spAutoFit/>
-          </a:bodyPr>
-          <a:lstStyle/>
-          <a:p>
-            <a:pPr algn="ctr"/>
-            <a:r>
-              <a:rPr lang="en-US" altLang="ko-KR" sz="1400"/>
-              <a:t>Replication</a:t>
-            </a:r>
-            <a:endParaRPr lang="ko-KR" altLang="en-US" sz="1400"/>
-          </a:p>
-        </p:txBody>
-      </p:sp>
-    </p:spTree>
-    <p:extLst>
-      <p:ext uri="{BB962C8B-B14F-4D97-AF65-F5344CB8AC3E}">
-        <p14:creationId xmlns:p14="http://schemas.microsoft.com/office/powerpoint/2010/main" val="1028453530"/>
-      </p:ext>
-    </p:extLst>
-  </p:cSld>
-  <p:clrMapOvr>
-    <a:masterClrMapping/>
-  </p:clrMapOvr>
-</p:sld>
-</file>
-
-<file path=ppt/slides/slide3.xml><?xml version="1.0" encoding="utf-8"?>
-<p:sld xmlns:a="http://schemas.openxmlformats.org/drawingml/2006/main" xmlns:r="http://schemas.openxmlformats.org/officeDocument/2006/relationships" xmlns:p="http://schemas.openxmlformats.org/presentationml/2006/main">
-  <p:cSld>
-    <p:spTree>
-      <p:nvGrpSpPr>
-        <p:cNvPr id="1" name=""/>
-        <p:cNvGrpSpPr/>
-        <p:nvPr/>
-      </p:nvGrpSpPr>
-      <p:grpSpPr>
-        <a:xfrm>
-          <a:off x="0" y="0"/>
-          <a:ext cx="0" cy="0"/>
-          <a:chOff x="0" y="0"/>
-          <a:chExt cx="0" cy="0"/>
-        </a:xfrm>
-      </p:grpSpPr>
-      <p:sp>
-        <p:nvSpPr>
-          <p:cNvPr id="30" name="사각형: 둥근 모서리 29">
-            <a:extLst>
-              <a:ext uri="{FF2B5EF4-FFF2-40B4-BE49-F238E27FC236}">
-                <a16:creationId xmlns:a16="http://schemas.microsoft.com/office/drawing/2014/main" id="{85112F4E-090B-47FF-B1BB-75FF3EFC489C}"/>
-              </a:ext>
-            </a:extLst>
-          </p:cNvPr>
-          <p:cNvSpPr/>
-          <p:nvPr/>
-        </p:nvSpPr>
-        <p:spPr>
-          <a:xfrm>
-            <a:off x="1617732" y="2903918"/>
-            <a:ext cx="5832648" cy="1728192"/>
-          </a:xfrm>
-          <a:prstGeom prst="roundRect">
-            <a:avLst>
-              <a:gd name="adj" fmla="val 8289"/>
-            </a:avLst>
-          </a:prstGeom>
-          <a:ln>
-            <a:prstDash val="dash"/>
-          </a:ln>
-        </p:spPr>
-        <p:style>
-          <a:lnRef idx="2">
-            <a:schemeClr val="dk1"/>
-          </a:lnRef>
-          <a:fillRef idx="1">
-            <a:schemeClr val="lt1"/>
-          </a:fillRef>
-          <a:effectRef idx="0">
-            <a:schemeClr val="dk1"/>
-          </a:effectRef>
-          <a:fontRef idx="minor">
-            <a:schemeClr val="dk1"/>
-          </a:fontRef>
-        </p:style>
-        <p:txBody>
-          <a:bodyPr rtlCol="0" anchor="ctr"/>
-          <a:lstStyle/>
-          <a:p>
-            <a:pPr algn="ctr"/>
-            <a:endParaRPr lang="ko-KR" altLang="en-US"/>
-          </a:p>
-        </p:txBody>
-      </p:sp>
-      <p:sp>
-        <p:nvSpPr>
-          <p:cNvPr id="2" name="제목 1"/>
-          <p:cNvSpPr>
-            <a:spLocks noGrp="1"/>
-          </p:cNvSpPr>
-          <p:nvPr>
-            <p:ph type="title"/>
-          </p:nvPr>
-        </p:nvSpPr>
-        <p:spPr>
-          <a:xfrm>
-            <a:off x="565354" y="24473"/>
-            <a:ext cx="8229600" cy="857250"/>
-          </a:xfrm>
-        </p:spPr>
-        <p:txBody>
-          <a:bodyPr/>
-          <a:lstStyle/>
-          <a:p>
-            <a:r>
-              <a:rPr lang="en-US" altLang="ko-KR"/>
-              <a:t>Multi-primary Group</a:t>
-            </a:r>
-            <a:endParaRPr lang="ko-KR" altLang="en-US"/>
-          </a:p>
-        </p:txBody>
-      </p:sp>
-      <p:sp>
-        <p:nvSpPr>
-          <p:cNvPr id="4" name="사각형: 둥근 모서리 3">
-            <a:extLst>
-              <a:ext uri="{FF2B5EF4-FFF2-40B4-BE49-F238E27FC236}">
-                <a16:creationId xmlns:a16="http://schemas.microsoft.com/office/drawing/2014/main" id="{8890BB04-0EC3-4677-B15B-A2E9EE30680B}"/>
-              </a:ext>
-            </a:extLst>
-          </p:cNvPr>
-          <p:cNvSpPr/>
-          <p:nvPr/>
-        </p:nvSpPr>
-        <p:spPr>
-          <a:xfrm>
-            <a:off x="3779912" y="3003798"/>
-            <a:ext cx="1512168" cy="1512168"/>
-          </a:xfrm>
-          <a:prstGeom prst="roundRect">
-            <a:avLst>
-              <a:gd name="adj" fmla="val 5886"/>
-            </a:avLst>
-          </a:prstGeom>
-        </p:spPr>
-        <p:style>
-          <a:lnRef idx="2">
-            <a:schemeClr val="dk1"/>
-          </a:lnRef>
-          <a:fillRef idx="1">
-            <a:schemeClr val="lt1"/>
-          </a:fillRef>
-          <a:effectRef idx="0">
-            <a:schemeClr val="dk1"/>
-          </a:effectRef>
-          <a:fontRef idx="minor">
-            <a:schemeClr val="dk1"/>
-          </a:fontRef>
-        </p:style>
-        <p:txBody>
-          <a:bodyPr rtlCol="0" anchor="b"/>
-          <a:lstStyle/>
-          <a:p>
-            <a:pPr algn="ctr"/>
-            <a:r>
-              <a:rPr lang="en-US" altLang="ko-KR" sz="1600"/>
-              <a:t>Primary DB</a:t>
-            </a:r>
-            <a:endParaRPr lang="ko-KR" altLang="en-US" sz="1600"/>
-          </a:p>
-        </p:txBody>
-      </p:sp>
-      <p:sp>
-        <p:nvSpPr>
-          <p:cNvPr id="3" name="사각형: 둥근 모서리 2">
-            <a:extLst>
-              <a:ext uri="{FF2B5EF4-FFF2-40B4-BE49-F238E27FC236}">
-                <a16:creationId xmlns:a16="http://schemas.microsoft.com/office/drawing/2014/main" id="{8A1616A6-1400-47E3-B96B-3825AAA58B85}"/>
-              </a:ext>
-            </a:extLst>
-          </p:cNvPr>
-          <p:cNvSpPr/>
-          <p:nvPr/>
-        </p:nvSpPr>
-        <p:spPr>
-          <a:xfrm>
-            <a:off x="3563888" y="1995686"/>
-            <a:ext cx="1944216" cy="360040"/>
-          </a:xfrm>
-          <a:prstGeom prst="roundRect">
-            <a:avLst/>
-          </a:prstGeom>
-        </p:spPr>
-        <p:style>
-          <a:lnRef idx="2">
-            <a:schemeClr val="dk1"/>
-          </a:lnRef>
-          <a:fillRef idx="1">
-            <a:schemeClr val="lt1"/>
-          </a:fillRef>
-          <a:effectRef idx="0">
-            <a:schemeClr val="dk1"/>
-          </a:effectRef>
-          <a:fontRef idx="minor">
-            <a:schemeClr val="dk1"/>
-          </a:fontRef>
-        </p:style>
-        <p:txBody>
-          <a:bodyPr rtlCol="0" anchor="ctr"/>
-          <a:lstStyle/>
-          <a:p>
-            <a:pPr algn="ctr"/>
-            <a:r>
-              <a:rPr lang="en-US" altLang="ko-KR" sz="1600"/>
-              <a:t>MySQL Router</a:t>
-            </a:r>
-            <a:endParaRPr lang="ko-KR" altLang="en-US" sz="1600"/>
-          </a:p>
-        </p:txBody>
-      </p:sp>
-      <p:sp>
-        <p:nvSpPr>
-          <p:cNvPr id="8" name="사각형: 둥근 모서리 7">
-            <a:extLst>
-              <a:ext uri="{FF2B5EF4-FFF2-40B4-BE49-F238E27FC236}">
-                <a16:creationId xmlns:a16="http://schemas.microsoft.com/office/drawing/2014/main" id="{583C970C-86D1-45C6-9400-70A040488B56}"/>
-              </a:ext>
-            </a:extLst>
-          </p:cNvPr>
-          <p:cNvSpPr/>
-          <p:nvPr/>
-        </p:nvSpPr>
-        <p:spPr>
-          <a:xfrm>
-            <a:off x="1763688" y="3003798"/>
-            <a:ext cx="1512168" cy="1512168"/>
-          </a:xfrm>
-          <a:prstGeom prst="roundRect">
-            <a:avLst>
-              <a:gd name="adj" fmla="val 5886"/>
-            </a:avLst>
-          </a:prstGeom>
-        </p:spPr>
-        <p:style>
-          <a:lnRef idx="2">
-            <a:schemeClr val="dk1"/>
-          </a:lnRef>
-          <a:fillRef idx="1">
-            <a:schemeClr val="lt1"/>
-          </a:fillRef>
-          <a:effectRef idx="0">
-            <a:schemeClr val="dk1"/>
-          </a:effectRef>
-          <a:fontRef idx="minor">
-            <a:schemeClr val="dk1"/>
-          </a:fontRef>
-        </p:style>
-        <p:txBody>
-          <a:bodyPr rtlCol="0" anchor="b"/>
-          <a:lstStyle/>
-          <a:p>
-            <a:pPr algn="ctr"/>
-            <a:r>
-              <a:rPr lang="en-US" altLang="ko-KR" sz="1600"/>
-              <a:t>Primary DB</a:t>
-            </a:r>
-            <a:endParaRPr lang="ko-KR" altLang="en-US" sz="1600"/>
-          </a:p>
-        </p:txBody>
-      </p:sp>
-      <p:sp>
-        <p:nvSpPr>
-          <p:cNvPr id="9" name="사각형: 둥근 모서리 8">
-            <a:extLst>
-              <a:ext uri="{FF2B5EF4-FFF2-40B4-BE49-F238E27FC236}">
-                <a16:creationId xmlns:a16="http://schemas.microsoft.com/office/drawing/2014/main" id="{B5242D48-4E1F-41E6-A8B8-1EA5997B1334}"/>
-              </a:ext>
-            </a:extLst>
-          </p:cNvPr>
-          <p:cNvSpPr/>
-          <p:nvPr/>
-        </p:nvSpPr>
-        <p:spPr>
-          <a:xfrm>
-            <a:off x="5792257" y="3003798"/>
-            <a:ext cx="1512168" cy="1512168"/>
-          </a:xfrm>
-          <a:prstGeom prst="roundRect">
-            <a:avLst>
-              <a:gd name="adj" fmla="val 5886"/>
-            </a:avLst>
-          </a:prstGeom>
-        </p:spPr>
-        <p:style>
-          <a:lnRef idx="2">
-            <a:schemeClr val="dk1"/>
-          </a:lnRef>
-          <a:fillRef idx="1">
-            <a:schemeClr val="lt1"/>
-          </a:fillRef>
-          <a:effectRef idx="0">
-            <a:schemeClr val="dk1"/>
-          </a:effectRef>
-          <a:fontRef idx="minor">
-            <a:schemeClr val="dk1"/>
-          </a:fontRef>
-        </p:style>
-        <p:txBody>
-          <a:bodyPr rtlCol="0" anchor="b"/>
-          <a:lstStyle/>
-          <a:p>
-            <a:pPr algn="ctr"/>
-            <a:r>
-              <a:rPr lang="en-US" altLang="ko-KR" sz="1600"/>
-              <a:t>Primary DB</a:t>
-            </a:r>
-            <a:endParaRPr lang="ko-KR" altLang="en-US" sz="1600"/>
-          </a:p>
-        </p:txBody>
-      </p:sp>
-      <p:sp>
-        <p:nvSpPr>
-          <p:cNvPr id="10" name="사각형: 둥근 모서리 9">
-            <a:extLst>
-              <a:ext uri="{FF2B5EF4-FFF2-40B4-BE49-F238E27FC236}">
-                <a16:creationId xmlns:a16="http://schemas.microsoft.com/office/drawing/2014/main" id="{866B3922-D196-4CE1-97DA-94D70579E5FE}"/>
-              </a:ext>
-            </a:extLst>
-          </p:cNvPr>
-          <p:cNvSpPr/>
-          <p:nvPr/>
-        </p:nvSpPr>
-        <p:spPr>
-          <a:xfrm>
-            <a:off x="3563888" y="1203598"/>
-            <a:ext cx="1944216" cy="360040"/>
-          </a:xfrm>
-          <a:prstGeom prst="roundRect">
-            <a:avLst/>
-          </a:prstGeom>
-        </p:spPr>
-        <p:style>
-          <a:lnRef idx="2">
-            <a:schemeClr val="dk1"/>
-          </a:lnRef>
-          <a:fillRef idx="1">
-            <a:schemeClr val="lt1"/>
-          </a:fillRef>
-          <a:effectRef idx="0">
-            <a:schemeClr val="dk1"/>
-          </a:effectRef>
-          <a:fontRef idx="minor">
-            <a:schemeClr val="dk1"/>
-          </a:fontRef>
-        </p:style>
-        <p:txBody>
-          <a:bodyPr rtlCol="0" anchor="ctr"/>
-          <a:lstStyle/>
-          <a:p>
-            <a:pPr algn="ctr"/>
-            <a:r>
-              <a:rPr lang="en-US" altLang="ko-KR" sz="1600"/>
-              <a:t>App</a:t>
-            </a:r>
-            <a:endParaRPr lang="ko-KR" altLang="en-US" sz="1600"/>
-          </a:p>
-        </p:txBody>
-      </p:sp>
-      <p:sp>
-        <p:nvSpPr>
-          <p:cNvPr id="11" name="순서도: 자기 디스크 10">
-            <a:extLst>
-              <a:ext uri="{FF2B5EF4-FFF2-40B4-BE49-F238E27FC236}">
-                <a16:creationId xmlns:a16="http://schemas.microsoft.com/office/drawing/2014/main" id="{0197D105-FED6-424D-9645-F3D5083B16F8}"/>
-              </a:ext>
-            </a:extLst>
-          </p:cNvPr>
-          <p:cNvSpPr/>
-          <p:nvPr/>
-        </p:nvSpPr>
-        <p:spPr>
-          <a:xfrm>
-            <a:off x="1982399" y="3363838"/>
-            <a:ext cx="1074746" cy="720080"/>
-          </a:xfrm>
-          <a:prstGeom prst="flowChartMagneticDisk">
-            <a:avLst/>
-          </a:prstGeom>
-        </p:spPr>
-        <p:style>
-          <a:lnRef idx="2">
-            <a:schemeClr val="dk1"/>
-          </a:lnRef>
-          <a:fillRef idx="1">
-            <a:schemeClr val="lt1"/>
-          </a:fillRef>
-          <a:effectRef idx="0">
-            <a:schemeClr val="dk1"/>
-          </a:effectRef>
-          <a:fontRef idx="minor">
-            <a:schemeClr val="dk1"/>
-          </a:fontRef>
-        </p:style>
-        <p:txBody>
-          <a:bodyPr rtlCol="0" anchor="ctr"/>
-          <a:lstStyle/>
-          <a:p>
-            <a:pPr algn="ctr"/>
-            <a:endParaRPr lang="ko-KR" altLang="en-US"/>
-          </a:p>
-        </p:txBody>
-      </p:sp>
-      <p:sp>
-        <p:nvSpPr>
-          <p:cNvPr id="12" name="순서도: 자기 디스크 11">
-            <a:extLst>
-              <a:ext uri="{FF2B5EF4-FFF2-40B4-BE49-F238E27FC236}">
-                <a16:creationId xmlns:a16="http://schemas.microsoft.com/office/drawing/2014/main" id="{525E0FAB-2A3E-4CE8-92A7-899F9B240C20}"/>
-              </a:ext>
-            </a:extLst>
-          </p:cNvPr>
-          <p:cNvSpPr/>
-          <p:nvPr/>
-        </p:nvSpPr>
-        <p:spPr>
-          <a:xfrm>
-            <a:off x="3998623" y="3363838"/>
-            <a:ext cx="1074746" cy="720080"/>
-          </a:xfrm>
-          <a:prstGeom prst="flowChartMagneticDisk">
-            <a:avLst/>
-          </a:prstGeom>
-        </p:spPr>
-        <p:style>
-          <a:lnRef idx="2">
-            <a:schemeClr val="dk1"/>
-          </a:lnRef>
-          <a:fillRef idx="1">
-            <a:schemeClr val="lt1"/>
-          </a:fillRef>
-          <a:effectRef idx="0">
-            <a:schemeClr val="dk1"/>
-          </a:effectRef>
-          <a:fontRef idx="minor">
-            <a:schemeClr val="dk1"/>
-          </a:fontRef>
-        </p:style>
-        <p:txBody>
-          <a:bodyPr rtlCol="0" anchor="ctr"/>
-          <a:lstStyle/>
-          <a:p>
-            <a:pPr algn="ctr"/>
-            <a:endParaRPr lang="ko-KR" altLang="en-US"/>
-          </a:p>
-        </p:txBody>
-      </p:sp>
-      <p:sp>
-        <p:nvSpPr>
-          <p:cNvPr id="13" name="순서도: 자기 디스크 12">
-            <a:extLst>
-              <a:ext uri="{FF2B5EF4-FFF2-40B4-BE49-F238E27FC236}">
-                <a16:creationId xmlns:a16="http://schemas.microsoft.com/office/drawing/2014/main" id="{C5C2DD05-769F-44B8-89AB-BC08E350366C}"/>
-              </a:ext>
-            </a:extLst>
-          </p:cNvPr>
-          <p:cNvSpPr/>
-          <p:nvPr/>
-        </p:nvSpPr>
-        <p:spPr>
-          <a:xfrm>
-            <a:off x="6010968" y="3363838"/>
-            <a:ext cx="1074746" cy="720080"/>
-          </a:xfrm>
-          <a:prstGeom prst="flowChartMagneticDisk">
-            <a:avLst/>
-          </a:prstGeom>
-        </p:spPr>
-        <p:style>
-          <a:lnRef idx="2">
-            <a:schemeClr val="dk1"/>
-          </a:lnRef>
-          <a:fillRef idx="1">
-            <a:schemeClr val="lt1"/>
-          </a:fillRef>
-          <a:effectRef idx="0">
-            <a:schemeClr val="dk1"/>
-          </a:effectRef>
-          <a:fontRef idx="minor">
-            <a:schemeClr val="dk1"/>
-          </a:fontRef>
-        </p:style>
-        <p:txBody>
-          <a:bodyPr rtlCol="0" anchor="ctr"/>
-          <a:lstStyle/>
-          <a:p>
-            <a:pPr algn="ctr"/>
-            <a:endParaRPr lang="ko-KR" altLang="en-US"/>
-          </a:p>
-        </p:txBody>
-      </p:sp>
-      <p:cxnSp>
-        <p:nvCxnSpPr>
-          <p:cNvPr id="15" name="직선 화살표 연결선 14">
-            <a:extLst>
-              <a:ext uri="{FF2B5EF4-FFF2-40B4-BE49-F238E27FC236}">
-                <a16:creationId xmlns:a16="http://schemas.microsoft.com/office/drawing/2014/main" id="{9E1E5D33-26D8-46EA-A627-36FCD9DA07D1}"/>
-              </a:ext>
-            </a:extLst>
-          </p:cNvPr>
-          <p:cNvCxnSpPr>
-            <a:cxnSpLocks/>
-          </p:cNvCxnSpPr>
-          <p:nvPr/>
-        </p:nvCxnSpPr>
-        <p:spPr>
-          <a:xfrm>
-            <a:off x="3057145" y="3867894"/>
-            <a:ext cx="941478" cy="0"/>
-          </a:xfrm>
-          <a:prstGeom prst="straightConnector1">
-            <a:avLst/>
-          </a:prstGeom>
-          <a:ln w="28575">
-            <a:solidFill>
-              <a:schemeClr val="tx1"/>
-            </a:solidFill>
-            <a:headEnd type="arrow" w="med" len="med"/>
-            <a:tailEnd type="arrow" w="med" len="med"/>
-          </a:ln>
-        </p:spPr>
-        <p:style>
-          <a:lnRef idx="1">
-            <a:schemeClr val="accent1"/>
-          </a:lnRef>
-          <a:fillRef idx="0">
-            <a:schemeClr val="accent1"/>
-          </a:fillRef>
-          <a:effectRef idx="0">
-            <a:schemeClr val="accent1"/>
-          </a:effectRef>
-          <a:fontRef idx="minor">
-            <a:schemeClr val="tx1"/>
-          </a:fontRef>
-        </p:style>
-      </p:cxnSp>
-      <p:cxnSp>
-        <p:nvCxnSpPr>
-          <p:cNvPr id="19" name="직선 연결선 18">
-            <a:extLst>
-              <a:ext uri="{FF2B5EF4-FFF2-40B4-BE49-F238E27FC236}">
-                <a16:creationId xmlns:a16="http://schemas.microsoft.com/office/drawing/2014/main" id="{22CBDC41-EAC0-49C3-8FAC-63013E9BAF6F}"/>
-              </a:ext>
-            </a:extLst>
-          </p:cNvPr>
-          <p:cNvCxnSpPr>
-            <a:cxnSpLocks/>
-            <a:stCxn id="10" idx="2"/>
-            <a:endCxn id="3" idx="0"/>
-          </p:cNvCxnSpPr>
-          <p:nvPr/>
-        </p:nvCxnSpPr>
-        <p:spPr>
-          <a:xfrm>
-            <a:off x="4535996" y="1563638"/>
-            <a:ext cx="0" cy="432048"/>
-          </a:xfrm>
-          <a:prstGeom prst="line">
-            <a:avLst/>
-          </a:prstGeom>
-          <a:ln w="28575">
-            <a:solidFill>
-              <a:schemeClr val="tx1"/>
-            </a:solidFill>
-            <a:headEnd type="none" w="med" len="med"/>
-            <a:tailEnd type="arrow" w="med" len="med"/>
-          </a:ln>
-        </p:spPr>
-        <p:style>
-          <a:lnRef idx="1">
-            <a:schemeClr val="accent1"/>
-          </a:lnRef>
-          <a:fillRef idx="0">
-            <a:schemeClr val="accent1"/>
-          </a:fillRef>
-          <a:effectRef idx="0">
-            <a:schemeClr val="accent1"/>
-          </a:effectRef>
-          <a:fontRef idx="minor">
-            <a:schemeClr val="tx1"/>
-          </a:fontRef>
-        </p:style>
-      </p:cxnSp>
-      <p:cxnSp>
-        <p:nvCxnSpPr>
-          <p:cNvPr id="22" name="직선 연결선 21">
-            <a:extLst>
-              <a:ext uri="{FF2B5EF4-FFF2-40B4-BE49-F238E27FC236}">
-                <a16:creationId xmlns:a16="http://schemas.microsoft.com/office/drawing/2014/main" id="{507DD919-1F8C-4EDF-A3EA-9C85EEC24FF7}"/>
-              </a:ext>
-            </a:extLst>
-          </p:cNvPr>
-          <p:cNvCxnSpPr>
-            <a:cxnSpLocks/>
-            <a:stCxn id="3" idx="2"/>
-            <a:endCxn id="8" idx="0"/>
-          </p:cNvCxnSpPr>
-          <p:nvPr/>
-        </p:nvCxnSpPr>
-        <p:spPr>
-          <a:xfrm flipH="1">
-            <a:off x="2519772" y="2355726"/>
-            <a:ext cx="2016224" cy="648072"/>
-          </a:xfrm>
-          <a:prstGeom prst="line">
-            <a:avLst/>
-          </a:prstGeom>
-          <a:ln w="28575">
-            <a:solidFill>
-              <a:schemeClr val="tx1"/>
-            </a:solidFill>
-            <a:headEnd type="none" w="med" len="med"/>
-            <a:tailEnd type="arrow" w="med" len="med"/>
-          </a:ln>
-        </p:spPr>
-        <p:style>
-          <a:lnRef idx="1">
-            <a:schemeClr val="accent1"/>
-          </a:lnRef>
-          <a:fillRef idx="0">
-            <a:schemeClr val="accent1"/>
-          </a:fillRef>
-          <a:effectRef idx="0">
-            <a:schemeClr val="accent1"/>
-          </a:effectRef>
-          <a:fontRef idx="minor">
-            <a:schemeClr val="tx1"/>
-          </a:fontRef>
-        </p:style>
-      </p:cxnSp>
-      <p:cxnSp>
-        <p:nvCxnSpPr>
-          <p:cNvPr id="25" name="직선 연결선 24">
-            <a:extLst>
-              <a:ext uri="{FF2B5EF4-FFF2-40B4-BE49-F238E27FC236}">
-                <a16:creationId xmlns:a16="http://schemas.microsoft.com/office/drawing/2014/main" id="{05E73110-B9EC-455C-96CC-025CFED44C57}"/>
-              </a:ext>
-            </a:extLst>
-          </p:cNvPr>
-          <p:cNvCxnSpPr>
-            <a:cxnSpLocks/>
-            <a:stCxn id="3" idx="2"/>
-            <a:endCxn id="4" idx="0"/>
-          </p:cNvCxnSpPr>
-          <p:nvPr/>
-        </p:nvCxnSpPr>
-        <p:spPr>
-          <a:xfrm>
-            <a:off x="4535996" y="2355726"/>
-            <a:ext cx="0" cy="648072"/>
-          </a:xfrm>
-          <a:prstGeom prst="line">
-            <a:avLst/>
-          </a:prstGeom>
-          <a:ln w="28575">
-            <a:solidFill>
-              <a:schemeClr val="tx1"/>
-            </a:solidFill>
-            <a:headEnd type="none" w="med" len="med"/>
-            <a:tailEnd type="arrow" w="med" len="med"/>
-          </a:ln>
-        </p:spPr>
-        <p:style>
-          <a:lnRef idx="1">
-            <a:schemeClr val="accent1"/>
-          </a:lnRef>
-          <a:fillRef idx="0">
-            <a:schemeClr val="accent1"/>
-          </a:fillRef>
-          <a:effectRef idx="0">
-            <a:schemeClr val="accent1"/>
-          </a:effectRef>
-          <a:fontRef idx="minor">
-            <a:schemeClr val="tx1"/>
-          </a:fontRef>
-        </p:style>
-      </p:cxnSp>
-      <p:cxnSp>
-        <p:nvCxnSpPr>
-          <p:cNvPr id="28" name="직선 연결선 27">
-            <a:extLst>
-              <a:ext uri="{FF2B5EF4-FFF2-40B4-BE49-F238E27FC236}">
-                <a16:creationId xmlns:a16="http://schemas.microsoft.com/office/drawing/2014/main" id="{557238BF-27F5-4591-9CA4-E941CF9890FF}"/>
-              </a:ext>
-            </a:extLst>
-          </p:cNvPr>
-          <p:cNvCxnSpPr>
-            <a:cxnSpLocks/>
-            <a:stCxn id="3" idx="2"/>
-            <a:endCxn id="9" idx="0"/>
-          </p:cNvCxnSpPr>
-          <p:nvPr/>
-        </p:nvCxnSpPr>
-        <p:spPr>
-          <a:xfrm>
-            <a:off x="4535996" y="2355726"/>
-            <a:ext cx="2012345" cy="648072"/>
-          </a:xfrm>
-          <a:prstGeom prst="line">
-            <a:avLst/>
-          </a:prstGeom>
-          <a:ln w="28575">
-            <a:solidFill>
-              <a:schemeClr val="tx1"/>
-            </a:solidFill>
-            <a:headEnd type="none" w="med" len="med"/>
-            <a:tailEnd type="arrow" w="med" len="med"/>
-          </a:ln>
-        </p:spPr>
-        <p:style>
-          <a:lnRef idx="1">
-            <a:schemeClr val="accent1"/>
-          </a:lnRef>
-          <a:fillRef idx="0">
-            <a:schemeClr val="accent1"/>
-          </a:fillRef>
-          <a:effectRef idx="0">
-            <a:schemeClr val="accent1"/>
-          </a:effectRef>
-          <a:fontRef idx="minor">
-            <a:schemeClr val="tx1"/>
-          </a:fontRef>
-        </p:style>
-      </p:cxnSp>
-      <p:sp>
-        <p:nvSpPr>
-          <p:cNvPr id="32" name="TextBox 31">
-            <a:extLst>
-              <a:ext uri="{FF2B5EF4-FFF2-40B4-BE49-F238E27FC236}">
-                <a16:creationId xmlns:a16="http://schemas.microsoft.com/office/drawing/2014/main" id="{D3F124DD-5F09-4246-90A2-D0665E254849}"/>
-              </a:ext>
-            </a:extLst>
-          </p:cNvPr>
-          <p:cNvSpPr txBox="1"/>
-          <p:nvPr/>
-        </p:nvSpPr>
-        <p:spPr>
-          <a:xfrm>
-            <a:off x="2483772" y="2324942"/>
-            <a:ext cx="1512166" cy="307777"/>
-          </a:xfrm>
-          <a:prstGeom prst="rect">
-            <a:avLst/>
-          </a:prstGeom>
-          <a:noFill/>
-        </p:spPr>
-        <p:txBody>
-          <a:bodyPr wrap="square" rtlCol="0" anchor="ctr">
-            <a:spAutoFit/>
-          </a:bodyPr>
-          <a:lstStyle/>
-          <a:p>
-            <a:pPr algn="ctr"/>
-            <a:r>
-              <a:rPr lang="en-US" altLang="ko-KR" sz="1400"/>
-              <a:t>R/W Request</a:t>
-            </a:r>
-            <a:endParaRPr lang="ko-KR" altLang="en-US" sz="1400"/>
-          </a:p>
-        </p:txBody>
-      </p:sp>
-      <p:sp>
-        <p:nvSpPr>
-          <p:cNvPr id="33" name="TextBox 32">
-            <a:extLst>
-              <a:ext uri="{FF2B5EF4-FFF2-40B4-BE49-F238E27FC236}">
-                <a16:creationId xmlns:a16="http://schemas.microsoft.com/office/drawing/2014/main" id="{4D0F5690-DEDA-4325-8C3B-C1E694A3E571}"/>
-              </a:ext>
-            </a:extLst>
-          </p:cNvPr>
-          <p:cNvSpPr txBox="1"/>
-          <p:nvPr/>
-        </p:nvSpPr>
-        <p:spPr>
-          <a:xfrm>
-            <a:off x="5076056" y="2326108"/>
-            <a:ext cx="1512166" cy="307777"/>
-          </a:xfrm>
-          <a:prstGeom prst="rect">
-            <a:avLst/>
-          </a:prstGeom>
-          <a:noFill/>
-        </p:spPr>
-        <p:txBody>
-          <a:bodyPr wrap="square" rtlCol="0" anchor="ctr">
-            <a:spAutoFit/>
-          </a:bodyPr>
-          <a:lstStyle/>
-          <a:p>
-            <a:pPr algn="ctr"/>
-            <a:r>
-              <a:rPr lang="en-US" altLang="ko-KR" sz="1400"/>
-              <a:t>R/W Request</a:t>
-            </a:r>
-            <a:endParaRPr lang="ko-KR" altLang="en-US" sz="1400"/>
-          </a:p>
-        </p:txBody>
-      </p:sp>
-      <p:sp>
-        <p:nvSpPr>
-          <p:cNvPr id="34" name="TextBox 33">
-            <a:extLst>
-              <a:ext uri="{FF2B5EF4-FFF2-40B4-BE49-F238E27FC236}">
-                <a16:creationId xmlns:a16="http://schemas.microsoft.com/office/drawing/2014/main" id="{41532103-6EDB-4FD4-A3B0-AF97E0CA34D5}"/>
-              </a:ext>
-            </a:extLst>
-          </p:cNvPr>
-          <p:cNvSpPr txBox="1"/>
-          <p:nvPr/>
-        </p:nvSpPr>
-        <p:spPr>
-          <a:xfrm>
-            <a:off x="4355978" y="2624013"/>
-            <a:ext cx="1512166" cy="307777"/>
-          </a:xfrm>
-          <a:prstGeom prst="rect">
-            <a:avLst/>
-          </a:prstGeom>
-          <a:noFill/>
-        </p:spPr>
-        <p:txBody>
-          <a:bodyPr wrap="square" rtlCol="0" anchor="ctr">
-            <a:spAutoFit/>
-          </a:bodyPr>
-          <a:lstStyle/>
-          <a:p>
-            <a:pPr algn="ctr"/>
-            <a:r>
-              <a:rPr lang="en-US" altLang="ko-KR" sz="1400"/>
-              <a:t>R/W Request</a:t>
-            </a:r>
-            <a:endParaRPr lang="ko-KR" altLang="en-US" sz="1400"/>
-          </a:p>
-        </p:txBody>
-      </p:sp>
-      <p:sp>
-        <p:nvSpPr>
-          <p:cNvPr id="36" name="TextBox 35">
-            <a:extLst>
-              <a:ext uri="{FF2B5EF4-FFF2-40B4-BE49-F238E27FC236}">
-                <a16:creationId xmlns:a16="http://schemas.microsoft.com/office/drawing/2014/main" id="{A9FB266C-A413-4E91-80A5-6ACC605A284C}"/>
-              </a:ext>
-            </a:extLst>
-          </p:cNvPr>
-          <p:cNvSpPr txBox="1"/>
-          <p:nvPr/>
-        </p:nvSpPr>
-        <p:spPr>
-          <a:xfrm>
-            <a:off x="3779914" y="4624849"/>
-            <a:ext cx="1512166" cy="338554"/>
-          </a:xfrm>
-          <a:prstGeom prst="rect">
-            <a:avLst/>
-          </a:prstGeom>
-          <a:noFill/>
-        </p:spPr>
-        <p:txBody>
-          <a:bodyPr wrap="square" rtlCol="0" anchor="ctr">
-            <a:spAutoFit/>
-          </a:bodyPr>
-          <a:lstStyle/>
-          <a:p>
-            <a:pPr algn="ctr"/>
-            <a:r>
-              <a:rPr lang="en-US" altLang="ko-KR" sz="1600"/>
-              <a:t>Group</a:t>
-            </a:r>
-            <a:endParaRPr lang="ko-KR" altLang="en-US" sz="1600"/>
-          </a:p>
-        </p:txBody>
-      </p:sp>
-      <p:cxnSp>
-        <p:nvCxnSpPr>
-          <p:cNvPr id="38" name="직선 화살표 연결선 37">
-            <a:extLst>
-              <a:ext uri="{FF2B5EF4-FFF2-40B4-BE49-F238E27FC236}">
-                <a16:creationId xmlns:a16="http://schemas.microsoft.com/office/drawing/2014/main" id="{7758C0C0-80FB-4E85-BFBC-0C957EED4869}"/>
-              </a:ext>
-            </a:extLst>
-          </p:cNvPr>
-          <p:cNvCxnSpPr>
-            <a:cxnSpLocks/>
-          </p:cNvCxnSpPr>
-          <p:nvPr/>
-        </p:nvCxnSpPr>
-        <p:spPr>
-          <a:xfrm>
-            <a:off x="5069490" y="3867894"/>
-            <a:ext cx="941478" cy="0"/>
-          </a:xfrm>
-          <a:prstGeom prst="straightConnector1">
-            <a:avLst/>
-          </a:prstGeom>
-          <a:ln w="28575">
-            <a:solidFill>
-              <a:schemeClr val="tx1"/>
-            </a:solidFill>
-            <a:headEnd type="arrow" w="med" len="med"/>
-            <a:tailEnd type="arrow" w="med" len="med"/>
-          </a:ln>
-        </p:spPr>
-        <p:style>
-          <a:lnRef idx="1">
-            <a:schemeClr val="accent1"/>
-          </a:lnRef>
-          <a:fillRef idx="0">
-            <a:schemeClr val="accent1"/>
-          </a:fillRef>
-          <a:effectRef idx="0">
-            <a:schemeClr val="accent1"/>
-          </a:effectRef>
-          <a:fontRef idx="minor">
-            <a:schemeClr val="tx1"/>
-          </a:fontRef>
-        </p:style>
-      </p:cxnSp>
-      <p:sp>
-        <p:nvSpPr>
-          <p:cNvPr id="39" name="TextBox 38">
-            <a:extLst>
-              <a:ext uri="{FF2B5EF4-FFF2-40B4-BE49-F238E27FC236}">
-                <a16:creationId xmlns:a16="http://schemas.microsoft.com/office/drawing/2014/main" id="{773B7E90-9D65-48C1-885C-7B3B4E49D5C5}"/>
-              </a:ext>
-            </a:extLst>
-          </p:cNvPr>
-          <p:cNvSpPr txBox="1"/>
-          <p:nvPr/>
-        </p:nvSpPr>
-        <p:spPr>
-          <a:xfrm>
-            <a:off x="2915816" y="3560117"/>
-            <a:ext cx="1224135" cy="307777"/>
-          </a:xfrm>
-          <a:prstGeom prst="rect">
-            <a:avLst/>
-          </a:prstGeom>
-          <a:noFill/>
-        </p:spPr>
-        <p:txBody>
-          <a:bodyPr wrap="square" rtlCol="0" anchor="ctr">
-            <a:spAutoFit/>
-          </a:bodyPr>
-          <a:lstStyle/>
-          <a:p>
-            <a:pPr algn="ctr"/>
-            <a:r>
-              <a:rPr lang="en-US" altLang="ko-KR" sz="1400"/>
-              <a:t>Replication</a:t>
-            </a:r>
-            <a:endParaRPr lang="ko-KR" altLang="en-US" sz="1400"/>
-          </a:p>
-        </p:txBody>
-      </p:sp>
-      <p:sp>
-        <p:nvSpPr>
-          <p:cNvPr id="42" name="TextBox 41">
-            <a:extLst>
-              <a:ext uri="{FF2B5EF4-FFF2-40B4-BE49-F238E27FC236}">
-                <a16:creationId xmlns:a16="http://schemas.microsoft.com/office/drawing/2014/main" id="{B05320F5-0C00-4D1F-B97E-F20064939009}"/>
-              </a:ext>
-            </a:extLst>
-          </p:cNvPr>
-          <p:cNvSpPr txBox="1"/>
-          <p:nvPr/>
-        </p:nvSpPr>
-        <p:spPr>
-          <a:xfrm>
-            <a:off x="4928161" y="3560117"/>
-            <a:ext cx="1224135" cy="307777"/>
-          </a:xfrm>
-          <a:prstGeom prst="rect">
-            <a:avLst/>
-          </a:prstGeom>
-          <a:noFill/>
-        </p:spPr>
-        <p:txBody>
-          <a:bodyPr wrap="square" rtlCol="0" anchor="ctr">
-            <a:spAutoFit/>
-          </a:bodyPr>
-          <a:lstStyle/>
-          <a:p>
-            <a:pPr algn="ctr"/>
-            <a:r>
-              <a:rPr lang="en-US" altLang="ko-KR" sz="1400"/>
-              <a:t>Replication</a:t>
-            </a:r>
-            <a:endParaRPr lang="ko-KR" altLang="en-US" sz="1400"/>
-          </a:p>
-        </p:txBody>
-      </p:sp>
-    </p:spTree>
-    <p:extLst>
-      <p:ext uri="{BB962C8B-B14F-4D97-AF65-F5344CB8AC3E}">
-        <p14:creationId xmlns:p14="http://schemas.microsoft.com/office/powerpoint/2010/main" val="1718549907"/>
-      </p:ext>
-    </p:extLst>
-  </p:cSld>
-  <p:clrMapOvr>
-    <a:masterClrMapping/>
-  </p:clrMapOvr>
-</p:sld>
-</file>
-
-<file path=ppt/slides/slide4.xml><?xml version="1.0" encoding="utf-8"?>
-<p:sld xmlns:a="http://schemas.openxmlformats.org/drawingml/2006/main" xmlns:r="http://schemas.openxmlformats.org/officeDocument/2006/relationships" xmlns:p="http://schemas.openxmlformats.org/presentationml/2006/main">
-  <p:cSld>
-    <p:spTree>
-      <p:nvGrpSpPr>
-        <p:cNvPr id="1" name=""/>
-        <p:cNvGrpSpPr/>
-        <p:nvPr/>
-      </p:nvGrpSpPr>
-      <p:grpSpPr>
-        <a:xfrm>
-          <a:off x="0" y="0"/>
-          <a:ext cx="0" cy="0"/>
-          <a:chOff x="0" y="0"/>
-          <a:chExt cx="0" cy="0"/>
-        </a:xfrm>
-      </p:grpSpPr>
-      <p:sp>
-        <p:nvSpPr>
           <p:cNvPr id="2" name="제목 1"/>
           <p:cNvSpPr>
             <a:spLocks noGrp="1"/>
@@ -7628,7 +5820,7 @@
     </p:spTree>
     <p:extLst>
       <p:ext uri="{BB962C8B-B14F-4D97-AF65-F5344CB8AC3E}">
-        <p14:creationId xmlns:p14="http://schemas.microsoft.com/office/powerpoint/2010/main" val="3117542827"/>
+        <p14:creationId xmlns:p14="http://schemas.microsoft.com/office/powerpoint/2010/main" val="2079854011"/>
       </p:ext>
     </p:extLst>
   </p:cSld>
@@ -7638,7 +5830,7 @@
 </p:sld>
 </file>
 
-<file path=ppt/slides/slide5.xml><?xml version="1.0" encoding="utf-8"?>
+<file path=ppt/slides/slide3.xml><?xml version="1.0" encoding="utf-8"?>
 <p:sld xmlns:a="http://schemas.openxmlformats.org/drawingml/2006/main" xmlns:r="http://schemas.openxmlformats.org/officeDocument/2006/relationships" xmlns:p="http://schemas.openxmlformats.org/presentationml/2006/main">
   <p:cSld>
     <p:spTree>
@@ -9786,7 +7978,4156 @@
     </p:spTree>
     <p:extLst>
       <p:ext uri="{BB962C8B-B14F-4D97-AF65-F5344CB8AC3E}">
-        <p14:creationId xmlns:p14="http://schemas.microsoft.com/office/powerpoint/2010/main" val="2785787533"/>
+        <p14:creationId xmlns:p14="http://schemas.microsoft.com/office/powerpoint/2010/main" val="1166795301"/>
+      </p:ext>
+    </p:extLst>
+  </p:cSld>
+  <p:clrMapOvr>
+    <a:masterClrMapping/>
+  </p:clrMapOvr>
+</p:sld>
+</file>
+
+<file path=ppt/slides/slide4.xml><?xml version="1.0" encoding="utf-8"?>
+<p:sld xmlns:a="http://schemas.openxmlformats.org/drawingml/2006/main" xmlns:r="http://schemas.openxmlformats.org/officeDocument/2006/relationships" xmlns:p="http://schemas.openxmlformats.org/presentationml/2006/main">
+  <p:cSld>
+    <p:spTree>
+      <p:nvGrpSpPr>
+        <p:cNvPr id="1" name=""/>
+        <p:cNvGrpSpPr/>
+        <p:nvPr/>
+      </p:nvGrpSpPr>
+      <p:grpSpPr>
+        <a:xfrm>
+          <a:off x="0" y="0"/>
+          <a:ext cx="0" cy="0"/>
+          <a:chOff x="0" y="0"/>
+          <a:chExt cx="0" cy="0"/>
+        </a:xfrm>
+      </p:grpSpPr>
+      <p:sp>
+        <p:nvSpPr>
+          <p:cNvPr id="30" name="사각형: 둥근 모서리 29">
+            <a:extLst>
+              <a:ext uri="{FF2B5EF4-FFF2-40B4-BE49-F238E27FC236}">
+                <a16:creationId xmlns:a16="http://schemas.microsoft.com/office/drawing/2014/main" id="{85112F4E-090B-47FF-B1BB-75FF3EFC489C}"/>
+              </a:ext>
+            </a:extLst>
+          </p:cNvPr>
+          <p:cNvSpPr/>
+          <p:nvPr/>
+        </p:nvSpPr>
+        <p:spPr>
+          <a:xfrm>
+            <a:off x="1617732" y="2903918"/>
+            <a:ext cx="5832648" cy="1728192"/>
+          </a:xfrm>
+          <a:prstGeom prst="roundRect">
+            <a:avLst>
+              <a:gd name="adj" fmla="val 8289"/>
+            </a:avLst>
+          </a:prstGeom>
+          <a:ln>
+            <a:prstDash val="dash"/>
+          </a:ln>
+        </p:spPr>
+        <p:style>
+          <a:lnRef idx="2">
+            <a:schemeClr val="dk1"/>
+          </a:lnRef>
+          <a:fillRef idx="1">
+            <a:schemeClr val="lt1"/>
+          </a:fillRef>
+          <a:effectRef idx="0">
+            <a:schemeClr val="dk1"/>
+          </a:effectRef>
+          <a:fontRef idx="minor">
+            <a:schemeClr val="dk1"/>
+          </a:fontRef>
+        </p:style>
+        <p:txBody>
+          <a:bodyPr rtlCol="0" anchor="ctr"/>
+          <a:lstStyle/>
+          <a:p>
+            <a:pPr algn="ctr"/>
+            <a:endParaRPr lang="ko-KR" altLang="en-US"/>
+          </a:p>
+        </p:txBody>
+      </p:sp>
+      <p:sp>
+        <p:nvSpPr>
+          <p:cNvPr id="2" name="제목 1"/>
+          <p:cNvSpPr>
+            <a:spLocks noGrp="1"/>
+          </p:cNvSpPr>
+          <p:nvPr>
+            <p:ph type="title"/>
+          </p:nvPr>
+        </p:nvSpPr>
+        <p:spPr>
+          <a:xfrm>
+            <a:off x="565354" y="24473"/>
+            <a:ext cx="8229600" cy="857250"/>
+          </a:xfrm>
+        </p:spPr>
+        <p:txBody>
+          <a:bodyPr/>
+          <a:lstStyle/>
+          <a:p>
+            <a:r>
+              <a:rPr lang="en-US" altLang="ko-KR"/>
+              <a:t>Single-primary</a:t>
+            </a:r>
+            <a:r>
+              <a:rPr lang="ko-KR" altLang="en-US"/>
+              <a:t> </a:t>
+            </a:r>
+            <a:r>
+              <a:rPr lang="en-US" altLang="ko-KR"/>
+              <a:t>Group</a:t>
+            </a:r>
+            <a:endParaRPr lang="ko-KR" altLang="en-US"/>
+          </a:p>
+        </p:txBody>
+      </p:sp>
+      <p:sp>
+        <p:nvSpPr>
+          <p:cNvPr id="4" name="사각형: 둥근 모서리 3">
+            <a:extLst>
+              <a:ext uri="{FF2B5EF4-FFF2-40B4-BE49-F238E27FC236}">
+                <a16:creationId xmlns:a16="http://schemas.microsoft.com/office/drawing/2014/main" id="{8890BB04-0EC3-4677-B15B-A2E9EE30680B}"/>
+              </a:ext>
+            </a:extLst>
+          </p:cNvPr>
+          <p:cNvSpPr/>
+          <p:nvPr/>
+        </p:nvSpPr>
+        <p:spPr>
+          <a:xfrm>
+            <a:off x="3779912" y="3003798"/>
+            <a:ext cx="1512168" cy="1512168"/>
+          </a:xfrm>
+          <a:prstGeom prst="roundRect">
+            <a:avLst>
+              <a:gd name="adj" fmla="val 5886"/>
+            </a:avLst>
+          </a:prstGeom>
+        </p:spPr>
+        <p:style>
+          <a:lnRef idx="2">
+            <a:schemeClr val="dk1"/>
+          </a:lnRef>
+          <a:fillRef idx="1">
+            <a:schemeClr val="lt1"/>
+          </a:fillRef>
+          <a:effectRef idx="0">
+            <a:schemeClr val="dk1"/>
+          </a:effectRef>
+          <a:fontRef idx="minor">
+            <a:schemeClr val="dk1"/>
+          </a:fontRef>
+        </p:style>
+        <p:txBody>
+          <a:bodyPr rtlCol="0" anchor="b"/>
+          <a:lstStyle/>
+          <a:p>
+            <a:pPr algn="ctr"/>
+            <a:r>
+              <a:rPr lang="en-US" altLang="ko-KR" sz="1400"/>
+              <a:t>Secondary DB</a:t>
+            </a:r>
+            <a:endParaRPr lang="ko-KR" altLang="en-US" sz="1400"/>
+          </a:p>
+        </p:txBody>
+      </p:sp>
+      <p:sp>
+        <p:nvSpPr>
+          <p:cNvPr id="3" name="사각형: 둥근 모서리 2">
+            <a:extLst>
+              <a:ext uri="{FF2B5EF4-FFF2-40B4-BE49-F238E27FC236}">
+                <a16:creationId xmlns:a16="http://schemas.microsoft.com/office/drawing/2014/main" id="{8A1616A6-1400-47E3-B96B-3825AAA58B85}"/>
+              </a:ext>
+            </a:extLst>
+          </p:cNvPr>
+          <p:cNvSpPr/>
+          <p:nvPr/>
+        </p:nvSpPr>
+        <p:spPr>
+          <a:xfrm>
+            <a:off x="3563888" y="1995686"/>
+            <a:ext cx="1944216" cy="360040"/>
+          </a:xfrm>
+          <a:prstGeom prst="roundRect">
+            <a:avLst/>
+          </a:prstGeom>
+        </p:spPr>
+        <p:style>
+          <a:lnRef idx="2">
+            <a:schemeClr val="dk1"/>
+          </a:lnRef>
+          <a:fillRef idx="1">
+            <a:schemeClr val="lt1"/>
+          </a:fillRef>
+          <a:effectRef idx="0">
+            <a:schemeClr val="dk1"/>
+          </a:effectRef>
+          <a:fontRef idx="minor">
+            <a:schemeClr val="dk1"/>
+          </a:fontRef>
+        </p:style>
+        <p:txBody>
+          <a:bodyPr rtlCol="0" anchor="ctr"/>
+          <a:lstStyle/>
+          <a:p>
+            <a:pPr algn="ctr"/>
+            <a:r>
+              <a:rPr lang="en-US" altLang="ko-KR" sz="1600"/>
+              <a:t>MySQL Router</a:t>
+            </a:r>
+            <a:endParaRPr lang="ko-KR" altLang="en-US" sz="1600"/>
+          </a:p>
+        </p:txBody>
+      </p:sp>
+      <p:sp>
+        <p:nvSpPr>
+          <p:cNvPr id="8" name="사각형: 둥근 모서리 7">
+            <a:extLst>
+              <a:ext uri="{FF2B5EF4-FFF2-40B4-BE49-F238E27FC236}">
+                <a16:creationId xmlns:a16="http://schemas.microsoft.com/office/drawing/2014/main" id="{583C970C-86D1-45C6-9400-70A040488B56}"/>
+              </a:ext>
+            </a:extLst>
+          </p:cNvPr>
+          <p:cNvSpPr/>
+          <p:nvPr/>
+        </p:nvSpPr>
+        <p:spPr>
+          <a:xfrm>
+            <a:off x="1763688" y="3003798"/>
+            <a:ext cx="1512168" cy="1512168"/>
+          </a:xfrm>
+          <a:prstGeom prst="roundRect">
+            <a:avLst>
+              <a:gd name="adj" fmla="val 5886"/>
+            </a:avLst>
+          </a:prstGeom>
+        </p:spPr>
+        <p:style>
+          <a:lnRef idx="2">
+            <a:schemeClr val="dk1"/>
+          </a:lnRef>
+          <a:fillRef idx="1">
+            <a:schemeClr val="lt1"/>
+          </a:fillRef>
+          <a:effectRef idx="0">
+            <a:schemeClr val="dk1"/>
+          </a:effectRef>
+          <a:fontRef idx="minor">
+            <a:schemeClr val="dk1"/>
+          </a:fontRef>
+        </p:style>
+        <p:txBody>
+          <a:bodyPr rtlCol="0" anchor="b"/>
+          <a:lstStyle/>
+          <a:p>
+            <a:pPr algn="ctr"/>
+            <a:r>
+              <a:rPr lang="en-US" altLang="ko-KR" sz="1400"/>
+              <a:t>Primary DB</a:t>
+            </a:r>
+            <a:endParaRPr lang="ko-KR" altLang="en-US" sz="1400"/>
+          </a:p>
+        </p:txBody>
+      </p:sp>
+      <p:sp>
+        <p:nvSpPr>
+          <p:cNvPr id="9" name="사각형: 둥근 모서리 8">
+            <a:extLst>
+              <a:ext uri="{FF2B5EF4-FFF2-40B4-BE49-F238E27FC236}">
+                <a16:creationId xmlns:a16="http://schemas.microsoft.com/office/drawing/2014/main" id="{B5242D48-4E1F-41E6-A8B8-1EA5997B1334}"/>
+              </a:ext>
+            </a:extLst>
+          </p:cNvPr>
+          <p:cNvSpPr/>
+          <p:nvPr/>
+        </p:nvSpPr>
+        <p:spPr>
+          <a:xfrm>
+            <a:off x="5792257" y="3003798"/>
+            <a:ext cx="1512168" cy="1512168"/>
+          </a:xfrm>
+          <a:prstGeom prst="roundRect">
+            <a:avLst>
+              <a:gd name="adj" fmla="val 5886"/>
+            </a:avLst>
+          </a:prstGeom>
+        </p:spPr>
+        <p:style>
+          <a:lnRef idx="2">
+            <a:schemeClr val="dk1"/>
+          </a:lnRef>
+          <a:fillRef idx="1">
+            <a:schemeClr val="lt1"/>
+          </a:fillRef>
+          <a:effectRef idx="0">
+            <a:schemeClr val="dk1"/>
+          </a:effectRef>
+          <a:fontRef idx="minor">
+            <a:schemeClr val="dk1"/>
+          </a:fontRef>
+        </p:style>
+        <p:txBody>
+          <a:bodyPr rtlCol="0" anchor="b"/>
+          <a:lstStyle/>
+          <a:p>
+            <a:pPr algn="ctr"/>
+            <a:r>
+              <a:rPr lang="en-US" altLang="ko-KR" sz="1400"/>
+              <a:t>Secondary DB</a:t>
+            </a:r>
+            <a:endParaRPr lang="ko-KR" altLang="en-US" sz="1400"/>
+          </a:p>
+        </p:txBody>
+      </p:sp>
+      <p:sp>
+        <p:nvSpPr>
+          <p:cNvPr id="10" name="사각형: 둥근 모서리 9">
+            <a:extLst>
+              <a:ext uri="{FF2B5EF4-FFF2-40B4-BE49-F238E27FC236}">
+                <a16:creationId xmlns:a16="http://schemas.microsoft.com/office/drawing/2014/main" id="{866B3922-D196-4CE1-97DA-94D70579E5FE}"/>
+              </a:ext>
+            </a:extLst>
+          </p:cNvPr>
+          <p:cNvSpPr/>
+          <p:nvPr/>
+        </p:nvSpPr>
+        <p:spPr>
+          <a:xfrm>
+            <a:off x="3563888" y="1203598"/>
+            <a:ext cx="1944216" cy="360040"/>
+          </a:xfrm>
+          <a:prstGeom prst="roundRect">
+            <a:avLst/>
+          </a:prstGeom>
+        </p:spPr>
+        <p:style>
+          <a:lnRef idx="2">
+            <a:schemeClr val="dk1"/>
+          </a:lnRef>
+          <a:fillRef idx="1">
+            <a:schemeClr val="lt1"/>
+          </a:fillRef>
+          <a:effectRef idx="0">
+            <a:schemeClr val="dk1"/>
+          </a:effectRef>
+          <a:fontRef idx="minor">
+            <a:schemeClr val="dk1"/>
+          </a:fontRef>
+        </p:style>
+        <p:txBody>
+          <a:bodyPr rtlCol="0" anchor="ctr"/>
+          <a:lstStyle/>
+          <a:p>
+            <a:pPr algn="ctr"/>
+            <a:r>
+              <a:rPr lang="en-US" altLang="ko-KR" sz="1600"/>
+              <a:t>App</a:t>
+            </a:r>
+            <a:endParaRPr lang="ko-KR" altLang="en-US" sz="1600"/>
+          </a:p>
+        </p:txBody>
+      </p:sp>
+      <p:sp>
+        <p:nvSpPr>
+          <p:cNvPr id="11" name="순서도: 자기 디스크 10">
+            <a:extLst>
+              <a:ext uri="{FF2B5EF4-FFF2-40B4-BE49-F238E27FC236}">
+                <a16:creationId xmlns:a16="http://schemas.microsoft.com/office/drawing/2014/main" id="{0197D105-FED6-424D-9645-F3D5083B16F8}"/>
+              </a:ext>
+            </a:extLst>
+          </p:cNvPr>
+          <p:cNvSpPr/>
+          <p:nvPr/>
+        </p:nvSpPr>
+        <p:spPr>
+          <a:xfrm>
+            <a:off x="1982399" y="3363838"/>
+            <a:ext cx="1074746" cy="720080"/>
+          </a:xfrm>
+          <a:prstGeom prst="flowChartMagneticDisk">
+            <a:avLst/>
+          </a:prstGeom>
+        </p:spPr>
+        <p:style>
+          <a:lnRef idx="2">
+            <a:schemeClr val="dk1"/>
+          </a:lnRef>
+          <a:fillRef idx="1">
+            <a:schemeClr val="lt1"/>
+          </a:fillRef>
+          <a:effectRef idx="0">
+            <a:schemeClr val="dk1"/>
+          </a:effectRef>
+          <a:fontRef idx="minor">
+            <a:schemeClr val="dk1"/>
+          </a:fontRef>
+        </p:style>
+        <p:txBody>
+          <a:bodyPr rtlCol="0" anchor="ctr"/>
+          <a:lstStyle/>
+          <a:p>
+            <a:pPr algn="ctr"/>
+            <a:endParaRPr lang="ko-KR" altLang="en-US"/>
+          </a:p>
+        </p:txBody>
+      </p:sp>
+      <p:sp>
+        <p:nvSpPr>
+          <p:cNvPr id="12" name="순서도: 자기 디스크 11">
+            <a:extLst>
+              <a:ext uri="{FF2B5EF4-FFF2-40B4-BE49-F238E27FC236}">
+                <a16:creationId xmlns:a16="http://schemas.microsoft.com/office/drawing/2014/main" id="{525E0FAB-2A3E-4CE8-92A7-899F9B240C20}"/>
+              </a:ext>
+            </a:extLst>
+          </p:cNvPr>
+          <p:cNvSpPr/>
+          <p:nvPr/>
+        </p:nvSpPr>
+        <p:spPr>
+          <a:xfrm>
+            <a:off x="3998623" y="3363838"/>
+            <a:ext cx="1074746" cy="720080"/>
+          </a:xfrm>
+          <a:prstGeom prst="flowChartMagneticDisk">
+            <a:avLst/>
+          </a:prstGeom>
+        </p:spPr>
+        <p:style>
+          <a:lnRef idx="2">
+            <a:schemeClr val="dk1"/>
+          </a:lnRef>
+          <a:fillRef idx="1">
+            <a:schemeClr val="lt1"/>
+          </a:fillRef>
+          <a:effectRef idx="0">
+            <a:schemeClr val="dk1"/>
+          </a:effectRef>
+          <a:fontRef idx="minor">
+            <a:schemeClr val="dk1"/>
+          </a:fontRef>
+        </p:style>
+        <p:txBody>
+          <a:bodyPr rtlCol="0" anchor="ctr"/>
+          <a:lstStyle/>
+          <a:p>
+            <a:pPr algn="ctr"/>
+            <a:endParaRPr lang="ko-KR" altLang="en-US"/>
+          </a:p>
+        </p:txBody>
+      </p:sp>
+      <p:sp>
+        <p:nvSpPr>
+          <p:cNvPr id="13" name="순서도: 자기 디스크 12">
+            <a:extLst>
+              <a:ext uri="{FF2B5EF4-FFF2-40B4-BE49-F238E27FC236}">
+                <a16:creationId xmlns:a16="http://schemas.microsoft.com/office/drawing/2014/main" id="{C5C2DD05-769F-44B8-89AB-BC08E350366C}"/>
+              </a:ext>
+            </a:extLst>
+          </p:cNvPr>
+          <p:cNvSpPr/>
+          <p:nvPr/>
+        </p:nvSpPr>
+        <p:spPr>
+          <a:xfrm>
+            <a:off x="6010968" y="3363838"/>
+            <a:ext cx="1074746" cy="720080"/>
+          </a:xfrm>
+          <a:prstGeom prst="flowChartMagneticDisk">
+            <a:avLst/>
+          </a:prstGeom>
+        </p:spPr>
+        <p:style>
+          <a:lnRef idx="2">
+            <a:schemeClr val="dk1"/>
+          </a:lnRef>
+          <a:fillRef idx="1">
+            <a:schemeClr val="lt1"/>
+          </a:fillRef>
+          <a:effectRef idx="0">
+            <a:schemeClr val="dk1"/>
+          </a:effectRef>
+          <a:fontRef idx="minor">
+            <a:schemeClr val="dk1"/>
+          </a:fontRef>
+        </p:style>
+        <p:txBody>
+          <a:bodyPr rtlCol="0" anchor="ctr"/>
+          <a:lstStyle/>
+          <a:p>
+            <a:pPr algn="ctr"/>
+            <a:endParaRPr lang="ko-KR" altLang="en-US"/>
+          </a:p>
+        </p:txBody>
+      </p:sp>
+      <p:cxnSp>
+        <p:nvCxnSpPr>
+          <p:cNvPr id="15" name="직선 화살표 연결선 14">
+            <a:extLst>
+              <a:ext uri="{FF2B5EF4-FFF2-40B4-BE49-F238E27FC236}">
+                <a16:creationId xmlns:a16="http://schemas.microsoft.com/office/drawing/2014/main" id="{9E1E5D33-26D8-46EA-A627-36FCD9DA07D1}"/>
+              </a:ext>
+            </a:extLst>
+          </p:cNvPr>
+          <p:cNvCxnSpPr>
+            <a:cxnSpLocks/>
+          </p:cNvCxnSpPr>
+          <p:nvPr/>
+        </p:nvCxnSpPr>
+        <p:spPr>
+          <a:xfrm>
+            <a:off x="3057145" y="3651870"/>
+            <a:ext cx="941478" cy="0"/>
+          </a:xfrm>
+          <a:prstGeom prst="straightConnector1">
+            <a:avLst/>
+          </a:prstGeom>
+          <a:ln w="28575">
+            <a:solidFill>
+              <a:schemeClr val="tx1"/>
+            </a:solidFill>
+            <a:headEnd type="none" w="med" len="med"/>
+            <a:tailEnd type="arrow" w="med" len="med"/>
+          </a:ln>
+        </p:spPr>
+        <p:style>
+          <a:lnRef idx="1">
+            <a:schemeClr val="accent1"/>
+          </a:lnRef>
+          <a:fillRef idx="0">
+            <a:schemeClr val="accent1"/>
+          </a:fillRef>
+          <a:effectRef idx="0">
+            <a:schemeClr val="accent1"/>
+          </a:effectRef>
+          <a:fontRef idx="minor">
+            <a:schemeClr val="tx1"/>
+          </a:fontRef>
+        </p:style>
+      </p:cxnSp>
+      <p:cxnSp>
+        <p:nvCxnSpPr>
+          <p:cNvPr id="19" name="직선 연결선 18">
+            <a:extLst>
+              <a:ext uri="{FF2B5EF4-FFF2-40B4-BE49-F238E27FC236}">
+                <a16:creationId xmlns:a16="http://schemas.microsoft.com/office/drawing/2014/main" id="{22CBDC41-EAC0-49C3-8FAC-63013E9BAF6F}"/>
+              </a:ext>
+            </a:extLst>
+          </p:cNvPr>
+          <p:cNvCxnSpPr>
+            <a:cxnSpLocks/>
+            <a:stCxn id="10" idx="2"/>
+            <a:endCxn id="3" idx="0"/>
+          </p:cNvCxnSpPr>
+          <p:nvPr/>
+        </p:nvCxnSpPr>
+        <p:spPr>
+          <a:xfrm>
+            <a:off x="4535996" y="1563638"/>
+            <a:ext cx="0" cy="432048"/>
+          </a:xfrm>
+          <a:prstGeom prst="line">
+            <a:avLst/>
+          </a:prstGeom>
+          <a:ln w="28575">
+            <a:solidFill>
+              <a:schemeClr val="tx1"/>
+            </a:solidFill>
+            <a:headEnd type="none" w="med" len="med"/>
+            <a:tailEnd type="arrow" w="med" len="med"/>
+          </a:ln>
+        </p:spPr>
+        <p:style>
+          <a:lnRef idx="1">
+            <a:schemeClr val="accent1"/>
+          </a:lnRef>
+          <a:fillRef idx="0">
+            <a:schemeClr val="accent1"/>
+          </a:fillRef>
+          <a:effectRef idx="0">
+            <a:schemeClr val="accent1"/>
+          </a:effectRef>
+          <a:fontRef idx="minor">
+            <a:schemeClr val="tx1"/>
+          </a:fontRef>
+        </p:style>
+      </p:cxnSp>
+      <p:cxnSp>
+        <p:nvCxnSpPr>
+          <p:cNvPr id="22" name="직선 연결선 21">
+            <a:extLst>
+              <a:ext uri="{FF2B5EF4-FFF2-40B4-BE49-F238E27FC236}">
+                <a16:creationId xmlns:a16="http://schemas.microsoft.com/office/drawing/2014/main" id="{507DD919-1F8C-4EDF-A3EA-9C85EEC24FF7}"/>
+              </a:ext>
+            </a:extLst>
+          </p:cNvPr>
+          <p:cNvCxnSpPr>
+            <a:cxnSpLocks/>
+            <a:stCxn id="3" idx="2"/>
+            <a:endCxn id="8" idx="0"/>
+          </p:cNvCxnSpPr>
+          <p:nvPr/>
+        </p:nvCxnSpPr>
+        <p:spPr>
+          <a:xfrm flipH="1">
+            <a:off x="2519772" y="2355726"/>
+            <a:ext cx="2016224" cy="648072"/>
+          </a:xfrm>
+          <a:prstGeom prst="line">
+            <a:avLst/>
+          </a:prstGeom>
+          <a:ln w="28575">
+            <a:solidFill>
+              <a:schemeClr val="tx1"/>
+            </a:solidFill>
+            <a:headEnd type="none" w="med" len="med"/>
+            <a:tailEnd type="arrow" w="med" len="med"/>
+          </a:ln>
+        </p:spPr>
+        <p:style>
+          <a:lnRef idx="1">
+            <a:schemeClr val="accent1"/>
+          </a:lnRef>
+          <a:fillRef idx="0">
+            <a:schemeClr val="accent1"/>
+          </a:fillRef>
+          <a:effectRef idx="0">
+            <a:schemeClr val="accent1"/>
+          </a:effectRef>
+          <a:fontRef idx="minor">
+            <a:schemeClr val="tx1"/>
+          </a:fontRef>
+        </p:style>
+      </p:cxnSp>
+      <p:cxnSp>
+        <p:nvCxnSpPr>
+          <p:cNvPr id="25" name="직선 연결선 24">
+            <a:extLst>
+              <a:ext uri="{FF2B5EF4-FFF2-40B4-BE49-F238E27FC236}">
+                <a16:creationId xmlns:a16="http://schemas.microsoft.com/office/drawing/2014/main" id="{05E73110-B9EC-455C-96CC-025CFED44C57}"/>
+              </a:ext>
+            </a:extLst>
+          </p:cNvPr>
+          <p:cNvCxnSpPr>
+            <a:cxnSpLocks/>
+            <a:stCxn id="3" idx="2"/>
+            <a:endCxn id="4" idx="0"/>
+          </p:cNvCxnSpPr>
+          <p:nvPr/>
+        </p:nvCxnSpPr>
+        <p:spPr>
+          <a:xfrm>
+            <a:off x="4535996" y="2355726"/>
+            <a:ext cx="0" cy="648072"/>
+          </a:xfrm>
+          <a:prstGeom prst="line">
+            <a:avLst/>
+          </a:prstGeom>
+          <a:ln w="28575">
+            <a:solidFill>
+              <a:schemeClr val="tx1"/>
+            </a:solidFill>
+            <a:headEnd type="none" w="med" len="med"/>
+            <a:tailEnd type="arrow" w="med" len="med"/>
+          </a:ln>
+        </p:spPr>
+        <p:style>
+          <a:lnRef idx="1">
+            <a:schemeClr val="accent1"/>
+          </a:lnRef>
+          <a:fillRef idx="0">
+            <a:schemeClr val="accent1"/>
+          </a:fillRef>
+          <a:effectRef idx="0">
+            <a:schemeClr val="accent1"/>
+          </a:effectRef>
+          <a:fontRef idx="minor">
+            <a:schemeClr val="tx1"/>
+          </a:fontRef>
+        </p:style>
+      </p:cxnSp>
+      <p:cxnSp>
+        <p:nvCxnSpPr>
+          <p:cNvPr id="28" name="직선 연결선 27">
+            <a:extLst>
+              <a:ext uri="{FF2B5EF4-FFF2-40B4-BE49-F238E27FC236}">
+                <a16:creationId xmlns:a16="http://schemas.microsoft.com/office/drawing/2014/main" id="{557238BF-27F5-4591-9CA4-E941CF9890FF}"/>
+              </a:ext>
+            </a:extLst>
+          </p:cNvPr>
+          <p:cNvCxnSpPr>
+            <a:cxnSpLocks/>
+            <a:stCxn id="3" idx="2"/>
+            <a:endCxn id="9" idx="0"/>
+          </p:cNvCxnSpPr>
+          <p:nvPr/>
+        </p:nvCxnSpPr>
+        <p:spPr>
+          <a:xfrm>
+            <a:off x="4535996" y="2355726"/>
+            <a:ext cx="2012345" cy="648072"/>
+          </a:xfrm>
+          <a:prstGeom prst="line">
+            <a:avLst/>
+          </a:prstGeom>
+          <a:ln w="28575">
+            <a:solidFill>
+              <a:schemeClr val="tx1"/>
+            </a:solidFill>
+            <a:headEnd type="none" w="med" len="med"/>
+            <a:tailEnd type="arrow" w="med" len="med"/>
+          </a:ln>
+        </p:spPr>
+        <p:style>
+          <a:lnRef idx="1">
+            <a:schemeClr val="accent1"/>
+          </a:lnRef>
+          <a:fillRef idx="0">
+            <a:schemeClr val="accent1"/>
+          </a:fillRef>
+          <a:effectRef idx="0">
+            <a:schemeClr val="accent1"/>
+          </a:effectRef>
+          <a:fontRef idx="minor">
+            <a:schemeClr val="tx1"/>
+          </a:fontRef>
+        </p:style>
+      </p:cxnSp>
+      <p:sp>
+        <p:nvSpPr>
+          <p:cNvPr id="32" name="TextBox 31">
+            <a:extLst>
+              <a:ext uri="{FF2B5EF4-FFF2-40B4-BE49-F238E27FC236}">
+                <a16:creationId xmlns:a16="http://schemas.microsoft.com/office/drawing/2014/main" id="{D3F124DD-5F09-4246-90A2-D0665E254849}"/>
+              </a:ext>
+            </a:extLst>
+          </p:cNvPr>
+          <p:cNvSpPr txBox="1"/>
+          <p:nvPr/>
+        </p:nvSpPr>
+        <p:spPr>
+          <a:xfrm>
+            <a:off x="2483772" y="2324942"/>
+            <a:ext cx="1512166" cy="307777"/>
+          </a:xfrm>
+          <a:prstGeom prst="rect">
+            <a:avLst/>
+          </a:prstGeom>
+          <a:noFill/>
+        </p:spPr>
+        <p:txBody>
+          <a:bodyPr wrap="square" rtlCol="0" anchor="ctr">
+            <a:spAutoFit/>
+          </a:bodyPr>
+          <a:lstStyle/>
+          <a:p>
+            <a:pPr algn="ctr"/>
+            <a:r>
+              <a:rPr lang="en-US" altLang="ko-KR" sz="1400"/>
+              <a:t>R/W Request</a:t>
+            </a:r>
+            <a:endParaRPr lang="ko-KR" altLang="en-US" sz="1400"/>
+          </a:p>
+        </p:txBody>
+      </p:sp>
+      <p:sp>
+        <p:nvSpPr>
+          <p:cNvPr id="33" name="TextBox 32">
+            <a:extLst>
+              <a:ext uri="{FF2B5EF4-FFF2-40B4-BE49-F238E27FC236}">
+                <a16:creationId xmlns:a16="http://schemas.microsoft.com/office/drawing/2014/main" id="{4D0F5690-DEDA-4325-8C3B-C1E694A3E571}"/>
+              </a:ext>
+            </a:extLst>
+          </p:cNvPr>
+          <p:cNvSpPr txBox="1"/>
+          <p:nvPr/>
+        </p:nvSpPr>
+        <p:spPr>
+          <a:xfrm>
+            <a:off x="5076056" y="2326108"/>
+            <a:ext cx="1512166" cy="307777"/>
+          </a:xfrm>
+          <a:prstGeom prst="rect">
+            <a:avLst/>
+          </a:prstGeom>
+          <a:noFill/>
+        </p:spPr>
+        <p:txBody>
+          <a:bodyPr wrap="square" rtlCol="0" anchor="ctr">
+            <a:spAutoFit/>
+          </a:bodyPr>
+          <a:lstStyle/>
+          <a:p>
+            <a:pPr algn="ctr"/>
+            <a:r>
+              <a:rPr lang="en-US" altLang="ko-KR" sz="1400"/>
+              <a:t>R Request</a:t>
+            </a:r>
+            <a:endParaRPr lang="ko-KR" altLang="en-US" sz="1400"/>
+          </a:p>
+        </p:txBody>
+      </p:sp>
+      <p:sp>
+        <p:nvSpPr>
+          <p:cNvPr id="34" name="TextBox 33">
+            <a:extLst>
+              <a:ext uri="{FF2B5EF4-FFF2-40B4-BE49-F238E27FC236}">
+                <a16:creationId xmlns:a16="http://schemas.microsoft.com/office/drawing/2014/main" id="{41532103-6EDB-4FD4-A3B0-AF97E0CA34D5}"/>
+              </a:ext>
+            </a:extLst>
+          </p:cNvPr>
+          <p:cNvSpPr txBox="1"/>
+          <p:nvPr/>
+        </p:nvSpPr>
+        <p:spPr>
+          <a:xfrm>
+            <a:off x="4256262" y="2624013"/>
+            <a:ext cx="1512166" cy="307777"/>
+          </a:xfrm>
+          <a:prstGeom prst="rect">
+            <a:avLst/>
+          </a:prstGeom>
+          <a:noFill/>
+        </p:spPr>
+        <p:txBody>
+          <a:bodyPr wrap="square" rtlCol="0" anchor="ctr">
+            <a:spAutoFit/>
+          </a:bodyPr>
+          <a:lstStyle/>
+          <a:p>
+            <a:pPr algn="ctr"/>
+            <a:r>
+              <a:rPr lang="en-US" altLang="ko-KR" sz="1400"/>
+              <a:t>R Request</a:t>
+            </a:r>
+            <a:endParaRPr lang="ko-KR" altLang="en-US" sz="1400"/>
+          </a:p>
+        </p:txBody>
+      </p:sp>
+      <p:sp>
+        <p:nvSpPr>
+          <p:cNvPr id="36" name="TextBox 35">
+            <a:extLst>
+              <a:ext uri="{FF2B5EF4-FFF2-40B4-BE49-F238E27FC236}">
+                <a16:creationId xmlns:a16="http://schemas.microsoft.com/office/drawing/2014/main" id="{A9FB266C-A413-4E91-80A5-6ACC605A284C}"/>
+              </a:ext>
+            </a:extLst>
+          </p:cNvPr>
+          <p:cNvSpPr txBox="1"/>
+          <p:nvPr/>
+        </p:nvSpPr>
+        <p:spPr>
+          <a:xfrm>
+            <a:off x="3779914" y="4624849"/>
+            <a:ext cx="1512166" cy="338554"/>
+          </a:xfrm>
+          <a:prstGeom prst="rect">
+            <a:avLst/>
+          </a:prstGeom>
+          <a:noFill/>
+        </p:spPr>
+        <p:txBody>
+          <a:bodyPr wrap="square" rtlCol="0" anchor="ctr">
+            <a:spAutoFit/>
+          </a:bodyPr>
+          <a:lstStyle/>
+          <a:p>
+            <a:pPr algn="ctr"/>
+            <a:r>
+              <a:rPr lang="en-US" altLang="ko-KR" sz="1600"/>
+              <a:t>Group</a:t>
+            </a:r>
+            <a:endParaRPr lang="ko-KR" altLang="en-US" sz="1600"/>
+          </a:p>
+        </p:txBody>
+      </p:sp>
+      <p:cxnSp>
+        <p:nvCxnSpPr>
+          <p:cNvPr id="38" name="직선 화살표 연결선 37">
+            <a:extLst>
+              <a:ext uri="{FF2B5EF4-FFF2-40B4-BE49-F238E27FC236}">
+                <a16:creationId xmlns:a16="http://schemas.microsoft.com/office/drawing/2014/main" id="{7758C0C0-80FB-4E85-BFBC-0C957EED4869}"/>
+              </a:ext>
+            </a:extLst>
+          </p:cNvPr>
+          <p:cNvCxnSpPr>
+            <a:cxnSpLocks/>
+          </p:cNvCxnSpPr>
+          <p:nvPr/>
+        </p:nvCxnSpPr>
+        <p:spPr>
+          <a:xfrm>
+            <a:off x="3057145" y="3867894"/>
+            <a:ext cx="2953823" cy="0"/>
+          </a:xfrm>
+          <a:prstGeom prst="straightConnector1">
+            <a:avLst/>
+          </a:prstGeom>
+          <a:ln w="28575">
+            <a:solidFill>
+              <a:schemeClr val="tx1"/>
+            </a:solidFill>
+            <a:headEnd type="none" w="med" len="med"/>
+            <a:tailEnd type="arrow" w="med" len="med"/>
+          </a:ln>
+        </p:spPr>
+        <p:style>
+          <a:lnRef idx="1">
+            <a:schemeClr val="accent1"/>
+          </a:lnRef>
+          <a:fillRef idx="0">
+            <a:schemeClr val="accent1"/>
+          </a:fillRef>
+          <a:effectRef idx="0">
+            <a:schemeClr val="accent1"/>
+          </a:effectRef>
+          <a:fontRef idx="minor">
+            <a:schemeClr val="tx1"/>
+          </a:fontRef>
+        </p:style>
+      </p:cxnSp>
+      <p:sp>
+        <p:nvSpPr>
+          <p:cNvPr id="26" name="TextBox 25">
+            <a:extLst>
+              <a:ext uri="{FF2B5EF4-FFF2-40B4-BE49-F238E27FC236}">
+                <a16:creationId xmlns:a16="http://schemas.microsoft.com/office/drawing/2014/main" id="{E0D720FB-A74B-4C16-93AA-D5B9A300CBBB}"/>
+              </a:ext>
+            </a:extLst>
+          </p:cNvPr>
+          <p:cNvSpPr txBox="1"/>
+          <p:nvPr/>
+        </p:nvSpPr>
+        <p:spPr>
+          <a:xfrm>
+            <a:off x="2915816" y="3344093"/>
+            <a:ext cx="1224135" cy="307777"/>
+          </a:xfrm>
+          <a:prstGeom prst="rect">
+            <a:avLst/>
+          </a:prstGeom>
+          <a:noFill/>
+        </p:spPr>
+        <p:txBody>
+          <a:bodyPr wrap="square" rtlCol="0" anchor="ctr">
+            <a:spAutoFit/>
+          </a:bodyPr>
+          <a:lstStyle/>
+          <a:p>
+            <a:pPr algn="ctr"/>
+            <a:r>
+              <a:rPr lang="en-US" altLang="ko-KR" sz="1400"/>
+              <a:t>Replication</a:t>
+            </a:r>
+            <a:endParaRPr lang="ko-KR" altLang="en-US" sz="1400"/>
+          </a:p>
+        </p:txBody>
+      </p:sp>
+      <p:sp>
+        <p:nvSpPr>
+          <p:cNvPr id="27" name="TextBox 26">
+            <a:extLst>
+              <a:ext uri="{FF2B5EF4-FFF2-40B4-BE49-F238E27FC236}">
+                <a16:creationId xmlns:a16="http://schemas.microsoft.com/office/drawing/2014/main" id="{A5F98AA7-BCE1-42F3-B735-32AF2964DA61}"/>
+              </a:ext>
+            </a:extLst>
+          </p:cNvPr>
+          <p:cNvSpPr txBox="1"/>
+          <p:nvPr/>
+        </p:nvSpPr>
+        <p:spPr>
+          <a:xfrm>
+            <a:off x="2915816" y="3848149"/>
+            <a:ext cx="1224135" cy="307777"/>
+          </a:xfrm>
+          <a:prstGeom prst="rect">
+            <a:avLst/>
+          </a:prstGeom>
+          <a:noFill/>
+        </p:spPr>
+        <p:txBody>
+          <a:bodyPr wrap="square" rtlCol="0" anchor="ctr">
+            <a:spAutoFit/>
+          </a:bodyPr>
+          <a:lstStyle/>
+          <a:p>
+            <a:pPr algn="ctr"/>
+            <a:r>
+              <a:rPr lang="en-US" altLang="ko-KR" sz="1400"/>
+              <a:t>Replication</a:t>
+            </a:r>
+            <a:endParaRPr lang="ko-KR" altLang="en-US" sz="1400"/>
+          </a:p>
+        </p:txBody>
+      </p:sp>
+    </p:spTree>
+    <p:extLst>
+      <p:ext uri="{BB962C8B-B14F-4D97-AF65-F5344CB8AC3E}">
+        <p14:creationId xmlns:p14="http://schemas.microsoft.com/office/powerpoint/2010/main" val="1028453530"/>
+      </p:ext>
+    </p:extLst>
+  </p:cSld>
+  <p:clrMapOvr>
+    <a:masterClrMapping/>
+  </p:clrMapOvr>
+</p:sld>
+</file>
+
+<file path=ppt/slides/slide5.xml><?xml version="1.0" encoding="utf-8"?>
+<p:sld xmlns:a="http://schemas.openxmlformats.org/drawingml/2006/main" xmlns:r="http://schemas.openxmlformats.org/officeDocument/2006/relationships" xmlns:p="http://schemas.openxmlformats.org/presentationml/2006/main">
+  <p:cSld>
+    <p:spTree>
+      <p:nvGrpSpPr>
+        <p:cNvPr id="1" name=""/>
+        <p:cNvGrpSpPr/>
+        <p:nvPr/>
+      </p:nvGrpSpPr>
+      <p:grpSpPr>
+        <a:xfrm>
+          <a:off x="0" y="0"/>
+          <a:ext cx="0" cy="0"/>
+          <a:chOff x="0" y="0"/>
+          <a:chExt cx="0" cy="0"/>
+        </a:xfrm>
+      </p:grpSpPr>
+      <p:sp>
+        <p:nvSpPr>
+          <p:cNvPr id="30" name="사각형: 둥근 모서리 29">
+            <a:extLst>
+              <a:ext uri="{FF2B5EF4-FFF2-40B4-BE49-F238E27FC236}">
+                <a16:creationId xmlns:a16="http://schemas.microsoft.com/office/drawing/2014/main" id="{85112F4E-090B-47FF-B1BB-75FF3EFC489C}"/>
+              </a:ext>
+            </a:extLst>
+          </p:cNvPr>
+          <p:cNvSpPr/>
+          <p:nvPr/>
+        </p:nvSpPr>
+        <p:spPr>
+          <a:xfrm>
+            <a:off x="1617732" y="2903918"/>
+            <a:ext cx="5832648" cy="1728192"/>
+          </a:xfrm>
+          <a:prstGeom prst="roundRect">
+            <a:avLst>
+              <a:gd name="adj" fmla="val 8289"/>
+            </a:avLst>
+          </a:prstGeom>
+          <a:ln>
+            <a:prstDash val="dash"/>
+          </a:ln>
+        </p:spPr>
+        <p:style>
+          <a:lnRef idx="2">
+            <a:schemeClr val="dk1"/>
+          </a:lnRef>
+          <a:fillRef idx="1">
+            <a:schemeClr val="lt1"/>
+          </a:fillRef>
+          <a:effectRef idx="0">
+            <a:schemeClr val="dk1"/>
+          </a:effectRef>
+          <a:fontRef idx="minor">
+            <a:schemeClr val="dk1"/>
+          </a:fontRef>
+        </p:style>
+        <p:txBody>
+          <a:bodyPr rtlCol="0" anchor="ctr"/>
+          <a:lstStyle/>
+          <a:p>
+            <a:pPr algn="ctr"/>
+            <a:endParaRPr lang="ko-KR" altLang="en-US"/>
+          </a:p>
+        </p:txBody>
+      </p:sp>
+      <p:sp>
+        <p:nvSpPr>
+          <p:cNvPr id="2" name="제목 1"/>
+          <p:cNvSpPr>
+            <a:spLocks noGrp="1"/>
+          </p:cNvSpPr>
+          <p:nvPr>
+            <p:ph type="title"/>
+          </p:nvPr>
+        </p:nvSpPr>
+        <p:spPr>
+          <a:xfrm>
+            <a:off x="565354" y="24473"/>
+            <a:ext cx="8229600" cy="857250"/>
+          </a:xfrm>
+        </p:spPr>
+        <p:txBody>
+          <a:bodyPr/>
+          <a:lstStyle/>
+          <a:p>
+            <a:r>
+              <a:rPr lang="en-US" altLang="ko-KR"/>
+              <a:t>Multi-primary Group</a:t>
+            </a:r>
+            <a:endParaRPr lang="ko-KR" altLang="en-US"/>
+          </a:p>
+        </p:txBody>
+      </p:sp>
+      <p:sp>
+        <p:nvSpPr>
+          <p:cNvPr id="4" name="사각형: 둥근 모서리 3">
+            <a:extLst>
+              <a:ext uri="{FF2B5EF4-FFF2-40B4-BE49-F238E27FC236}">
+                <a16:creationId xmlns:a16="http://schemas.microsoft.com/office/drawing/2014/main" id="{8890BB04-0EC3-4677-B15B-A2E9EE30680B}"/>
+              </a:ext>
+            </a:extLst>
+          </p:cNvPr>
+          <p:cNvSpPr/>
+          <p:nvPr/>
+        </p:nvSpPr>
+        <p:spPr>
+          <a:xfrm>
+            <a:off x="3779912" y="3003798"/>
+            <a:ext cx="1512168" cy="1512168"/>
+          </a:xfrm>
+          <a:prstGeom prst="roundRect">
+            <a:avLst>
+              <a:gd name="adj" fmla="val 5886"/>
+            </a:avLst>
+          </a:prstGeom>
+        </p:spPr>
+        <p:style>
+          <a:lnRef idx="2">
+            <a:schemeClr val="dk1"/>
+          </a:lnRef>
+          <a:fillRef idx="1">
+            <a:schemeClr val="lt1"/>
+          </a:fillRef>
+          <a:effectRef idx="0">
+            <a:schemeClr val="dk1"/>
+          </a:effectRef>
+          <a:fontRef idx="minor">
+            <a:schemeClr val="dk1"/>
+          </a:fontRef>
+        </p:style>
+        <p:txBody>
+          <a:bodyPr rtlCol="0" anchor="b"/>
+          <a:lstStyle/>
+          <a:p>
+            <a:pPr algn="ctr"/>
+            <a:r>
+              <a:rPr lang="en-US" altLang="ko-KR" sz="1400"/>
+              <a:t>Primary DB</a:t>
+            </a:r>
+            <a:endParaRPr lang="ko-KR" altLang="en-US" sz="1400"/>
+          </a:p>
+        </p:txBody>
+      </p:sp>
+      <p:sp>
+        <p:nvSpPr>
+          <p:cNvPr id="3" name="사각형: 둥근 모서리 2">
+            <a:extLst>
+              <a:ext uri="{FF2B5EF4-FFF2-40B4-BE49-F238E27FC236}">
+                <a16:creationId xmlns:a16="http://schemas.microsoft.com/office/drawing/2014/main" id="{8A1616A6-1400-47E3-B96B-3825AAA58B85}"/>
+              </a:ext>
+            </a:extLst>
+          </p:cNvPr>
+          <p:cNvSpPr/>
+          <p:nvPr/>
+        </p:nvSpPr>
+        <p:spPr>
+          <a:xfrm>
+            <a:off x="3563888" y="1995686"/>
+            <a:ext cx="1944216" cy="360040"/>
+          </a:xfrm>
+          <a:prstGeom prst="roundRect">
+            <a:avLst/>
+          </a:prstGeom>
+        </p:spPr>
+        <p:style>
+          <a:lnRef idx="2">
+            <a:schemeClr val="dk1"/>
+          </a:lnRef>
+          <a:fillRef idx="1">
+            <a:schemeClr val="lt1"/>
+          </a:fillRef>
+          <a:effectRef idx="0">
+            <a:schemeClr val="dk1"/>
+          </a:effectRef>
+          <a:fontRef idx="minor">
+            <a:schemeClr val="dk1"/>
+          </a:fontRef>
+        </p:style>
+        <p:txBody>
+          <a:bodyPr rtlCol="0" anchor="ctr"/>
+          <a:lstStyle/>
+          <a:p>
+            <a:pPr algn="ctr"/>
+            <a:r>
+              <a:rPr lang="en-US" altLang="ko-KR" sz="1600"/>
+              <a:t>MySQL Router</a:t>
+            </a:r>
+            <a:endParaRPr lang="ko-KR" altLang="en-US" sz="1600"/>
+          </a:p>
+        </p:txBody>
+      </p:sp>
+      <p:sp>
+        <p:nvSpPr>
+          <p:cNvPr id="8" name="사각형: 둥근 모서리 7">
+            <a:extLst>
+              <a:ext uri="{FF2B5EF4-FFF2-40B4-BE49-F238E27FC236}">
+                <a16:creationId xmlns:a16="http://schemas.microsoft.com/office/drawing/2014/main" id="{583C970C-86D1-45C6-9400-70A040488B56}"/>
+              </a:ext>
+            </a:extLst>
+          </p:cNvPr>
+          <p:cNvSpPr/>
+          <p:nvPr/>
+        </p:nvSpPr>
+        <p:spPr>
+          <a:xfrm>
+            <a:off x="1763688" y="3003798"/>
+            <a:ext cx="1512168" cy="1512168"/>
+          </a:xfrm>
+          <a:prstGeom prst="roundRect">
+            <a:avLst>
+              <a:gd name="adj" fmla="val 5886"/>
+            </a:avLst>
+          </a:prstGeom>
+        </p:spPr>
+        <p:style>
+          <a:lnRef idx="2">
+            <a:schemeClr val="dk1"/>
+          </a:lnRef>
+          <a:fillRef idx="1">
+            <a:schemeClr val="lt1"/>
+          </a:fillRef>
+          <a:effectRef idx="0">
+            <a:schemeClr val="dk1"/>
+          </a:effectRef>
+          <a:fontRef idx="minor">
+            <a:schemeClr val="dk1"/>
+          </a:fontRef>
+        </p:style>
+        <p:txBody>
+          <a:bodyPr rtlCol="0" anchor="b"/>
+          <a:lstStyle/>
+          <a:p>
+            <a:pPr algn="ctr"/>
+            <a:r>
+              <a:rPr lang="en-US" altLang="ko-KR" sz="1400"/>
+              <a:t>Primary DB</a:t>
+            </a:r>
+            <a:endParaRPr lang="ko-KR" altLang="en-US" sz="1400"/>
+          </a:p>
+        </p:txBody>
+      </p:sp>
+      <p:sp>
+        <p:nvSpPr>
+          <p:cNvPr id="9" name="사각형: 둥근 모서리 8">
+            <a:extLst>
+              <a:ext uri="{FF2B5EF4-FFF2-40B4-BE49-F238E27FC236}">
+                <a16:creationId xmlns:a16="http://schemas.microsoft.com/office/drawing/2014/main" id="{B5242D48-4E1F-41E6-A8B8-1EA5997B1334}"/>
+              </a:ext>
+            </a:extLst>
+          </p:cNvPr>
+          <p:cNvSpPr/>
+          <p:nvPr/>
+        </p:nvSpPr>
+        <p:spPr>
+          <a:xfrm>
+            <a:off x="5792257" y="3003798"/>
+            <a:ext cx="1512168" cy="1512168"/>
+          </a:xfrm>
+          <a:prstGeom prst="roundRect">
+            <a:avLst>
+              <a:gd name="adj" fmla="val 5886"/>
+            </a:avLst>
+          </a:prstGeom>
+        </p:spPr>
+        <p:style>
+          <a:lnRef idx="2">
+            <a:schemeClr val="dk1"/>
+          </a:lnRef>
+          <a:fillRef idx="1">
+            <a:schemeClr val="lt1"/>
+          </a:fillRef>
+          <a:effectRef idx="0">
+            <a:schemeClr val="dk1"/>
+          </a:effectRef>
+          <a:fontRef idx="minor">
+            <a:schemeClr val="dk1"/>
+          </a:fontRef>
+        </p:style>
+        <p:txBody>
+          <a:bodyPr rtlCol="0" anchor="b"/>
+          <a:lstStyle/>
+          <a:p>
+            <a:pPr algn="ctr"/>
+            <a:r>
+              <a:rPr lang="en-US" altLang="ko-KR" sz="1400"/>
+              <a:t>Primary DB</a:t>
+            </a:r>
+            <a:endParaRPr lang="ko-KR" altLang="en-US" sz="1400"/>
+          </a:p>
+        </p:txBody>
+      </p:sp>
+      <p:sp>
+        <p:nvSpPr>
+          <p:cNvPr id="10" name="사각형: 둥근 모서리 9">
+            <a:extLst>
+              <a:ext uri="{FF2B5EF4-FFF2-40B4-BE49-F238E27FC236}">
+                <a16:creationId xmlns:a16="http://schemas.microsoft.com/office/drawing/2014/main" id="{866B3922-D196-4CE1-97DA-94D70579E5FE}"/>
+              </a:ext>
+            </a:extLst>
+          </p:cNvPr>
+          <p:cNvSpPr/>
+          <p:nvPr/>
+        </p:nvSpPr>
+        <p:spPr>
+          <a:xfrm>
+            <a:off x="3563888" y="1203598"/>
+            <a:ext cx="1944216" cy="360040"/>
+          </a:xfrm>
+          <a:prstGeom prst="roundRect">
+            <a:avLst/>
+          </a:prstGeom>
+        </p:spPr>
+        <p:style>
+          <a:lnRef idx="2">
+            <a:schemeClr val="dk1"/>
+          </a:lnRef>
+          <a:fillRef idx="1">
+            <a:schemeClr val="lt1"/>
+          </a:fillRef>
+          <a:effectRef idx="0">
+            <a:schemeClr val="dk1"/>
+          </a:effectRef>
+          <a:fontRef idx="minor">
+            <a:schemeClr val="dk1"/>
+          </a:fontRef>
+        </p:style>
+        <p:txBody>
+          <a:bodyPr rtlCol="0" anchor="ctr"/>
+          <a:lstStyle/>
+          <a:p>
+            <a:pPr algn="ctr"/>
+            <a:r>
+              <a:rPr lang="en-US" altLang="ko-KR" sz="1600"/>
+              <a:t>App</a:t>
+            </a:r>
+            <a:endParaRPr lang="ko-KR" altLang="en-US" sz="1600"/>
+          </a:p>
+        </p:txBody>
+      </p:sp>
+      <p:sp>
+        <p:nvSpPr>
+          <p:cNvPr id="11" name="순서도: 자기 디스크 10">
+            <a:extLst>
+              <a:ext uri="{FF2B5EF4-FFF2-40B4-BE49-F238E27FC236}">
+                <a16:creationId xmlns:a16="http://schemas.microsoft.com/office/drawing/2014/main" id="{0197D105-FED6-424D-9645-F3D5083B16F8}"/>
+              </a:ext>
+            </a:extLst>
+          </p:cNvPr>
+          <p:cNvSpPr/>
+          <p:nvPr/>
+        </p:nvSpPr>
+        <p:spPr>
+          <a:xfrm>
+            <a:off x="1982399" y="3363838"/>
+            <a:ext cx="1074746" cy="720080"/>
+          </a:xfrm>
+          <a:prstGeom prst="flowChartMagneticDisk">
+            <a:avLst/>
+          </a:prstGeom>
+        </p:spPr>
+        <p:style>
+          <a:lnRef idx="2">
+            <a:schemeClr val="dk1"/>
+          </a:lnRef>
+          <a:fillRef idx="1">
+            <a:schemeClr val="lt1"/>
+          </a:fillRef>
+          <a:effectRef idx="0">
+            <a:schemeClr val="dk1"/>
+          </a:effectRef>
+          <a:fontRef idx="minor">
+            <a:schemeClr val="dk1"/>
+          </a:fontRef>
+        </p:style>
+        <p:txBody>
+          <a:bodyPr rtlCol="0" anchor="ctr"/>
+          <a:lstStyle/>
+          <a:p>
+            <a:pPr algn="ctr"/>
+            <a:endParaRPr lang="ko-KR" altLang="en-US"/>
+          </a:p>
+        </p:txBody>
+      </p:sp>
+      <p:sp>
+        <p:nvSpPr>
+          <p:cNvPr id="12" name="순서도: 자기 디스크 11">
+            <a:extLst>
+              <a:ext uri="{FF2B5EF4-FFF2-40B4-BE49-F238E27FC236}">
+                <a16:creationId xmlns:a16="http://schemas.microsoft.com/office/drawing/2014/main" id="{525E0FAB-2A3E-4CE8-92A7-899F9B240C20}"/>
+              </a:ext>
+            </a:extLst>
+          </p:cNvPr>
+          <p:cNvSpPr/>
+          <p:nvPr/>
+        </p:nvSpPr>
+        <p:spPr>
+          <a:xfrm>
+            <a:off x="3998623" y="3363838"/>
+            <a:ext cx="1074746" cy="720080"/>
+          </a:xfrm>
+          <a:prstGeom prst="flowChartMagneticDisk">
+            <a:avLst/>
+          </a:prstGeom>
+        </p:spPr>
+        <p:style>
+          <a:lnRef idx="2">
+            <a:schemeClr val="dk1"/>
+          </a:lnRef>
+          <a:fillRef idx="1">
+            <a:schemeClr val="lt1"/>
+          </a:fillRef>
+          <a:effectRef idx="0">
+            <a:schemeClr val="dk1"/>
+          </a:effectRef>
+          <a:fontRef idx="minor">
+            <a:schemeClr val="dk1"/>
+          </a:fontRef>
+        </p:style>
+        <p:txBody>
+          <a:bodyPr rtlCol="0" anchor="ctr"/>
+          <a:lstStyle/>
+          <a:p>
+            <a:pPr algn="ctr"/>
+            <a:endParaRPr lang="ko-KR" altLang="en-US"/>
+          </a:p>
+        </p:txBody>
+      </p:sp>
+      <p:sp>
+        <p:nvSpPr>
+          <p:cNvPr id="13" name="순서도: 자기 디스크 12">
+            <a:extLst>
+              <a:ext uri="{FF2B5EF4-FFF2-40B4-BE49-F238E27FC236}">
+                <a16:creationId xmlns:a16="http://schemas.microsoft.com/office/drawing/2014/main" id="{C5C2DD05-769F-44B8-89AB-BC08E350366C}"/>
+              </a:ext>
+            </a:extLst>
+          </p:cNvPr>
+          <p:cNvSpPr/>
+          <p:nvPr/>
+        </p:nvSpPr>
+        <p:spPr>
+          <a:xfrm>
+            <a:off x="6010968" y="3363838"/>
+            <a:ext cx="1074746" cy="720080"/>
+          </a:xfrm>
+          <a:prstGeom prst="flowChartMagneticDisk">
+            <a:avLst/>
+          </a:prstGeom>
+        </p:spPr>
+        <p:style>
+          <a:lnRef idx="2">
+            <a:schemeClr val="dk1"/>
+          </a:lnRef>
+          <a:fillRef idx="1">
+            <a:schemeClr val="lt1"/>
+          </a:fillRef>
+          <a:effectRef idx="0">
+            <a:schemeClr val="dk1"/>
+          </a:effectRef>
+          <a:fontRef idx="minor">
+            <a:schemeClr val="dk1"/>
+          </a:fontRef>
+        </p:style>
+        <p:txBody>
+          <a:bodyPr rtlCol="0" anchor="ctr"/>
+          <a:lstStyle/>
+          <a:p>
+            <a:pPr algn="ctr"/>
+            <a:endParaRPr lang="ko-KR" altLang="en-US"/>
+          </a:p>
+        </p:txBody>
+      </p:sp>
+      <p:cxnSp>
+        <p:nvCxnSpPr>
+          <p:cNvPr id="15" name="직선 화살표 연결선 14">
+            <a:extLst>
+              <a:ext uri="{FF2B5EF4-FFF2-40B4-BE49-F238E27FC236}">
+                <a16:creationId xmlns:a16="http://schemas.microsoft.com/office/drawing/2014/main" id="{9E1E5D33-26D8-46EA-A627-36FCD9DA07D1}"/>
+              </a:ext>
+            </a:extLst>
+          </p:cNvPr>
+          <p:cNvCxnSpPr>
+            <a:cxnSpLocks/>
+          </p:cNvCxnSpPr>
+          <p:nvPr/>
+        </p:nvCxnSpPr>
+        <p:spPr>
+          <a:xfrm>
+            <a:off x="3057145" y="3867894"/>
+            <a:ext cx="941478" cy="0"/>
+          </a:xfrm>
+          <a:prstGeom prst="straightConnector1">
+            <a:avLst/>
+          </a:prstGeom>
+          <a:ln w="28575">
+            <a:solidFill>
+              <a:schemeClr val="tx1"/>
+            </a:solidFill>
+            <a:headEnd type="arrow" w="med" len="med"/>
+            <a:tailEnd type="arrow" w="med" len="med"/>
+          </a:ln>
+        </p:spPr>
+        <p:style>
+          <a:lnRef idx="1">
+            <a:schemeClr val="accent1"/>
+          </a:lnRef>
+          <a:fillRef idx="0">
+            <a:schemeClr val="accent1"/>
+          </a:fillRef>
+          <a:effectRef idx="0">
+            <a:schemeClr val="accent1"/>
+          </a:effectRef>
+          <a:fontRef idx="minor">
+            <a:schemeClr val="tx1"/>
+          </a:fontRef>
+        </p:style>
+      </p:cxnSp>
+      <p:cxnSp>
+        <p:nvCxnSpPr>
+          <p:cNvPr id="19" name="직선 연결선 18">
+            <a:extLst>
+              <a:ext uri="{FF2B5EF4-FFF2-40B4-BE49-F238E27FC236}">
+                <a16:creationId xmlns:a16="http://schemas.microsoft.com/office/drawing/2014/main" id="{22CBDC41-EAC0-49C3-8FAC-63013E9BAF6F}"/>
+              </a:ext>
+            </a:extLst>
+          </p:cNvPr>
+          <p:cNvCxnSpPr>
+            <a:cxnSpLocks/>
+            <a:stCxn id="10" idx="2"/>
+            <a:endCxn id="3" idx="0"/>
+          </p:cNvCxnSpPr>
+          <p:nvPr/>
+        </p:nvCxnSpPr>
+        <p:spPr>
+          <a:xfrm>
+            <a:off x="4535996" y="1563638"/>
+            <a:ext cx="0" cy="432048"/>
+          </a:xfrm>
+          <a:prstGeom prst="line">
+            <a:avLst/>
+          </a:prstGeom>
+          <a:ln w="28575">
+            <a:solidFill>
+              <a:schemeClr val="tx1"/>
+            </a:solidFill>
+            <a:headEnd type="none" w="med" len="med"/>
+            <a:tailEnd type="arrow" w="med" len="med"/>
+          </a:ln>
+        </p:spPr>
+        <p:style>
+          <a:lnRef idx="1">
+            <a:schemeClr val="accent1"/>
+          </a:lnRef>
+          <a:fillRef idx="0">
+            <a:schemeClr val="accent1"/>
+          </a:fillRef>
+          <a:effectRef idx="0">
+            <a:schemeClr val="accent1"/>
+          </a:effectRef>
+          <a:fontRef idx="minor">
+            <a:schemeClr val="tx1"/>
+          </a:fontRef>
+        </p:style>
+      </p:cxnSp>
+      <p:cxnSp>
+        <p:nvCxnSpPr>
+          <p:cNvPr id="22" name="직선 연결선 21">
+            <a:extLst>
+              <a:ext uri="{FF2B5EF4-FFF2-40B4-BE49-F238E27FC236}">
+                <a16:creationId xmlns:a16="http://schemas.microsoft.com/office/drawing/2014/main" id="{507DD919-1F8C-4EDF-A3EA-9C85EEC24FF7}"/>
+              </a:ext>
+            </a:extLst>
+          </p:cNvPr>
+          <p:cNvCxnSpPr>
+            <a:cxnSpLocks/>
+            <a:stCxn id="3" idx="2"/>
+            <a:endCxn id="8" idx="0"/>
+          </p:cNvCxnSpPr>
+          <p:nvPr/>
+        </p:nvCxnSpPr>
+        <p:spPr>
+          <a:xfrm flipH="1">
+            <a:off x="2519772" y="2355726"/>
+            <a:ext cx="2016224" cy="648072"/>
+          </a:xfrm>
+          <a:prstGeom prst="line">
+            <a:avLst/>
+          </a:prstGeom>
+          <a:ln w="28575">
+            <a:solidFill>
+              <a:schemeClr val="tx1"/>
+            </a:solidFill>
+            <a:headEnd type="none" w="med" len="med"/>
+            <a:tailEnd type="arrow" w="med" len="med"/>
+          </a:ln>
+        </p:spPr>
+        <p:style>
+          <a:lnRef idx="1">
+            <a:schemeClr val="accent1"/>
+          </a:lnRef>
+          <a:fillRef idx="0">
+            <a:schemeClr val="accent1"/>
+          </a:fillRef>
+          <a:effectRef idx="0">
+            <a:schemeClr val="accent1"/>
+          </a:effectRef>
+          <a:fontRef idx="minor">
+            <a:schemeClr val="tx1"/>
+          </a:fontRef>
+        </p:style>
+      </p:cxnSp>
+      <p:cxnSp>
+        <p:nvCxnSpPr>
+          <p:cNvPr id="25" name="직선 연결선 24">
+            <a:extLst>
+              <a:ext uri="{FF2B5EF4-FFF2-40B4-BE49-F238E27FC236}">
+                <a16:creationId xmlns:a16="http://schemas.microsoft.com/office/drawing/2014/main" id="{05E73110-B9EC-455C-96CC-025CFED44C57}"/>
+              </a:ext>
+            </a:extLst>
+          </p:cNvPr>
+          <p:cNvCxnSpPr>
+            <a:cxnSpLocks/>
+            <a:stCxn id="3" idx="2"/>
+            <a:endCxn id="4" idx="0"/>
+          </p:cNvCxnSpPr>
+          <p:nvPr/>
+        </p:nvCxnSpPr>
+        <p:spPr>
+          <a:xfrm>
+            <a:off x="4535996" y="2355726"/>
+            <a:ext cx="0" cy="648072"/>
+          </a:xfrm>
+          <a:prstGeom prst="line">
+            <a:avLst/>
+          </a:prstGeom>
+          <a:ln w="28575">
+            <a:solidFill>
+              <a:schemeClr val="tx1"/>
+            </a:solidFill>
+            <a:headEnd type="none" w="med" len="med"/>
+            <a:tailEnd type="arrow" w="med" len="med"/>
+          </a:ln>
+        </p:spPr>
+        <p:style>
+          <a:lnRef idx="1">
+            <a:schemeClr val="accent1"/>
+          </a:lnRef>
+          <a:fillRef idx="0">
+            <a:schemeClr val="accent1"/>
+          </a:fillRef>
+          <a:effectRef idx="0">
+            <a:schemeClr val="accent1"/>
+          </a:effectRef>
+          <a:fontRef idx="minor">
+            <a:schemeClr val="tx1"/>
+          </a:fontRef>
+        </p:style>
+      </p:cxnSp>
+      <p:cxnSp>
+        <p:nvCxnSpPr>
+          <p:cNvPr id="28" name="직선 연결선 27">
+            <a:extLst>
+              <a:ext uri="{FF2B5EF4-FFF2-40B4-BE49-F238E27FC236}">
+                <a16:creationId xmlns:a16="http://schemas.microsoft.com/office/drawing/2014/main" id="{557238BF-27F5-4591-9CA4-E941CF9890FF}"/>
+              </a:ext>
+            </a:extLst>
+          </p:cNvPr>
+          <p:cNvCxnSpPr>
+            <a:cxnSpLocks/>
+            <a:stCxn id="3" idx="2"/>
+            <a:endCxn id="9" idx="0"/>
+          </p:cNvCxnSpPr>
+          <p:nvPr/>
+        </p:nvCxnSpPr>
+        <p:spPr>
+          <a:xfrm>
+            <a:off x="4535996" y="2355726"/>
+            <a:ext cx="2012345" cy="648072"/>
+          </a:xfrm>
+          <a:prstGeom prst="line">
+            <a:avLst/>
+          </a:prstGeom>
+          <a:ln w="28575">
+            <a:solidFill>
+              <a:schemeClr val="tx1"/>
+            </a:solidFill>
+            <a:headEnd type="none" w="med" len="med"/>
+            <a:tailEnd type="arrow" w="med" len="med"/>
+          </a:ln>
+        </p:spPr>
+        <p:style>
+          <a:lnRef idx="1">
+            <a:schemeClr val="accent1"/>
+          </a:lnRef>
+          <a:fillRef idx="0">
+            <a:schemeClr val="accent1"/>
+          </a:fillRef>
+          <a:effectRef idx="0">
+            <a:schemeClr val="accent1"/>
+          </a:effectRef>
+          <a:fontRef idx="minor">
+            <a:schemeClr val="tx1"/>
+          </a:fontRef>
+        </p:style>
+      </p:cxnSp>
+      <p:sp>
+        <p:nvSpPr>
+          <p:cNvPr id="32" name="TextBox 31">
+            <a:extLst>
+              <a:ext uri="{FF2B5EF4-FFF2-40B4-BE49-F238E27FC236}">
+                <a16:creationId xmlns:a16="http://schemas.microsoft.com/office/drawing/2014/main" id="{D3F124DD-5F09-4246-90A2-D0665E254849}"/>
+              </a:ext>
+            </a:extLst>
+          </p:cNvPr>
+          <p:cNvSpPr txBox="1"/>
+          <p:nvPr/>
+        </p:nvSpPr>
+        <p:spPr>
+          <a:xfrm>
+            <a:off x="2483772" y="2324942"/>
+            <a:ext cx="1512166" cy="307777"/>
+          </a:xfrm>
+          <a:prstGeom prst="rect">
+            <a:avLst/>
+          </a:prstGeom>
+          <a:noFill/>
+        </p:spPr>
+        <p:txBody>
+          <a:bodyPr wrap="square" rtlCol="0" anchor="ctr">
+            <a:spAutoFit/>
+          </a:bodyPr>
+          <a:lstStyle/>
+          <a:p>
+            <a:pPr algn="ctr"/>
+            <a:r>
+              <a:rPr lang="en-US" altLang="ko-KR" sz="1400"/>
+              <a:t>R/W Request</a:t>
+            </a:r>
+            <a:endParaRPr lang="ko-KR" altLang="en-US" sz="1400"/>
+          </a:p>
+        </p:txBody>
+      </p:sp>
+      <p:sp>
+        <p:nvSpPr>
+          <p:cNvPr id="33" name="TextBox 32">
+            <a:extLst>
+              <a:ext uri="{FF2B5EF4-FFF2-40B4-BE49-F238E27FC236}">
+                <a16:creationId xmlns:a16="http://schemas.microsoft.com/office/drawing/2014/main" id="{4D0F5690-DEDA-4325-8C3B-C1E694A3E571}"/>
+              </a:ext>
+            </a:extLst>
+          </p:cNvPr>
+          <p:cNvSpPr txBox="1"/>
+          <p:nvPr/>
+        </p:nvSpPr>
+        <p:spPr>
+          <a:xfrm>
+            <a:off x="5076056" y="2326108"/>
+            <a:ext cx="1512166" cy="307777"/>
+          </a:xfrm>
+          <a:prstGeom prst="rect">
+            <a:avLst/>
+          </a:prstGeom>
+          <a:noFill/>
+        </p:spPr>
+        <p:txBody>
+          <a:bodyPr wrap="square" rtlCol="0" anchor="ctr">
+            <a:spAutoFit/>
+          </a:bodyPr>
+          <a:lstStyle/>
+          <a:p>
+            <a:pPr algn="ctr"/>
+            <a:r>
+              <a:rPr lang="en-US" altLang="ko-KR" sz="1400"/>
+              <a:t>R/W Request</a:t>
+            </a:r>
+            <a:endParaRPr lang="ko-KR" altLang="en-US" sz="1400"/>
+          </a:p>
+        </p:txBody>
+      </p:sp>
+      <p:sp>
+        <p:nvSpPr>
+          <p:cNvPr id="34" name="TextBox 33">
+            <a:extLst>
+              <a:ext uri="{FF2B5EF4-FFF2-40B4-BE49-F238E27FC236}">
+                <a16:creationId xmlns:a16="http://schemas.microsoft.com/office/drawing/2014/main" id="{41532103-6EDB-4FD4-A3B0-AF97E0CA34D5}"/>
+              </a:ext>
+            </a:extLst>
+          </p:cNvPr>
+          <p:cNvSpPr txBox="1"/>
+          <p:nvPr/>
+        </p:nvSpPr>
+        <p:spPr>
+          <a:xfrm>
+            <a:off x="4355978" y="2624013"/>
+            <a:ext cx="1512166" cy="307777"/>
+          </a:xfrm>
+          <a:prstGeom prst="rect">
+            <a:avLst/>
+          </a:prstGeom>
+          <a:noFill/>
+        </p:spPr>
+        <p:txBody>
+          <a:bodyPr wrap="square" rtlCol="0" anchor="ctr">
+            <a:spAutoFit/>
+          </a:bodyPr>
+          <a:lstStyle/>
+          <a:p>
+            <a:pPr algn="ctr"/>
+            <a:r>
+              <a:rPr lang="en-US" altLang="ko-KR" sz="1400"/>
+              <a:t>R/W Request</a:t>
+            </a:r>
+            <a:endParaRPr lang="ko-KR" altLang="en-US" sz="1400"/>
+          </a:p>
+        </p:txBody>
+      </p:sp>
+      <p:sp>
+        <p:nvSpPr>
+          <p:cNvPr id="36" name="TextBox 35">
+            <a:extLst>
+              <a:ext uri="{FF2B5EF4-FFF2-40B4-BE49-F238E27FC236}">
+                <a16:creationId xmlns:a16="http://schemas.microsoft.com/office/drawing/2014/main" id="{A9FB266C-A413-4E91-80A5-6ACC605A284C}"/>
+              </a:ext>
+            </a:extLst>
+          </p:cNvPr>
+          <p:cNvSpPr txBox="1"/>
+          <p:nvPr/>
+        </p:nvSpPr>
+        <p:spPr>
+          <a:xfrm>
+            <a:off x="3779914" y="4624849"/>
+            <a:ext cx="1512166" cy="338554"/>
+          </a:xfrm>
+          <a:prstGeom prst="rect">
+            <a:avLst/>
+          </a:prstGeom>
+          <a:noFill/>
+        </p:spPr>
+        <p:txBody>
+          <a:bodyPr wrap="square" rtlCol="0" anchor="ctr">
+            <a:spAutoFit/>
+          </a:bodyPr>
+          <a:lstStyle/>
+          <a:p>
+            <a:pPr algn="ctr"/>
+            <a:r>
+              <a:rPr lang="en-US" altLang="ko-KR" sz="1600"/>
+              <a:t>Group</a:t>
+            </a:r>
+            <a:endParaRPr lang="ko-KR" altLang="en-US" sz="1600"/>
+          </a:p>
+        </p:txBody>
+      </p:sp>
+      <p:cxnSp>
+        <p:nvCxnSpPr>
+          <p:cNvPr id="38" name="직선 화살표 연결선 37">
+            <a:extLst>
+              <a:ext uri="{FF2B5EF4-FFF2-40B4-BE49-F238E27FC236}">
+                <a16:creationId xmlns:a16="http://schemas.microsoft.com/office/drawing/2014/main" id="{7758C0C0-80FB-4E85-BFBC-0C957EED4869}"/>
+              </a:ext>
+            </a:extLst>
+          </p:cNvPr>
+          <p:cNvCxnSpPr>
+            <a:cxnSpLocks/>
+          </p:cNvCxnSpPr>
+          <p:nvPr/>
+        </p:nvCxnSpPr>
+        <p:spPr>
+          <a:xfrm>
+            <a:off x="5069490" y="3867894"/>
+            <a:ext cx="941478" cy="0"/>
+          </a:xfrm>
+          <a:prstGeom prst="straightConnector1">
+            <a:avLst/>
+          </a:prstGeom>
+          <a:ln w="28575">
+            <a:solidFill>
+              <a:schemeClr val="tx1"/>
+            </a:solidFill>
+            <a:headEnd type="arrow" w="med" len="med"/>
+            <a:tailEnd type="arrow" w="med" len="med"/>
+          </a:ln>
+        </p:spPr>
+        <p:style>
+          <a:lnRef idx="1">
+            <a:schemeClr val="accent1"/>
+          </a:lnRef>
+          <a:fillRef idx="0">
+            <a:schemeClr val="accent1"/>
+          </a:fillRef>
+          <a:effectRef idx="0">
+            <a:schemeClr val="accent1"/>
+          </a:effectRef>
+          <a:fontRef idx="minor">
+            <a:schemeClr val="tx1"/>
+          </a:fontRef>
+        </p:style>
+      </p:cxnSp>
+      <p:sp>
+        <p:nvSpPr>
+          <p:cNvPr id="39" name="TextBox 38">
+            <a:extLst>
+              <a:ext uri="{FF2B5EF4-FFF2-40B4-BE49-F238E27FC236}">
+                <a16:creationId xmlns:a16="http://schemas.microsoft.com/office/drawing/2014/main" id="{773B7E90-9D65-48C1-885C-7B3B4E49D5C5}"/>
+              </a:ext>
+            </a:extLst>
+          </p:cNvPr>
+          <p:cNvSpPr txBox="1"/>
+          <p:nvPr/>
+        </p:nvSpPr>
+        <p:spPr>
+          <a:xfrm>
+            <a:off x="2915816" y="3560117"/>
+            <a:ext cx="1224135" cy="307777"/>
+          </a:xfrm>
+          <a:prstGeom prst="rect">
+            <a:avLst/>
+          </a:prstGeom>
+          <a:noFill/>
+        </p:spPr>
+        <p:txBody>
+          <a:bodyPr wrap="square" rtlCol="0" anchor="ctr">
+            <a:spAutoFit/>
+          </a:bodyPr>
+          <a:lstStyle/>
+          <a:p>
+            <a:pPr algn="ctr"/>
+            <a:r>
+              <a:rPr lang="en-US" altLang="ko-KR" sz="1400"/>
+              <a:t>Replication</a:t>
+            </a:r>
+            <a:endParaRPr lang="ko-KR" altLang="en-US" sz="1400"/>
+          </a:p>
+        </p:txBody>
+      </p:sp>
+      <p:sp>
+        <p:nvSpPr>
+          <p:cNvPr id="42" name="TextBox 41">
+            <a:extLst>
+              <a:ext uri="{FF2B5EF4-FFF2-40B4-BE49-F238E27FC236}">
+                <a16:creationId xmlns:a16="http://schemas.microsoft.com/office/drawing/2014/main" id="{B05320F5-0C00-4D1F-B97E-F20064939009}"/>
+              </a:ext>
+            </a:extLst>
+          </p:cNvPr>
+          <p:cNvSpPr txBox="1"/>
+          <p:nvPr/>
+        </p:nvSpPr>
+        <p:spPr>
+          <a:xfrm>
+            <a:off x="4928161" y="3560117"/>
+            <a:ext cx="1224135" cy="307777"/>
+          </a:xfrm>
+          <a:prstGeom prst="rect">
+            <a:avLst/>
+          </a:prstGeom>
+          <a:noFill/>
+        </p:spPr>
+        <p:txBody>
+          <a:bodyPr wrap="square" rtlCol="0" anchor="ctr">
+            <a:spAutoFit/>
+          </a:bodyPr>
+          <a:lstStyle/>
+          <a:p>
+            <a:pPr algn="ctr"/>
+            <a:r>
+              <a:rPr lang="en-US" altLang="ko-KR" sz="1400"/>
+              <a:t>Replication</a:t>
+            </a:r>
+            <a:endParaRPr lang="ko-KR" altLang="en-US" sz="1400"/>
+          </a:p>
+        </p:txBody>
+      </p:sp>
+    </p:spTree>
+    <p:extLst>
+      <p:ext uri="{BB962C8B-B14F-4D97-AF65-F5344CB8AC3E}">
+        <p14:creationId xmlns:p14="http://schemas.microsoft.com/office/powerpoint/2010/main" val="1718549907"/>
+      </p:ext>
+    </p:extLst>
+  </p:cSld>
+  <p:clrMapOvr>
+    <a:masterClrMapping/>
+  </p:clrMapOvr>
+</p:sld>
+</file>
+
+<file path=ppt/slides/slide6.xml><?xml version="1.0" encoding="utf-8"?>
+<p:sld xmlns:a="http://schemas.openxmlformats.org/drawingml/2006/main" xmlns:r="http://schemas.openxmlformats.org/officeDocument/2006/relationships" xmlns:p="http://schemas.openxmlformats.org/presentationml/2006/main">
+  <p:cSld>
+    <p:spTree>
+      <p:nvGrpSpPr>
+        <p:cNvPr id="1" name=""/>
+        <p:cNvGrpSpPr/>
+        <p:nvPr/>
+      </p:nvGrpSpPr>
+      <p:grpSpPr>
+        <a:xfrm>
+          <a:off x="0" y="0"/>
+          <a:ext cx="0" cy="0"/>
+          <a:chOff x="0" y="0"/>
+          <a:chExt cx="0" cy="0"/>
+        </a:xfrm>
+      </p:grpSpPr>
+      <p:sp>
+        <p:nvSpPr>
+          <p:cNvPr id="2" name="제목 1"/>
+          <p:cNvSpPr>
+            <a:spLocks noGrp="1"/>
+          </p:cNvSpPr>
+          <p:nvPr>
+            <p:ph type="title"/>
+          </p:nvPr>
+        </p:nvSpPr>
+        <p:spPr>
+          <a:xfrm>
+            <a:off x="565354" y="24473"/>
+            <a:ext cx="8229600" cy="857250"/>
+          </a:xfrm>
+        </p:spPr>
+        <p:txBody>
+          <a:bodyPr/>
+          <a:lstStyle/>
+          <a:p>
+            <a:r>
+              <a:rPr lang="en-US" altLang="ko-KR"/>
+              <a:t>Certify, Replication</a:t>
+            </a:r>
+            <a:endParaRPr lang="ko-KR" altLang="en-US"/>
+          </a:p>
+        </p:txBody>
+      </p:sp>
+      <p:sp>
+        <p:nvSpPr>
+          <p:cNvPr id="24" name="TextBox 23">
+            <a:extLst>
+              <a:ext uri="{FF2B5EF4-FFF2-40B4-BE49-F238E27FC236}">
+                <a16:creationId xmlns:a16="http://schemas.microsoft.com/office/drawing/2014/main" id="{62737E91-733D-4B59-9D32-C3F7942F4F84}"/>
+              </a:ext>
+            </a:extLst>
+          </p:cNvPr>
+          <p:cNvSpPr txBox="1"/>
+          <p:nvPr/>
+        </p:nvSpPr>
+        <p:spPr>
+          <a:xfrm>
+            <a:off x="4119773" y="1491630"/>
+            <a:ext cx="1004578" cy="346249"/>
+          </a:xfrm>
+          <a:prstGeom prst="rect">
+            <a:avLst/>
+          </a:prstGeom>
+          <a:noFill/>
+        </p:spPr>
+        <p:txBody>
+          <a:bodyPr wrap="square" lIns="68580" tIns="34290" rIns="68580" bIns="34290" rtlCol="0" anchor="ctr">
+            <a:spAutoFit/>
+          </a:bodyPr>
+          <a:lstStyle/>
+          <a:p>
+            <a:pPr algn="ctr"/>
+            <a:r>
+              <a:rPr lang="en-US" altLang="ko-KR"/>
+              <a:t>Primary</a:t>
+            </a:r>
+            <a:endParaRPr lang="ko-KR" altLang="en-US" dirty="0"/>
+          </a:p>
+        </p:txBody>
+      </p:sp>
+      <p:sp>
+        <p:nvSpPr>
+          <p:cNvPr id="37" name="TextBox 36">
+            <a:extLst>
+              <a:ext uri="{FF2B5EF4-FFF2-40B4-BE49-F238E27FC236}">
+                <a16:creationId xmlns:a16="http://schemas.microsoft.com/office/drawing/2014/main" id="{F9F66A30-A610-4D1E-82A0-96DA8D157DC3}"/>
+              </a:ext>
+            </a:extLst>
+          </p:cNvPr>
+          <p:cNvSpPr txBox="1"/>
+          <p:nvPr/>
+        </p:nvSpPr>
+        <p:spPr>
+          <a:xfrm>
+            <a:off x="2555776" y="1491630"/>
+            <a:ext cx="1004578" cy="346249"/>
+          </a:xfrm>
+          <a:prstGeom prst="rect">
+            <a:avLst/>
+          </a:prstGeom>
+          <a:noFill/>
+        </p:spPr>
+        <p:txBody>
+          <a:bodyPr wrap="square" lIns="68580" tIns="34290" rIns="68580" bIns="34290" rtlCol="0" anchor="ctr">
+            <a:spAutoFit/>
+          </a:bodyPr>
+          <a:lstStyle/>
+          <a:p>
+            <a:pPr algn="ctr"/>
+            <a:r>
+              <a:rPr lang="en-US" altLang="ko-KR"/>
+              <a:t>App</a:t>
+            </a:r>
+            <a:endParaRPr lang="ko-KR" altLang="en-US" dirty="0"/>
+          </a:p>
+        </p:txBody>
+      </p:sp>
+      <p:sp>
+        <p:nvSpPr>
+          <p:cNvPr id="42" name="TextBox 41">
+            <a:extLst>
+              <a:ext uri="{FF2B5EF4-FFF2-40B4-BE49-F238E27FC236}">
+                <a16:creationId xmlns:a16="http://schemas.microsoft.com/office/drawing/2014/main" id="{021DF571-5CD3-44FE-B67A-D2FB5ACC0BAF}"/>
+              </a:ext>
+            </a:extLst>
+          </p:cNvPr>
+          <p:cNvSpPr txBox="1"/>
+          <p:nvPr/>
+        </p:nvSpPr>
+        <p:spPr>
+          <a:xfrm>
+            <a:off x="5677737" y="1491630"/>
+            <a:ext cx="1004578" cy="346249"/>
+          </a:xfrm>
+          <a:prstGeom prst="rect">
+            <a:avLst/>
+          </a:prstGeom>
+          <a:noFill/>
+        </p:spPr>
+        <p:txBody>
+          <a:bodyPr wrap="square" lIns="68580" tIns="34290" rIns="68580" bIns="34290" rtlCol="0" anchor="ctr">
+            <a:spAutoFit/>
+          </a:bodyPr>
+          <a:lstStyle/>
+          <a:p>
+            <a:pPr algn="ctr"/>
+            <a:r>
+              <a:rPr lang="en-US" altLang="ko-KR"/>
+              <a:t>Primary</a:t>
+            </a:r>
+            <a:endParaRPr lang="ko-KR" altLang="en-US" dirty="0"/>
+          </a:p>
+        </p:txBody>
+      </p:sp>
+      <p:cxnSp>
+        <p:nvCxnSpPr>
+          <p:cNvPr id="14" name="직선 연결선 13">
+            <a:extLst>
+              <a:ext uri="{FF2B5EF4-FFF2-40B4-BE49-F238E27FC236}">
+                <a16:creationId xmlns:a16="http://schemas.microsoft.com/office/drawing/2014/main" id="{E7A8CA9A-7004-4608-8A79-D412E745BD30}"/>
+              </a:ext>
+            </a:extLst>
+          </p:cNvPr>
+          <p:cNvCxnSpPr>
+            <a:cxnSpLocks/>
+            <a:stCxn id="24" idx="2"/>
+          </p:cNvCxnSpPr>
+          <p:nvPr/>
+        </p:nvCxnSpPr>
+        <p:spPr>
+          <a:xfrm>
+            <a:off x="4622062" y="1837879"/>
+            <a:ext cx="0" cy="2246039"/>
+          </a:xfrm>
+          <a:prstGeom prst="line">
+            <a:avLst/>
+          </a:prstGeom>
+          <a:ln w="28575">
+            <a:solidFill>
+              <a:schemeClr val="tx1"/>
+            </a:solidFill>
+          </a:ln>
+        </p:spPr>
+        <p:style>
+          <a:lnRef idx="1">
+            <a:schemeClr val="accent1"/>
+          </a:lnRef>
+          <a:fillRef idx="0">
+            <a:schemeClr val="accent1"/>
+          </a:fillRef>
+          <a:effectRef idx="0">
+            <a:schemeClr val="accent1"/>
+          </a:effectRef>
+          <a:fontRef idx="minor">
+            <a:schemeClr val="tx1"/>
+          </a:fontRef>
+        </p:style>
+      </p:cxnSp>
+      <p:cxnSp>
+        <p:nvCxnSpPr>
+          <p:cNvPr id="36" name="직선 연결선 35">
+            <a:extLst>
+              <a:ext uri="{FF2B5EF4-FFF2-40B4-BE49-F238E27FC236}">
+                <a16:creationId xmlns:a16="http://schemas.microsoft.com/office/drawing/2014/main" id="{58FCE409-4EBD-468C-AF3D-6F9032234CD2}"/>
+              </a:ext>
+            </a:extLst>
+          </p:cNvPr>
+          <p:cNvCxnSpPr>
+            <a:cxnSpLocks/>
+            <a:stCxn id="37" idx="2"/>
+          </p:cNvCxnSpPr>
+          <p:nvPr/>
+        </p:nvCxnSpPr>
+        <p:spPr>
+          <a:xfrm>
+            <a:off x="3058065" y="1837879"/>
+            <a:ext cx="0" cy="2246039"/>
+          </a:xfrm>
+          <a:prstGeom prst="line">
+            <a:avLst/>
+          </a:prstGeom>
+          <a:ln w="28575">
+            <a:solidFill>
+              <a:schemeClr val="tx1"/>
+            </a:solidFill>
+          </a:ln>
+        </p:spPr>
+        <p:style>
+          <a:lnRef idx="1">
+            <a:schemeClr val="accent1"/>
+          </a:lnRef>
+          <a:fillRef idx="0">
+            <a:schemeClr val="accent1"/>
+          </a:fillRef>
+          <a:effectRef idx="0">
+            <a:schemeClr val="accent1"/>
+          </a:effectRef>
+          <a:fontRef idx="minor">
+            <a:schemeClr val="tx1"/>
+          </a:fontRef>
+        </p:style>
+      </p:cxnSp>
+      <p:cxnSp>
+        <p:nvCxnSpPr>
+          <p:cNvPr id="38" name="직선 연결선 37">
+            <a:extLst>
+              <a:ext uri="{FF2B5EF4-FFF2-40B4-BE49-F238E27FC236}">
+                <a16:creationId xmlns:a16="http://schemas.microsoft.com/office/drawing/2014/main" id="{70B10F10-62D8-4007-BE61-FF9989E41363}"/>
+              </a:ext>
+            </a:extLst>
+          </p:cNvPr>
+          <p:cNvCxnSpPr>
+            <a:cxnSpLocks/>
+          </p:cNvCxnSpPr>
+          <p:nvPr/>
+        </p:nvCxnSpPr>
+        <p:spPr>
+          <a:xfrm>
+            <a:off x="3058065" y="2113587"/>
+            <a:ext cx="1563997" cy="0"/>
+          </a:xfrm>
+          <a:prstGeom prst="line">
+            <a:avLst/>
+          </a:prstGeom>
+          <a:ln w="28575">
+            <a:solidFill>
+              <a:schemeClr val="tx1"/>
+            </a:solidFill>
+            <a:headEnd type="none" w="med" len="med"/>
+            <a:tailEnd type="arrow" w="med" len="med"/>
+          </a:ln>
+        </p:spPr>
+        <p:style>
+          <a:lnRef idx="1">
+            <a:schemeClr val="accent1"/>
+          </a:lnRef>
+          <a:fillRef idx="0">
+            <a:schemeClr val="accent1"/>
+          </a:fillRef>
+          <a:effectRef idx="0">
+            <a:schemeClr val="accent1"/>
+          </a:effectRef>
+          <a:fontRef idx="minor">
+            <a:schemeClr val="tx1"/>
+          </a:fontRef>
+        </p:style>
+      </p:cxnSp>
+      <p:sp>
+        <p:nvSpPr>
+          <p:cNvPr id="39" name="TextBox 38">
+            <a:extLst>
+              <a:ext uri="{FF2B5EF4-FFF2-40B4-BE49-F238E27FC236}">
+                <a16:creationId xmlns:a16="http://schemas.microsoft.com/office/drawing/2014/main" id="{CBE2E156-697F-4942-8139-51F54D89355D}"/>
+              </a:ext>
+            </a:extLst>
+          </p:cNvPr>
+          <p:cNvSpPr txBox="1"/>
+          <p:nvPr/>
+        </p:nvSpPr>
+        <p:spPr>
+          <a:xfrm>
+            <a:off x="3484805" y="1903390"/>
+            <a:ext cx="736723" cy="206460"/>
+          </a:xfrm>
+          <a:prstGeom prst="rect">
+            <a:avLst/>
+          </a:prstGeom>
+          <a:noFill/>
+        </p:spPr>
+        <p:txBody>
+          <a:bodyPr wrap="square" lIns="68580" tIns="34290" rIns="68580" bIns="34290" rtlCol="0" anchor="ctr">
+            <a:spAutoFit/>
+          </a:bodyPr>
+          <a:lstStyle/>
+          <a:p>
+            <a:pPr algn="ctr"/>
+            <a:r>
+              <a:rPr lang="en-US" altLang="ko-KR" sz="1100"/>
+              <a:t>Commit</a:t>
+            </a:r>
+            <a:endParaRPr lang="ko-KR" altLang="en-US" sz="1100" dirty="0"/>
+          </a:p>
+        </p:txBody>
+      </p:sp>
+      <p:sp>
+        <p:nvSpPr>
+          <p:cNvPr id="10" name="자유형: 도형 9">
+            <a:extLst>
+              <a:ext uri="{FF2B5EF4-FFF2-40B4-BE49-F238E27FC236}">
+                <a16:creationId xmlns:a16="http://schemas.microsoft.com/office/drawing/2014/main" id="{DE6B7842-51DA-427B-A7FE-3778D5AED3A2}"/>
+              </a:ext>
+            </a:extLst>
+          </p:cNvPr>
+          <p:cNvSpPr/>
+          <p:nvPr/>
+        </p:nvSpPr>
+        <p:spPr>
+          <a:xfrm>
+            <a:off x="4622006" y="2291659"/>
+            <a:ext cx="273050" cy="252830"/>
+          </a:xfrm>
+          <a:custGeom>
+            <a:avLst/>
+            <a:gdLst>
+              <a:gd name="connsiteX0" fmla="*/ 0 w 273050"/>
+              <a:gd name="connsiteY0" fmla="*/ 0 h 292100"/>
+              <a:gd name="connsiteX1" fmla="*/ 273050 w 273050"/>
+              <a:gd name="connsiteY1" fmla="*/ 0 h 292100"/>
+              <a:gd name="connsiteX2" fmla="*/ 273050 w 273050"/>
+              <a:gd name="connsiteY2" fmla="*/ 292100 h 292100"/>
+              <a:gd name="connsiteX3" fmla="*/ 0 w 273050"/>
+              <a:gd name="connsiteY3" fmla="*/ 292100 h 292100"/>
+            </a:gdLst>
+            <a:ahLst/>
+            <a:cxnLst>
+              <a:cxn ang="0">
+                <a:pos x="connsiteX0" y="connsiteY0"/>
+              </a:cxn>
+              <a:cxn ang="0">
+                <a:pos x="connsiteX1" y="connsiteY1"/>
+              </a:cxn>
+              <a:cxn ang="0">
+                <a:pos x="connsiteX2" y="connsiteY2"/>
+              </a:cxn>
+              <a:cxn ang="0">
+                <a:pos x="connsiteX3" y="connsiteY3"/>
+              </a:cxn>
+            </a:cxnLst>
+            <a:rect l="l" t="t" r="r" b="b"/>
+            <a:pathLst>
+              <a:path w="273050" h="292100">
+                <a:moveTo>
+                  <a:pt x="0" y="0"/>
+                </a:moveTo>
+                <a:lnTo>
+                  <a:pt x="273050" y="0"/>
+                </a:lnTo>
+                <a:lnTo>
+                  <a:pt x="273050" y="292100"/>
+                </a:lnTo>
+                <a:lnTo>
+                  <a:pt x="0" y="292100"/>
+                </a:lnTo>
+              </a:path>
+            </a:pathLst>
+          </a:custGeom>
+          <a:noFill/>
+          <a:ln w="28575">
+            <a:solidFill>
+              <a:schemeClr val="tx1"/>
+            </a:solidFill>
+            <a:headEnd type="none" w="med" len="med"/>
+            <a:tailEnd type="arrow" w="med" len="med"/>
+          </a:ln>
+        </p:spPr>
+        <p:style>
+          <a:lnRef idx="2">
+            <a:schemeClr val="accent1">
+              <a:shade val="50000"/>
+            </a:schemeClr>
+          </a:lnRef>
+          <a:fillRef idx="1">
+            <a:schemeClr val="accent1"/>
+          </a:fillRef>
+          <a:effectRef idx="0">
+            <a:schemeClr val="accent1"/>
+          </a:effectRef>
+          <a:fontRef idx="minor">
+            <a:schemeClr val="lt1"/>
+          </a:fontRef>
+        </p:style>
+        <p:txBody>
+          <a:bodyPr rtlCol="0" anchor="ctr"/>
+          <a:lstStyle/>
+          <a:p>
+            <a:pPr algn="ctr"/>
+            <a:endParaRPr lang="ko-KR" altLang="en-US"/>
+          </a:p>
+        </p:txBody>
+      </p:sp>
+      <p:sp>
+        <p:nvSpPr>
+          <p:cNvPr id="40" name="TextBox 39">
+            <a:extLst>
+              <a:ext uri="{FF2B5EF4-FFF2-40B4-BE49-F238E27FC236}">
+                <a16:creationId xmlns:a16="http://schemas.microsoft.com/office/drawing/2014/main" id="{4E386FD3-F43F-44B5-8771-25D62A7A6C71}"/>
+              </a:ext>
+            </a:extLst>
+          </p:cNvPr>
+          <p:cNvSpPr txBox="1"/>
+          <p:nvPr/>
+        </p:nvSpPr>
+        <p:spPr>
+          <a:xfrm>
+            <a:off x="4895057" y="2218260"/>
+            <a:ext cx="1046864" cy="407804"/>
+          </a:xfrm>
+          <a:prstGeom prst="rect">
+            <a:avLst/>
+          </a:prstGeom>
+          <a:noFill/>
+        </p:spPr>
+        <p:txBody>
+          <a:bodyPr wrap="square" lIns="68580" tIns="34290" rIns="68580" bIns="34290" rtlCol="0" anchor="ctr">
+            <a:spAutoFit/>
+          </a:bodyPr>
+          <a:lstStyle/>
+          <a:p>
+            <a:pPr algn="ctr"/>
+            <a:r>
+              <a:rPr lang="en-US" altLang="ko-KR" sz="1100"/>
+              <a:t>Update Table</a:t>
+            </a:r>
+          </a:p>
+          <a:p>
+            <a:pPr algn="ctr"/>
+            <a:r>
+              <a:rPr lang="en-US" altLang="ko-KR" sz="1100"/>
+              <a:t>&amp; Bin log </a:t>
+            </a:r>
+            <a:endParaRPr lang="ko-KR" altLang="en-US" sz="1100" dirty="0"/>
+          </a:p>
+        </p:txBody>
+      </p:sp>
+      <p:cxnSp>
+        <p:nvCxnSpPr>
+          <p:cNvPr id="41" name="직선 연결선 40">
+            <a:extLst>
+              <a:ext uri="{FF2B5EF4-FFF2-40B4-BE49-F238E27FC236}">
+                <a16:creationId xmlns:a16="http://schemas.microsoft.com/office/drawing/2014/main" id="{C1B76746-22DB-4D77-A737-C2A3EAD5E2D8}"/>
+              </a:ext>
+            </a:extLst>
+          </p:cNvPr>
+          <p:cNvCxnSpPr>
+            <a:cxnSpLocks/>
+            <a:stCxn id="42" idx="2"/>
+          </p:cNvCxnSpPr>
+          <p:nvPr/>
+        </p:nvCxnSpPr>
+        <p:spPr>
+          <a:xfrm>
+            <a:off x="6180026" y="1837879"/>
+            <a:ext cx="0" cy="2246039"/>
+          </a:xfrm>
+          <a:prstGeom prst="line">
+            <a:avLst/>
+          </a:prstGeom>
+          <a:ln w="28575">
+            <a:solidFill>
+              <a:schemeClr val="tx1"/>
+            </a:solidFill>
+          </a:ln>
+        </p:spPr>
+        <p:style>
+          <a:lnRef idx="1">
+            <a:schemeClr val="accent1"/>
+          </a:lnRef>
+          <a:fillRef idx="0">
+            <a:schemeClr val="accent1"/>
+          </a:fillRef>
+          <a:effectRef idx="0">
+            <a:schemeClr val="accent1"/>
+          </a:effectRef>
+          <a:fontRef idx="minor">
+            <a:schemeClr val="tx1"/>
+          </a:fontRef>
+        </p:style>
+      </p:cxnSp>
+      <p:cxnSp>
+        <p:nvCxnSpPr>
+          <p:cNvPr id="43" name="직선 연결선 42">
+            <a:extLst>
+              <a:ext uri="{FF2B5EF4-FFF2-40B4-BE49-F238E27FC236}">
+                <a16:creationId xmlns:a16="http://schemas.microsoft.com/office/drawing/2014/main" id="{395A793D-E2A7-4BE9-8DCE-09EBF6233888}"/>
+              </a:ext>
+            </a:extLst>
+          </p:cNvPr>
+          <p:cNvCxnSpPr>
+            <a:cxnSpLocks/>
+          </p:cNvCxnSpPr>
+          <p:nvPr/>
+        </p:nvCxnSpPr>
+        <p:spPr>
+          <a:xfrm>
+            <a:off x="4624388" y="2847053"/>
+            <a:ext cx="1555638" cy="0"/>
+          </a:xfrm>
+          <a:prstGeom prst="line">
+            <a:avLst/>
+          </a:prstGeom>
+          <a:ln w="28575">
+            <a:solidFill>
+              <a:schemeClr val="tx1"/>
+            </a:solidFill>
+            <a:headEnd type="none" w="med" len="med"/>
+            <a:tailEnd type="arrow" w="med" len="med"/>
+          </a:ln>
+        </p:spPr>
+        <p:style>
+          <a:lnRef idx="1">
+            <a:schemeClr val="accent1"/>
+          </a:lnRef>
+          <a:fillRef idx="0">
+            <a:schemeClr val="accent1"/>
+          </a:fillRef>
+          <a:effectRef idx="0">
+            <a:schemeClr val="accent1"/>
+          </a:effectRef>
+          <a:fontRef idx="minor">
+            <a:schemeClr val="tx1"/>
+          </a:fontRef>
+        </p:style>
+      </p:cxnSp>
+      <p:sp>
+        <p:nvSpPr>
+          <p:cNvPr id="45" name="TextBox 44">
+            <a:extLst>
+              <a:ext uri="{FF2B5EF4-FFF2-40B4-BE49-F238E27FC236}">
+                <a16:creationId xmlns:a16="http://schemas.microsoft.com/office/drawing/2014/main" id="{D5DAD4B8-95B0-438E-96D6-76EA1E366AB9}"/>
+              </a:ext>
+            </a:extLst>
+          </p:cNvPr>
+          <p:cNvSpPr txBox="1"/>
+          <p:nvPr/>
+        </p:nvSpPr>
+        <p:spPr>
+          <a:xfrm>
+            <a:off x="4652172" y="2626121"/>
+            <a:ext cx="1477570" cy="238527"/>
+          </a:xfrm>
+          <a:prstGeom prst="rect">
+            <a:avLst/>
+          </a:prstGeom>
+          <a:noFill/>
+        </p:spPr>
+        <p:txBody>
+          <a:bodyPr wrap="square" lIns="68580" tIns="34290" rIns="68580" bIns="34290" rtlCol="0" anchor="ctr">
+            <a:spAutoFit/>
+          </a:bodyPr>
+          <a:lstStyle/>
+          <a:p>
+            <a:pPr algn="ctr"/>
+            <a:r>
+              <a:rPr lang="en-US" altLang="ko-KR" sz="1100"/>
+              <a:t>Certify</a:t>
+            </a:r>
+            <a:endParaRPr lang="ko-KR" altLang="en-US" sz="1100" dirty="0"/>
+          </a:p>
+        </p:txBody>
+      </p:sp>
+      <p:cxnSp>
+        <p:nvCxnSpPr>
+          <p:cNvPr id="52" name="직선 연결선 51">
+            <a:extLst>
+              <a:ext uri="{FF2B5EF4-FFF2-40B4-BE49-F238E27FC236}">
+                <a16:creationId xmlns:a16="http://schemas.microsoft.com/office/drawing/2014/main" id="{4FAFF669-9A5B-4267-B22F-8CD139198CE2}"/>
+              </a:ext>
+            </a:extLst>
+          </p:cNvPr>
+          <p:cNvCxnSpPr>
+            <a:cxnSpLocks/>
+          </p:cNvCxnSpPr>
+          <p:nvPr/>
+        </p:nvCxnSpPr>
+        <p:spPr>
+          <a:xfrm>
+            <a:off x="3060859" y="3714314"/>
+            <a:ext cx="1549131" cy="0"/>
+          </a:xfrm>
+          <a:prstGeom prst="line">
+            <a:avLst/>
+          </a:prstGeom>
+          <a:ln w="28575">
+            <a:solidFill>
+              <a:schemeClr val="tx1"/>
+            </a:solidFill>
+            <a:headEnd type="arrow" w="med" len="med"/>
+            <a:tailEnd type="none" w="med" len="med"/>
+          </a:ln>
+        </p:spPr>
+        <p:style>
+          <a:lnRef idx="1">
+            <a:schemeClr val="accent1"/>
+          </a:lnRef>
+          <a:fillRef idx="0">
+            <a:schemeClr val="accent1"/>
+          </a:fillRef>
+          <a:effectRef idx="0">
+            <a:schemeClr val="accent1"/>
+          </a:effectRef>
+          <a:fontRef idx="minor">
+            <a:schemeClr val="tx1"/>
+          </a:fontRef>
+        </p:style>
+      </p:cxnSp>
+      <p:sp>
+        <p:nvSpPr>
+          <p:cNvPr id="53" name="TextBox 52">
+            <a:extLst>
+              <a:ext uri="{FF2B5EF4-FFF2-40B4-BE49-F238E27FC236}">
+                <a16:creationId xmlns:a16="http://schemas.microsoft.com/office/drawing/2014/main" id="{D9E8B31D-7259-40CE-AD4F-CF1D46AC50B6}"/>
+              </a:ext>
+            </a:extLst>
+          </p:cNvPr>
+          <p:cNvSpPr txBox="1"/>
+          <p:nvPr/>
+        </p:nvSpPr>
+        <p:spPr>
+          <a:xfrm>
+            <a:off x="3472733" y="3507854"/>
+            <a:ext cx="736723" cy="206460"/>
+          </a:xfrm>
+          <a:prstGeom prst="rect">
+            <a:avLst/>
+          </a:prstGeom>
+          <a:noFill/>
+        </p:spPr>
+        <p:txBody>
+          <a:bodyPr wrap="square" lIns="68580" tIns="34290" rIns="68580" bIns="34290" rtlCol="0" anchor="ctr">
+            <a:spAutoFit/>
+          </a:bodyPr>
+          <a:lstStyle/>
+          <a:p>
+            <a:pPr algn="ctr"/>
+            <a:r>
+              <a:rPr lang="en-US" altLang="ko-KR" sz="1100"/>
+              <a:t>Ok</a:t>
+            </a:r>
+            <a:endParaRPr lang="ko-KR" altLang="en-US" sz="1100" dirty="0"/>
+          </a:p>
+        </p:txBody>
+      </p:sp>
+      <p:sp>
+        <p:nvSpPr>
+          <p:cNvPr id="22" name="자유형: 도형 21">
+            <a:extLst>
+              <a:ext uri="{FF2B5EF4-FFF2-40B4-BE49-F238E27FC236}">
+                <a16:creationId xmlns:a16="http://schemas.microsoft.com/office/drawing/2014/main" id="{C36ABD66-D84E-4F8F-AAE0-E17F03B964C6}"/>
+              </a:ext>
+            </a:extLst>
+          </p:cNvPr>
+          <p:cNvSpPr/>
+          <p:nvPr/>
+        </p:nvSpPr>
+        <p:spPr>
+          <a:xfrm>
+            <a:off x="6185363" y="3033521"/>
+            <a:ext cx="273050" cy="252830"/>
+          </a:xfrm>
+          <a:custGeom>
+            <a:avLst/>
+            <a:gdLst>
+              <a:gd name="connsiteX0" fmla="*/ 0 w 273050"/>
+              <a:gd name="connsiteY0" fmla="*/ 0 h 292100"/>
+              <a:gd name="connsiteX1" fmla="*/ 273050 w 273050"/>
+              <a:gd name="connsiteY1" fmla="*/ 0 h 292100"/>
+              <a:gd name="connsiteX2" fmla="*/ 273050 w 273050"/>
+              <a:gd name="connsiteY2" fmla="*/ 292100 h 292100"/>
+              <a:gd name="connsiteX3" fmla="*/ 0 w 273050"/>
+              <a:gd name="connsiteY3" fmla="*/ 292100 h 292100"/>
+            </a:gdLst>
+            <a:ahLst/>
+            <a:cxnLst>
+              <a:cxn ang="0">
+                <a:pos x="connsiteX0" y="connsiteY0"/>
+              </a:cxn>
+              <a:cxn ang="0">
+                <a:pos x="connsiteX1" y="connsiteY1"/>
+              </a:cxn>
+              <a:cxn ang="0">
+                <a:pos x="connsiteX2" y="connsiteY2"/>
+              </a:cxn>
+              <a:cxn ang="0">
+                <a:pos x="connsiteX3" y="connsiteY3"/>
+              </a:cxn>
+            </a:cxnLst>
+            <a:rect l="l" t="t" r="r" b="b"/>
+            <a:pathLst>
+              <a:path w="273050" h="292100">
+                <a:moveTo>
+                  <a:pt x="0" y="0"/>
+                </a:moveTo>
+                <a:lnTo>
+                  <a:pt x="273050" y="0"/>
+                </a:lnTo>
+                <a:lnTo>
+                  <a:pt x="273050" y="292100"/>
+                </a:lnTo>
+                <a:lnTo>
+                  <a:pt x="0" y="292100"/>
+                </a:lnTo>
+              </a:path>
+            </a:pathLst>
+          </a:custGeom>
+          <a:noFill/>
+          <a:ln w="28575">
+            <a:solidFill>
+              <a:schemeClr val="tx1"/>
+            </a:solidFill>
+            <a:headEnd type="none" w="med" len="med"/>
+            <a:tailEnd type="arrow" w="med" len="med"/>
+          </a:ln>
+        </p:spPr>
+        <p:style>
+          <a:lnRef idx="2">
+            <a:schemeClr val="accent1">
+              <a:shade val="50000"/>
+            </a:schemeClr>
+          </a:lnRef>
+          <a:fillRef idx="1">
+            <a:schemeClr val="accent1"/>
+          </a:fillRef>
+          <a:effectRef idx="0">
+            <a:schemeClr val="accent1"/>
+          </a:effectRef>
+          <a:fontRef idx="minor">
+            <a:schemeClr val="lt1"/>
+          </a:fontRef>
+        </p:style>
+        <p:txBody>
+          <a:bodyPr rtlCol="0" anchor="ctr"/>
+          <a:lstStyle/>
+          <a:p>
+            <a:pPr algn="ctr"/>
+            <a:endParaRPr lang="ko-KR" altLang="en-US"/>
+          </a:p>
+        </p:txBody>
+      </p:sp>
+      <p:sp>
+        <p:nvSpPr>
+          <p:cNvPr id="23" name="TextBox 22">
+            <a:extLst>
+              <a:ext uri="{FF2B5EF4-FFF2-40B4-BE49-F238E27FC236}">
+                <a16:creationId xmlns:a16="http://schemas.microsoft.com/office/drawing/2014/main" id="{693031FF-4CCE-4028-A69F-40F1DD749E21}"/>
+              </a:ext>
+            </a:extLst>
+          </p:cNvPr>
+          <p:cNvSpPr txBox="1"/>
+          <p:nvPr/>
+        </p:nvSpPr>
+        <p:spPr>
+          <a:xfrm>
+            <a:off x="6458413" y="3040672"/>
+            <a:ext cx="561859" cy="238527"/>
+          </a:xfrm>
+          <a:prstGeom prst="rect">
+            <a:avLst/>
+          </a:prstGeom>
+          <a:noFill/>
+        </p:spPr>
+        <p:txBody>
+          <a:bodyPr wrap="square" lIns="68580" tIns="34290" rIns="68580" bIns="34290" rtlCol="0" anchor="ctr">
+            <a:spAutoFit/>
+          </a:bodyPr>
+          <a:lstStyle/>
+          <a:p>
+            <a:pPr algn="ctr"/>
+            <a:r>
+              <a:rPr lang="en-US" altLang="ko-KR" sz="1100"/>
+              <a:t>Certify</a:t>
+            </a:r>
+            <a:endParaRPr lang="ko-KR" altLang="en-US" sz="1100" dirty="0"/>
+          </a:p>
+        </p:txBody>
+      </p:sp>
+      <p:cxnSp>
+        <p:nvCxnSpPr>
+          <p:cNvPr id="21" name="직선 연결선 20">
+            <a:extLst>
+              <a:ext uri="{FF2B5EF4-FFF2-40B4-BE49-F238E27FC236}">
+                <a16:creationId xmlns:a16="http://schemas.microsoft.com/office/drawing/2014/main" id="{AD97B14D-35E7-46EB-BC51-5434BD5DE160}"/>
+              </a:ext>
+            </a:extLst>
+          </p:cNvPr>
+          <p:cNvCxnSpPr>
+            <a:cxnSpLocks/>
+          </p:cNvCxnSpPr>
+          <p:nvPr/>
+        </p:nvCxnSpPr>
+        <p:spPr>
+          <a:xfrm>
+            <a:off x="4624388" y="3512762"/>
+            <a:ext cx="1555638" cy="0"/>
+          </a:xfrm>
+          <a:prstGeom prst="line">
+            <a:avLst/>
+          </a:prstGeom>
+          <a:ln w="28575">
+            <a:solidFill>
+              <a:schemeClr val="tx1"/>
+            </a:solidFill>
+            <a:headEnd type="arrow" w="med" len="med"/>
+            <a:tailEnd type="none" w="med" len="med"/>
+          </a:ln>
+        </p:spPr>
+        <p:style>
+          <a:lnRef idx="1">
+            <a:schemeClr val="accent1"/>
+          </a:lnRef>
+          <a:fillRef idx="0">
+            <a:schemeClr val="accent1"/>
+          </a:fillRef>
+          <a:effectRef idx="0">
+            <a:schemeClr val="accent1"/>
+          </a:effectRef>
+          <a:fontRef idx="minor">
+            <a:schemeClr val="tx1"/>
+          </a:fontRef>
+        </p:style>
+      </p:cxnSp>
+      <p:sp>
+        <p:nvSpPr>
+          <p:cNvPr id="25" name="TextBox 24">
+            <a:extLst>
+              <a:ext uri="{FF2B5EF4-FFF2-40B4-BE49-F238E27FC236}">
+                <a16:creationId xmlns:a16="http://schemas.microsoft.com/office/drawing/2014/main" id="{596CA022-DE18-48E4-AC0B-65688D52AE85}"/>
+              </a:ext>
+            </a:extLst>
+          </p:cNvPr>
+          <p:cNvSpPr txBox="1"/>
+          <p:nvPr/>
+        </p:nvSpPr>
+        <p:spPr>
+          <a:xfrm>
+            <a:off x="4652172" y="3291830"/>
+            <a:ext cx="1477570" cy="238527"/>
+          </a:xfrm>
+          <a:prstGeom prst="rect">
+            <a:avLst/>
+          </a:prstGeom>
+          <a:noFill/>
+        </p:spPr>
+        <p:txBody>
+          <a:bodyPr wrap="square" lIns="68580" tIns="34290" rIns="68580" bIns="34290" rtlCol="0" anchor="ctr">
+            <a:spAutoFit/>
+          </a:bodyPr>
+          <a:lstStyle/>
+          <a:p>
+            <a:pPr algn="ctr"/>
+            <a:r>
+              <a:rPr lang="en-US" altLang="ko-KR" sz="1100"/>
+              <a:t>Ok</a:t>
+            </a:r>
+            <a:endParaRPr lang="ko-KR" altLang="en-US" sz="1100" dirty="0"/>
+          </a:p>
+        </p:txBody>
+      </p:sp>
+      <p:sp>
+        <p:nvSpPr>
+          <p:cNvPr id="26" name="자유형: 도형 25">
+            <a:extLst>
+              <a:ext uri="{FF2B5EF4-FFF2-40B4-BE49-F238E27FC236}">
+                <a16:creationId xmlns:a16="http://schemas.microsoft.com/office/drawing/2014/main" id="{E77E7E07-D024-4084-AF8E-CB56104D131D}"/>
+              </a:ext>
+            </a:extLst>
+          </p:cNvPr>
+          <p:cNvSpPr/>
+          <p:nvPr/>
+        </p:nvSpPr>
+        <p:spPr>
+          <a:xfrm>
+            <a:off x="6185363" y="3672789"/>
+            <a:ext cx="273050" cy="252830"/>
+          </a:xfrm>
+          <a:custGeom>
+            <a:avLst/>
+            <a:gdLst>
+              <a:gd name="connsiteX0" fmla="*/ 0 w 273050"/>
+              <a:gd name="connsiteY0" fmla="*/ 0 h 292100"/>
+              <a:gd name="connsiteX1" fmla="*/ 273050 w 273050"/>
+              <a:gd name="connsiteY1" fmla="*/ 0 h 292100"/>
+              <a:gd name="connsiteX2" fmla="*/ 273050 w 273050"/>
+              <a:gd name="connsiteY2" fmla="*/ 292100 h 292100"/>
+              <a:gd name="connsiteX3" fmla="*/ 0 w 273050"/>
+              <a:gd name="connsiteY3" fmla="*/ 292100 h 292100"/>
+            </a:gdLst>
+            <a:ahLst/>
+            <a:cxnLst>
+              <a:cxn ang="0">
+                <a:pos x="connsiteX0" y="connsiteY0"/>
+              </a:cxn>
+              <a:cxn ang="0">
+                <a:pos x="connsiteX1" y="connsiteY1"/>
+              </a:cxn>
+              <a:cxn ang="0">
+                <a:pos x="connsiteX2" y="connsiteY2"/>
+              </a:cxn>
+              <a:cxn ang="0">
+                <a:pos x="connsiteX3" y="connsiteY3"/>
+              </a:cxn>
+            </a:cxnLst>
+            <a:rect l="l" t="t" r="r" b="b"/>
+            <a:pathLst>
+              <a:path w="273050" h="292100">
+                <a:moveTo>
+                  <a:pt x="0" y="0"/>
+                </a:moveTo>
+                <a:lnTo>
+                  <a:pt x="273050" y="0"/>
+                </a:lnTo>
+                <a:lnTo>
+                  <a:pt x="273050" y="292100"/>
+                </a:lnTo>
+                <a:lnTo>
+                  <a:pt x="0" y="292100"/>
+                </a:lnTo>
+              </a:path>
+            </a:pathLst>
+          </a:custGeom>
+          <a:noFill/>
+          <a:ln w="28575">
+            <a:solidFill>
+              <a:schemeClr val="tx1"/>
+            </a:solidFill>
+            <a:headEnd type="none" w="med" len="med"/>
+            <a:tailEnd type="arrow" w="med" len="med"/>
+          </a:ln>
+        </p:spPr>
+        <p:style>
+          <a:lnRef idx="2">
+            <a:schemeClr val="accent1">
+              <a:shade val="50000"/>
+            </a:schemeClr>
+          </a:lnRef>
+          <a:fillRef idx="1">
+            <a:schemeClr val="accent1"/>
+          </a:fillRef>
+          <a:effectRef idx="0">
+            <a:schemeClr val="accent1"/>
+          </a:effectRef>
+          <a:fontRef idx="minor">
+            <a:schemeClr val="lt1"/>
+          </a:fontRef>
+        </p:style>
+        <p:txBody>
+          <a:bodyPr rtlCol="0" anchor="ctr"/>
+          <a:lstStyle/>
+          <a:p>
+            <a:pPr algn="ctr"/>
+            <a:endParaRPr lang="ko-KR" altLang="en-US"/>
+          </a:p>
+        </p:txBody>
+      </p:sp>
+      <p:sp>
+        <p:nvSpPr>
+          <p:cNvPr id="27" name="TextBox 26">
+            <a:extLst>
+              <a:ext uri="{FF2B5EF4-FFF2-40B4-BE49-F238E27FC236}">
+                <a16:creationId xmlns:a16="http://schemas.microsoft.com/office/drawing/2014/main" id="{12192902-1D34-459F-AC12-658273D81879}"/>
+              </a:ext>
+            </a:extLst>
+          </p:cNvPr>
+          <p:cNvSpPr txBox="1"/>
+          <p:nvPr/>
+        </p:nvSpPr>
+        <p:spPr>
+          <a:xfrm>
+            <a:off x="6458413" y="3595302"/>
+            <a:ext cx="1004576" cy="407804"/>
+          </a:xfrm>
+          <a:prstGeom prst="rect">
+            <a:avLst/>
+          </a:prstGeom>
+          <a:noFill/>
+        </p:spPr>
+        <p:txBody>
+          <a:bodyPr wrap="square" lIns="68580" tIns="34290" rIns="68580" bIns="34290" rtlCol="0" anchor="ctr">
+            <a:spAutoFit/>
+          </a:bodyPr>
+          <a:lstStyle/>
+          <a:p>
+            <a:pPr algn="ctr"/>
+            <a:r>
+              <a:rPr lang="en-US" altLang="ko-KR" sz="1100"/>
+              <a:t>Update Table</a:t>
+            </a:r>
+          </a:p>
+          <a:p>
+            <a:pPr algn="ctr"/>
+            <a:r>
+              <a:rPr lang="en-US" altLang="ko-KR" sz="1100"/>
+              <a:t>&amp; Bin log </a:t>
+            </a:r>
+            <a:endParaRPr lang="ko-KR" altLang="en-US" sz="1100" dirty="0"/>
+          </a:p>
+        </p:txBody>
+      </p:sp>
+    </p:spTree>
+    <p:extLst>
+      <p:ext uri="{BB962C8B-B14F-4D97-AF65-F5344CB8AC3E}">
+        <p14:creationId xmlns:p14="http://schemas.microsoft.com/office/powerpoint/2010/main" val="4243805194"/>
+      </p:ext>
+    </p:extLst>
+  </p:cSld>
+  <p:clrMapOvr>
+    <a:masterClrMapping/>
+  </p:clrMapOvr>
+</p:sld>
+</file>
+
+<file path=ppt/slides/slide7.xml><?xml version="1.0" encoding="utf-8"?>
+<p:sld xmlns:a="http://schemas.openxmlformats.org/drawingml/2006/main" xmlns:r="http://schemas.openxmlformats.org/officeDocument/2006/relationships" xmlns:p="http://schemas.openxmlformats.org/presentationml/2006/main">
+  <p:cSld>
+    <p:spTree>
+      <p:nvGrpSpPr>
+        <p:cNvPr id="1" name=""/>
+        <p:cNvGrpSpPr/>
+        <p:nvPr/>
+      </p:nvGrpSpPr>
+      <p:grpSpPr>
+        <a:xfrm>
+          <a:off x="0" y="0"/>
+          <a:ext cx="0" cy="0"/>
+          <a:chOff x="0" y="0"/>
+          <a:chExt cx="0" cy="0"/>
+        </a:xfrm>
+      </p:grpSpPr>
+      <p:sp>
+        <p:nvSpPr>
+          <p:cNvPr id="30" name="사각형: 둥근 모서리 29">
+            <a:extLst>
+              <a:ext uri="{FF2B5EF4-FFF2-40B4-BE49-F238E27FC236}">
+                <a16:creationId xmlns:a16="http://schemas.microsoft.com/office/drawing/2014/main" id="{85112F4E-090B-47FF-B1BB-75FF3EFC489C}"/>
+              </a:ext>
+            </a:extLst>
+          </p:cNvPr>
+          <p:cNvSpPr/>
+          <p:nvPr/>
+        </p:nvSpPr>
+        <p:spPr>
+          <a:xfrm>
+            <a:off x="1617732" y="2493356"/>
+            <a:ext cx="5832648" cy="2166626"/>
+          </a:xfrm>
+          <a:prstGeom prst="roundRect">
+            <a:avLst>
+              <a:gd name="adj" fmla="val 4772"/>
+            </a:avLst>
+          </a:prstGeom>
+          <a:ln>
+            <a:prstDash val="dash"/>
+          </a:ln>
+        </p:spPr>
+        <p:style>
+          <a:lnRef idx="2">
+            <a:schemeClr val="dk1"/>
+          </a:lnRef>
+          <a:fillRef idx="1">
+            <a:schemeClr val="lt1"/>
+          </a:fillRef>
+          <a:effectRef idx="0">
+            <a:schemeClr val="dk1"/>
+          </a:effectRef>
+          <a:fontRef idx="minor">
+            <a:schemeClr val="dk1"/>
+          </a:fontRef>
+        </p:style>
+        <p:txBody>
+          <a:bodyPr rtlCol="0" anchor="ctr"/>
+          <a:lstStyle/>
+          <a:p>
+            <a:pPr algn="ctr"/>
+            <a:endParaRPr lang="ko-KR" altLang="en-US"/>
+          </a:p>
+        </p:txBody>
+      </p:sp>
+      <p:sp>
+        <p:nvSpPr>
+          <p:cNvPr id="2" name="제목 1"/>
+          <p:cNvSpPr>
+            <a:spLocks noGrp="1"/>
+          </p:cNvSpPr>
+          <p:nvPr>
+            <p:ph type="title"/>
+          </p:nvPr>
+        </p:nvSpPr>
+        <p:spPr>
+          <a:xfrm>
+            <a:off x="565354" y="24473"/>
+            <a:ext cx="8229600" cy="857250"/>
+          </a:xfrm>
+        </p:spPr>
+        <p:txBody>
+          <a:bodyPr/>
+          <a:lstStyle/>
+          <a:p>
+            <a:r>
+              <a:rPr lang="en-US" altLang="ko-KR"/>
+              <a:t>Galera Cluster</a:t>
+            </a:r>
+            <a:endParaRPr lang="ko-KR" altLang="en-US"/>
+          </a:p>
+        </p:txBody>
+      </p:sp>
+      <p:sp>
+        <p:nvSpPr>
+          <p:cNvPr id="4" name="사각형: 둥근 모서리 3">
+            <a:extLst>
+              <a:ext uri="{FF2B5EF4-FFF2-40B4-BE49-F238E27FC236}">
+                <a16:creationId xmlns:a16="http://schemas.microsoft.com/office/drawing/2014/main" id="{8890BB04-0EC3-4677-B15B-A2E9EE30680B}"/>
+              </a:ext>
+            </a:extLst>
+          </p:cNvPr>
+          <p:cNvSpPr/>
+          <p:nvPr/>
+        </p:nvSpPr>
+        <p:spPr>
+          <a:xfrm>
+            <a:off x="3779912" y="2593236"/>
+            <a:ext cx="1512168" cy="1922730"/>
+          </a:xfrm>
+          <a:prstGeom prst="roundRect">
+            <a:avLst>
+              <a:gd name="adj" fmla="val 5886"/>
+            </a:avLst>
+          </a:prstGeom>
+        </p:spPr>
+        <p:style>
+          <a:lnRef idx="2">
+            <a:schemeClr val="dk1"/>
+          </a:lnRef>
+          <a:fillRef idx="1">
+            <a:schemeClr val="lt1"/>
+          </a:fillRef>
+          <a:effectRef idx="0">
+            <a:schemeClr val="dk1"/>
+          </a:effectRef>
+          <a:fontRef idx="minor">
+            <a:schemeClr val="dk1"/>
+          </a:fontRef>
+        </p:style>
+        <p:txBody>
+          <a:bodyPr rtlCol="0" anchor="b"/>
+          <a:lstStyle/>
+          <a:p>
+            <a:pPr algn="ctr"/>
+            <a:r>
+              <a:rPr lang="en-US" altLang="ko-KR" sz="1400"/>
+              <a:t>Primary DB</a:t>
+            </a:r>
+            <a:endParaRPr lang="ko-KR" altLang="en-US" sz="1400"/>
+          </a:p>
+        </p:txBody>
+      </p:sp>
+      <p:sp>
+        <p:nvSpPr>
+          <p:cNvPr id="3" name="사각형: 둥근 모서리 2">
+            <a:extLst>
+              <a:ext uri="{FF2B5EF4-FFF2-40B4-BE49-F238E27FC236}">
+                <a16:creationId xmlns:a16="http://schemas.microsoft.com/office/drawing/2014/main" id="{8A1616A6-1400-47E3-B96B-3825AAA58B85}"/>
+              </a:ext>
+            </a:extLst>
+          </p:cNvPr>
+          <p:cNvSpPr/>
+          <p:nvPr/>
+        </p:nvSpPr>
+        <p:spPr>
+          <a:xfrm>
+            <a:off x="3563888" y="1585124"/>
+            <a:ext cx="1944216" cy="360040"/>
+          </a:xfrm>
+          <a:prstGeom prst="roundRect">
+            <a:avLst/>
+          </a:prstGeom>
+        </p:spPr>
+        <p:style>
+          <a:lnRef idx="2">
+            <a:schemeClr val="dk1"/>
+          </a:lnRef>
+          <a:fillRef idx="1">
+            <a:schemeClr val="lt1"/>
+          </a:fillRef>
+          <a:effectRef idx="0">
+            <a:schemeClr val="dk1"/>
+          </a:effectRef>
+          <a:fontRef idx="minor">
+            <a:schemeClr val="dk1"/>
+          </a:fontRef>
+        </p:style>
+        <p:txBody>
+          <a:bodyPr rtlCol="0" anchor="ctr"/>
+          <a:lstStyle/>
+          <a:p>
+            <a:pPr algn="ctr"/>
+            <a:r>
+              <a:rPr lang="en-US" altLang="ko-KR" sz="1600"/>
+              <a:t>LB (VIP)</a:t>
+            </a:r>
+            <a:endParaRPr lang="ko-KR" altLang="en-US" sz="1600"/>
+          </a:p>
+        </p:txBody>
+      </p:sp>
+      <p:sp>
+        <p:nvSpPr>
+          <p:cNvPr id="8" name="사각형: 둥근 모서리 7">
+            <a:extLst>
+              <a:ext uri="{FF2B5EF4-FFF2-40B4-BE49-F238E27FC236}">
+                <a16:creationId xmlns:a16="http://schemas.microsoft.com/office/drawing/2014/main" id="{583C970C-86D1-45C6-9400-70A040488B56}"/>
+              </a:ext>
+            </a:extLst>
+          </p:cNvPr>
+          <p:cNvSpPr/>
+          <p:nvPr/>
+        </p:nvSpPr>
+        <p:spPr>
+          <a:xfrm>
+            <a:off x="1763688" y="2593236"/>
+            <a:ext cx="1512168" cy="1922730"/>
+          </a:xfrm>
+          <a:prstGeom prst="roundRect">
+            <a:avLst>
+              <a:gd name="adj" fmla="val 5886"/>
+            </a:avLst>
+          </a:prstGeom>
+        </p:spPr>
+        <p:style>
+          <a:lnRef idx="2">
+            <a:schemeClr val="dk1"/>
+          </a:lnRef>
+          <a:fillRef idx="1">
+            <a:schemeClr val="lt1"/>
+          </a:fillRef>
+          <a:effectRef idx="0">
+            <a:schemeClr val="dk1"/>
+          </a:effectRef>
+          <a:fontRef idx="minor">
+            <a:schemeClr val="dk1"/>
+          </a:fontRef>
+        </p:style>
+        <p:txBody>
+          <a:bodyPr rtlCol="0" anchor="b"/>
+          <a:lstStyle/>
+          <a:p>
+            <a:pPr algn="ctr"/>
+            <a:r>
+              <a:rPr lang="en-US" altLang="ko-KR" sz="1400"/>
+              <a:t>Primary DB</a:t>
+            </a:r>
+            <a:endParaRPr lang="ko-KR" altLang="en-US" sz="1400"/>
+          </a:p>
+        </p:txBody>
+      </p:sp>
+      <p:sp>
+        <p:nvSpPr>
+          <p:cNvPr id="9" name="사각형: 둥근 모서리 8">
+            <a:extLst>
+              <a:ext uri="{FF2B5EF4-FFF2-40B4-BE49-F238E27FC236}">
+                <a16:creationId xmlns:a16="http://schemas.microsoft.com/office/drawing/2014/main" id="{B5242D48-4E1F-41E6-A8B8-1EA5997B1334}"/>
+              </a:ext>
+            </a:extLst>
+          </p:cNvPr>
+          <p:cNvSpPr/>
+          <p:nvPr/>
+        </p:nvSpPr>
+        <p:spPr>
+          <a:xfrm>
+            <a:off x="5792257" y="2593236"/>
+            <a:ext cx="1512168" cy="1922730"/>
+          </a:xfrm>
+          <a:prstGeom prst="roundRect">
+            <a:avLst>
+              <a:gd name="adj" fmla="val 5886"/>
+            </a:avLst>
+          </a:prstGeom>
+        </p:spPr>
+        <p:style>
+          <a:lnRef idx="2">
+            <a:schemeClr val="dk1"/>
+          </a:lnRef>
+          <a:fillRef idx="1">
+            <a:schemeClr val="lt1"/>
+          </a:fillRef>
+          <a:effectRef idx="0">
+            <a:schemeClr val="dk1"/>
+          </a:effectRef>
+          <a:fontRef idx="minor">
+            <a:schemeClr val="dk1"/>
+          </a:fontRef>
+        </p:style>
+        <p:txBody>
+          <a:bodyPr rtlCol="0" anchor="b"/>
+          <a:lstStyle/>
+          <a:p>
+            <a:pPr algn="ctr"/>
+            <a:r>
+              <a:rPr lang="en-US" altLang="ko-KR" sz="1400"/>
+              <a:t>Primary DB</a:t>
+            </a:r>
+            <a:endParaRPr lang="ko-KR" altLang="en-US" sz="1400"/>
+          </a:p>
+        </p:txBody>
+      </p:sp>
+      <p:sp>
+        <p:nvSpPr>
+          <p:cNvPr id="10" name="사각형: 둥근 모서리 9">
+            <a:extLst>
+              <a:ext uri="{FF2B5EF4-FFF2-40B4-BE49-F238E27FC236}">
+                <a16:creationId xmlns:a16="http://schemas.microsoft.com/office/drawing/2014/main" id="{866B3922-D196-4CE1-97DA-94D70579E5FE}"/>
+              </a:ext>
+            </a:extLst>
+          </p:cNvPr>
+          <p:cNvSpPr/>
+          <p:nvPr/>
+        </p:nvSpPr>
+        <p:spPr>
+          <a:xfrm>
+            <a:off x="3563888" y="793036"/>
+            <a:ext cx="1944216" cy="360040"/>
+          </a:xfrm>
+          <a:prstGeom prst="roundRect">
+            <a:avLst/>
+          </a:prstGeom>
+        </p:spPr>
+        <p:style>
+          <a:lnRef idx="2">
+            <a:schemeClr val="dk1"/>
+          </a:lnRef>
+          <a:fillRef idx="1">
+            <a:schemeClr val="lt1"/>
+          </a:fillRef>
+          <a:effectRef idx="0">
+            <a:schemeClr val="dk1"/>
+          </a:effectRef>
+          <a:fontRef idx="minor">
+            <a:schemeClr val="dk1"/>
+          </a:fontRef>
+        </p:style>
+        <p:txBody>
+          <a:bodyPr rtlCol="0" anchor="ctr"/>
+          <a:lstStyle/>
+          <a:p>
+            <a:pPr algn="ctr"/>
+            <a:r>
+              <a:rPr lang="en-US" altLang="ko-KR" sz="1600"/>
+              <a:t>App</a:t>
+            </a:r>
+            <a:endParaRPr lang="ko-KR" altLang="en-US" sz="1600"/>
+          </a:p>
+        </p:txBody>
+      </p:sp>
+      <p:cxnSp>
+        <p:nvCxnSpPr>
+          <p:cNvPr id="15" name="직선 화살표 연결선 14">
+            <a:extLst>
+              <a:ext uri="{FF2B5EF4-FFF2-40B4-BE49-F238E27FC236}">
+                <a16:creationId xmlns:a16="http://schemas.microsoft.com/office/drawing/2014/main" id="{9E1E5D33-26D8-46EA-A627-36FCD9DA07D1}"/>
+              </a:ext>
+            </a:extLst>
+          </p:cNvPr>
+          <p:cNvCxnSpPr>
+            <a:cxnSpLocks/>
+          </p:cNvCxnSpPr>
+          <p:nvPr/>
+        </p:nvCxnSpPr>
+        <p:spPr>
+          <a:xfrm>
+            <a:off x="3057145" y="3795886"/>
+            <a:ext cx="941478" cy="0"/>
+          </a:xfrm>
+          <a:prstGeom prst="straightConnector1">
+            <a:avLst/>
+          </a:prstGeom>
+          <a:ln w="28575">
+            <a:solidFill>
+              <a:schemeClr val="tx1"/>
+            </a:solidFill>
+            <a:headEnd type="arrow" w="med" len="med"/>
+            <a:tailEnd type="arrow" w="med" len="med"/>
+          </a:ln>
+        </p:spPr>
+        <p:style>
+          <a:lnRef idx="1">
+            <a:schemeClr val="accent1"/>
+          </a:lnRef>
+          <a:fillRef idx="0">
+            <a:schemeClr val="accent1"/>
+          </a:fillRef>
+          <a:effectRef idx="0">
+            <a:schemeClr val="accent1"/>
+          </a:effectRef>
+          <a:fontRef idx="minor">
+            <a:schemeClr val="tx1"/>
+          </a:fontRef>
+        </p:style>
+      </p:cxnSp>
+      <p:cxnSp>
+        <p:nvCxnSpPr>
+          <p:cNvPr id="19" name="직선 연결선 18">
+            <a:extLst>
+              <a:ext uri="{FF2B5EF4-FFF2-40B4-BE49-F238E27FC236}">
+                <a16:creationId xmlns:a16="http://schemas.microsoft.com/office/drawing/2014/main" id="{22CBDC41-EAC0-49C3-8FAC-63013E9BAF6F}"/>
+              </a:ext>
+            </a:extLst>
+          </p:cNvPr>
+          <p:cNvCxnSpPr>
+            <a:cxnSpLocks/>
+            <a:stCxn id="10" idx="2"/>
+            <a:endCxn id="3" idx="0"/>
+          </p:cNvCxnSpPr>
+          <p:nvPr/>
+        </p:nvCxnSpPr>
+        <p:spPr>
+          <a:xfrm>
+            <a:off x="4535996" y="1153076"/>
+            <a:ext cx="0" cy="432048"/>
+          </a:xfrm>
+          <a:prstGeom prst="line">
+            <a:avLst/>
+          </a:prstGeom>
+          <a:ln w="28575">
+            <a:solidFill>
+              <a:schemeClr val="tx1"/>
+            </a:solidFill>
+            <a:headEnd type="none" w="med" len="med"/>
+            <a:tailEnd type="arrow" w="med" len="med"/>
+          </a:ln>
+        </p:spPr>
+        <p:style>
+          <a:lnRef idx="1">
+            <a:schemeClr val="accent1"/>
+          </a:lnRef>
+          <a:fillRef idx="0">
+            <a:schemeClr val="accent1"/>
+          </a:fillRef>
+          <a:effectRef idx="0">
+            <a:schemeClr val="accent1"/>
+          </a:effectRef>
+          <a:fontRef idx="minor">
+            <a:schemeClr val="tx1"/>
+          </a:fontRef>
+        </p:style>
+      </p:cxnSp>
+      <p:cxnSp>
+        <p:nvCxnSpPr>
+          <p:cNvPr id="22" name="직선 연결선 21">
+            <a:extLst>
+              <a:ext uri="{FF2B5EF4-FFF2-40B4-BE49-F238E27FC236}">
+                <a16:creationId xmlns:a16="http://schemas.microsoft.com/office/drawing/2014/main" id="{507DD919-1F8C-4EDF-A3EA-9C85EEC24FF7}"/>
+              </a:ext>
+            </a:extLst>
+          </p:cNvPr>
+          <p:cNvCxnSpPr>
+            <a:cxnSpLocks/>
+            <a:stCxn id="3" idx="2"/>
+            <a:endCxn id="8" idx="0"/>
+          </p:cNvCxnSpPr>
+          <p:nvPr/>
+        </p:nvCxnSpPr>
+        <p:spPr>
+          <a:xfrm flipH="1">
+            <a:off x="2519772" y="1945164"/>
+            <a:ext cx="2016224" cy="648072"/>
+          </a:xfrm>
+          <a:prstGeom prst="line">
+            <a:avLst/>
+          </a:prstGeom>
+          <a:ln w="28575">
+            <a:solidFill>
+              <a:schemeClr val="tx1"/>
+            </a:solidFill>
+            <a:headEnd type="none" w="med" len="med"/>
+            <a:tailEnd type="arrow" w="med" len="med"/>
+          </a:ln>
+        </p:spPr>
+        <p:style>
+          <a:lnRef idx="1">
+            <a:schemeClr val="accent1"/>
+          </a:lnRef>
+          <a:fillRef idx="0">
+            <a:schemeClr val="accent1"/>
+          </a:fillRef>
+          <a:effectRef idx="0">
+            <a:schemeClr val="accent1"/>
+          </a:effectRef>
+          <a:fontRef idx="minor">
+            <a:schemeClr val="tx1"/>
+          </a:fontRef>
+        </p:style>
+      </p:cxnSp>
+      <p:cxnSp>
+        <p:nvCxnSpPr>
+          <p:cNvPr id="25" name="직선 연결선 24">
+            <a:extLst>
+              <a:ext uri="{FF2B5EF4-FFF2-40B4-BE49-F238E27FC236}">
+                <a16:creationId xmlns:a16="http://schemas.microsoft.com/office/drawing/2014/main" id="{05E73110-B9EC-455C-96CC-025CFED44C57}"/>
+              </a:ext>
+            </a:extLst>
+          </p:cNvPr>
+          <p:cNvCxnSpPr>
+            <a:cxnSpLocks/>
+            <a:stCxn id="3" idx="2"/>
+            <a:endCxn id="4" idx="0"/>
+          </p:cNvCxnSpPr>
+          <p:nvPr/>
+        </p:nvCxnSpPr>
+        <p:spPr>
+          <a:xfrm>
+            <a:off x="4535996" y="1945164"/>
+            <a:ext cx="0" cy="648072"/>
+          </a:xfrm>
+          <a:prstGeom prst="line">
+            <a:avLst/>
+          </a:prstGeom>
+          <a:ln w="28575">
+            <a:solidFill>
+              <a:schemeClr val="tx1"/>
+            </a:solidFill>
+            <a:headEnd type="none" w="med" len="med"/>
+            <a:tailEnd type="arrow" w="med" len="med"/>
+          </a:ln>
+        </p:spPr>
+        <p:style>
+          <a:lnRef idx="1">
+            <a:schemeClr val="accent1"/>
+          </a:lnRef>
+          <a:fillRef idx="0">
+            <a:schemeClr val="accent1"/>
+          </a:fillRef>
+          <a:effectRef idx="0">
+            <a:schemeClr val="accent1"/>
+          </a:effectRef>
+          <a:fontRef idx="minor">
+            <a:schemeClr val="tx1"/>
+          </a:fontRef>
+        </p:style>
+      </p:cxnSp>
+      <p:cxnSp>
+        <p:nvCxnSpPr>
+          <p:cNvPr id="28" name="직선 연결선 27">
+            <a:extLst>
+              <a:ext uri="{FF2B5EF4-FFF2-40B4-BE49-F238E27FC236}">
+                <a16:creationId xmlns:a16="http://schemas.microsoft.com/office/drawing/2014/main" id="{557238BF-27F5-4591-9CA4-E941CF9890FF}"/>
+              </a:ext>
+            </a:extLst>
+          </p:cNvPr>
+          <p:cNvCxnSpPr>
+            <a:cxnSpLocks/>
+            <a:stCxn id="3" idx="2"/>
+            <a:endCxn id="9" idx="0"/>
+          </p:cNvCxnSpPr>
+          <p:nvPr/>
+        </p:nvCxnSpPr>
+        <p:spPr>
+          <a:xfrm>
+            <a:off x="4535996" y="1945164"/>
+            <a:ext cx="2012345" cy="648072"/>
+          </a:xfrm>
+          <a:prstGeom prst="line">
+            <a:avLst/>
+          </a:prstGeom>
+          <a:ln w="28575">
+            <a:solidFill>
+              <a:schemeClr val="tx1"/>
+            </a:solidFill>
+            <a:headEnd type="none" w="med" len="med"/>
+            <a:tailEnd type="arrow" w="med" len="med"/>
+          </a:ln>
+        </p:spPr>
+        <p:style>
+          <a:lnRef idx="1">
+            <a:schemeClr val="accent1"/>
+          </a:lnRef>
+          <a:fillRef idx="0">
+            <a:schemeClr val="accent1"/>
+          </a:fillRef>
+          <a:effectRef idx="0">
+            <a:schemeClr val="accent1"/>
+          </a:effectRef>
+          <a:fontRef idx="minor">
+            <a:schemeClr val="tx1"/>
+          </a:fontRef>
+        </p:style>
+      </p:cxnSp>
+      <p:sp>
+        <p:nvSpPr>
+          <p:cNvPr id="32" name="TextBox 31">
+            <a:extLst>
+              <a:ext uri="{FF2B5EF4-FFF2-40B4-BE49-F238E27FC236}">
+                <a16:creationId xmlns:a16="http://schemas.microsoft.com/office/drawing/2014/main" id="{D3F124DD-5F09-4246-90A2-D0665E254849}"/>
+              </a:ext>
+            </a:extLst>
+          </p:cNvPr>
+          <p:cNvSpPr txBox="1"/>
+          <p:nvPr/>
+        </p:nvSpPr>
+        <p:spPr>
+          <a:xfrm>
+            <a:off x="2483772" y="1914380"/>
+            <a:ext cx="1512166" cy="307777"/>
+          </a:xfrm>
+          <a:prstGeom prst="rect">
+            <a:avLst/>
+          </a:prstGeom>
+          <a:noFill/>
+        </p:spPr>
+        <p:txBody>
+          <a:bodyPr wrap="square" rtlCol="0" anchor="ctr">
+            <a:spAutoFit/>
+          </a:bodyPr>
+          <a:lstStyle/>
+          <a:p>
+            <a:pPr algn="ctr"/>
+            <a:r>
+              <a:rPr lang="en-US" altLang="ko-KR" sz="1400"/>
+              <a:t>R/W Request</a:t>
+            </a:r>
+            <a:endParaRPr lang="ko-KR" altLang="en-US" sz="1400"/>
+          </a:p>
+        </p:txBody>
+      </p:sp>
+      <p:sp>
+        <p:nvSpPr>
+          <p:cNvPr id="33" name="TextBox 32">
+            <a:extLst>
+              <a:ext uri="{FF2B5EF4-FFF2-40B4-BE49-F238E27FC236}">
+                <a16:creationId xmlns:a16="http://schemas.microsoft.com/office/drawing/2014/main" id="{4D0F5690-DEDA-4325-8C3B-C1E694A3E571}"/>
+              </a:ext>
+            </a:extLst>
+          </p:cNvPr>
+          <p:cNvSpPr txBox="1"/>
+          <p:nvPr/>
+        </p:nvSpPr>
+        <p:spPr>
+          <a:xfrm>
+            <a:off x="5076056" y="1915546"/>
+            <a:ext cx="1512166" cy="307777"/>
+          </a:xfrm>
+          <a:prstGeom prst="rect">
+            <a:avLst/>
+          </a:prstGeom>
+          <a:noFill/>
+        </p:spPr>
+        <p:txBody>
+          <a:bodyPr wrap="square" rtlCol="0" anchor="ctr">
+            <a:spAutoFit/>
+          </a:bodyPr>
+          <a:lstStyle/>
+          <a:p>
+            <a:pPr algn="ctr"/>
+            <a:r>
+              <a:rPr lang="en-US" altLang="ko-KR" sz="1400"/>
+              <a:t>R/W Request</a:t>
+            </a:r>
+            <a:endParaRPr lang="ko-KR" altLang="en-US" sz="1400"/>
+          </a:p>
+        </p:txBody>
+      </p:sp>
+      <p:sp>
+        <p:nvSpPr>
+          <p:cNvPr id="34" name="TextBox 33">
+            <a:extLst>
+              <a:ext uri="{FF2B5EF4-FFF2-40B4-BE49-F238E27FC236}">
+                <a16:creationId xmlns:a16="http://schemas.microsoft.com/office/drawing/2014/main" id="{41532103-6EDB-4FD4-A3B0-AF97E0CA34D5}"/>
+              </a:ext>
+            </a:extLst>
+          </p:cNvPr>
+          <p:cNvSpPr txBox="1"/>
+          <p:nvPr/>
+        </p:nvSpPr>
+        <p:spPr>
+          <a:xfrm>
+            <a:off x="4355978" y="2213451"/>
+            <a:ext cx="1512166" cy="307777"/>
+          </a:xfrm>
+          <a:prstGeom prst="rect">
+            <a:avLst/>
+          </a:prstGeom>
+          <a:noFill/>
+        </p:spPr>
+        <p:txBody>
+          <a:bodyPr wrap="square" rtlCol="0" anchor="ctr">
+            <a:spAutoFit/>
+          </a:bodyPr>
+          <a:lstStyle/>
+          <a:p>
+            <a:pPr algn="ctr"/>
+            <a:r>
+              <a:rPr lang="en-US" altLang="ko-KR" sz="1400"/>
+              <a:t>R/W Request</a:t>
+            </a:r>
+            <a:endParaRPr lang="ko-KR" altLang="en-US" sz="1400"/>
+          </a:p>
+        </p:txBody>
+      </p:sp>
+      <p:sp>
+        <p:nvSpPr>
+          <p:cNvPr id="36" name="TextBox 35">
+            <a:extLst>
+              <a:ext uri="{FF2B5EF4-FFF2-40B4-BE49-F238E27FC236}">
+                <a16:creationId xmlns:a16="http://schemas.microsoft.com/office/drawing/2014/main" id="{A9FB266C-A413-4E91-80A5-6ACC605A284C}"/>
+              </a:ext>
+            </a:extLst>
+          </p:cNvPr>
+          <p:cNvSpPr txBox="1"/>
+          <p:nvPr/>
+        </p:nvSpPr>
+        <p:spPr>
+          <a:xfrm>
+            <a:off x="3779914" y="4659982"/>
+            <a:ext cx="1512166" cy="338554"/>
+          </a:xfrm>
+          <a:prstGeom prst="rect">
+            <a:avLst/>
+          </a:prstGeom>
+          <a:noFill/>
+        </p:spPr>
+        <p:txBody>
+          <a:bodyPr wrap="square" rtlCol="0" anchor="ctr">
+            <a:spAutoFit/>
+          </a:bodyPr>
+          <a:lstStyle/>
+          <a:p>
+            <a:pPr algn="ctr"/>
+            <a:r>
+              <a:rPr lang="en-US" altLang="ko-KR" sz="1600"/>
+              <a:t>Cluster</a:t>
+            </a:r>
+            <a:endParaRPr lang="ko-KR" altLang="en-US" sz="1600"/>
+          </a:p>
+        </p:txBody>
+      </p:sp>
+      <p:cxnSp>
+        <p:nvCxnSpPr>
+          <p:cNvPr id="38" name="직선 화살표 연결선 37">
+            <a:extLst>
+              <a:ext uri="{FF2B5EF4-FFF2-40B4-BE49-F238E27FC236}">
+                <a16:creationId xmlns:a16="http://schemas.microsoft.com/office/drawing/2014/main" id="{7758C0C0-80FB-4E85-BFBC-0C957EED4869}"/>
+              </a:ext>
+            </a:extLst>
+          </p:cNvPr>
+          <p:cNvCxnSpPr>
+            <a:cxnSpLocks/>
+          </p:cNvCxnSpPr>
+          <p:nvPr/>
+        </p:nvCxnSpPr>
+        <p:spPr>
+          <a:xfrm>
+            <a:off x="5069490" y="3795886"/>
+            <a:ext cx="941478" cy="0"/>
+          </a:xfrm>
+          <a:prstGeom prst="straightConnector1">
+            <a:avLst/>
+          </a:prstGeom>
+          <a:ln w="28575">
+            <a:solidFill>
+              <a:schemeClr val="tx1"/>
+            </a:solidFill>
+            <a:headEnd type="arrow" w="med" len="med"/>
+            <a:tailEnd type="arrow" w="med" len="med"/>
+          </a:ln>
+        </p:spPr>
+        <p:style>
+          <a:lnRef idx="1">
+            <a:schemeClr val="accent1"/>
+          </a:lnRef>
+          <a:fillRef idx="0">
+            <a:schemeClr val="accent1"/>
+          </a:fillRef>
+          <a:effectRef idx="0">
+            <a:schemeClr val="accent1"/>
+          </a:effectRef>
+          <a:fontRef idx="minor">
+            <a:schemeClr val="tx1"/>
+          </a:fontRef>
+        </p:style>
+      </p:cxnSp>
+      <p:sp>
+        <p:nvSpPr>
+          <p:cNvPr id="39" name="TextBox 38">
+            <a:extLst>
+              <a:ext uri="{FF2B5EF4-FFF2-40B4-BE49-F238E27FC236}">
+                <a16:creationId xmlns:a16="http://schemas.microsoft.com/office/drawing/2014/main" id="{773B7E90-9D65-48C1-885C-7B3B4E49D5C5}"/>
+              </a:ext>
+            </a:extLst>
+          </p:cNvPr>
+          <p:cNvSpPr txBox="1"/>
+          <p:nvPr/>
+        </p:nvSpPr>
+        <p:spPr>
+          <a:xfrm>
+            <a:off x="2915816" y="3488109"/>
+            <a:ext cx="1224135" cy="307777"/>
+          </a:xfrm>
+          <a:prstGeom prst="rect">
+            <a:avLst/>
+          </a:prstGeom>
+          <a:noFill/>
+        </p:spPr>
+        <p:txBody>
+          <a:bodyPr wrap="square" rtlCol="0" anchor="ctr">
+            <a:spAutoFit/>
+          </a:bodyPr>
+          <a:lstStyle/>
+          <a:p>
+            <a:pPr algn="ctr"/>
+            <a:r>
+              <a:rPr lang="en-US" altLang="ko-KR" sz="1400"/>
+              <a:t>Replication</a:t>
+            </a:r>
+            <a:endParaRPr lang="ko-KR" altLang="en-US" sz="1400"/>
+          </a:p>
+        </p:txBody>
+      </p:sp>
+      <p:sp>
+        <p:nvSpPr>
+          <p:cNvPr id="42" name="TextBox 41">
+            <a:extLst>
+              <a:ext uri="{FF2B5EF4-FFF2-40B4-BE49-F238E27FC236}">
+                <a16:creationId xmlns:a16="http://schemas.microsoft.com/office/drawing/2014/main" id="{B05320F5-0C00-4D1F-B97E-F20064939009}"/>
+              </a:ext>
+            </a:extLst>
+          </p:cNvPr>
+          <p:cNvSpPr txBox="1"/>
+          <p:nvPr/>
+        </p:nvSpPr>
+        <p:spPr>
+          <a:xfrm>
+            <a:off x="4928161" y="3488109"/>
+            <a:ext cx="1224135" cy="307777"/>
+          </a:xfrm>
+          <a:prstGeom prst="rect">
+            <a:avLst/>
+          </a:prstGeom>
+          <a:noFill/>
+        </p:spPr>
+        <p:txBody>
+          <a:bodyPr wrap="square" rtlCol="0" anchor="ctr">
+            <a:spAutoFit/>
+          </a:bodyPr>
+          <a:lstStyle/>
+          <a:p>
+            <a:pPr algn="ctr"/>
+            <a:r>
+              <a:rPr lang="en-US" altLang="ko-KR" sz="1400"/>
+              <a:t>Replication</a:t>
+            </a:r>
+            <a:endParaRPr lang="ko-KR" altLang="en-US" sz="1400"/>
+          </a:p>
+        </p:txBody>
+      </p:sp>
+      <p:sp>
+        <p:nvSpPr>
+          <p:cNvPr id="29" name="순서도: 자기 디스크 28">
+            <a:extLst>
+              <a:ext uri="{FF2B5EF4-FFF2-40B4-BE49-F238E27FC236}">
+                <a16:creationId xmlns:a16="http://schemas.microsoft.com/office/drawing/2014/main" id="{B9D8F20F-9ADA-4336-8C7E-D338A482D597}"/>
+              </a:ext>
+            </a:extLst>
+          </p:cNvPr>
+          <p:cNvSpPr/>
+          <p:nvPr/>
+        </p:nvSpPr>
+        <p:spPr>
+          <a:xfrm>
+            <a:off x="1982399" y="3363838"/>
+            <a:ext cx="1074746" cy="720080"/>
+          </a:xfrm>
+          <a:prstGeom prst="flowChartMagneticDisk">
+            <a:avLst/>
+          </a:prstGeom>
+        </p:spPr>
+        <p:style>
+          <a:lnRef idx="2">
+            <a:schemeClr val="dk1"/>
+          </a:lnRef>
+          <a:fillRef idx="1">
+            <a:schemeClr val="lt1"/>
+          </a:fillRef>
+          <a:effectRef idx="0">
+            <a:schemeClr val="dk1"/>
+          </a:effectRef>
+          <a:fontRef idx="minor">
+            <a:schemeClr val="dk1"/>
+          </a:fontRef>
+        </p:style>
+        <p:txBody>
+          <a:bodyPr rtlCol="0" anchor="b"/>
+          <a:lstStyle/>
+          <a:p>
+            <a:pPr algn="ctr"/>
+            <a:r>
+              <a:rPr lang="en-US" altLang="ko-KR" sz="1600"/>
+              <a:t>wsreq</a:t>
+            </a:r>
+            <a:endParaRPr lang="ko-KR" altLang="en-US" sz="1600"/>
+          </a:p>
+        </p:txBody>
+      </p:sp>
+      <p:sp>
+        <p:nvSpPr>
+          <p:cNvPr id="11" name="순서도: 자기 디스크 10">
+            <a:extLst>
+              <a:ext uri="{FF2B5EF4-FFF2-40B4-BE49-F238E27FC236}">
+                <a16:creationId xmlns:a16="http://schemas.microsoft.com/office/drawing/2014/main" id="{0197D105-FED6-424D-9645-F3D5083B16F8}"/>
+              </a:ext>
+            </a:extLst>
+          </p:cNvPr>
+          <p:cNvSpPr/>
+          <p:nvPr/>
+        </p:nvSpPr>
+        <p:spPr>
+          <a:xfrm>
+            <a:off x="1982399" y="2953276"/>
+            <a:ext cx="1074746" cy="720080"/>
+          </a:xfrm>
+          <a:prstGeom prst="flowChartMagneticDisk">
+            <a:avLst/>
+          </a:prstGeom>
+        </p:spPr>
+        <p:style>
+          <a:lnRef idx="2">
+            <a:schemeClr val="dk1"/>
+          </a:lnRef>
+          <a:fillRef idx="1">
+            <a:schemeClr val="lt1"/>
+          </a:fillRef>
+          <a:effectRef idx="0">
+            <a:schemeClr val="dk1"/>
+          </a:effectRef>
+          <a:fontRef idx="minor">
+            <a:schemeClr val="dk1"/>
+          </a:fontRef>
+        </p:style>
+        <p:txBody>
+          <a:bodyPr rtlCol="0" anchor="ctr"/>
+          <a:lstStyle/>
+          <a:p>
+            <a:pPr algn="ctr"/>
+            <a:endParaRPr lang="ko-KR" altLang="en-US"/>
+          </a:p>
+        </p:txBody>
+      </p:sp>
+      <p:sp>
+        <p:nvSpPr>
+          <p:cNvPr id="37" name="순서도: 자기 디스크 36">
+            <a:extLst>
+              <a:ext uri="{FF2B5EF4-FFF2-40B4-BE49-F238E27FC236}">
+                <a16:creationId xmlns:a16="http://schemas.microsoft.com/office/drawing/2014/main" id="{5D075F26-9981-421D-8454-1B5096BC2463}"/>
+              </a:ext>
+            </a:extLst>
+          </p:cNvPr>
+          <p:cNvSpPr/>
+          <p:nvPr/>
+        </p:nvSpPr>
+        <p:spPr>
+          <a:xfrm>
+            <a:off x="4002415" y="3363838"/>
+            <a:ext cx="1074746" cy="720080"/>
+          </a:xfrm>
+          <a:prstGeom prst="flowChartMagneticDisk">
+            <a:avLst/>
+          </a:prstGeom>
+        </p:spPr>
+        <p:style>
+          <a:lnRef idx="2">
+            <a:schemeClr val="dk1"/>
+          </a:lnRef>
+          <a:fillRef idx="1">
+            <a:schemeClr val="lt1"/>
+          </a:fillRef>
+          <a:effectRef idx="0">
+            <a:schemeClr val="dk1"/>
+          </a:effectRef>
+          <a:fontRef idx="minor">
+            <a:schemeClr val="dk1"/>
+          </a:fontRef>
+        </p:style>
+        <p:txBody>
+          <a:bodyPr rtlCol="0" anchor="b"/>
+          <a:lstStyle/>
+          <a:p>
+            <a:pPr algn="ctr"/>
+            <a:r>
+              <a:rPr lang="en-US" altLang="ko-KR" sz="1600"/>
+              <a:t>wsreq</a:t>
+            </a:r>
+            <a:endParaRPr lang="ko-KR" altLang="en-US" sz="1600"/>
+          </a:p>
+        </p:txBody>
+      </p:sp>
+      <p:sp>
+        <p:nvSpPr>
+          <p:cNvPr id="40" name="순서도: 자기 디스크 39">
+            <a:extLst>
+              <a:ext uri="{FF2B5EF4-FFF2-40B4-BE49-F238E27FC236}">
+                <a16:creationId xmlns:a16="http://schemas.microsoft.com/office/drawing/2014/main" id="{73B4DAD2-D084-4761-B0C5-0D175280EA25}"/>
+              </a:ext>
+            </a:extLst>
+          </p:cNvPr>
+          <p:cNvSpPr/>
+          <p:nvPr/>
+        </p:nvSpPr>
+        <p:spPr>
+          <a:xfrm>
+            <a:off x="6010968" y="3363838"/>
+            <a:ext cx="1074746" cy="720080"/>
+          </a:xfrm>
+          <a:prstGeom prst="flowChartMagneticDisk">
+            <a:avLst/>
+          </a:prstGeom>
+        </p:spPr>
+        <p:style>
+          <a:lnRef idx="2">
+            <a:schemeClr val="dk1"/>
+          </a:lnRef>
+          <a:fillRef idx="1">
+            <a:schemeClr val="lt1"/>
+          </a:fillRef>
+          <a:effectRef idx="0">
+            <a:schemeClr val="dk1"/>
+          </a:effectRef>
+          <a:fontRef idx="minor">
+            <a:schemeClr val="dk1"/>
+          </a:fontRef>
+        </p:style>
+        <p:txBody>
+          <a:bodyPr rtlCol="0" anchor="b"/>
+          <a:lstStyle/>
+          <a:p>
+            <a:pPr algn="ctr"/>
+            <a:r>
+              <a:rPr lang="en-US" altLang="ko-KR" sz="1600"/>
+              <a:t>wsreq</a:t>
+            </a:r>
+            <a:endParaRPr lang="ko-KR" altLang="en-US" sz="1600"/>
+          </a:p>
+        </p:txBody>
+      </p:sp>
+      <p:sp>
+        <p:nvSpPr>
+          <p:cNvPr id="12" name="순서도: 자기 디스크 11">
+            <a:extLst>
+              <a:ext uri="{FF2B5EF4-FFF2-40B4-BE49-F238E27FC236}">
+                <a16:creationId xmlns:a16="http://schemas.microsoft.com/office/drawing/2014/main" id="{525E0FAB-2A3E-4CE8-92A7-899F9B240C20}"/>
+              </a:ext>
+            </a:extLst>
+          </p:cNvPr>
+          <p:cNvSpPr/>
+          <p:nvPr/>
+        </p:nvSpPr>
+        <p:spPr>
+          <a:xfrm>
+            <a:off x="3998623" y="2953276"/>
+            <a:ext cx="1074746" cy="720080"/>
+          </a:xfrm>
+          <a:prstGeom prst="flowChartMagneticDisk">
+            <a:avLst/>
+          </a:prstGeom>
+        </p:spPr>
+        <p:style>
+          <a:lnRef idx="2">
+            <a:schemeClr val="dk1"/>
+          </a:lnRef>
+          <a:fillRef idx="1">
+            <a:schemeClr val="lt1"/>
+          </a:fillRef>
+          <a:effectRef idx="0">
+            <a:schemeClr val="dk1"/>
+          </a:effectRef>
+          <a:fontRef idx="minor">
+            <a:schemeClr val="dk1"/>
+          </a:fontRef>
+        </p:style>
+        <p:txBody>
+          <a:bodyPr rtlCol="0" anchor="ctr"/>
+          <a:lstStyle/>
+          <a:p>
+            <a:pPr algn="ctr"/>
+            <a:endParaRPr lang="ko-KR" altLang="en-US"/>
+          </a:p>
+        </p:txBody>
+      </p:sp>
+      <p:sp>
+        <p:nvSpPr>
+          <p:cNvPr id="13" name="순서도: 자기 디스크 12">
+            <a:extLst>
+              <a:ext uri="{FF2B5EF4-FFF2-40B4-BE49-F238E27FC236}">
+                <a16:creationId xmlns:a16="http://schemas.microsoft.com/office/drawing/2014/main" id="{C5C2DD05-769F-44B8-89AB-BC08E350366C}"/>
+              </a:ext>
+            </a:extLst>
+          </p:cNvPr>
+          <p:cNvSpPr/>
+          <p:nvPr/>
+        </p:nvSpPr>
+        <p:spPr>
+          <a:xfrm>
+            <a:off x="6010968" y="2953276"/>
+            <a:ext cx="1074746" cy="720080"/>
+          </a:xfrm>
+          <a:prstGeom prst="flowChartMagneticDisk">
+            <a:avLst/>
+          </a:prstGeom>
+        </p:spPr>
+        <p:style>
+          <a:lnRef idx="2">
+            <a:schemeClr val="dk1"/>
+          </a:lnRef>
+          <a:fillRef idx="1">
+            <a:schemeClr val="lt1"/>
+          </a:fillRef>
+          <a:effectRef idx="0">
+            <a:schemeClr val="dk1"/>
+          </a:effectRef>
+          <a:fontRef idx="minor">
+            <a:schemeClr val="dk1"/>
+          </a:fontRef>
+        </p:style>
+        <p:txBody>
+          <a:bodyPr rtlCol="0" anchor="ctr"/>
+          <a:lstStyle/>
+          <a:p>
+            <a:pPr algn="ctr"/>
+            <a:endParaRPr lang="ko-KR" altLang="en-US"/>
+          </a:p>
+        </p:txBody>
+      </p:sp>
+    </p:spTree>
+    <p:extLst>
+      <p:ext uri="{BB962C8B-B14F-4D97-AF65-F5344CB8AC3E}">
+        <p14:creationId xmlns:p14="http://schemas.microsoft.com/office/powerpoint/2010/main" val="637923920"/>
       </p:ext>
     </p:extLst>
   </p:cSld>
